--- a/PRISM_MVVM_사용.pptx
+++ b/PRISM_MVVM_사용.pptx
@@ -3003,8 +3003,16 @@
               </a:rPr>
               <a:t>PRISM</a:t>
             </a:r>
+            <a:r>
+              <a:rPr lang="en-US" altLang="ko-KR" sz="2400" dirty="0" smtClean="0">
+                <a:solidFill>
+                  <a:schemeClr val="accent4"/>
+                </a:solidFill>
+              </a:rPr>
+              <a:t/>
+            </a:r>
             <a:br>
-              <a:rPr lang="en-US" altLang="ko-KR" sz="5400" dirty="0" smtClean="0">
+              <a:rPr lang="en-US" altLang="ko-KR" sz="2400" dirty="0" smtClean="0">
                 <a:solidFill>
                   <a:schemeClr val="accent4"/>
                 </a:solidFill>
@@ -3304,11 +3312,7 @@
             </a:r>
             <a:r>
               <a:rPr lang="ko-KR" altLang="en-US" dirty="0" smtClean="0"/>
-              <a:t>가 </a:t>
-            </a:r>
-            <a:r>
-              <a:rPr lang="ko-KR" altLang="en-US" dirty="0" smtClean="0"/>
-              <a:t>변경 될 때 컨트롤에 변경 사실을 알림</a:t>
+              <a:t>가 변경 될 때 컨트롤에 변경 사실을 알림</a:t>
             </a:r>
             <a:endParaRPr lang="en-US" altLang="ko-KR" dirty="0" smtClean="0"/>
           </a:p>
@@ -3723,14 +3727,7 @@
                 <a:latin typeface="+mn-ea"/>
                 <a:cs typeface="함초롬돋움" panose="020B0604000101010101" pitchFamily="50" charset="-127"/>
               </a:rPr>
-              <a:t>모든 </a:t>
-            </a:r>
-            <a:r>
-              <a:rPr lang="ko-KR" altLang="en-US" dirty="0" smtClean="0">
-                <a:latin typeface="+mn-ea"/>
-                <a:cs typeface="함초롬돋움" panose="020B0604000101010101" pitchFamily="50" charset="-127"/>
-              </a:rPr>
-              <a:t>뷰 모델마다 </a:t>
+              <a:t>모든 뷰 모델마다 </a:t>
             </a:r>
             <a:r>
               <a:rPr lang="en-US" altLang="ko-KR" dirty="0" err="1" smtClean="0">
@@ -4483,14 +4480,7 @@
                 <a:latin typeface="+mn-ea"/>
                 <a:cs typeface="함초롬돋움" panose="020B0604000101010101" pitchFamily="50" charset="-127"/>
               </a:rPr>
-              <a:t>뷰 </a:t>
-            </a:r>
-            <a:r>
-              <a:rPr lang="ko-KR" altLang="en-US" dirty="0" smtClean="0">
-                <a:latin typeface="+mn-ea"/>
-                <a:cs typeface="함초롬돋움" panose="020B0604000101010101" pitchFamily="50" charset="-127"/>
-              </a:rPr>
-              <a:t>모델이나 </a:t>
+              <a:t>뷰 모델이나 </a:t>
             </a:r>
             <a:r>
               <a:rPr lang="ko-KR" altLang="en-US" dirty="0" err="1" smtClean="0">
@@ -4504,14 +4494,7 @@
                 <a:latin typeface="+mn-ea"/>
                 <a:cs typeface="함초롬돋움" panose="020B0604000101010101" pitchFamily="50" charset="-127"/>
               </a:rPr>
-              <a:t> </a:t>
-            </a:r>
-            <a:r>
-              <a:rPr lang="ko-KR" altLang="en-US" dirty="0" smtClean="0">
-                <a:latin typeface="+mn-ea"/>
-                <a:cs typeface="함초롬돋움" panose="020B0604000101010101" pitchFamily="50" charset="-127"/>
-              </a:rPr>
-              <a:t>컬렉션 데이터를 바인딩 하기 위한 인터페이스</a:t>
+              <a:t> 컬렉션 데이터를 바인딩 하기 위한 인터페이스</a:t>
             </a:r>
             <a:endParaRPr lang="en-US" altLang="ko-KR" dirty="0" smtClean="0">
               <a:latin typeface="+mn-ea"/>
@@ -5461,21 +5444,7 @@
                 <a:latin typeface="+mn-ea"/>
                 <a:cs typeface="함초롬돋움" panose="020B0604000101010101" pitchFamily="50" charset="-127"/>
               </a:rPr>
-              <a:t>에 </a:t>
-            </a:r>
-            <a:r>
-              <a:rPr lang="ko-KR" altLang="en-US" dirty="0" smtClean="0">
-                <a:latin typeface="+mn-ea"/>
-                <a:cs typeface="함초롬돋움" panose="020B0604000101010101" pitchFamily="50" charset="-127"/>
-              </a:rPr>
-              <a:t>데이터 </a:t>
-            </a:r>
-            <a:r>
-              <a:rPr lang="ko-KR" altLang="en-US" dirty="0" smtClean="0">
-                <a:latin typeface="+mn-ea"/>
-                <a:cs typeface="함초롬돋움" panose="020B0604000101010101" pitchFamily="50" charset="-127"/>
-              </a:rPr>
-              <a:t>외부 표현이 변경 시 변경 사항을 </a:t>
+              <a:t>에 데이터 외부 표현이 변경 시 변경 사항을 </a:t>
             </a:r>
             <a:endParaRPr lang="en-US" altLang="ko-KR" dirty="0">
               <a:latin typeface="+mn-ea"/>
@@ -6104,15 +6073,7 @@
                 <a:ea typeface="함초롬돋움" panose="020B0604000101010101" pitchFamily="50" charset="-127"/>
                 <a:cs typeface="함초롬돋움" panose="020B0604000101010101" pitchFamily="50" charset="-127"/>
               </a:rPr>
-              <a:t>적용 </a:t>
-            </a:r>
-            <a:r>
-              <a:rPr lang="ko-KR" altLang="en-US" dirty="0" smtClean="0">
-                <a:latin typeface="함초롬돋움" panose="020B0604000101010101" pitchFamily="50" charset="-127"/>
-                <a:ea typeface="함초롬돋움" panose="020B0604000101010101" pitchFamily="50" charset="-127"/>
-                <a:cs typeface="함초롬돋움" panose="020B0604000101010101" pitchFamily="50" charset="-127"/>
-              </a:rPr>
-              <a:t>하기</a:t>
+              <a:t>적용 하기</a:t>
             </a:r>
             <a:r>
               <a:rPr lang="en-US" altLang="ko-KR" dirty="0" smtClean="0">
@@ -7032,15 +6993,7 @@
                 <a:ea typeface="함초롬돋움" panose="020B0604000101010101" pitchFamily="50" charset="-127"/>
                 <a:cs typeface="함초롬돋움" panose="020B0604000101010101" pitchFamily="50" charset="-127"/>
               </a:rPr>
-              <a:t>Data </a:t>
-            </a:r>
-            <a:r>
-              <a:rPr lang="en-US" altLang="ko-KR" dirty="0" smtClean="0">
-                <a:latin typeface="함초롬돋움" panose="020B0604000101010101" pitchFamily="50" charset="-127"/>
-                <a:ea typeface="함초롬돋움" panose="020B0604000101010101" pitchFamily="50" charset="-127"/>
-                <a:cs typeface="함초롬돋움" panose="020B0604000101010101" pitchFamily="50" charset="-127"/>
-              </a:rPr>
-              <a:t>Binding </a:t>
+              <a:t>Data Binding </a:t>
             </a:r>
             <a:r>
               <a:rPr lang="ko-KR" altLang="en-US" dirty="0" smtClean="0">
@@ -11625,11 +11578,7 @@
             </a:r>
             <a:r>
               <a:rPr lang="ko-KR" altLang="en-US" sz="2400" dirty="0" smtClean="0"/>
-              <a:t> </a:t>
-            </a:r>
-            <a:r>
-              <a:rPr lang="ko-KR" altLang="en-US" sz="2400" dirty="0" smtClean="0"/>
-              <a:t>구현</a:t>
+              <a:t> 구현</a:t>
             </a:r>
             <a:endParaRPr lang="en-US" altLang="ko-KR" sz="2400" dirty="0" err="1" smtClean="0"/>
           </a:p>

--- a/PRISM_MVVM_사용.pptx
+++ b/PRISM_MVVM_사용.pptx
@@ -9,29 +9,31 @@
     <p:sldId id="401" r:id="rId3"/>
     <p:sldId id="402" r:id="rId4"/>
     <p:sldId id="403" r:id="rId5"/>
-    <p:sldId id="410" r:id="rId6"/>
-    <p:sldId id="411" r:id="rId7"/>
-    <p:sldId id="409" r:id="rId8"/>
-    <p:sldId id="364" r:id="rId9"/>
-    <p:sldId id="361" r:id="rId10"/>
-    <p:sldId id="362" r:id="rId11"/>
-    <p:sldId id="363" r:id="rId12"/>
-    <p:sldId id="365" r:id="rId13"/>
-    <p:sldId id="366" r:id="rId14"/>
-    <p:sldId id="367" r:id="rId15"/>
-    <p:sldId id="368" r:id="rId16"/>
-    <p:sldId id="369" r:id="rId17"/>
-    <p:sldId id="370" r:id="rId18"/>
-    <p:sldId id="371" r:id="rId19"/>
-    <p:sldId id="372" r:id="rId20"/>
-    <p:sldId id="373" r:id="rId21"/>
-    <p:sldId id="394" r:id="rId22"/>
-    <p:sldId id="395" r:id="rId23"/>
-    <p:sldId id="396" r:id="rId24"/>
-    <p:sldId id="397" r:id="rId25"/>
-    <p:sldId id="398" r:id="rId26"/>
-    <p:sldId id="399" r:id="rId27"/>
-    <p:sldId id="400" r:id="rId28"/>
+    <p:sldId id="411" r:id="rId6"/>
+    <p:sldId id="410" r:id="rId7"/>
+    <p:sldId id="412" r:id="rId8"/>
+    <p:sldId id="413" r:id="rId9"/>
+    <p:sldId id="414" r:id="rId10"/>
+    <p:sldId id="364" r:id="rId11"/>
+    <p:sldId id="361" r:id="rId12"/>
+    <p:sldId id="362" r:id="rId13"/>
+    <p:sldId id="363" r:id="rId14"/>
+    <p:sldId id="365" r:id="rId15"/>
+    <p:sldId id="366" r:id="rId16"/>
+    <p:sldId id="367" r:id="rId17"/>
+    <p:sldId id="368" r:id="rId18"/>
+    <p:sldId id="369" r:id="rId19"/>
+    <p:sldId id="370" r:id="rId20"/>
+    <p:sldId id="371" r:id="rId21"/>
+    <p:sldId id="372" r:id="rId22"/>
+    <p:sldId id="373" r:id="rId23"/>
+    <p:sldId id="394" r:id="rId24"/>
+    <p:sldId id="395" r:id="rId25"/>
+    <p:sldId id="396" r:id="rId26"/>
+    <p:sldId id="397" r:id="rId27"/>
+    <p:sldId id="398" r:id="rId28"/>
+    <p:sldId id="399" r:id="rId29"/>
+    <p:sldId id="400" r:id="rId30"/>
   </p:sldIdLst>
   <p:sldSz cx="12192000" cy="6858000"/>
   <p:notesSz cx="6858000" cy="9144000"/>
@@ -410,7 +412,7 @@
           <a:p>
             <a:fld id="{A5796949-F536-47E5-83D3-359ECBD6D674}" type="datetimeFigureOut">
               <a:rPr lang="ko-KR" altLang="en-US" smtClean="0"/>
-              <a:t>2017-03-31</a:t>
+              <a:t>2017-04-02</a:t>
             </a:fld>
             <a:endParaRPr lang="ko-KR" altLang="en-US"/>
           </a:p>
@@ -606,7 +608,7 @@
           <a:p>
             <a:fld id="{A5796949-F536-47E5-83D3-359ECBD6D674}" type="datetimeFigureOut">
               <a:rPr lang="ko-KR" altLang="en-US" smtClean="0"/>
-              <a:t>2017-03-31</a:t>
+              <a:t>2017-04-02</a:t>
             </a:fld>
             <a:endParaRPr lang="ko-KR" altLang="en-US"/>
           </a:p>
@@ -1002,7 +1004,7 @@
           <a:p>
             <a:fld id="{A5796949-F536-47E5-83D3-359ECBD6D674}" type="datetimeFigureOut">
               <a:rPr lang="ko-KR" altLang="en-US" smtClean="0"/>
-              <a:t>2017-03-31</a:t>
+              <a:t>2017-04-02</a:t>
             </a:fld>
             <a:endParaRPr lang="ko-KR" altLang="en-US"/>
           </a:p>
@@ -1250,7 +1252,7 @@
           <a:p>
             <a:fld id="{A5796949-F536-47E5-83D3-359ECBD6D674}" type="datetimeFigureOut">
               <a:rPr lang="ko-KR" altLang="en-US" smtClean="0"/>
-              <a:t>2017-03-31</a:t>
+              <a:t>2017-04-02</a:t>
             </a:fld>
             <a:endParaRPr lang="ko-KR" altLang="en-US"/>
           </a:p>
@@ -1633,7 +1635,7 @@
           <a:p>
             <a:fld id="{A5796949-F536-47E5-83D3-359ECBD6D674}" type="datetimeFigureOut">
               <a:rPr lang="ko-KR" altLang="en-US" smtClean="0"/>
-              <a:t>2017-03-31</a:t>
+              <a:t>2017-04-02</a:t>
             </a:fld>
             <a:endParaRPr lang="ko-KR" altLang="en-US"/>
           </a:p>
@@ -1767,7 +1769,7 @@
           <a:p>
             <a:fld id="{A5796949-F536-47E5-83D3-359ECBD6D674}" type="datetimeFigureOut">
               <a:rPr lang="ko-KR" altLang="en-US" smtClean="0"/>
-              <a:t>2017-03-31</a:t>
+              <a:t>2017-04-02</a:t>
             </a:fld>
             <a:endParaRPr lang="ko-KR" altLang="en-US"/>
           </a:p>
@@ -2114,7 +2116,7 @@
           <a:p>
             <a:fld id="{A5796949-F536-47E5-83D3-359ECBD6D674}" type="datetimeFigureOut">
               <a:rPr lang="ko-KR" altLang="en-US" smtClean="0"/>
-              <a:t>2017-03-31</a:t>
+              <a:t>2017-04-02</a:t>
             </a:fld>
             <a:endParaRPr lang="ko-KR" altLang="en-US"/>
           </a:p>
@@ -2383,7 +2385,7 @@
           <a:p>
             <a:fld id="{A5796949-F536-47E5-83D3-359ECBD6D674}" type="datetimeFigureOut">
               <a:rPr lang="ko-KR" altLang="en-US" smtClean="0"/>
-              <a:t>2017-03-31</a:t>
+              <a:t>2017-04-02</a:t>
             </a:fld>
             <a:endParaRPr lang="ko-KR" altLang="en-US"/>
           </a:p>
@@ -3145,6 +3147,397 @@
           </a:lstStyle>
           <a:p>
             <a:r>
+              <a:rPr lang="en-US" altLang="ko-KR" dirty="0" smtClean="0">
+                <a:latin typeface="함초롬돋움" panose="020B0604000101010101" pitchFamily="50" charset="-127"/>
+                <a:ea typeface="함초롬돋움" panose="020B0604000101010101" pitchFamily="50" charset="-127"/>
+                <a:cs typeface="함초롬돋움" panose="020B0604000101010101" pitchFamily="50" charset="-127"/>
+              </a:rPr>
+              <a:t>Data Binding </a:t>
+            </a:r>
+            <a:r>
+              <a:rPr lang="ko-KR" altLang="en-US" dirty="0" smtClean="0">
+                <a:latin typeface="함초롬돋움" panose="020B0604000101010101" pitchFamily="50" charset="-127"/>
+                <a:ea typeface="함초롬돋움" panose="020B0604000101010101" pitchFamily="50" charset="-127"/>
+                <a:cs typeface="함초롬돋움" panose="020B0604000101010101" pitchFamily="50" charset="-127"/>
+              </a:rPr>
+              <a:t>사용 방법</a:t>
+            </a:r>
+            <a:endParaRPr lang="ko-KR" altLang="en-US" dirty="0">
+              <a:latin typeface="함초롬돋움" panose="020B0604000101010101" pitchFamily="50" charset="-127"/>
+              <a:ea typeface="함초롬돋움" panose="020B0604000101010101" pitchFamily="50" charset="-127"/>
+              <a:cs typeface="함초롬돋움" panose="020B0604000101010101" pitchFamily="50" charset="-127"/>
+            </a:endParaRPr>
+          </a:p>
+        </p:txBody>
+      </p:sp>
+      <p:pic>
+        <p:nvPicPr>
+          <p:cNvPr id="4" name="그림 3"/>
+          <p:cNvPicPr>
+            <a:picLocks noChangeAspect="1"/>
+          </p:cNvPicPr>
+          <p:nvPr/>
+        </p:nvPicPr>
+        <p:blipFill>
+          <a:blip r:embed="rId2"/>
+          <a:stretch>
+            <a:fillRect/>
+          </a:stretch>
+        </p:blipFill>
+        <p:spPr>
+          <a:xfrm>
+            <a:off x="2547937" y="3275647"/>
+            <a:ext cx="7096125" cy="1895475"/>
+          </a:xfrm>
+          <a:prstGeom prst="rect">
+            <a:avLst/>
+          </a:prstGeom>
+          <a:ln>
+            <a:solidFill>
+              <a:schemeClr val="tx1"/>
+            </a:solidFill>
+          </a:ln>
+        </p:spPr>
+      </p:pic>
+    </p:spTree>
+    <p:extLst>
+      <p:ext uri="{BB962C8B-B14F-4D97-AF65-F5344CB8AC3E}">
+        <p14:creationId xmlns:p14="http://schemas.microsoft.com/office/powerpoint/2010/main" val="1032165910"/>
+      </p:ext>
+    </p:extLst>
+  </p:cSld>
+  <p:clrMapOvr>
+    <a:masterClrMapping/>
+  </p:clrMapOvr>
+  <p:timing>
+    <p:tnLst>
+      <p:par>
+        <p:cTn id="1" dur="indefinite" restart="never" nodeType="tmRoot"/>
+      </p:par>
+    </p:tnLst>
+  </p:timing>
+</p:sld>
+</file>
+
+<file path=ppt/slides/slide11.xml><?xml version="1.0" encoding="utf-8"?>
+<p:sld xmlns:a="http://schemas.openxmlformats.org/drawingml/2006/main" xmlns:r="http://schemas.openxmlformats.org/officeDocument/2006/relationships" xmlns:p="http://schemas.openxmlformats.org/presentationml/2006/main">
+  <p:cSld>
+    <p:spTree>
+      <p:nvGrpSpPr>
+        <p:cNvPr id="1" name=""/>
+        <p:cNvGrpSpPr/>
+        <p:nvPr/>
+      </p:nvGrpSpPr>
+      <p:grpSpPr>
+        <a:xfrm>
+          <a:off x="0" y="0"/>
+          <a:ext cx="0" cy="0"/>
+          <a:chOff x="0" y="0"/>
+          <a:chExt cx="0" cy="0"/>
+        </a:xfrm>
+      </p:grpSpPr>
+      <p:sp>
+        <p:nvSpPr>
+          <p:cNvPr id="7" name="제목 1"/>
+          <p:cNvSpPr txBox="1">
+            <a:spLocks/>
+          </p:cNvSpPr>
+          <p:nvPr/>
+        </p:nvSpPr>
+        <p:spPr>
+          <a:xfrm>
+            <a:off x="838200" y="365125"/>
+            <a:ext cx="10515600" cy="1090189"/>
+          </a:xfrm>
+          <a:prstGeom prst="rect">
+            <a:avLst/>
+          </a:prstGeom>
+        </p:spPr>
+        <p:txBody>
+          <a:bodyPr vert="horz" lIns="91440" tIns="45720" rIns="91440" bIns="45720" rtlCol="0" anchor="ctr">
+            <a:normAutofit/>
+          </a:bodyPr>
+          <a:lstStyle>
+            <a:lvl1pPr algn="l" defTabSz="914400" rtl="0" eaLnBrk="1" latinLnBrk="1" hangingPunct="1">
+              <a:lnSpc>
+                <a:spcPct val="90000"/>
+              </a:lnSpc>
+              <a:spcBef>
+                <a:spcPct val="0"/>
+              </a:spcBef>
+              <a:buNone/>
+              <a:defRPr sz="4800" kern="1200">
+                <a:solidFill>
+                  <a:schemeClr val="accent4"/>
+                </a:solidFill>
+                <a:latin typeface="+mj-lt"/>
+                <a:ea typeface="+mj-ea"/>
+                <a:cs typeface="+mj-cs"/>
+              </a:defRPr>
+            </a:lvl1pPr>
+          </a:lstStyle>
+          <a:p>
+            <a:r>
+              <a:rPr lang="en-US" altLang="ko-KR" dirty="0" smtClean="0">
+                <a:latin typeface="함초롬돋움" panose="020B0604000101010101" pitchFamily="50" charset="-127"/>
+                <a:ea typeface="함초롬돋움" panose="020B0604000101010101" pitchFamily="50" charset="-127"/>
+                <a:cs typeface="함초롬돋움" panose="020B0604000101010101" pitchFamily="50" charset="-127"/>
+              </a:rPr>
+              <a:t>Data Binding</a:t>
+            </a:r>
+            <a:endParaRPr lang="ko-KR" altLang="en-US" dirty="0">
+              <a:latin typeface="함초롬돋움" panose="020B0604000101010101" pitchFamily="50" charset="-127"/>
+              <a:ea typeface="함초롬돋움" panose="020B0604000101010101" pitchFamily="50" charset="-127"/>
+              <a:cs typeface="함초롬돋움" panose="020B0604000101010101" pitchFamily="50" charset="-127"/>
+            </a:endParaRPr>
+          </a:p>
+        </p:txBody>
+      </p:sp>
+      <p:sp>
+        <p:nvSpPr>
+          <p:cNvPr id="2" name="내용 개체 틀 1"/>
+          <p:cNvSpPr>
+            <a:spLocks noGrp="1"/>
+          </p:cNvSpPr>
+          <p:nvPr>
+            <p:ph idx="1"/>
+          </p:nvPr>
+        </p:nvSpPr>
+        <p:spPr/>
+        <p:txBody>
+          <a:bodyPr/>
+          <a:lstStyle/>
+          <a:p>
+            <a:r>
+              <a:rPr lang="ko-KR" altLang="en-US" dirty="0">
+                <a:latin typeface="+mn-ea"/>
+                <a:cs typeface="함초롬돋움" panose="020B0604000101010101" pitchFamily="50" charset="-127"/>
+              </a:rPr>
+              <a:t>뷰 </a:t>
+            </a:r>
+            <a:r>
+              <a:rPr lang="ko-KR" altLang="en-US" dirty="0" smtClean="0">
+                <a:latin typeface="+mn-ea"/>
+                <a:cs typeface="함초롬돋움" panose="020B0604000101010101" pitchFamily="50" charset="-127"/>
+              </a:rPr>
+              <a:t>모델에서 </a:t>
+            </a:r>
+            <a:r>
+              <a:rPr lang="en-US" altLang="ko-KR" dirty="0" smtClean="0">
+                <a:latin typeface="+mn-ea"/>
+                <a:cs typeface="함초롬돋움" panose="020B0604000101010101" pitchFamily="50" charset="-127"/>
+              </a:rPr>
+              <a:t>Property</a:t>
+            </a:r>
+            <a:r>
+              <a:rPr lang="ko-KR" altLang="en-US" dirty="0" smtClean="0">
+                <a:latin typeface="+mn-ea"/>
+                <a:cs typeface="함초롬돋움" panose="020B0604000101010101" pitchFamily="50" charset="-127"/>
+              </a:rPr>
+              <a:t>가 </a:t>
+            </a:r>
+            <a:r>
+              <a:rPr lang="ko-KR" altLang="en-US" dirty="0">
+                <a:latin typeface="+mn-ea"/>
+                <a:cs typeface="함초롬돋움" panose="020B0604000101010101" pitchFamily="50" charset="-127"/>
+              </a:rPr>
+              <a:t>변경 되면 </a:t>
+            </a:r>
+            <a:r>
+              <a:rPr lang="en-US" altLang="ko-KR" dirty="0">
+                <a:latin typeface="+mn-ea"/>
+                <a:cs typeface="함초롬돋움" panose="020B0604000101010101" pitchFamily="50" charset="-127"/>
+              </a:rPr>
+              <a:t>UI</a:t>
+            </a:r>
+            <a:r>
+              <a:rPr lang="ko-KR" altLang="en-US" dirty="0">
+                <a:latin typeface="+mn-ea"/>
+                <a:cs typeface="함초롬돋움" panose="020B0604000101010101" pitchFamily="50" charset="-127"/>
+              </a:rPr>
+              <a:t>는 최신 </a:t>
+            </a:r>
+            <a:r>
+              <a:rPr lang="ko-KR" altLang="en-US" dirty="0" smtClean="0">
+                <a:latin typeface="+mn-ea"/>
+                <a:cs typeface="함초롬돋움" panose="020B0604000101010101" pitchFamily="50" charset="-127"/>
+              </a:rPr>
+              <a:t>데이터 상태로 </a:t>
+            </a:r>
+            <a:r>
+              <a:rPr lang="ko-KR" altLang="en-US" dirty="0">
+                <a:latin typeface="+mn-ea"/>
+                <a:cs typeface="함초롬돋움" panose="020B0604000101010101" pitchFamily="50" charset="-127"/>
+              </a:rPr>
+              <a:t>유지해야함</a:t>
+            </a:r>
+            <a:endParaRPr lang="en-US" altLang="ko-KR" dirty="0">
+              <a:latin typeface="+mn-ea"/>
+              <a:cs typeface="함초롬돋움" panose="020B0604000101010101" pitchFamily="50" charset="-127"/>
+            </a:endParaRPr>
+          </a:p>
+          <a:p>
+            <a:pPr marL="0" indent="0">
+              <a:buNone/>
+            </a:pPr>
+            <a:endParaRPr lang="en-US" altLang="ko-KR" dirty="0"/>
+          </a:p>
+        </p:txBody>
+      </p:sp>
+      <p:sp>
+        <p:nvSpPr>
+          <p:cNvPr id="9" name="TextBox 8"/>
+          <p:cNvSpPr txBox="1"/>
+          <p:nvPr/>
+        </p:nvSpPr>
+        <p:spPr>
+          <a:xfrm>
+            <a:off x="3777098" y="3865417"/>
+            <a:ext cx="4637808" cy="1477328"/>
+          </a:xfrm>
+          <a:prstGeom prst="rect">
+            <a:avLst/>
+          </a:prstGeom>
+          <a:noFill/>
+        </p:spPr>
+        <p:txBody>
+          <a:bodyPr wrap="none" rtlCol="0">
+            <a:spAutoFit/>
+          </a:bodyPr>
+          <a:lstStyle/>
+          <a:p>
+            <a:pPr algn="ctr"/>
+            <a:r>
+              <a:rPr lang="ko-KR" altLang="en-US" dirty="0" smtClean="0"/>
+              <a:t>어떻게 </a:t>
+            </a:r>
+            <a:r>
+              <a:rPr lang="en-US" altLang="ko-KR" dirty="0" smtClean="0"/>
+              <a:t>UI</a:t>
+            </a:r>
+            <a:r>
+              <a:rPr lang="ko-KR" altLang="en-US" dirty="0" smtClean="0"/>
+              <a:t>를 최신 데이터 상태로 바꿀까</a:t>
+            </a:r>
+            <a:r>
+              <a:rPr lang="en-US" altLang="ko-KR" dirty="0" smtClean="0"/>
+              <a:t>?</a:t>
+            </a:r>
+            <a:endParaRPr lang="en-US" altLang="ko-KR" dirty="0"/>
+          </a:p>
+          <a:p>
+            <a:pPr algn="ctr"/>
+            <a:endParaRPr lang="en-US" altLang="ko-KR" sz="2400" dirty="0" smtClean="0"/>
+          </a:p>
+          <a:p>
+            <a:pPr algn="ctr"/>
+            <a:r>
+              <a:rPr lang="ko-KR" altLang="en-US" sz="2400" dirty="0" err="1" smtClean="0"/>
+              <a:t>뷰모델에서</a:t>
+            </a:r>
+            <a:r>
+              <a:rPr lang="ko-KR" altLang="en-US" sz="2400" dirty="0" smtClean="0"/>
+              <a:t> 데이터가 변경된</a:t>
+            </a:r>
+            <a:endParaRPr lang="en-US" altLang="ko-KR" sz="2400" dirty="0" smtClean="0"/>
+          </a:p>
+          <a:p>
+            <a:pPr algn="ctr"/>
+            <a:r>
+              <a:rPr lang="ko-KR" altLang="en-US" sz="2400" dirty="0" smtClean="0"/>
+              <a:t>사실을 알려주는 </a:t>
+            </a:r>
+            <a:r>
+              <a:rPr lang="ko-KR" altLang="en-US" sz="2400" dirty="0" err="1" smtClean="0"/>
+              <a:t>인페이스를</a:t>
+            </a:r>
+            <a:r>
+              <a:rPr lang="ko-KR" altLang="en-US" sz="2400" dirty="0" smtClean="0"/>
+              <a:t> 구현</a:t>
+            </a:r>
+            <a:endParaRPr lang="en-US" altLang="ko-KR" sz="2400" dirty="0" err="1" smtClean="0"/>
+          </a:p>
+        </p:txBody>
+      </p:sp>
+    </p:spTree>
+    <p:extLst>
+      <p:ext uri="{BB962C8B-B14F-4D97-AF65-F5344CB8AC3E}">
+        <p14:creationId xmlns:p14="http://schemas.microsoft.com/office/powerpoint/2010/main" val="1436703492"/>
+      </p:ext>
+    </p:extLst>
+  </p:cSld>
+  <p:clrMapOvr>
+    <a:masterClrMapping/>
+  </p:clrMapOvr>
+  <p:timing>
+    <p:tnLst>
+      <p:par>
+        <p:cTn id="1" dur="indefinite" restart="never" nodeType="tmRoot"/>
+      </p:par>
+    </p:tnLst>
+  </p:timing>
+</p:sld>
+</file>
+
+<file path=ppt/slides/slide12.xml><?xml version="1.0" encoding="utf-8"?>
+<p:sld xmlns:a="http://schemas.openxmlformats.org/drawingml/2006/main" xmlns:r="http://schemas.openxmlformats.org/officeDocument/2006/relationships" xmlns:p="http://schemas.openxmlformats.org/presentationml/2006/main">
+  <p:cSld>
+    <p:spTree>
+      <p:nvGrpSpPr>
+        <p:cNvPr id="1" name=""/>
+        <p:cNvGrpSpPr/>
+        <p:nvPr/>
+      </p:nvGrpSpPr>
+      <p:grpSpPr>
+        <a:xfrm>
+          <a:off x="0" y="0"/>
+          <a:ext cx="0" cy="0"/>
+          <a:chOff x="0" y="0"/>
+          <a:chExt cx="0" cy="0"/>
+        </a:xfrm>
+      </p:grpSpPr>
+      <p:sp>
+        <p:nvSpPr>
+          <p:cNvPr id="7" name="제목 1"/>
+          <p:cNvSpPr txBox="1">
+            <a:spLocks/>
+          </p:cNvSpPr>
+          <p:nvPr/>
+        </p:nvSpPr>
+        <p:spPr>
+          <a:xfrm>
+            <a:off x="838200" y="365125"/>
+            <a:ext cx="10515600" cy="1090189"/>
+          </a:xfrm>
+          <a:prstGeom prst="rect">
+            <a:avLst/>
+          </a:prstGeom>
+        </p:spPr>
+        <p:txBody>
+          <a:bodyPr vert="horz" lIns="91440" tIns="45720" rIns="91440" bIns="45720" rtlCol="0" anchor="ctr">
+            <a:normAutofit/>
+          </a:bodyPr>
+          <a:lstStyle>
+            <a:lvl1pPr algn="l" defTabSz="914400" rtl="0" eaLnBrk="1" latinLnBrk="1" hangingPunct="1">
+              <a:lnSpc>
+                <a:spcPct val="90000"/>
+              </a:lnSpc>
+              <a:spcBef>
+                <a:spcPct val="0"/>
+              </a:spcBef>
+              <a:buNone/>
+              <a:defRPr sz="4800" kern="1200">
+                <a:solidFill>
+                  <a:schemeClr val="accent4"/>
+                </a:solidFill>
+                <a:latin typeface="+mj-lt"/>
+                <a:ea typeface="+mj-ea"/>
+                <a:cs typeface="+mj-cs"/>
+              </a:defRPr>
+            </a:lvl1pPr>
+          </a:lstStyle>
+          <a:p>
+            <a:r>
               <a:rPr lang="ko-KR" altLang="en-US" dirty="0" smtClean="0">
                 <a:latin typeface="함초롬돋움" panose="020B0604000101010101" pitchFamily="50" charset="-127"/>
                 <a:ea typeface="함초롬돋움" panose="020B0604000101010101" pitchFamily="50" charset="-127"/>
@@ -3213,7 +3606,7 @@
 </p:sld>
 </file>
 
-<file path=ppt/slides/slide11.xml><?xml version="1.0" encoding="utf-8"?>
+<file path=ppt/slides/slide13.xml><?xml version="1.0" encoding="utf-8"?>
 <p:sld xmlns:a="http://schemas.openxmlformats.org/drawingml/2006/main" xmlns:r="http://schemas.openxmlformats.org/officeDocument/2006/relationships" xmlns:p="http://schemas.openxmlformats.org/presentationml/2006/main">
   <p:cSld>
     <p:spTree>
@@ -3380,7 +3773,7 @@
 </p:sld>
 </file>
 
-<file path=ppt/slides/slide12.xml><?xml version="1.0" encoding="utf-8"?>
+<file path=ppt/slides/slide14.xml><?xml version="1.0" encoding="utf-8"?>
 <p:sld xmlns:a="http://schemas.openxmlformats.org/drawingml/2006/main" xmlns:r="http://schemas.openxmlformats.org/officeDocument/2006/relationships" xmlns:p="http://schemas.openxmlformats.org/presentationml/2006/main">
   <p:cSld>
     <p:spTree>
@@ -3556,8 +3949,8 @@
               <a:buChar char="•"/>
             </a:pPr>
             <a:r>
-              <a:rPr lang="en-US" altLang="ko-KR" dirty="0" err="1" smtClean="0"/>
-              <a:t>Propery</a:t>
+              <a:rPr lang="en-US" altLang="ko-KR" dirty="0" smtClean="0"/>
+              <a:t>Property</a:t>
             </a:r>
             <a:r>
               <a:rPr lang="ko-KR" altLang="en-US" dirty="0" smtClean="0"/>
@@ -3602,8 +3995,8 @@
               <a:t>속성값을 변경할지 </a:t>
             </a:r>
             <a:r>
-              <a:rPr lang="en-US" altLang="ko-KR" dirty="0" err="1" smtClean="0"/>
-              <a:t>PropertyChangeEventArgs</a:t>
+              <a:rPr lang="en-US" altLang="ko-KR" smtClean="0"/>
+              <a:t>PropertyChangedEventArgs</a:t>
             </a:r>
             <a:r>
               <a:rPr lang="ko-KR" altLang="en-US" dirty="0" smtClean="0"/>
@@ -3633,7 +4026,7 @@
 </p:sld>
 </file>
 
-<file path=ppt/slides/slide13.xml><?xml version="1.0" encoding="utf-8"?>
+<file path=ppt/slides/slide15.xml><?xml version="1.0" encoding="utf-8"?>
 <p:sld xmlns:a="http://schemas.openxmlformats.org/drawingml/2006/main" xmlns:r="http://schemas.openxmlformats.org/officeDocument/2006/relationships" xmlns:p="http://schemas.openxmlformats.org/presentationml/2006/main">
   <p:cSld>
     <p:spTree>
@@ -3914,7 +4307,7 @@
 </p:sld>
 </file>
 
-<file path=ppt/slides/slide14.xml><?xml version="1.0" encoding="utf-8"?>
+<file path=ppt/slides/slide16.xml><?xml version="1.0" encoding="utf-8"?>
 <p:sld xmlns:a="http://schemas.openxmlformats.org/drawingml/2006/main" xmlns:r="http://schemas.openxmlformats.org/officeDocument/2006/relationships" xmlns:p="http://schemas.openxmlformats.org/presentationml/2006/main">
   <p:cSld>
     <p:spTree>
@@ -4178,7 +4571,7 @@
 </p:sld>
 </file>
 
-<file path=ppt/slides/slide15.xml><?xml version="1.0" encoding="utf-8"?>
+<file path=ppt/slides/slide17.xml><?xml version="1.0" encoding="utf-8"?>
 <p:sld xmlns:a="http://schemas.openxmlformats.org/drawingml/2006/main" xmlns:r="http://schemas.openxmlformats.org/officeDocument/2006/relationships" xmlns:p="http://schemas.openxmlformats.org/presentationml/2006/main">
   <p:cSld>
     <p:spTree>
@@ -4386,7 +4779,7 @@
 </p:sld>
 </file>
 
-<file path=ppt/slides/slide16.xml><?xml version="1.0" encoding="utf-8"?>
+<file path=ppt/slides/slide18.xml><?xml version="1.0" encoding="utf-8"?>
 <p:sld xmlns:a="http://schemas.openxmlformats.org/drawingml/2006/main" xmlns:r="http://schemas.openxmlformats.org/officeDocument/2006/relationships" xmlns:p="http://schemas.openxmlformats.org/presentationml/2006/main">
   <p:cSld>
     <p:spTree>
@@ -4476,25 +4869,39 @@
           <a:lstStyle/>
           <a:p>
             <a:r>
+              <a:rPr lang="en-US" altLang="ko-KR" dirty="0" smtClean="0">
+                <a:latin typeface="+mn-ea"/>
+                <a:cs typeface="함초롬돋움" panose="020B0604000101010101" pitchFamily="50" charset="-127"/>
+              </a:rPr>
+              <a:t>UI</a:t>
+            </a:r>
+            <a:r>
               <a:rPr lang="ko-KR" altLang="en-US" dirty="0" smtClean="0">
                 <a:latin typeface="+mn-ea"/>
                 <a:cs typeface="함초롬돋움" panose="020B0604000101010101" pitchFamily="50" charset="-127"/>
               </a:rPr>
-              <a:t>뷰 모델이나 </a:t>
-            </a:r>
-            <a:r>
-              <a:rPr lang="ko-KR" altLang="en-US" dirty="0" err="1" smtClean="0">
-                <a:latin typeface="+mn-ea"/>
-                <a:cs typeface="함초롬돋움" panose="020B0604000101010101" pitchFamily="50" charset="-127"/>
-              </a:rPr>
-              <a:t>모델으</a:t>
+              <a:t>에 뷰 </a:t>
             </a:r>
             <a:r>
               <a:rPr lang="ko-KR" altLang="en-US" dirty="0" smtClean="0">
                 <a:latin typeface="+mn-ea"/>
                 <a:cs typeface="함초롬돋움" panose="020B0604000101010101" pitchFamily="50" charset="-127"/>
               </a:rPr>
-              <a:t> 컬렉션 데이터를 바인딩 하기 위한 인터페이스</a:t>
+              <a:t>모델이나 </a:t>
+            </a:r>
+            <a:r>
+              <a:rPr lang="ko-KR" altLang="en-US" dirty="0" smtClean="0">
+                <a:latin typeface="+mn-ea"/>
+                <a:cs typeface="함초롬돋움" panose="020B0604000101010101" pitchFamily="50" charset="-127"/>
+              </a:rPr>
+              <a:t>모델의 </a:t>
+            </a:r>
+            <a:r>
+              <a:rPr lang="ko-KR" altLang="en-US" dirty="0" smtClean="0">
+                <a:latin typeface="+mn-ea"/>
+                <a:cs typeface="함초롬돋움" panose="020B0604000101010101" pitchFamily="50" charset="-127"/>
+              </a:rPr>
+              <a:t>컬렉션 데이터를 바인딩 하기 위한 인터페이스</a:t>
             </a:r>
             <a:endParaRPr lang="en-US" altLang="ko-KR" dirty="0" smtClean="0">
               <a:latin typeface="+mn-ea"/>
@@ -4555,7 +4962,7 @@
 </p:sld>
 </file>
 
-<file path=ppt/slides/slide17.xml><?xml version="1.0" encoding="utf-8"?>
+<file path=ppt/slides/slide19.xml><?xml version="1.0" encoding="utf-8"?>
 <p:sld xmlns:a="http://schemas.openxmlformats.org/drawingml/2006/main" xmlns:r="http://schemas.openxmlformats.org/officeDocument/2006/relationships" xmlns:p="http://schemas.openxmlformats.org/presentationml/2006/main">
   <p:cSld>
     <p:spTree>
@@ -4763,7 +5170,185 @@
 </p:sld>
 </file>
 
-<file path=ppt/slides/slide18.xml><?xml version="1.0" encoding="utf-8"?>
+<file path=ppt/slides/slide2.xml><?xml version="1.0" encoding="utf-8"?>
+<p:sld xmlns:a="http://schemas.openxmlformats.org/drawingml/2006/main" xmlns:r="http://schemas.openxmlformats.org/officeDocument/2006/relationships" xmlns:p="http://schemas.openxmlformats.org/presentationml/2006/main">
+  <p:cSld>
+    <p:spTree>
+      <p:nvGrpSpPr>
+        <p:cNvPr id="1" name=""/>
+        <p:cNvGrpSpPr/>
+        <p:nvPr/>
+      </p:nvGrpSpPr>
+      <p:grpSpPr>
+        <a:xfrm>
+          <a:off x="0" y="0"/>
+          <a:ext cx="0" cy="0"/>
+          <a:chOff x="0" y="0"/>
+          <a:chExt cx="0" cy="0"/>
+        </a:xfrm>
+      </p:grpSpPr>
+      <p:sp>
+        <p:nvSpPr>
+          <p:cNvPr id="7" name="제목 1"/>
+          <p:cNvSpPr txBox="1">
+            <a:spLocks/>
+          </p:cNvSpPr>
+          <p:nvPr/>
+        </p:nvSpPr>
+        <p:spPr>
+          <a:xfrm>
+            <a:off x="838200" y="365125"/>
+            <a:ext cx="10515600" cy="1090189"/>
+          </a:xfrm>
+          <a:prstGeom prst="rect">
+            <a:avLst/>
+          </a:prstGeom>
+        </p:spPr>
+        <p:txBody>
+          <a:bodyPr vert="horz" lIns="91440" tIns="45720" rIns="91440" bIns="45720" rtlCol="0" anchor="ctr">
+            <a:normAutofit/>
+          </a:bodyPr>
+          <a:lstStyle>
+            <a:lvl1pPr algn="l" defTabSz="914400" rtl="0" eaLnBrk="1" latinLnBrk="1" hangingPunct="1">
+              <a:lnSpc>
+                <a:spcPct val="90000"/>
+              </a:lnSpc>
+              <a:spcBef>
+                <a:spcPct val="0"/>
+              </a:spcBef>
+              <a:buNone/>
+              <a:defRPr sz="4800" kern="1200">
+                <a:solidFill>
+                  <a:schemeClr val="accent4"/>
+                </a:solidFill>
+                <a:latin typeface="+mj-lt"/>
+                <a:ea typeface="+mj-ea"/>
+                <a:cs typeface="+mj-cs"/>
+              </a:defRPr>
+            </a:lvl1pPr>
+          </a:lstStyle>
+          <a:p>
+            <a:r>
+              <a:rPr lang="en-US" altLang="ko-KR" dirty="0" smtClean="0">
+                <a:latin typeface="함초롬돋움" panose="020B0604000101010101" pitchFamily="50" charset="-127"/>
+                <a:ea typeface="함초롬돋움" panose="020B0604000101010101" pitchFamily="50" charset="-127"/>
+                <a:cs typeface="함초롬돋움" panose="020B0604000101010101" pitchFamily="50" charset="-127"/>
+              </a:rPr>
+              <a:t>Data Binding </a:t>
+            </a:r>
+            <a:r>
+              <a:rPr lang="ko-KR" altLang="en-US" dirty="0" smtClean="0">
+                <a:latin typeface="함초롬돋움" panose="020B0604000101010101" pitchFamily="50" charset="-127"/>
+                <a:ea typeface="함초롬돋움" panose="020B0604000101010101" pitchFamily="50" charset="-127"/>
+                <a:cs typeface="함초롬돋움" panose="020B0604000101010101" pitchFamily="50" charset="-127"/>
+              </a:rPr>
+              <a:t>소개</a:t>
+            </a:r>
+            <a:endParaRPr lang="ko-KR" altLang="en-US" dirty="0">
+              <a:latin typeface="함초롬돋움" panose="020B0604000101010101" pitchFamily="50" charset="-127"/>
+              <a:ea typeface="함초롬돋움" panose="020B0604000101010101" pitchFamily="50" charset="-127"/>
+              <a:cs typeface="함초롬돋움" panose="020B0604000101010101" pitchFamily="50" charset="-127"/>
+            </a:endParaRPr>
+          </a:p>
+        </p:txBody>
+      </p:sp>
+      <p:sp>
+        <p:nvSpPr>
+          <p:cNvPr id="2" name="내용 개체 틀 1"/>
+          <p:cNvSpPr>
+            <a:spLocks noGrp="1"/>
+          </p:cNvSpPr>
+          <p:nvPr>
+            <p:ph idx="1"/>
+          </p:nvPr>
+        </p:nvSpPr>
+        <p:spPr/>
+        <p:txBody>
+          <a:bodyPr/>
+          <a:lstStyle/>
+          <a:p>
+            <a:r>
+              <a:rPr lang="en-US" altLang="ko-KR" dirty="0" smtClean="0">
+                <a:latin typeface="+mn-ea"/>
+                <a:cs typeface="함초롬돋움" panose="020B0604000101010101" pitchFamily="50" charset="-127"/>
+              </a:rPr>
+              <a:t>UI</a:t>
+            </a:r>
+            <a:r>
+              <a:rPr lang="ko-KR" altLang="en-US" dirty="0" smtClean="0">
+                <a:latin typeface="+mn-ea"/>
+                <a:cs typeface="함초롬돋움" panose="020B0604000101010101" pitchFamily="50" charset="-127"/>
+              </a:rPr>
+              <a:t>와 비즈니스 </a:t>
+            </a:r>
+            <a:r>
+              <a:rPr lang="ko-KR" altLang="en-US" dirty="0" err="1" smtClean="0">
+                <a:latin typeface="+mn-ea"/>
+                <a:cs typeface="함초롬돋움" panose="020B0604000101010101" pitchFamily="50" charset="-127"/>
+              </a:rPr>
+              <a:t>로직</a:t>
+            </a:r>
+            <a:r>
+              <a:rPr lang="ko-KR" altLang="en-US" dirty="0" smtClean="0">
+                <a:latin typeface="+mn-ea"/>
+                <a:cs typeface="함초롬돋움" panose="020B0604000101010101" pitchFamily="50" charset="-127"/>
+              </a:rPr>
+              <a:t> 사이 간에 연결을 설정 하는 과정</a:t>
+            </a:r>
+            <a:endParaRPr lang="en-US" altLang="ko-KR" dirty="0">
+              <a:latin typeface="+mn-ea"/>
+              <a:cs typeface="함초롬돋움" panose="020B0604000101010101" pitchFamily="50" charset="-127"/>
+            </a:endParaRPr>
+          </a:p>
+          <a:p>
+            <a:endParaRPr lang="en-US" altLang="ko-KR" dirty="0" smtClean="0">
+              <a:latin typeface="+mn-ea"/>
+              <a:cs typeface="함초롬돋움" panose="020B0604000101010101" pitchFamily="50" charset="-127"/>
+            </a:endParaRPr>
+          </a:p>
+          <a:p>
+            <a:r>
+              <a:rPr lang="en-US" altLang="ko-KR" dirty="0" smtClean="0">
+                <a:latin typeface="+mn-ea"/>
+                <a:cs typeface="함초롬돋움" panose="020B0604000101010101" pitchFamily="50" charset="-127"/>
+              </a:rPr>
+              <a:t>UI</a:t>
+            </a:r>
+            <a:r>
+              <a:rPr lang="ko-KR" altLang="en-US" dirty="0" smtClean="0">
+                <a:latin typeface="+mn-ea"/>
+                <a:cs typeface="함초롬돋움" panose="020B0604000101010101" pitchFamily="50" charset="-127"/>
+              </a:rPr>
+              <a:t>에 데이터 외부 표현이 변경 시 변경 사항을 </a:t>
+            </a:r>
+            <a:endParaRPr lang="en-US" altLang="ko-KR" dirty="0">
+              <a:latin typeface="+mn-ea"/>
+              <a:cs typeface="함초롬돋움" panose="020B0604000101010101" pitchFamily="50" charset="-127"/>
+            </a:endParaRPr>
+          </a:p>
+        </p:txBody>
+      </p:sp>
+    </p:spTree>
+    <p:extLst>
+      <p:ext uri="{BB962C8B-B14F-4D97-AF65-F5344CB8AC3E}">
+        <p14:creationId xmlns:p14="http://schemas.microsoft.com/office/powerpoint/2010/main" val="1048875968"/>
+      </p:ext>
+    </p:extLst>
+  </p:cSld>
+  <p:clrMapOvr>
+    <a:masterClrMapping/>
+  </p:clrMapOvr>
+  <p:timing>
+    <p:tnLst>
+      <p:par>
+        <p:cTn id="1" dur="indefinite" restart="never" nodeType="tmRoot"/>
+      </p:par>
+    </p:tnLst>
+  </p:timing>
+</p:sld>
+</file>
+
+<file path=ppt/slides/slide20.xml><?xml version="1.0" encoding="utf-8"?>
 <p:sld xmlns:a="http://schemas.openxmlformats.org/drawingml/2006/main" xmlns:r="http://schemas.openxmlformats.org/officeDocument/2006/relationships" xmlns:p="http://schemas.openxmlformats.org/presentationml/2006/main">
   <p:cSld>
     <p:spTree>
@@ -5136,7 +5721,7 @@
 </p:sld>
 </file>
 
-<file path=ppt/slides/slide19.xml><?xml version="1.0" encoding="utf-8"?>
+<file path=ppt/slides/slide21.xml><?xml version="1.0" encoding="utf-8"?>
 <p:sld xmlns:a="http://schemas.openxmlformats.org/drawingml/2006/main" xmlns:r="http://schemas.openxmlformats.org/officeDocument/2006/relationships" xmlns:p="http://schemas.openxmlformats.org/presentationml/2006/main">
   <p:cSld>
     <p:spTree>
@@ -5295,7 +5880,7 @@
 </p:sld>
 </file>
 
-<file path=ppt/slides/slide2.xml><?xml version="1.0" encoding="utf-8"?>
+<file path=ppt/slides/slide22.xml><?xml version="1.0" encoding="utf-8"?>
 <p:sld xmlns:a="http://schemas.openxmlformats.org/drawingml/2006/main" xmlns:r="http://schemas.openxmlformats.org/officeDocument/2006/relationships" xmlns:p="http://schemas.openxmlformats.org/presentationml/2006/main">
   <p:cSld>
     <p:spTree>
@@ -5354,20 +5939,12 @@
           </a:lstStyle>
           <a:p>
             <a:r>
-              <a:rPr lang="en-US" altLang="ko-KR" dirty="0" smtClean="0">
-                <a:latin typeface="함초롬돋움" panose="020B0604000101010101" pitchFamily="50" charset="-127"/>
-                <a:ea typeface="함초롬돋움" panose="020B0604000101010101" pitchFamily="50" charset="-127"/>
-                <a:cs typeface="함초롬돋움" panose="020B0604000101010101" pitchFamily="50" charset="-127"/>
-              </a:rPr>
-              <a:t>Data Binding </a:t>
-            </a:r>
-            <a:r>
               <a:rPr lang="ko-KR" altLang="en-US" dirty="0" smtClean="0">
                 <a:latin typeface="함초롬돋움" panose="020B0604000101010101" pitchFamily="50" charset="-127"/>
                 <a:ea typeface="함초롬돋움" panose="020B0604000101010101" pitchFamily="50" charset="-127"/>
                 <a:cs typeface="함초롬돋움" panose="020B0604000101010101" pitchFamily="50" charset="-127"/>
               </a:rPr>
-              <a:t>소개</a:t>
+              <a:t>더 나아가기 </a:t>
             </a:r>
             <a:endParaRPr lang="ko-KR" altLang="en-US" dirty="0">
               <a:latin typeface="함초롬돋움" panose="020B0604000101010101" pitchFamily="50" charset="-127"/>
@@ -5393,70 +5970,181 @@
           <a:lstStyle/>
           <a:p>
             <a:r>
+              <a:rPr lang="ko-KR" altLang="en-US" dirty="0" smtClean="0">
+                <a:latin typeface="+mn-ea"/>
+                <a:cs typeface="함초롬돋움" panose="020B0604000101010101" pitchFamily="50" charset="-127"/>
+              </a:rPr>
+              <a:t>해당 프로그램에 컬렉션을 </a:t>
+            </a:r>
+            <a:r>
+              <a:rPr lang="ko-KR" altLang="en-US" dirty="0" err="1" smtClean="0">
+                <a:latin typeface="+mn-ea"/>
+                <a:cs typeface="함초롬돋움" panose="020B0604000101010101" pitchFamily="50" charset="-127"/>
+              </a:rPr>
+              <a:t>필터링</a:t>
+            </a:r>
+            <a:r>
               <a:rPr lang="en-US" altLang="ko-KR" dirty="0" smtClean="0">
                 <a:latin typeface="+mn-ea"/>
                 <a:cs typeface="함초롬돋움" panose="020B0604000101010101" pitchFamily="50" charset="-127"/>
               </a:rPr>
-              <a:t>UI</a:t>
+              <a:t>, </a:t>
             </a:r>
             <a:r>
               <a:rPr lang="ko-KR" altLang="en-US" dirty="0" smtClean="0">
                 <a:latin typeface="+mn-ea"/>
                 <a:cs typeface="함초롬돋움" panose="020B0604000101010101" pitchFamily="50" charset="-127"/>
               </a:rPr>
-              <a:t>와 비즈니스 </a:t>
-            </a:r>
-            <a:r>
-              <a:rPr lang="ko-KR" altLang="en-US" dirty="0" err="1" smtClean="0">
+              <a:t>정렬</a:t>
+            </a:r>
+            <a:r>
+              <a:rPr lang="en-US" altLang="ko-KR" dirty="0" smtClean="0">
                 <a:latin typeface="+mn-ea"/>
                 <a:cs typeface="함초롬돋움" panose="020B0604000101010101" pitchFamily="50" charset="-127"/>
               </a:rPr>
-              <a:t>로직</a:t>
+              <a:t>, </a:t>
             </a:r>
             <a:r>
               <a:rPr lang="ko-KR" altLang="en-US" dirty="0" smtClean="0">
                 <a:latin typeface="+mn-ea"/>
                 <a:cs typeface="함초롬돋움" panose="020B0604000101010101" pitchFamily="50" charset="-127"/>
               </a:rPr>
-              <a:t> 사이 간에 연결을 설정 하는 과정</a:t>
-            </a:r>
-            <a:endParaRPr lang="en-US" altLang="ko-KR" dirty="0">
-              <a:latin typeface="+mn-ea"/>
-              <a:cs typeface="함초롬돋움" panose="020B0604000101010101" pitchFamily="50" charset="-127"/>
-            </a:endParaRPr>
-          </a:p>
-          <a:p>
+              <a:t>그룹화 기능 추가 해야함</a:t>
+            </a:r>
             <a:endParaRPr lang="en-US" altLang="ko-KR" dirty="0" smtClean="0">
               <a:latin typeface="+mn-ea"/>
               <a:cs typeface="함초롬돋움" panose="020B0604000101010101" pitchFamily="50" charset="-127"/>
             </a:endParaRPr>
           </a:p>
           <a:p>
+            <a:endParaRPr lang="en-US" altLang="ko-KR" dirty="0" smtClean="0">
+              <a:latin typeface="+mn-ea"/>
+              <a:cs typeface="함초롬돋움" panose="020B0604000101010101" pitchFamily="50" charset="-127"/>
+            </a:endParaRPr>
+          </a:p>
+          <a:p>
+            <a:r>
+              <a:rPr lang="ko-KR" altLang="en-US" dirty="0" smtClean="0">
+                <a:latin typeface="+mn-ea"/>
+                <a:cs typeface="함초롬돋움" panose="020B0604000101010101" pitchFamily="50" charset="-127"/>
+              </a:rPr>
+              <a:t>단</a:t>
+            </a:r>
             <a:r>
               <a:rPr lang="en-US" altLang="ko-KR" dirty="0" smtClean="0">
                 <a:latin typeface="+mn-ea"/>
                 <a:cs typeface="함초롬돋움" panose="020B0604000101010101" pitchFamily="50" charset="-127"/>
               </a:rPr>
-              <a:t>UI</a:t>
+              <a:t>,</a:t>
             </a:r>
             <a:r>
               <a:rPr lang="ko-KR" altLang="en-US" dirty="0" smtClean="0">
                 <a:latin typeface="+mn-ea"/>
                 <a:cs typeface="함초롬돋움" panose="020B0604000101010101" pitchFamily="50" charset="-127"/>
               </a:rPr>
-              <a:t>에 데이터 외부 표현이 변경 시 변경 사항을 </a:t>
-            </a:r>
-            <a:endParaRPr lang="en-US" altLang="ko-KR" dirty="0">
+              <a:t> 컬렉션 데이터를 유지해야함</a:t>
+            </a:r>
+            <a:endParaRPr lang="en-US" altLang="ko-KR" dirty="0" smtClean="0">
               <a:latin typeface="+mn-ea"/>
               <a:cs typeface="함초롬돋움" panose="020B0604000101010101" pitchFamily="50" charset="-127"/>
             </a:endParaRPr>
           </a:p>
+          <a:p>
+            <a:pPr marL="0" indent="0">
+              <a:buNone/>
+            </a:pPr>
+            <a:endParaRPr lang="en-US" altLang="ko-KR" dirty="0"/>
+          </a:p>
+          <a:p>
+            <a:endParaRPr lang="en-US" altLang="ko-KR" dirty="0"/>
+          </a:p>
+        </p:txBody>
+      </p:sp>
+      <p:sp>
+        <p:nvSpPr>
+          <p:cNvPr id="9" name="TextBox 8"/>
+          <p:cNvSpPr txBox="1"/>
+          <p:nvPr/>
+        </p:nvSpPr>
+        <p:spPr>
+          <a:xfrm>
+            <a:off x="4453567" y="4272741"/>
+            <a:ext cx="3284874" cy="2062103"/>
+          </a:xfrm>
+          <a:prstGeom prst="rect">
+            <a:avLst/>
+          </a:prstGeom>
+          <a:noFill/>
+        </p:spPr>
+        <p:txBody>
+          <a:bodyPr wrap="none" rtlCol="0">
+            <a:spAutoFit/>
+          </a:bodyPr>
+          <a:lstStyle/>
+          <a:p>
+            <a:pPr algn="ctr"/>
+            <a:r>
+              <a:rPr lang="ko-KR" altLang="en-US" dirty="0" err="1" smtClean="0"/>
+              <a:t>컬렌션</a:t>
+            </a:r>
+            <a:r>
+              <a:rPr lang="ko-KR" altLang="en-US" dirty="0" smtClean="0"/>
+              <a:t> 데이터를 유지하면서 </a:t>
+            </a:r>
+            <a:endParaRPr lang="en-US" altLang="ko-KR" dirty="0" smtClean="0"/>
+          </a:p>
+          <a:p>
+            <a:pPr algn="ctr"/>
+            <a:r>
+              <a:rPr lang="ko-KR" altLang="en-US" dirty="0" smtClean="0"/>
+              <a:t>기능을 확장 시킬 수는 없을까</a:t>
+            </a:r>
+            <a:r>
+              <a:rPr lang="en-US" altLang="ko-KR" dirty="0" smtClean="0"/>
+              <a:t>?</a:t>
+            </a:r>
+          </a:p>
+          <a:p>
+            <a:pPr algn="ctr"/>
+            <a:endParaRPr lang="en-US" altLang="ko-KR" dirty="0"/>
+          </a:p>
+          <a:p>
+            <a:pPr algn="ctr"/>
+            <a:r>
+              <a:rPr lang="ko-KR" altLang="en-US" sz="3200" dirty="0" smtClean="0"/>
+              <a:t>있다</a:t>
+            </a:r>
+            <a:r>
+              <a:rPr lang="en-US" altLang="ko-KR" sz="3200" dirty="0" smtClean="0"/>
+              <a:t>!</a:t>
+            </a:r>
+          </a:p>
+          <a:p>
+            <a:pPr algn="ctr"/>
+            <a:endParaRPr lang="en-US" altLang="ko-KR" dirty="0"/>
+          </a:p>
+          <a:p>
+            <a:pPr algn="ctr"/>
+            <a:r>
+              <a:rPr lang="en-US" altLang="ko-KR" sz="2400" dirty="0" err="1" smtClean="0"/>
+              <a:t>ICollectionView</a:t>
+            </a:r>
+            <a:r>
+              <a:rPr lang="en-US" altLang="ko-KR" sz="2400" dirty="0" smtClean="0"/>
+              <a:t> </a:t>
+            </a:r>
+            <a:r>
+              <a:rPr lang="ko-KR" altLang="en-US" sz="2400" dirty="0" smtClean="0"/>
+              <a:t>사용</a:t>
+            </a:r>
+            <a:endParaRPr lang="en-US" altLang="ko-KR" sz="2400" dirty="0" smtClean="0"/>
+          </a:p>
         </p:txBody>
       </p:sp>
     </p:spTree>
     <p:extLst>
       <p:ext uri="{BB962C8B-B14F-4D97-AF65-F5344CB8AC3E}">
-        <p14:creationId xmlns:p14="http://schemas.microsoft.com/office/powerpoint/2010/main" val="1048875968"/>
+        <p14:creationId xmlns:p14="http://schemas.microsoft.com/office/powerpoint/2010/main" val="1628700263"/>
       </p:ext>
     </p:extLst>
   </p:cSld>
@@ -5473,7 +6161,7 @@
 </p:sld>
 </file>
 
-<file path=ppt/slides/slide20.xml><?xml version="1.0" encoding="utf-8"?>
+<file path=ppt/slides/slide23.xml><?xml version="1.0" encoding="utf-8"?>
 <p:sld xmlns:a="http://schemas.openxmlformats.org/drawingml/2006/main" xmlns:r="http://schemas.openxmlformats.org/officeDocument/2006/relationships" xmlns:p="http://schemas.openxmlformats.org/presentationml/2006/main">
   <p:cSld>
     <p:spTree>
@@ -5532,287 +6220,6 @@
           </a:lstStyle>
           <a:p>
             <a:r>
-              <a:rPr lang="ko-KR" altLang="en-US" dirty="0" smtClean="0">
-                <a:latin typeface="함초롬돋움" panose="020B0604000101010101" pitchFamily="50" charset="-127"/>
-                <a:ea typeface="함초롬돋움" panose="020B0604000101010101" pitchFamily="50" charset="-127"/>
-                <a:cs typeface="함초롬돋움" panose="020B0604000101010101" pitchFamily="50" charset="-127"/>
-              </a:rPr>
-              <a:t>더 나아가기 </a:t>
-            </a:r>
-            <a:endParaRPr lang="ko-KR" altLang="en-US" dirty="0">
-              <a:latin typeface="함초롬돋움" panose="020B0604000101010101" pitchFamily="50" charset="-127"/>
-              <a:ea typeface="함초롬돋움" panose="020B0604000101010101" pitchFamily="50" charset="-127"/>
-              <a:cs typeface="함초롬돋움" panose="020B0604000101010101" pitchFamily="50" charset="-127"/>
-            </a:endParaRPr>
-          </a:p>
-        </p:txBody>
-      </p:sp>
-      <p:sp>
-        <p:nvSpPr>
-          <p:cNvPr id="2" name="내용 개체 틀 1"/>
-          <p:cNvSpPr>
-            <a:spLocks noGrp="1"/>
-          </p:cNvSpPr>
-          <p:nvPr>
-            <p:ph idx="1"/>
-          </p:nvPr>
-        </p:nvSpPr>
-        <p:spPr/>
-        <p:txBody>
-          <a:bodyPr/>
-          <a:lstStyle/>
-          <a:p>
-            <a:r>
-              <a:rPr lang="ko-KR" altLang="en-US" dirty="0" smtClean="0">
-                <a:latin typeface="+mn-ea"/>
-                <a:cs typeface="함초롬돋움" panose="020B0604000101010101" pitchFamily="50" charset="-127"/>
-              </a:rPr>
-              <a:t>해당 프로그램에 컬렉션을 </a:t>
-            </a:r>
-            <a:r>
-              <a:rPr lang="ko-KR" altLang="en-US" dirty="0" err="1" smtClean="0">
-                <a:latin typeface="+mn-ea"/>
-                <a:cs typeface="함초롬돋움" panose="020B0604000101010101" pitchFamily="50" charset="-127"/>
-              </a:rPr>
-              <a:t>필터링</a:t>
-            </a:r>
-            <a:r>
-              <a:rPr lang="en-US" altLang="ko-KR" dirty="0" smtClean="0">
-                <a:latin typeface="+mn-ea"/>
-                <a:cs typeface="함초롬돋움" panose="020B0604000101010101" pitchFamily="50" charset="-127"/>
-              </a:rPr>
-              <a:t>, </a:t>
-            </a:r>
-            <a:r>
-              <a:rPr lang="ko-KR" altLang="en-US" dirty="0" smtClean="0">
-                <a:latin typeface="+mn-ea"/>
-                <a:cs typeface="함초롬돋움" panose="020B0604000101010101" pitchFamily="50" charset="-127"/>
-              </a:rPr>
-              <a:t>정렬</a:t>
-            </a:r>
-            <a:r>
-              <a:rPr lang="en-US" altLang="ko-KR" dirty="0" smtClean="0">
-                <a:latin typeface="+mn-ea"/>
-                <a:cs typeface="함초롬돋움" panose="020B0604000101010101" pitchFamily="50" charset="-127"/>
-              </a:rPr>
-              <a:t>, </a:t>
-            </a:r>
-            <a:r>
-              <a:rPr lang="ko-KR" altLang="en-US" dirty="0" smtClean="0">
-                <a:latin typeface="+mn-ea"/>
-                <a:cs typeface="함초롬돋움" panose="020B0604000101010101" pitchFamily="50" charset="-127"/>
-              </a:rPr>
-              <a:t>그룹화 기능 추가 해야함</a:t>
-            </a:r>
-            <a:endParaRPr lang="en-US" altLang="ko-KR" dirty="0" smtClean="0">
-              <a:latin typeface="+mn-ea"/>
-              <a:cs typeface="함초롬돋움" panose="020B0604000101010101" pitchFamily="50" charset="-127"/>
-            </a:endParaRPr>
-          </a:p>
-          <a:p>
-            <a:endParaRPr lang="en-US" altLang="ko-KR" dirty="0" smtClean="0">
-              <a:latin typeface="+mn-ea"/>
-              <a:cs typeface="함초롬돋움" panose="020B0604000101010101" pitchFamily="50" charset="-127"/>
-            </a:endParaRPr>
-          </a:p>
-          <a:p>
-            <a:r>
-              <a:rPr lang="ko-KR" altLang="en-US" dirty="0" smtClean="0">
-                <a:latin typeface="+mn-ea"/>
-                <a:cs typeface="함초롬돋움" panose="020B0604000101010101" pitchFamily="50" charset="-127"/>
-              </a:rPr>
-              <a:t>단</a:t>
-            </a:r>
-            <a:r>
-              <a:rPr lang="en-US" altLang="ko-KR" dirty="0" smtClean="0">
-                <a:latin typeface="+mn-ea"/>
-                <a:cs typeface="함초롬돋움" panose="020B0604000101010101" pitchFamily="50" charset="-127"/>
-              </a:rPr>
-              <a:t>,</a:t>
-            </a:r>
-            <a:r>
-              <a:rPr lang="ko-KR" altLang="en-US" dirty="0" smtClean="0">
-                <a:latin typeface="+mn-ea"/>
-                <a:cs typeface="함초롬돋움" panose="020B0604000101010101" pitchFamily="50" charset="-127"/>
-              </a:rPr>
-              <a:t> 컬렉션 데이터를 유지해야함</a:t>
-            </a:r>
-            <a:endParaRPr lang="en-US" altLang="ko-KR" dirty="0" smtClean="0">
-              <a:latin typeface="+mn-ea"/>
-              <a:cs typeface="함초롬돋움" panose="020B0604000101010101" pitchFamily="50" charset="-127"/>
-            </a:endParaRPr>
-          </a:p>
-          <a:p>
-            <a:pPr marL="0" indent="0">
-              <a:buNone/>
-            </a:pPr>
-            <a:endParaRPr lang="en-US" altLang="ko-KR" dirty="0"/>
-          </a:p>
-          <a:p>
-            <a:endParaRPr lang="en-US" altLang="ko-KR" dirty="0"/>
-          </a:p>
-        </p:txBody>
-      </p:sp>
-      <p:sp>
-        <p:nvSpPr>
-          <p:cNvPr id="9" name="TextBox 8"/>
-          <p:cNvSpPr txBox="1"/>
-          <p:nvPr/>
-        </p:nvSpPr>
-        <p:spPr>
-          <a:xfrm>
-            <a:off x="4453567" y="4272741"/>
-            <a:ext cx="3284874" cy="2062103"/>
-          </a:xfrm>
-          <a:prstGeom prst="rect">
-            <a:avLst/>
-          </a:prstGeom>
-          <a:noFill/>
-        </p:spPr>
-        <p:txBody>
-          <a:bodyPr wrap="none" rtlCol="0">
-            <a:spAutoFit/>
-          </a:bodyPr>
-          <a:lstStyle/>
-          <a:p>
-            <a:pPr algn="ctr"/>
-            <a:r>
-              <a:rPr lang="ko-KR" altLang="en-US" dirty="0" err="1" smtClean="0"/>
-              <a:t>컬렌션</a:t>
-            </a:r>
-            <a:r>
-              <a:rPr lang="ko-KR" altLang="en-US" dirty="0" smtClean="0"/>
-              <a:t> 데이터를 유지하면서 </a:t>
-            </a:r>
-            <a:endParaRPr lang="en-US" altLang="ko-KR" dirty="0" smtClean="0"/>
-          </a:p>
-          <a:p>
-            <a:pPr algn="ctr"/>
-            <a:r>
-              <a:rPr lang="ko-KR" altLang="en-US" dirty="0" smtClean="0"/>
-              <a:t>기능을 확장 시킬 수는 없을까</a:t>
-            </a:r>
-            <a:r>
-              <a:rPr lang="en-US" altLang="ko-KR" dirty="0" smtClean="0"/>
-              <a:t>?</a:t>
-            </a:r>
-          </a:p>
-          <a:p>
-            <a:pPr algn="ctr"/>
-            <a:endParaRPr lang="en-US" altLang="ko-KR" dirty="0"/>
-          </a:p>
-          <a:p>
-            <a:pPr algn="ctr"/>
-            <a:r>
-              <a:rPr lang="ko-KR" altLang="en-US" sz="3200" dirty="0" smtClean="0"/>
-              <a:t>있다</a:t>
-            </a:r>
-            <a:r>
-              <a:rPr lang="en-US" altLang="ko-KR" sz="3200" dirty="0" smtClean="0"/>
-              <a:t>!</a:t>
-            </a:r>
-          </a:p>
-          <a:p>
-            <a:pPr algn="ctr"/>
-            <a:endParaRPr lang="en-US" altLang="ko-KR" dirty="0"/>
-          </a:p>
-          <a:p>
-            <a:pPr algn="ctr"/>
-            <a:r>
-              <a:rPr lang="en-US" altLang="ko-KR" sz="2400" dirty="0" err="1" smtClean="0"/>
-              <a:t>ICollectionView</a:t>
-            </a:r>
-            <a:r>
-              <a:rPr lang="en-US" altLang="ko-KR" sz="2400" dirty="0" smtClean="0"/>
-              <a:t> </a:t>
-            </a:r>
-            <a:r>
-              <a:rPr lang="ko-KR" altLang="en-US" sz="2400" dirty="0" smtClean="0"/>
-              <a:t>사용</a:t>
-            </a:r>
-            <a:endParaRPr lang="en-US" altLang="ko-KR" sz="2400" dirty="0" smtClean="0"/>
-          </a:p>
-        </p:txBody>
-      </p:sp>
-    </p:spTree>
-    <p:extLst>
-      <p:ext uri="{BB962C8B-B14F-4D97-AF65-F5344CB8AC3E}">
-        <p14:creationId xmlns:p14="http://schemas.microsoft.com/office/powerpoint/2010/main" val="1628700263"/>
-      </p:ext>
-    </p:extLst>
-  </p:cSld>
-  <p:clrMapOvr>
-    <a:masterClrMapping/>
-  </p:clrMapOvr>
-  <p:timing>
-    <p:tnLst>
-      <p:par>
-        <p:cTn id="1" dur="indefinite" restart="never" nodeType="tmRoot"/>
-      </p:par>
-    </p:tnLst>
-  </p:timing>
-</p:sld>
-</file>
-
-<file path=ppt/slides/slide21.xml><?xml version="1.0" encoding="utf-8"?>
-<p:sld xmlns:a="http://schemas.openxmlformats.org/drawingml/2006/main" xmlns:r="http://schemas.openxmlformats.org/officeDocument/2006/relationships" xmlns:p="http://schemas.openxmlformats.org/presentationml/2006/main">
-  <p:cSld>
-    <p:spTree>
-      <p:nvGrpSpPr>
-        <p:cNvPr id="1" name=""/>
-        <p:cNvGrpSpPr/>
-        <p:nvPr/>
-      </p:nvGrpSpPr>
-      <p:grpSpPr>
-        <a:xfrm>
-          <a:off x="0" y="0"/>
-          <a:ext cx="0" cy="0"/>
-          <a:chOff x="0" y="0"/>
-          <a:chExt cx="0" cy="0"/>
-        </a:xfrm>
-      </p:grpSpPr>
-      <p:sp>
-        <p:nvSpPr>
-          <p:cNvPr id="7" name="제목 1"/>
-          <p:cNvSpPr txBox="1">
-            <a:spLocks/>
-          </p:cNvSpPr>
-          <p:nvPr/>
-        </p:nvSpPr>
-        <p:spPr>
-          <a:xfrm>
-            <a:off x="838200" y="365125"/>
-            <a:ext cx="10515600" cy="1090189"/>
-          </a:xfrm>
-          <a:prstGeom prst="rect">
-            <a:avLst/>
-          </a:prstGeom>
-        </p:spPr>
-        <p:txBody>
-          <a:bodyPr vert="horz" lIns="91440" tIns="45720" rIns="91440" bIns="45720" rtlCol="0" anchor="ctr">
-            <a:normAutofit/>
-          </a:bodyPr>
-          <a:lstStyle>
-            <a:lvl1pPr algn="l" defTabSz="914400" rtl="0" eaLnBrk="1" latinLnBrk="1" hangingPunct="1">
-              <a:lnSpc>
-                <a:spcPct val="90000"/>
-              </a:lnSpc>
-              <a:spcBef>
-                <a:spcPct val="0"/>
-              </a:spcBef>
-              <a:buNone/>
-              <a:defRPr sz="4800" kern="1200">
-                <a:solidFill>
-                  <a:schemeClr val="accent4"/>
-                </a:solidFill>
-                <a:latin typeface="+mj-lt"/>
-                <a:ea typeface="+mj-ea"/>
-                <a:cs typeface="+mj-cs"/>
-              </a:defRPr>
-            </a:lvl1pPr>
-          </a:lstStyle>
-          <a:p>
-            <a:r>
               <a:rPr lang="en-US" altLang="ko-KR" dirty="0" err="1" smtClean="0">
                 <a:latin typeface="함초롬돋움" panose="020B0604000101010101" pitchFamily="50" charset="-127"/>
                 <a:ea typeface="함초롬돋움" panose="020B0604000101010101" pitchFamily="50" charset="-127"/>
@@ -5993,7 +6400,7 @@
 </p:sld>
 </file>
 
-<file path=ppt/slides/slide22.xml><?xml version="1.0" encoding="utf-8"?>
+<file path=ppt/slides/slide24.xml><?xml version="1.0" encoding="utf-8"?>
 <p:sld xmlns:a="http://schemas.openxmlformats.org/drawingml/2006/main" xmlns:r="http://schemas.openxmlformats.org/officeDocument/2006/relationships" xmlns:p="http://schemas.openxmlformats.org/presentationml/2006/main">
   <p:cSld>
     <p:spTree>
@@ -6248,7 +6655,7 @@
 </p:sld>
 </file>
 
-<file path=ppt/slides/slide23.xml><?xml version="1.0" encoding="utf-8"?>
+<file path=ppt/slides/slide25.xml><?xml version="1.0" encoding="utf-8"?>
 <p:sld xmlns:a="http://schemas.openxmlformats.org/drawingml/2006/main" xmlns:r="http://schemas.openxmlformats.org/officeDocument/2006/relationships" xmlns:p="http://schemas.openxmlformats.org/presentationml/2006/main">
   <p:cSld>
     <p:spTree>
@@ -6433,7 +6840,7 @@
 </p:sld>
 </file>
 
-<file path=ppt/slides/slide24.xml><?xml version="1.0" encoding="utf-8"?>
+<file path=ppt/slides/slide26.xml><?xml version="1.0" encoding="utf-8"?>
 <p:sld xmlns:a="http://schemas.openxmlformats.org/drawingml/2006/main" xmlns:r="http://schemas.openxmlformats.org/officeDocument/2006/relationships" xmlns:p="http://schemas.openxmlformats.org/presentationml/2006/main">
   <p:cSld>
     <p:spTree>
@@ -6559,7 +6966,7 @@
 </p:sld>
 </file>
 
-<file path=ppt/slides/slide25.xml><?xml version="1.0" encoding="utf-8"?>
+<file path=ppt/slides/slide27.xml><?xml version="1.0" encoding="utf-8"?>
 <p:sld xmlns:a="http://schemas.openxmlformats.org/drawingml/2006/main" xmlns:r="http://schemas.openxmlformats.org/officeDocument/2006/relationships" xmlns:p="http://schemas.openxmlformats.org/presentationml/2006/main">
   <p:cSld>
     <p:spTree>
@@ -6685,7 +7092,7 @@
 </p:sld>
 </file>
 
-<file path=ppt/slides/slide26.xml><?xml version="1.0" encoding="utf-8"?>
+<file path=ppt/slides/slide28.xml><?xml version="1.0" encoding="utf-8"?>
 <p:sld xmlns:a="http://schemas.openxmlformats.org/drawingml/2006/main" xmlns:r="http://schemas.openxmlformats.org/officeDocument/2006/relationships" xmlns:p="http://schemas.openxmlformats.org/presentationml/2006/main">
   <p:cSld>
     <p:spTree>
@@ -6811,7 +7218,7 @@
 </p:sld>
 </file>
 
-<file path=ppt/slides/slide27.xml><?xml version="1.0" encoding="utf-8"?>
+<file path=ppt/slides/slide29.xml><?xml version="1.0" encoding="utf-8"?>
 <p:sld xmlns:a="http://schemas.openxmlformats.org/drawingml/2006/main" xmlns:r="http://schemas.openxmlformats.org/officeDocument/2006/relationships" xmlns:p="http://schemas.openxmlformats.org/presentationml/2006/main">
   <p:cSld>
     <p:spTree>
@@ -7030,31 +7437,27 @@
               <a:rPr lang="en-US" altLang="ko-KR" dirty="0" err="1" smtClean="0"/>
               <a:t>OneWay</a:t>
             </a:r>
+            <a:endParaRPr lang="en-US" altLang="ko-KR" dirty="0"/>
+          </a:p>
+          <a:p>
             <a:endParaRPr lang="en-US" altLang="ko-KR" dirty="0" smtClean="0"/>
           </a:p>
           <a:p>
-            <a:pPr marL="0" indent="0">
-              <a:buNone/>
-            </a:pPr>
+            <a:r>
+              <a:rPr lang="en-US" altLang="ko-KR" dirty="0" err="1"/>
+              <a:t>OneTime</a:t>
+            </a:r>
             <a:endParaRPr lang="en-US" altLang="ko-KR" dirty="0"/>
           </a:p>
           <a:p>
-            <a:r>
-              <a:rPr lang="en-US" altLang="ko-KR" dirty="0" err="1" smtClean="0"/>
+            <a:endParaRPr lang="en-US" altLang="ko-KR" dirty="0" smtClean="0"/>
+          </a:p>
+          <a:p>
+            <a:r>
+              <a:rPr lang="en-US" altLang="ko-KR" dirty="0" err="1"/>
               <a:t>OneWayToSoruce</a:t>
             </a:r>
-            <a:endParaRPr lang="en-US" altLang="ko-KR" dirty="0" smtClean="0"/>
-          </a:p>
-          <a:p>
-            <a:pPr lvl="1"/>
             <a:endParaRPr lang="en-US" altLang="ko-KR" dirty="0"/>
-          </a:p>
-          <a:p>
-            <a:r>
-              <a:rPr lang="en-US" altLang="ko-KR" dirty="0" err="1" smtClean="0"/>
-              <a:t>OneTime</a:t>
-            </a:r>
-            <a:endParaRPr lang="en-US" altLang="ko-KR" dirty="0" smtClean="0"/>
           </a:p>
           <a:p>
             <a:endParaRPr lang="en-US" altLang="ko-KR" dirty="0"/>
@@ -8627,6 +9030,202 @@
           <a:lstStyle/>
           <a:p>
             <a:r>
+              <a:rPr lang="ko-KR" altLang="en-US" dirty="0" smtClean="0"/>
+              <a:t>처음 뷰 모델이나 모델의 </a:t>
+            </a:r>
+            <a:r>
+              <a:rPr lang="en-US" altLang="ko-KR" dirty="0" smtClean="0"/>
+              <a:t>Property</a:t>
+            </a:r>
+            <a:r>
+              <a:rPr lang="ko-KR" altLang="en-US" dirty="0" smtClean="0"/>
+              <a:t>를 </a:t>
+            </a:r>
+            <a:r>
+              <a:rPr lang="en-US" altLang="ko-KR" dirty="0" smtClean="0"/>
+              <a:t>UI</a:t>
+            </a:r>
+            <a:r>
+              <a:rPr lang="ko-KR" altLang="en-US" dirty="0" smtClean="0"/>
+              <a:t>의 </a:t>
+            </a:r>
+            <a:r>
+              <a:rPr lang="en-US" altLang="ko-KR" dirty="0" smtClean="0"/>
+              <a:t>Property </a:t>
+            </a:r>
+            <a:r>
+              <a:rPr lang="ko-KR" altLang="en-US" dirty="0" smtClean="0"/>
+              <a:t>값을 초기화</a:t>
+            </a:r>
+            <a:endParaRPr lang="en-US" altLang="ko-KR" dirty="0" smtClean="0"/>
+          </a:p>
+          <a:p>
+            <a:endParaRPr lang="en-US" altLang="ko-KR" dirty="0"/>
+          </a:p>
+          <a:p>
+            <a:r>
+              <a:rPr lang="ko-KR" altLang="en-US" dirty="0" smtClean="0"/>
+              <a:t>뷰 모델</a:t>
+            </a:r>
+            <a:r>
+              <a:rPr lang="en-US" altLang="ko-KR" dirty="0" smtClean="0"/>
+              <a:t>, </a:t>
+            </a:r>
+            <a:r>
+              <a:rPr lang="ko-KR" altLang="en-US" dirty="0" smtClean="0"/>
+              <a:t>모델에 변경된 </a:t>
+            </a:r>
+            <a:r>
+              <a:rPr lang="en-US" altLang="ko-KR" dirty="0" smtClean="0"/>
+              <a:t>Property</a:t>
+            </a:r>
+            <a:r>
+              <a:rPr lang="ko-KR" altLang="en-US" dirty="0" smtClean="0"/>
+              <a:t>의</a:t>
+            </a:r>
+            <a:r>
+              <a:rPr lang="en-US" altLang="ko-KR" dirty="0" smtClean="0"/>
+              <a:t> </a:t>
+            </a:r>
+            <a:r>
+              <a:rPr lang="ko-KR" altLang="en-US" dirty="0" smtClean="0"/>
+              <a:t>값은 </a:t>
+            </a:r>
+            <a:r>
+              <a:rPr lang="en-US" altLang="ko-KR" dirty="0" smtClean="0"/>
+              <a:t>UI</a:t>
+            </a:r>
+            <a:r>
+              <a:rPr lang="ko-KR" altLang="en-US" dirty="0" smtClean="0"/>
+              <a:t>의 </a:t>
+            </a:r>
+            <a:r>
+              <a:rPr lang="en-US" altLang="ko-KR" dirty="0" smtClean="0"/>
+              <a:t>Property</a:t>
+            </a:r>
+            <a:r>
+              <a:rPr lang="ko-KR" altLang="en-US" dirty="0" smtClean="0"/>
+              <a:t>에 적용 되지 않음</a:t>
+            </a:r>
+            <a:endParaRPr lang="en-US" altLang="ko-KR" dirty="0" smtClean="0"/>
+          </a:p>
+        </p:txBody>
+      </p:sp>
+      <p:sp>
+        <p:nvSpPr>
+          <p:cNvPr id="7" name="제목 1"/>
+          <p:cNvSpPr txBox="1">
+            <a:spLocks/>
+          </p:cNvSpPr>
+          <p:nvPr/>
+        </p:nvSpPr>
+        <p:spPr>
+          <a:xfrm>
+            <a:off x="838200" y="365125"/>
+            <a:ext cx="10515600" cy="1090189"/>
+          </a:xfrm>
+          <a:prstGeom prst="rect">
+            <a:avLst/>
+          </a:prstGeom>
+        </p:spPr>
+        <p:txBody>
+          <a:bodyPr vert="horz" lIns="91440" tIns="45720" rIns="91440" bIns="45720" rtlCol="0" anchor="ctr">
+            <a:normAutofit/>
+          </a:bodyPr>
+          <a:lstStyle>
+            <a:lvl1pPr algn="l" defTabSz="914400" rtl="0" eaLnBrk="1" latinLnBrk="1" hangingPunct="1">
+              <a:lnSpc>
+                <a:spcPct val="90000"/>
+              </a:lnSpc>
+              <a:spcBef>
+                <a:spcPct val="0"/>
+              </a:spcBef>
+              <a:buNone/>
+              <a:defRPr sz="4800" kern="1200">
+                <a:solidFill>
+                  <a:schemeClr val="accent4"/>
+                </a:solidFill>
+                <a:latin typeface="+mj-lt"/>
+                <a:ea typeface="+mj-ea"/>
+                <a:cs typeface="+mj-cs"/>
+              </a:defRPr>
+            </a:lvl1pPr>
+          </a:lstStyle>
+          <a:p>
+            <a:r>
+              <a:rPr lang="en-US" altLang="ko-KR" dirty="0" err="1" smtClean="0">
+                <a:latin typeface="함초롬돋움" panose="020B0604000101010101" pitchFamily="50" charset="-127"/>
+                <a:ea typeface="함초롬돋움" panose="020B0604000101010101" pitchFamily="50" charset="-127"/>
+                <a:cs typeface="함초롬돋움" panose="020B0604000101010101" pitchFamily="50" charset="-127"/>
+              </a:rPr>
+              <a:t>OneTime</a:t>
+            </a:r>
+            <a:endParaRPr lang="ko-KR" altLang="en-US" dirty="0">
+              <a:latin typeface="함초롬돋움" panose="020B0604000101010101" pitchFamily="50" charset="-127"/>
+              <a:ea typeface="함초롬돋움" panose="020B0604000101010101" pitchFamily="50" charset="-127"/>
+              <a:cs typeface="함초롬돋움" panose="020B0604000101010101" pitchFamily="50" charset="-127"/>
+            </a:endParaRPr>
+          </a:p>
+        </p:txBody>
+      </p:sp>
+    </p:spTree>
+    <p:extLst>
+      <p:ext uri="{BB962C8B-B14F-4D97-AF65-F5344CB8AC3E}">
+        <p14:creationId xmlns:p14="http://schemas.microsoft.com/office/powerpoint/2010/main" val="835371518"/>
+      </p:ext>
+    </p:extLst>
+  </p:cSld>
+  <p:clrMapOvr>
+    <a:masterClrMapping/>
+  </p:clrMapOvr>
+  <p:timing>
+    <p:tnLst>
+      <p:par>
+        <p:cTn id="1" dur="indefinite" restart="never" nodeType="tmRoot"/>
+      </p:par>
+    </p:tnLst>
+  </p:timing>
+</p:sld>
+</file>
+
+<file path=ppt/slides/slide6.xml><?xml version="1.0" encoding="utf-8"?>
+<p:sld xmlns:a="http://schemas.openxmlformats.org/drawingml/2006/main" xmlns:r="http://schemas.openxmlformats.org/officeDocument/2006/relationships" xmlns:p="http://schemas.openxmlformats.org/presentationml/2006/main">
+  <p:cSld>
+    <p:spTree>
+      <p:nvGrpSpPr>
+        <p:cNvPr id="1" name=""/>
+        <p:cNvGrpSpPr/>
+        <p:nvPr/>
+      </p:nvGrpSpPr>
+      <p:grpSpPr>
+        <a:xfrm>
+          <a:off x="0" y="0"/>
+          <a:ext cx="0" cy="0"/>
+          <a:chOff x="0" y="0"/>
+          <a:chExt cx="0" cy="0"/>
+        </a:xfrm>
+      </p:grpSpPr>
+      <p:sp>
+        <p:nvSpPr>
+          <p:cNvPr id="50" name="내용 개체 틀 1"/>
+          <p:cNvSpPr>
+            <a:spLocks noGrp="1"/>
+          </p:cNvSpPr>
+          <p:nvPr>
+            <p:ph idx="1"/>
+          </p:nvPr>
+        </p:nvSpPr>
+        <p:spPr>
+          <a:xfrm>
+            <a:off x="838200" y="1983345"/>
+            <a:ext cx="10515600" cy="4193617"/>
+          </a:xfrm>
+        </p:spPr>
+        <p:txBody>
+          <a:bodyPr/>
+          <a:lstStyle/>
+          <a:p>
+            <a:r>
               <a:rPr lang="en-US" altLang="ko-KR" dirty="0" smtClean="0"/>
               <a:t>UI</a:t>
             </a:r>
@@ -9369,7 +9968,7 @@
 </p:sld>
 </file>
 
-<file path=ppt/slides/slide6.xml><?xml version="1.0" encoding="utf-8"?>
+<file path=ppt/slides/slide7.xml><?xml version="1.0" encoding="utf-8"?>
 <p:sld xmlns:a="http://schemas.openxmlformats.org/drawingml/2006/main" xmlns:r="http://schemas.openxmlformats.org/officeDocument/2006/relationships" xmlns:p="http://schemas.openxmlformats.org/presentationml/2006/main">
   <p:cSld>
     <p:spTree>
@@ -9407,18 +10006,69 @@
           <a:lstStyle/>
           <a:p>
             <a:r>
+              <a:rPr lang="en-US" altLang="ko-KR" dirty="0" smtClean="0"/>
+              <a:t>UI</a:t>
+            </a:r>
+            <a:r>
               <a:rPr lang="ko-KR" altLang="en-US" dirty="0" smtClean="0"/>
-              <a:t>처음 </a:t>
+              <a:t>에서 </a:t>
+            </a:r>
+            <a:r>
+              <a:rPr lang="en-US" altLang="ko-KR" dirty="0" smtClean="0"/>
+              <a:t>Property</a:t>
+            </a:r>
+            <a:r>
+              <a:rPr lang="ko-KR" altLang="en-US" dirty="0" smtClean="0"/>
+              <a:t>가 변경 될 때 뷰 모델 또는 모델의 </a:t>
+            </a:r>
+            <a:r>
+              <a:rPr lang="en-US" altLang="ko-KR" dirty="0" smtClean="0"/>
+              <a:t>Property</a:t>
+            </a:r>
+            <a:r>
+              <a:rPr lang="ko-KR" altLang="en-US" dirty="0" smtClean="0"/>
+              <a:t>가 변경</a:t>
+            </a:r>
+            <a:endParaRPr lang="en-US" altLang="ko-KR" dirty="0" smtClean="0"/>
+          </a:p>
+          <a:p>
+            <a:r>
+              <a:rPr lang="ko-KR" altLang="en-US" dirty="0" smtClean="0"/>
+              <a:t>뷰 모델 또는 모델에서 </a:t>
+            </a:r>
+            <a:r>
+              <a:rPr lang="en-US" altLang="ko-KR" dirty="0" smtClean="0"/>
+              <a:t>Property</a:t>
+            </a:r>
+            <a:r>
+              <a:rPr lang="ko-KR" altLang="en-US" dirty="0" smtClean="0"/>
+              <a:t>가 변경 </a:t>
             </a:r>
             <a:r>
               <a:rPr lang="ko-KR" altLang="en-US" dirty="0" err="1" smtClean="0"/>
-              <a:t>바인딩시</a:t>
+              <a:t>될때</a:t>
             </a:r>
             <a:r>
               <a:rPr lang="ko-KR" altLang="en-US" dirty="0" smtClean="0"/>
               <a:t> </a:t>
             </a:r>
-            <a:endParaRPr lang="en-US" altLang="ko-KR" dirty="0" smtClean="0"/>
+            <a:r>
+              <a:rPr lang="en-US" altLang="ko-KR" dirty="0" smtClean="0"/>
+              <a:t>UI</a:t>
+            </a:r>
+            <a:r>
+              <a:rPr lang="ko-KR" altLang="en-US" dirty="0" smtClean="0"/>
+              <a:t>의 </a:t>
+            </a:r>
+            <a:r>
+              <a:rPr lang="en-US" altLang="ko-KR" dirty="0" smtClean="0"/>
+              <a:t>Property</a:t>
+            </a:r>
+            <a:r>
+              <a:rPr lang="ko-KR" altLang="en-US" dirty="0" smtClean="0"/>
+              <a:t>가 변경</a:t>
+            </a:r>
+            <a:endParaRPr lang="en-US" altLang="ko-KR" dirty="0"/>
           </a:p>
         </p:txBody>
       </p:sp>
@@ -9469,1236 +10119,6 @@
                 <a:ea typeface="함초롬돋움" panose="020B0604000101010101" pitchFamily="50" charset="-127"/>
                 <a:cs typeface="함초롬돋움" panose="020B0604000101010101" pitchFamily="50" charset="-127"/>
               </a:rPr>
-              <a:t>OneTime</a:t>
-            </a:r>
-            <a:endParaRPr lang="ko-KR" altLang="en-US" dirty="0">
-              <a:latin typeface="함초롬돋움" panose="020B0604000101010101" pitchFamily="50" charset="-127"/>
-              <a:ea typeface="함초롬돋움" panose="020B0604000101010101" pitchFamily="50" charset="-127"/>
-              <a:cs typeface="함초롬돋움" panose="020B0604000101010101" pitchFamily="50" charset="-127"/>
-            </a:endParaRPr>
-          </a:p>
-        </p:txBody>
-      </p:sp>
-      <p:grpSp>
-        <p:nvGrpSpPr>
-          <p:cNvPr id="18" name="그룹 17"/>
-          <p:cNvGrpSpPr/>
-          <p:nvPr/>
-        </p:nvGrpSpPr>
-        <p:grpSpPr>
-          <a:xfrm>
-            <a:off x="838200" y="4559326"/>
-            <a:ext cx="4613323" cy="1135774"/>
-            <a:chOff x="1436007" y="2974906"/>
-            <a:chExt cx="9215404" cy="2268780"/>
-          </a:xfrm>
-        </p:grpSpPr>
-        <p:grpSp>
-          <p:nvGrpSpPr>
-            <p:cNvPr id="89" name="그룹 88"/>
-            <p:cNvGrpSpPr/>
-            <p:nvPr/>
-          </p:nvGrpSpPr>
-          <p:grpSpPr>
-            <a:xfrm>
-              <a:off x="8096365" y="2974906"/>
-              <a:ext cx="2555046" cy="2268780"/>
-              <a:chOff x="8761372" y="4684810"/>
-              <a:chExt cx="1662270" cy="1476031"/>
-            </a:xfrm>
-          </p:grpSpPr>
-          <p:grpSp>
-            <p:nvGrpSpPr>
-              <p:cNvPr id="82" name="그룹 81"/>
-              <p:cNvGrpSpPr/>
-              <p:nvPr/>
-            </p:nvGrpSpPr>
-            <p:grpSpPr>
-              <a:xfrm>
-                <a:off x="8761418" y="4947743"/>
-                <a:ext cx="1662224" cy="1213098"/>
-                <a:chOff x="5221702" y="4947743"/>
-                <a:chExt cx="1662224" cy="1213098"/>
-              </a:xfrm>
-            </p:grpSpPr>
-            <p:sp>
-              <p:nvSpPr>
-                <p:cNvPr id="83" name="직사각형 82"/>
-                <p:cNvSpPr/>
-                <p:nvPr/>
-              </p:nvSpPr>
-              <p:spPr>
-                <a:xfrm>
-                  <a:off x="5221702" y="4947743"/>
-                  <a:ext cx="1662224" cy="1213098"/>
-                </a:xfrm>
-                <a:prstGeom prst="rect">
-                  <a:avLst/>
-                </a:prstGeom>
-              </p:spPr>
-              <p:style>
-                <a:lnRef idx="2">
-                  <a:schemeClr val="accent1">
-                    <a:shade val="50000"/>
-                  </a:schemeClr>
-                </a:lnRef>
-                <a:fillRef idx="1">
-                  <a:schemeClr val="accent1"/>
-                </a:fillRef>
-                <a:effectRef idx="0">
-                  <a:schemeClr val="accent1"/>
-                </a:effectRef>
-                <a:fontRef idx="minor">
-                  <a:schemeClr val="lt1"/>
-                </a:fontRef>
-              </p:style>
-              <p:txBody>
-                <a:bodyPr rtlCol="0" anchor="ctr"/>
-                <a:lstStyle/>
-                <a:p>
-                  <a:pPr algn="ctr"/>
-                  <a:endParaRPr lang="ko-KR" altLang="en-US"/>
-                </a:p>
-              </p:txBody>
-            </p:sp>
-            <p:sp>
-              <p:nvSpPr>
-                <p:cNvPr id="84" name="직사각형 83"/>
-                <p:cNvSpPr/>
-                <p:nvPr/>
-              </p:nvSpPr>
-              <p:spPr>
-                <a:xfrm>
-                  <a:off x="5446061" y="5095345"/>
-                  <a:ext cx="1213506" cy="887636"/>
-                </a:xfrm>
-                <a:prstGeom prst="rect">
-                  <a:avLst/>
-                </a:prstGeom>
-                <a:solidFill>
-                  <a:schemeClr val="accent1">
-                    <a:lumMod val="40000"/>
-                    <a:lumOff val="60000"/>
-                  </a:schemeClr>
-                </a:solidFill>
-                <a:ln>
-                  <a:solidFill>
-                    <a:schemeClr val="accent1">
-                      <a:lumMod val="75000"/>
-                    </a:schemeClr>
-                  </a:solidFill>
-                </a:ln>
-              </p:spPr>
-              <p:style>
-                <a:lnRef idx="2">
-                  <a:schemeClr val="accent1">
-                    <a:shade val="50000"/>
-                  </a:schemeClr>
-                </a:lnRef>
-                <a:fillRef idx="1">
-                  <a:schemeClr val="accent1"/>
-                </a:fillRef>
-                <a:effectRef idx="0">
-                  <a:schemeClr val="accent1"/>
-                </a:effectRef>
-                <a:fontRef idx="minor">
-                  <a:schemeClr val="lt1"/>
-                </a:fontRef>
-              </p:style>
-              <p:txBody>
-                <a:bodyPr rtlCol="0" anchor="ctr"/>
-                <a:lstStyle/>
-                <a:p>
-                  <a:pPr algn="ctr"/>
-                  <a:r>
-                    <a:rPr lang="en-US" altLang="ko-KR" sz="1400" dirty="0" smtClean="0"/>
-                    <a:t>Property</a:t>
-                  </a:r>
-                  <a:endParaRPr lang="ko-KR" altLang="en-US" sz="1400" dirty="0"/>
-                </a:p>
-              </p:txBody>
-            </p:sp>
-          </p:grpSp>
-          <p:sp>
-            <p:nvSpPr>
-              <p:cNvPr id="87" name="TextBox 86"/>
-              <p:cNvSpPr txBox="1"/>
-              <p:nvPr/>
-            </p:nvSpPr>
-            <p:spPr>
-              <a:xfrm>
-                <a:off x="8761372" y="4684810"/>
-                <a:ext cx="1527427" cy="319984"/>
-              </a:xfrm>
-              <a:prstGeom prst="rect">
-                <a:avLst/>
-              </a:prstGeom>
-              <a:noFill/>
-            </p:spPr>
-            <p:txBody>
-              <a:bodyPr wrap="none" rtlCol="0">
-                <a:spAutoFit/>
-              </a:bodyPr>
-              <a:lstStyle/>
-              <a:p>
-                <a:r>
-                  <a:rPr lang="ko-KR" altLang="en-US" sz="1000" dirty="0" smtClean="0"/>
-                  <a:t>뷰 모델</a:t>
-                </a:r>
-                <a:r>
-                  <a:rPr lang="en-US" altLang="ko-KR" sz="1000" dirty="0"/>
-                  <a:t> </a:t>
-                </a:r>
-                <a:r>
-                  <a:rPr lang="ko-KR" altLang="en-US" sz="1000" dirty="0" smtClean="0"/>
-                  <a:t>또는 모델</a:t>
-                </a:r>
-                <a:endParaRPr lang="ko-KR" altLang="en-US" sz="1000" dirty="0"/>
-              </a:p>
-            </p:txBody>
-          </p:sp>
-        </p:grpSp>
-        <p:grpSp>
-          <p:nvGrpSpPr>
-            <p:cNvPr id="90" name="그룹 89"/>
-            <p:cNvGrpSpPr/>
-            <p:nvPr/>
-          </p:nvGrpSpPr>
-          <p:grpSpPr>
-            <a:xfrm>
-              <a:off x="1436007" y="2974906"/>
-              <a:ext cx="2556952" cy="2268780"/>
-              <a:chOff x="5220417" y="4684810"/>
-              <a:chExt cx="1663509" cy="1476031"/>
-            </a:xfrm>
-          </p:grpSpPr>
-          <p:grpSp>
-            <p:nvGrpSpPr>
-              <p:cNvPr id="78" name="그룹 77"/>
-              <p:cNvGrpSpPr/>
-              <p:nvPr/>
-            </p:nvGrpSpPr>
-            <p:grpSpPr>
-              <a:xfrm>
-                <a:off x="5221702" y="4947743"/>
-                <a:ext cx="1662224" cy="1213098"/>
-                <a:chOff x="5221702" y="4947743"/>
-                <a:chExt cx="1662224" cy="1213098"/>
-              </a:xfrm>
-            </p:grpSpPr>
-            <p:sp>
-              <p:nvSpPr>
-                <p:cNvPr id="74" name="직사각형 73"/>
-                <p:cNvSpPr/>
-                <p:nvPr/>
-              </p:nvSpPr>
-              <p:spPr>
-                <a:xfrm>
-                  <a:off x="5221702" y="4947743"/>
-                  <a:ext cx="1662224" cy="1213098"/>
-                </a:xfrm>
-                <a:prstGeom prst="rect">
-                  <a:avLst/>
-                </a:prstGeom>
-              </p:spPr>
-              <p:style>
-                <a:lnRef idx="2">
-                  <a:schemeClr val="accent1">
-                    <a:shade val="50000"/>
-                  </a:schemeClr>
-                </a:lnRef>
-                <a:fillRef idx="1">
-                  <a:schemeClr val="accent1"/>
-                </a:fillRef>
-                <a:effectRef idx="0">
-                  <a:schemeClr val="accent1"/>
-                </a:effectRef>
-                <a:fontRef idx="minor">
-                  <a:schemeClr val="lt1"/>
-                </a:fontRef>
-              </p:style>
-              <p:txBody>
-                <a:bodyPr rtlCol="0" anchor="ctr"/>
-                <a:lstStyle/>
-                <a:p>
-                  <a:pPr algn="ctr"/>
-                  <a:endParaRPr lang="ko-KR" altLang="en-US"/>
-                </a:p>
-              </p:txBody>
-            </p:sp>
-            <p:sp>
-              <p:nvSpPr>
-                <p:cNvPr id="75" name="직사각형 74"/>
-                <p:cNvSpPr/>
-                <p:nvPr/>
-              </p:nvSpPr>
-              <p:spPr>
-                <a:xfrm>
-                  <a:off x="5446061" y="5095345"/>
-                  <a:ext cx="1213506" cy="887636"/>
-                </a:xfrm>
-                <a:prstGeom prst="rect">
-                  <a:avLst/>
-                </a:prstGeom>
-                <a:solidFill>
-                  <a:schemeClr val="accent1">
-                    <a:lumMod val="40000"/>
-                    <a:lumOff val="60000"/>
-                  </a:schemeClr>
-                </a:solidFill>
-                <a:ln>
-                  <a:solidFill>
-                    <a:schemeClr val="accent1">
-                      <a:lumMod val="75000"/>
-                    </a:schemeClr>
-                  </a:solidFill>
-                </a:ln>
-              </p:spPr>
-              <p:style>
-                <a:lnRef idx="2">
-                  <a:schemeClr val="accent1">
-                    <a:shade val="50000"/>
-                  </a:schemeClr>
-                </a:lnRef>
-                <a:fillRef idx="1">
-                  <a:schemeClr val="accent1"/>
-                </a:fillRef>
-                <a:effectRef idx="0">
-                  <a:schemeClr val="accent1"/>
-                </a:effectRef>
-                <a:fontRef idx="minor">
-                  <a:schemeClr val="lt1"/>
-                </a:fontRef>
-              </p:style>
-              <p:txBody>
-                <a:bodyPr rtlCol="0" anchor="ctr"/>
-                <a:lstStyle/>
-                <a:p>
-                  <a:pPr algn="ctr"/>
-                  <a:r>
-                    <a:rPr lang="en-US" altLang="ko-KR" sz="1400" dirty="0" smtClean="0"/>
-                    <a:t>Property</a:t>
-                  </a:r>
-                  <a:endParaRPr lang="ko-KR" altLang="en-US" sz="1400" dirty="0"/>
-                </a:p>
-              </p:txBody>
-            </p:sp>
-          </p:grpSp>
-          <p:sp>
-            <p:nvSpPr>
-              <p:cNvPr id="86" name="TextBox 85"/>
-              <p:cNvSpPr txBox="1"/>
-              <p:nvPr/>
-            </p:nvSpPr>
-            <p:spPr>
-              <a:xfrm>
-                <a:off x="5220417" y="4684810"/>
-                <a:ext cx="1321185" cy="319984"/>
-              </a:xfrm>
-              <a:prstGeom prst="rect">
-                <a:avLst/>
-              </a:prstGeom>
-              <a:noFill/>
-            </p:spPr>
-            <p:txBody>
-              <a:bodyPr wrap="none" rtlCol="0">
-                <a:spAutoFit/>
-              </a:bodyPr>
-              <a:lstStyle/>
-              <a:p>
-                <a:r>
-                  <a:rPr lang="ko-KR" altLang="en-US" sz="1000" dirty="0" smtClean="0"/>
-                  <a:t>바인딩 대상 </a:t>
-                </a:r>
-                <a:r>
-                  <a:rPr lang="en-US" altLang="ko-KR" sz="1000" dirty="0" smtClean="0"/>
-                  <a:t>UI</a:t>
-                </a:r>
-                <a:endParaRPr lang="ko-KR" altLang="en-US" sz="1000" dirty="0"/>
-              </a:p>
-            </p:txBody>
-          </p:sp>
-        </p:grpSp>
-        <p:grpSp>
-          <p:nvGrpSpPr>
-            <p:cNvPr id="16" name="그룹 15"/>
-            <p:cNvGrpSpPr/>
-            <p:nvPr/>
-          </p:nvGrpSpPr>
-          <p:grpSpPr>
-            <a:xfrm>
-              <a:off x="3648100" y="3171936"/>
-              <a:ext cx="4793194" cy="1797423"/>
-              <a:chOff x="3648100" y="3232318"/>
-              <a:chExt cx="4793194" cy="1797423"/>
-            </a:xfrm>
-          </p:grpSpPr>
-          <p:sp>
-            <p:nvSpPr>
-              <p:cNvPr id="20" name="모서리가 둥근 직사각형 19"/>
-              <p:cNvSpPr/>
-              <p:nvPr/>
-            </p:nvSpPr>
-            <p:spPr>
-              <a:xfrm>
-                <a:off x="3648100" y="3668421"/>
-                <a:ext cx="4793194" cy="1361320"/>
-              </a:xfrm>
-              <a:prstGeom prst="roundRect">
-                <a:avLst/>
-              </a:prstGeom>
-              <a:solidFill>
-                <a:schemeClr val="bg1">
-                  <a:lumMod val="85000"/>
-                  <a:alpha val="60000"/>
-                </a:schemeClr>
-              </a:solidFill>
-              <a:ln w="19050">
-                <a:solidFill>
-                  <a:schemeClr val="bg1">
-                    <a:lumMod val="50000"/>
-                  </a:schemeClr>
-                </a:solidFill>
-                <a:prstDash val="dash"/>
-              </a:ln>
-            </p:spPr>
-            <p:style>
-              <a:lnRef idx="2">
-                <a:schemeClr val="accent1">
-                  <a:shade val="50000"/>
-                </a:schemeClr>
-              </a:lnRef>
-              <a:fillRef idx="1">
-                <a:schemeClr val="accent1"/>
-              </a:fillRef>
-              <a:effectRef idx="0">
-                <a:schemeClr val="accent1"/>
-              </a:effectRef>
-              <a:fontRef idx="minor">
-                <a:schemeClr val="lt1"/>
-              </a:fontRef>
-            </p:style>
-            <p:txBody>
-              <a:bodyPr rtlCol="0" anchor="ctr"/>
-              <a:lstStyle/>
-              <a:p>
-                <a:pPr algn="ctr"/>
-                <a:endParaRPr lang="ko-KR" altLang="en-US" dirty="0"/>
-              </a:p>
-            </p:txBody>
-          </p:sp>
-          <p:sp>
-            <p:nvSpPr>
-              <p:cNvPr id="28" name="TextBox 27"/>
-              <p:cNvSpPr txBox="1"/>
-              <p:nvPr/>
-            </p:nvSpPr>
-            <p:spPr>
-              <a:xfrm>
-                <a:off x="4881557" y="3232318"/>
-                <a:ext cx="2520693" cy="491842"/>
-              </a:xfrm>
-              <a:prstGeom prst="rect">
-                <a:avLst/>
-              </a:prstGeom>
-              <a:noFill/>
-            </p:spPr>
-            <p:txBody>
-              <a:bodyPr wrap="none" rtlCol="0">
-                <a:spAutoFit/>
-              </a:bodyPr>
-              <a:lstStyle/>
-              <a:p>
-                <a:r>
-                  <a:rPr lang="ko-KR" altLang="en-US" sz="1000" dirty="0" smtClean="0"/>
-                  <a:t>바인딩 되는 데이터</a:t>
-                </a:r>
-                <a:endParaRPr lang="ko-KR" altLang="en-US" sz="1000" dirty="0"/>
-              </a:p>
-            </p:txBody>
-          </p:sp>
-          <p:cxnSp>
-            <p:nvCxnSpPr>
-              <p:cNvPr id="22" name="직선 화살표 연결선 21"/>
-              <p:cNvCxnSpPr/>
-              <p:nvPr/>
-            </p:nvCxnSpPr>
-            <p:spPr>
-              <a:xfrm>
-                <a:off x="3797516" y="4371752"/>
-                <a:ext cx="4494363" cy="0"/>
-              </a:xfrm>
-              <a:prstGeom prst="straightConnector1">
-                <a:avLst/>
-              </a:prstGeom>
-              <a:ln w="38100">
-                <a:solidFill>
-                  <a:schemeClr val="tx1"/>
-                </a:solidFill>
-                <a:headEnd type="triangle"/>
-                <a:tailEnd type="none"/>
-              </a:ln>
-            </p:spPr>
-            <p:style>
-              <a:lnRef idx="1">
-                <a:schemeClr val="accent1"/>
-              </a:lnRef>
-              <a:fillRef idx="0">
-                <a:schemeClr val="accent1"/>
-              </a:fillRef>
-              <a:effectRef idx="0">
-                <a:schemeClr val="accent1"/>
-              </a:effectRef>
-              <a:fontRef idx="minor">
-                <a:schemeClr val="tx1"/>
-              </a:fontRef>
-            </p:style>
-          </p:cxnSp>
-        </p:grpSp>
-      </p:grpSp>
-      <p:grpSp>
-        <p:nvGrpSpPr>
-          <p:cNvPr id="23" name="그룹 22"/>
-          <p:cNvGrpSpPr/>
-          <p:nvPr/>
-        </p:nvGrpSpPr>
-        <p:grpSpPr>
-          <a:xfrm>
-            <a:off x="6740477" y="4559326"/>
-            <a:ext cx="4613323" cy="1135774"/>
-            <a:chOff x="1436007" y="2974906"/>
-            <a:chExt cx="9215404" cy="2268780"/>
-          </a:xfrm>
-        </p:grpSpPr>
-        <p:grpSp>
-          <p:nvGrpSpPr>
-            <p:cNvPr id="24" name="그룹 23"/>
-            <p:cNvGrpSpPr/>
-            <p:nvPr/>
-          </p:nvGrpSpPr>
-          <p:grpSpPr>
-            <a:xfrm>
-              <a:off x="8096365" y="2974906"/>
-              <a:ext cx="2555046" cy="2268780"/>
-              <a:chOff x="8761372" y="4684810"/>
-              <a:chExt cx="1662270" cy="1476031"/>
-            </a:xfrm>
-          </p:grpSpPr>
-          <p:grpSp>
-            <p:nvGrpSpPr>
-              <p:cNvPr id="41" name="그룹 40"/>
-              <p:cNvGrpSpPr/>
-              <p:nvPr/>
-            </p:nvGrpSpPr>
-            <p:grpSpPr>
-              <a:xfrm>
-                <a:off x="8761418" y="4947743"/>
-                <a:ext cx="1662224" cy="1213098"/>
-                <a:chOff x="5221702" y="4947743"/>
-                <a:chExt cx="1662224" cy="1213098"/>
-              </a:xfrm>
-            </p:grpSpPr>
-            <p:sp>
-              <p:nvSpPr>
-                <p:cNvPr id="43" name="직사각형 42"/>
-                <p:cNvSpPr/>
-                <p:nvPr/>
-              </p:nvSpPr>
-              <p:spPr>
-                <a:xfrm>
-                  <a:off x="5221702" y="4947743"/>
-                  <a:ext cx="1662224" cy="1213098"/>
-                </a:xfrm>
-                <a:prstGeom prst="rect">
-                  <a:avLst/>
-                </a:prstGeom>
-              </p:spPr>
-              <p:style>
-                <a:lnRef idx="2">
-                  <a:schemeClr val="accent1">
-                    <a:shade val="50000"/>
-                  </a:schemeClr>
-                </a:lnRef>
-                <a:fillRef idx="1">
-                  <a:schemeClr val="accent1"/>
-                </a:fillRef>
-                <a:effectRef idx="0">
-                  <a:schemeClr val="accent1"/>
-                </a:effectRef>
-                <a:fontRef idx="minor">
-                  <a:schemeClr val="lt1"/>
-                </a:fontRef>
-              </p:style>
-              <p:txBody>
-                <a:bodyPr rtlCol="0" anchor="ctr"/>
-                <a:lstStyle/>
-                <a:p>
-                  <a:pPr algn="ctr"/>
-                  <a:endParaRPr lang="ko-KR" altLang="en-US"/>
-                </a:p>
-              </p:txBody>
-            </p:sp>
-            <p:sp>
-              <p:nvSpPr>
-                <p:cNvPr id="44" name="직사각형 43"/>
-                <p:cNvSpPr/>
-                <p:nvPr/>
-              </p:nvSpPr>
-              <p:spPr>
-                <a:xfrm>
-                  <a:off x="5446061" y="5095345"/>
-                  <a:ext cx="1213506" cy="887636"/>
-                </a:xfrm>
-                <a:prstGeom prst="rect">
-                  <a:avLst/>
-                </a:prstGeom>
-                <a:solidFill>
-                  <a:schemeClr val="accent1">
-                    <a:lumMod val="40000"/>
-                    <a:lumOff val="60000"/>
-                  </a:schemeClr>
-                </a:solidFill>
-                <a:ln>
-                  <a:solidFill>
-                    <a:schemeClr val="accent1">
-                      <a:lumMod val="75000"/>
-                    </a:schemeClr>
-                  </a:solidFill>
-                </a:ln>
-              </p:spPr>
-              <p:style>
-                <a:lnRef idx="2">
-                  <a:schemeClr val="accent1">
-                    <a:shade val="50000"/>
-                  </a:schemeClr>
-                </a:lnRef>
-                <a:fillRef idx="1">
-                  <a:schemeClr val="accent1"/>
-                </a:fillRef>
-                <a:effectRef idx="0">
-                  <a:schemeClr val="accent1"/>
-                </a:effectRef>
-                <a:fontRef idx="minor">
-                  <a:schemeClr val="lt1"/>
-                </a:fontRef>
-              </p:style>
-              <p:txBody>
-                <a:bodyPr rtlCol="0" anchor="ctr"/>
-                <a:lstStyle/>
-                <a:p>
-                  <a:pPr algn="ctr"/>
-                  <a:r>
-                    <a:rPr lang="en-US" altLang="ko-KR" sz="1400" dirty="0" smtClean="0"/>
-                    <a:t>Property</a:t>
-                  </a:r>
-                  <a:endParaRPr lang="ko-KR" altLang="en-US" sz="1400" dirty="0"/>
-                </a:p>
-              </p:txBody>
-            </p:sp>
-          </p:grpSp>
-          <p:sp>
-            <p:nvSpPr>
-              <p:cNvPr id="42" name="TextBox 41"/>
-              <p:cNvSpPr txBox="1"/>
-              <p:nvPr/>
-            </p:nvSpPr>
-            <p:spPr>
-              <a:xfrm>
-                <a:off x="8761372" y="4684810"/>
-                <a:ext cx="1527427" cy="319984"/>
-              </a:xfrm>
-              <a:prstGeom prst="rect">
-                <a:avLst/>
-              </a:prstGeom>
-              <a:noFill/>
-            </p:spPr>
-            <p:txBody>
-              <a:bodyPr wrap="none" rtlCol="0">
-                <a:spAutoFit/>
-              </a:bodyPr>
-              <a:lstStyle/>
-              <a:p>
-                <a:r>
-                  <a:rPr lang="ko-KR" altLang="en-US" sz="1000" dirty="0" smtClean="0"/>
-                  <a:t>뷰 모델</a:t>
-                </a:r>
-                <a:r>
-                  <a:rPr lang="en-US" altLang="ko-KR" sz="1000" dirty="0"/>
-                  <a:t> </a:t>
-                </a:r>
-                <a:r>
-                  <a:rPr lang="ko-KR" altLang="en-US" sz="1000" dirty="0" smtClean="0"/>
-                  <a:t>또는 모델</a:t>
-                </a:r>
-                <a:endParaRPr lang="ko-KR" altLang="en-US" sz="1000" dirty="0"/>
-              </a:p>
-            </p:txBody>
-          </p:sp>
-        </p:grpSp>
-        <p:grpSp>
-          <p:nvGrpSpPr>
-            <p:cNvPr id="25" name="그룹 24"/>
-            <p:cNvGrpSpPr/>
-            <p:nvPr/>
-          </p:nvGrpSpPr>
-          <p:grpSpPr>
-            <a:xfrm>
-              <a:off x="1436007" y="2974906"/>
-              <a:ext cx="2556952" cy="2268780"/>
-              <a:chOff x="5220417" y="4684810"/>
-              <a:chExt cx="1663509" cy="1476031"/>
-            </a:xfrm>
-          </p:grpSpPr>
-          <p:grpSp>
-            <p:nvGrpSpPr>
-              <p:cNvPr id="36" name="그룹 35"/>
-              <p:cNvGrpSpPr/>
-              <p:nvPr/>
-            </p:nvGrpSpPr>
-            <p:grpSpPr>
-              <a:xfrm>
-                <a:off x="5221702" y="4947743"/>
-                <a:ext cx="1662224" cy="1213098"/>
-                <a:chOff x="5221702" y="4947743"/>
-                <a:chExt cx="1662224" cy="1213098"/>
-              </a:xfrm>
-            </p:grpSpPr>
-            <p:sp>
-              <p:nvSpPr>
-                <p:cNvPr id="38" name="직사각형 37"/>
-                <p:cNvSpPr/>
-                <p:nvPr/>
-              </p:nvSpPr>
-              <p:spPr>
-                <a:xfrm>
-                  <a:off x="5221702" y="4947743"/>
-                  <a:ext cx="1662224" cy="1213098"/>
-                </a:xfrm>
-                <a:prstGeom prst="rect">
-                  <a:avLst/>
-                </a:prstGeom>
-              </p:spPr>
-              <p:style>
-                <a:lnRef idx="2">
-                  <a:schemeClr val="accent1">
-                    <a:shade val="50000"/>
-                  </a:schemeClr>
-                </a:lnRef>
-                <a:fillRef idx="1">
-                  <a:schemeClr val="accent1"/>
-                </a:fillRef>
-                <a:effectRef idx="0">
-                  <a:schemeClr val="accent1"/>
-                </a:effectRef>
-                <a:fontRef idx="minor">
-                  <a:schemeClr val="lt1"/>
-                </a:fontRef>
-              </p:style>
-              <p:txBody>
-                <a:bodyPr rtlCol="0" anchor="ctr"/>
-                <a:lstStyle/>
-                <a:p>
-                  <a:pPr algn="ctr"/>
-                  <a:endParaRPr lang="ko-KR" altLang="en-US"/>
-                </a:p>
-              </p:txBody>
-            </p:sp>
-            <p:sp>
-              <p:nvSpPr>
-                <p:cNvPr id="40" name="직사각형 39"/>
-                <p:cNvSpPr/>
-                <p:nvPr/>
-              </p:nvSpPr>
-              <p:spPr>
-                <a:xfrm>
-                  <a:off x="5446061" y="5095345"/>
-                  <a:ext cx="1213506" cy="887636"/>
-                </a:xfrm>
-                <a:prstGeom prst="rect">
-                  <a:avLst/>
-                </a:prstGeom>
-                <a:solidFill>
-                  <a:schemeClr val="accent1">
-                    <a:lumMod val="40000"/>
-                    <a:lumOff val="60000"/>
-                  </a:schemeClr>
-                </a:solidFill>
-                <a:ln>
-                  <a:solidFill>
-                    <a:schemeClr val="accent1">
-                      <a:lumMod val="75000"/>
-                    </a:schemeClr>
-                  </a:solidFill>
-                </a:ln>
-              </p:spPr>
-              <p:style>
-                <a:lnRef idx="2">
-                  <a:schemeClr val="accent1">
-                    <a:shade val="50000"/>
-                  </a:schemeClr>
-                </a:lnRef>
-                <a:fillRef idx="1">
-                  <a:schemeClr val="accent1"/>
-                </a:fillRef>
-                <a:effectRef idx="0">
-                  <a:schemeClr val="accent1"/>
-                </a:effectRef>
-                <a:fontRef idx="minor">
-                  <a:schemeClr val="lt1"/>
-                </a:fontRef>
-              </p:style>
-              <p:txBody>
-                <a:bodyPr rtlCol="0" anchor="ctr"/>
-                <a:lstStyle/>
-                <a:p>
-                  <a:pPr algn="ctr"/>
-                  <a:r>
-                    <a:rPr lang="en-US" altLang="ko-KR" sz="1400" dirty="0" smtClean="0"/>
-                    <a:t>Property</a:t>
-                  </a:r>
-                  <a:endParaRPr lang="ko-KR" altLang="en-US" sz="1400" dirty="0"/>
-                </a:p>
-              </p:txBody>
-            </p:sp>
-          </p:grpSp>
-          <p:sp>
-            <p:nvSpPr>
-              <p:cNvPr id="37" name="TextBox 36"/>
-              <p:cNvSpPr txBox="1"/>
-              <p:nvPr/>
-            </p:nvSpPr>
-            <p:spPr>
-              <a:xfrm>
-                <a:off x="5220417" y="4684810"/>
-                <a:ext cx="1321185" cy="319984"/>
-              </a:xfrm>
-              <a:prstGeom prst="rect">
-                <a:avLst/>
-              </a:prstGeom>
-              <a:noFill/>
-            </p:spPr>
-            <p:txBody>
-              <a:bodyPr wrap="none" rtlCol="0">
-                <a:spAutoFit/>
-              </a:bodyPr>
-              <a:lstStyle/>
-              <a:p>
-                <a:r>
-                  <a:rPr lang="ko-KR" altLang="en-US" sz="1000" dirty="0" smtClean="0"/>
-                  <a:t>바인딩 대상 </a:t>
-                </a:r>
-                <a:r>
-                  <a:rPr lang="en-US" altLang="ko-KR" sz="1000" dirty="0" smtClean="0"/>
-                  <a:t>UI</a:t>
-                </a:r>
-                <a:endParaRPr lang="ko-KR" altLang="en-US" sz="1000" dirty="0"/>
-              </a:p>
-            </p:txBody>
-          </p:sp>
-        </p:grpSp>
-        <p:grpSp>
-          <p:nvGrpSpPr>
-            <p:cNvPr id="26" name="그룹 25"/>
-            <p:cNvGrpSpPr/>
-            <p:nvPr/>
-          </p:nvGrpSpPr>
-          <p:grpSpPr>
-            <a:xfrm>
-              <a:off x="3648100" y="3171936"/>
-              <a:ext cx="4793194" cy="1797423"/>
-              <a:chOff x="3648100" y="3232318"/>
-              <a:chExt cx="4793194" cy="1797423"/>
-            </a:xfrm>
-          </p:grpSpPr>
-          <p:sp>
-            <p:nvSpPr>
-              <p:cNvPr id="27" name="모서리가 둥근 직사각형 26"/>
-              <p:cNvSpPr/>
-              <p:nvPr/>
-            </p:nvSpPr>
-            <p:spPr>
-              <a:xfrm>
-                <a:off x="3648100" y="3668421"/>
-                <a:ext cx="4793194" cy="1361320"/>
-              </a:xfrm>
-              <a:prstGeom prst="roundRect">
-                <a:avLst/>
-              </a:prstGeom>
-              <a:solidFill>
-                <a:schemeClr val="bg1">
-                  <a:lumMod val="85000"/>
-                  <a:alpha val="60000"/>
-                </a:schemeClr>
-              </a:solidFill>
-              <a:ln w="19050">
-                <a:solidFill>
-                  <a:schemeClr val="bg1">
-                    <a:lumMod val="50000"/>
-                  </a:schemeClr>
-                </a:solidFill>
-                <a:prstDash val="dash"/>
-              </a:ln>
-            </p:spPr>
-            <p:style>
-              <a:lnRef idx="2">
-                <a:schemeClr val="accent1">
-                  <a:shade val="50000"/>
-                </a:schemeClr>
-              </a:lnRef>
-              <a:fillRef idx="1">
-                <a:schemeClr val="accent1"/>
-              </a:fillRef>
-              <a:effectRef idx="0">
-                <a:schemeClr val="accent1"/>
-              </a:effectRef>
-              <a:fontRef idx="minor">
-                <a:schemeClr val="lt1"/>
-              </a:fontRef>
-            </p:style>
-            <p:txBody>
-              <a:bodyPr rtlCol="0" anchor="ctr"/>
-              <a:lstStyle/>
-              <a:p>
-                <a:pPr algn="ctr"/>
-                <a:endParaRPr lang="ko-KR" altLang="en-US" dirty="0"/>
-              </a:p>
-            </p:txBody>
-          </p:sp>
-          <p:sp>
-            <p:nvSpPr>
-              <p:cNvPr id="29" name="TextBox 28"/>
-              <p:cNvSpPr txBox="1"/>
-              <p:nvPr/>
-            </p:nvSpPr>
-            <p:spPr>
-              <a:xfrm>
-                <a:off x="4881557" y="3232318"/>
-                <a:ext cx="2520693" cy="491842"/>
-              </a:xfrm>
-              <a:prstGeom prst="rect">
-                <a:avLst/>
-              </a:prstGeom>
-              <a:noFill/>
-            </p:spPr>
-            <p:txBody>
-              <a:bodyPr wrap="none" rtlCol="0">
-                <a:spAutoFit/>
-              </a:bodyPr>
-              <a:lstStyle/>
-              <a:p>
-                <a:r>
-                  <a:rPr lang="ko-KR" altLang="en-US" sz="1000" dirty="0" smtClean="0"/>
-                  <a:t>바인딩 되는 데이터</a:t>
-                </a:r>
-                <a:endParaRPr lang="ko-KR" altLang="en-US" sz="1000" dirty="0"/>
-              </a:p>
-            </p:txBody>
-          </p:sp>
-          <p:cxnSp>
-            <p:nvCxnSpPr>
-              <p:cNvPr id="30" name="직선 화살표 연결선 29"/>
-              <p:cNvCxnSpPr/>
-              <p:nvPr/>
-            </p:nvCxnSpPr>
-            <p:spPr>
-              <a:xfrm>
-                <a:off x="3797516" y="4081662"/>
-                <a:ext cx="4494362" cy="0"/>
-              </a:xfrm>
-              <a:prstGeom prst="straightConnector1">
-                <a:avLst/>
-              </a:prstGeom>
-              <a:ln w="38100">
-                <a:solidFill>
-                  <a:schemeClr val="tx1"/>
-                </a:solidFill>
-                <a:headEnd type="triangle"/>
-                <a:tailEnd type="none"/>
-              </a:ln>
-            </p:spPr>
-            <p:style>
-              <a:lnRef idx="1">
-                <a:schemeClr val="accent1"/>
-              </a:lnRef>
-              <a:fillRef idx="0">
-                <a:schemeClr val="accent1"/>
-              </a:fillRef>
-              <a:effectRef idx="0">
-                <a:schemeClr val="accent1"/>
-              </a:effectRef>
-              <a:fontRef idx="minor">
-                <a:schemeClr val="tx1"/>
-              </a:fontRef>
-            </p:style>
-          </p:cxnSp>
-          <p:grpSp>
-            <p:nvGrpSpPr>
-              <p:cNvPr id="31" name="그룹 30"/>
-              <p:cNvGrpSpPr/>
-              <p:nvPr/>
-            </p:nvGrpSpPr>
-            <p:grpSpPr>
-              <a:xfrm>
-                <a:off x="5819258" y="4443148"/>
-                <a:ext cx="450879" cy="278450"/>
-                <a:chOff x="5873792" y="4278702"/>
-                <a:chExt cx="293334" cy="181155"/>
-              </a:xfrm>
-            </p:grpSpPr>
-            <p:cxnSp>
-              <p:nvCxnSpPr>
-                <p:cNvPr id="34" name="직선 연결선 33"/>
-                <p:cNvCxnSpPr/>
-                <p:nvPr/>
-              </p:nvCxnSpPr>
-              <p:spPr>
-                <a:xfrm flipH="1">
-                  <a:off x="5873792" y="4278702"/>
-                  <a:ext cx="181155" cy="181155"/>
-                </a:xfrm>
-                <a:prstGeom prst="line">
-                  <a:avLst/>
-                </a:prstGeom>
-                <a:ln w="38100">
-                  <a:solidFill>
-                    <a:schemeClr val="tx1"/>
-                  </a:solidFill>
-                </a:ln>
-              </p:spPr>
-              <p:style>
-                <a:lnRef idx="1">
-                  <a:schemeClr val="accent1"/>
-                </a:lnRef>
-                <a:fillRef idx="0">
-                  <a:schemeClr val="accent1"/>
-                </a:fillRef>
-                <a:effectRef idx="0">
-                  <a:schemeClr val="accent1"/>
-                </a:effectRef>
-                <a:fontRef idx="minor">
-                  <a:schemeClr val="tx1"/>
-                </a:fontRef>
-              </p:style>
-            </p:cxnSp>
-            <p:cxnSp>
-              <p:nvCxnSpPr>
-                <p:cNvPr id="35" name="직선 연결선 34"/>
-                <p:cNvCxnSpPr/>
-                <p:nvPr/>
-              </p:nvCxnSpPr>
-              <p:spPr>
-                <a:xfrm flipH="1">
-                  <a:off x="5985971" y="4278702"/>
-                  <a:ext cx="181155" cy="181155"/>
-                </a:xfrm>
-                <a:prstGeom prst="line">
-                  <a:avLst/>
-                </a:prstGeom>
-                <a:ln w="38100">
-                  <a:solidFill>
-                    <a:schemeClr val="tx1"/>
-                  </a:solidFill>
-                </a:ln>
-              </p:spPr>
-              <p:style>
-                <a:lnRef idx="1">
-                  <a:schemeClr val="accent1"/>
-                </a:lnRef>
-                <a:fillRef idx="0">
-                  <a:schemeClr val="accent1"/>
-                </a:fillRef>
-                <a:effectRef idx="0">
-                  <a:schemeClr val="accent1"/>
-                </a:effectRef>
-                <a:fontRef idx="minor">
-                  <a:schemeClr val="tx1"/>
-                </a:fontRef>
-              </p:style>
-            </p:cxnSp>
-          </p:grpSp>
-          <p:cxnSp>
-            <p:nvCxnSpPr>
-              <p:cNvPr id="33" name="직선 화살표 연결선 32"/>
-              <p:cNvCxnSpPr/>
-              <p:nvPr/>
-            </p:nvCxnSpPr>
-            <p:spPr>
-              <a:xfrm>
-                <a:off x="3797516" y="4582373"/>
-                <a:ext cx="4494362" cy="0"/>
-              </a:xfrm>
-              <a:prstGeom prst="straightConnector1">
-                <a:avLst/>
-              </a:prstGeom>
-              <a:ln w="38100">
-                <a:solidFill>
-                  <a:schemeClr val="tx1"/>
-                </a:solidFill>
-                <a:headEnd type="none"/>
-                <a:tailEnd type="triangle"/>
-              </a:ln>
-            </p:spPr>
-            <p:style>
-              <a:lnRef idx="1">
-                <a:schemeClr val="accent1"/>
-              </a:lnRef>
-              <a:fillRef idx="0">
-                <a:schemeClr val="accent1"/>
-              </a:fillRef>
-              <a:effectRef idx="0">
-                <a:schemeClr val="accent1"/>
-              </a:effectRef>
-              <a:fontRef idx="minor">
-                <a:schemeClr val="tx1"/>
-              </a:fontRef>
-            </p:style>
-          </p:cxnSp>
-        </p:grpSp>
-      </p:grpSp>
-      <p:sp>
-        <p:nvSpPr>
-          <p:cNvPr id="2" name="TextBox 1"/>
-          <p:cNvSpPr txBox="1"/>
-          <p:nvPr/>
-        </p:nvSpPr>
-        <p:spPr>
-          <a:xfrm>
-            <a:off x="2247285" y="4038768"/>
-            <a:ext cx="1893467" cy="369332"/>
-          </a:xfrm>
-          <a:prstGeom prst="rect">
-            <a:avLst/>
-          </a:prstGeom>
-          <a:noFill/>
-        </p:spPr>
-        <p:txBody>
-          <a:bodyPr wrap="none" rtlCol="0">
-            <a:spAutoFit/>
-          </a:bodyPr>
-          <a:lstStyle/>
-          <a:p>
-            <a:r>
-              <a:rPr lang="ko-KR" altLang="en-US" smtClean="0"/>
-              <a:t>초기 바인딩 시도</a:t>
-            </a:r>
-            <a:endParaRPr lang="ko-KR" altLang="en-US" dirty="0"/>
-          </a:p>
-        </p:txBody>
-      </p:sp>
-      <p:sp>
-        <p:nvSpPr>
-          <p:cNvPr id="45" name="TextBox 44"/>
-          <p:cNvSpPr txBox="1"/>
-          <p:nvPr/>
-        </p:nvSpPr>
-        <p:spPr>
-          <a:xfrm>
-            <a:off x="8100899" y="4038768"/>
-            <a:ext cx="1893467" cy="369332"/>
-          </a:xfrm>
-          <a:prstGeom prst="rect">
-            <a:avLst/>
-          </a:prstGeom>
-          <a:noFill/>
-        </p:spPr>
-        <p:txBody>
-          <a:bodyPr wrap="none" rtlCol="0">
-            <a:spAutoFit/>
-          </a:bodyPr>
-          <a:lstStyle/>
-          <a:p>
-            <a:r>
-              <a:rPr lang="ko-KR" altLang="en-US" dirty="0" smtClean="0"/>
-              <a:t>이후 바인딩 시도</a:t>
-            </a:r>
-            <a:endParaRPr lang="ko-KR" altLang="en-US" dirty="0"/>
-          </a:p>
-        </p:txBody>
-      </p:sp>
-    </p:spTree>
-    <p:extLst>
-      <p:ext uri="{BB962C8B-B14F-4D97-AF65-F5344CB8AC3E}">
-        <p14:creationId xmlns:p14="http://schemas.microsoft.com/office/powerpoint/2010/main" val="835371518"/>
-      </p:ext>
-    </p:extLst>
-  </p:cSld>
-  <p:clrMapOvr>
-    <a:masterClrMapping/>
-  </p:clrMapOvr>
-  <p:timing>
-    <p:tnLst>
-      <p:par>
-        <p:cTn id="1" dur="indefinite" restart="never" nodeType="tmRoot"/>
-      </p:par>
-    </p:tnLst>
-  </p:timing>
-</p:sld>
-</file>
-
-<file path=ppt/slides/slide7.xml><?xml version="1.0" encoding="utf-8"?>
-<p:sld xmlns:a="http://schemas.openxmlformats.org/drawingml/2006/main" xmlns:r="http://schemas.openxmlformats.org/officeDocument/2006/relationships" xmlns:p="http://schemas.openxmlformats.org/presentationml/2006/main">
-  <p:cSld>
-    <p:spTree>
-      <p:nvGrpSpPr>
-        <p:cNvPr id="1" name=""/>
-        <p:cNvGrpSpPr/>
-        <p:nvPr/>
-      </p:nvGrpSpPr>
-      <p:grpSpPr>
-        <a:xfrm>
-          <a:off x="0" y="0"/>
-          <a:ext cx="0" cy="0"/>
-          <a:chOff x="0" y="0"/>
-          <a:chExt cx="0" cy="0"/>
-        </a:xfrm>
-      </p:grpSpPr>
-      <p:sp>
-        <p:nvSpPr>
-          <p:cNvPr id="7" name="제목 1"/>
-          <p:cNvSpPr txBox="1">
-            <a:spLocks/>
-          </p:cNvSpPr>
-          <p:nvPr/>
-        </p:nvSpPr>
-        <p:spPr>
-          <a:xfrm>
-            <a:off x="838200" y="365125"/>
-            <a:ext cx="10515600" cy="1090189"/>
-          </a:xfrm>
-          <a:prstGeom prst="rect">
-            <a:avLst/>
-          </a:prstGeom>
-        </p:spPr>
-        <p:txBody>
-          <a:bodyPr vert="horz" lIns="91440" tIns="45720" rIns="91440" bIns="45720" rtlCol="0" anchor="ctr">
-            <a:normAutofit/>
-          </a:bodyPr>
-          <a:lstStyle>
-            <a:lvl1pPr algn="l" defTabSz="914400" rtl="0" eaLnBrk="1" latinLnBrk="1" hangingPunct="1">
-              <a:lnSpc>
-                <a:spcPct val="90000"/>
-              </a:lnSpc>
-              <a:spcBef>
-                <a:spcPct val="0"/>
-              </a:spcBef>
-              <a:buNone/>
-              <a:defRPr sz="4800" kern="1200">
-                <a:solidFill>
-                  <a:schemeClr val="accent4"/>
-                </a:solidFill>
-                <a:latin typeface="+mj-lt"/>
-                <a:ea typeface="+mj-ea"/>
-                <a:cs typeface="+mj-cs"/>
-              </a:defRPr>
-            </a:lvl1pPr>
-          </a:lstStyle>
-          <a:p>
-            <a:r>
-              <a:rPr lang="en-US" altLang="ko-KR" dirty="0" err="1" smtClean="0">
-                <a:latin typeface="함초롬돋움" panose="020B0604000101010101" pitchFamily="50" charset="-127"/>
-                <a:ea typeface="함초롬돋움" panose="020B0604000101010101" pitchFamily="50" charset="-127"/>
-                <a:cs typeface="함초롬돋움" panose="020B0604000101010101" pitchFamily="50" charset="-127"/>
-              </a:rPr>
               <a:t>TwoWay</a:t>
             </a:r>
             <a:endParaRPr lang="ko-KR" altLang="en-US" dirty="0">
@@ -10717,7 +10137,7 @@
         </p:nvGrpSpPr>
         <p:grpSpPr>
           <a:xfrm>
-            <a:off x="8096365" y="2974906"/>
+            <a:off x="8096365" y="3992823"/>
             <a:ext cx="2555046" cy="2268780"/>
             <a:chOff x="8761372" y="4684810"/>
             <a:chExt cx="1662270" cy="1476031"/>
@@ -10882,7 +10302,7 @@
         </p:nvGrpSpPr>
         <p:grpSpPr>
           <a:xfrm>
-            <a:off x="1436006" y="2974906"/>
+            <a:off x="1436006" y="3992823"/>
             <a:ext cx="2556952" cy="2268780"/>
             <a:chOff x="5220417" y="4684810"/>
             <a:chExt cx="1663509" cy="1476031"/>
@@ -11043,7 +10463,7 @@
         </p:nvSpPr>
         <p:spPr>
           <a:xfrm>
-            <a:off x="3648100" y="3608039"/>
+            <a:off x="3648100" y="4625956"/>
             <a:ext cx="4793194" cy="1361320"/>
           </a:xfrm>
           <a:prstGeom prst="roundRect">
@@ -11097,7 +10517,7 @@
         </p:nvSpPr>
         <p:spPr>
           <a:xfrm>
-            <a:off x="4881558" y="3171936"/>
+            <a:off x="4881558" y="4189853"/>
             <a:ext cx="2326278" cy="400110"/>
           </a:xfrm>
           <a:prstGeom prst="rect">
@@ -11127,7 +10547,7 @@
         </p:nvCxnSpPr>
         <p:spPr>
           <a:xfrm>
-            <a:off x="3797516" y="4021280"/>
+            <a:off x="3797516" y="5039197"/>
             <a:ext cx="4494362" cy="0"/>
           </a:xfrm>
           <a:prstGeom prst="straightConnector1">
@@ -11164,7 +10584,7 @@
         </p:nvCxnSpPr>
         <p:spPr>
           <a:xfrm>
-            <a:off x="3797516" y="4521991"/>
+            <a:off x="3797516" y="5539908"/>
             <a:ext cx="4494362" cy="0"/>
           </a:xfrm>
           <a:prstGeom prst="straightConnector1">
@@ -11196,7 +10616,7 @@
     </p:spTree>
     <p:extLst>
       <p:ext uri="{BB962C8B-B14F-4D97-AF65-F5344CB8AC3E}">
-        <p14:creationId xmlns:p14="http://schemas.microsoft.com/office/powerpoint/2010/main" val="3025753340"/>
+        <p14:creationId xmlns:p14="http://schemas.microsoft.com/office/powerpoint/2010/main" val="417447592"/>
       </p:ext>
     </p:extLst>
   </p:cSld>
@@ -11232,6 +10652,56 @@
       </p:grpSpPr>
       <p:sp>
         <p:nvSpPr>
+          <p:cNvPr id="50" name="내용 개체 틀 1"/>
+          <p:cNvSpPr>
+            <a:spLocks noGrp="1"/>
+          </p:cNvSpPr>
+          <p:nvPr>
+            <p:ph idx="1"/>
+          </p:nvPr>
+        </p:nvSpPr>
+        <p:spPr>
+          <a:xfrm>
+            <a:off x="838200" y="1983345"/>
+            <a:ext cx="10515600" cy="4193617"/>
+          </a:xfrm>
+        </p:spPr>
+        <p:txBody>
+          <a:bodyPr/>
+          <a:lstStyle/>
+          <a:p>
+            <a:r>
+              <a:rPr lang="en-US" altLang="ko-KR" dirty="0" smtClean="0"/>
+              <a:t>UI</a:t>
+            </a:r>
+            <a:r>
+              <a:rPr lang="ko-KR" altLang="en-US" dirty="0" smtClean="0"/>
+              <a:t>의 </a:t>
+            </a:r>
+            <a:r>
+              <a:rPr lang="en-US" altLang="ko-KR" dirty="0" err="1" smtClean="0"/>
+              <a:t>Proprerty</a:t>
+            </a:r>
+            <a:r>
+              <a:rPr lang="en-US" altLang="ko-KR" dirty="0" smtClean="0"/>
+              <a:t> </a:t>
+            </a:r>
+            <a:r>
+              <a:rPr lang="ko-KR" altLang="en-US" dirty="0" smtClean="0"/>
+              <a:t>값이 변경 되면 해당 변경 내용을 뷰 모델 또는 모델에 전파하는 과정</a:t>
+            </a:r>
+            <a:endParaRPr lang="en-US" altLang="ko-KR" dirty="0" smtClean="0"/>
+          </a:p>
+          <a:p>
+            <a:endParaRPr lang="en-US" altLang="ko-KR" dirty="0"/>
+          </a:p>
+          <a:p>
+            <a:endParaRPr lang="en-US" altLang="ko-KR" dirty="0" smtClean="0"/>
+          </a:p>
+        </p:txBody>
+      </p:sp>
+      <p:sp>
+        <p:nvSpPr>
           <p:cNvPr id="7" name="제목 1"/>
           <p:cNvSpPr txBox="1">
             <a:spLocks/>
@@ -11272,20 +10742,12 @@
           </a:lstStyle>
           <a:p>
             <a:r>
-              <a:rPr lang="en-US" altLang="ko-KR" dirty="0" smtClean="0">
+              <a:rPr lang="en-US" altLang="ko-KR" dirty="0" err="1" smtClean="0">
                 <a:latin typeface="함초롬돋움" panose="020B0604000101010101" pitchFamily="50" charset="-127"/>
                 <a:ea typeface="함초롬돋움" panose="020B0604000101010101" pitchFamily="50" charset="-127"/>
                 <a:cs typeface="함초롬돋움" panose="020B0604000101010101" pitchFamily="50" charset="-127"/>
               </a:rPr>
-              <a:t>Data Binding </a:t>
-            </a:r>
-            <a:r>
-              <a:rPr lang="ko-KR" altLang="en-US" dirty="0" smtClean="0">
-                <a:latin typeface="함초롬돋움" panose="020B0604000101010101" pitchFamily="50" charset="-127"/>
-                <a:ea typeface="함초롬돋움" panose="020B0604000101010101" pitchFamily="50" charset="-127"/>
-                <a:cs typeface="함초롬돋움" panose="020B0604000101010101" pitchFamily="50" charset="-127"/>
-              </a:rPr>
-              <a:t>사용 방법</a:t>
+              <a:t>UpdateTrigger</a:t>
             </a:r>
             <a:endParaRPr lang="ko-KR" altLang="en-US" dirty="0">
               <a:latin typeface="함초롬돋움" panose="020B0604000101010101" pitchFamily="50" charset="-127"/>
@@ -11297,7 +10759,7 @@
       </p:sp>
       <p:pic>
         <p:nvPicPr>
-          <p:cNvPr id="4" name="그림 3"/>
+          <p:cNvPr id="2" name="그림 1"/>
           <p:cNvPicPr>
             <a:picLocks noChangeAspect="1"/>
           </p:cNvPicPr>
@@ -11311,23 +10773,18 @@
         </p:blipFill>
         <p:spPr>
           <a:xfrm>
-            <a:off x="2547937" y="3275647"/>
-            <a:ext cx="7096125" cy="1895475"/>
+            <a:off x="2602326" y="3387778"/>
+            <a:ext cx="6987348" cy="2510852"/>
           </a:xfrm>
           <a:prstGeom prst="rect">
             <a:avLst/>
           </a:prstGeom>
-          <a:ln>
-            <a:solidFill>
-              <a:schemeClr val="tx1"/>
-            </a:solidFill>
-          </a:ln>
         </p:spPr>
       </p:pic>
     </p:spTree>
     <p:extLst>
       <p:ext uri="{BB962C8B-B14F-4D97-AF65-F5344CB8AC3E}">
-        <p14:creationId xmlns:p14="http://schemas.microsoft.com/office/powerpoint/2010/main" val="1032165910"/>
+        <p14:creationId xmlns:p14="http://schemas.microsoft.com/office/powerpoint/2010/main" val="696019032"/>
       </p:ext>
     </p:extLst>
   </p:cSld>
@@ -11363,6 +10820,129 @@
       </p:grpSpPr>
       <p:sp>
         <p:nvSpPr>
+          <p:cNvPr id="50" name="내용 개체 틀 1"/>
+          <p:cNvSpPr>
+            <a:spLocks noGrp="1"/>
+          </p:cNvSpPr>
+          <p:nvPr>
+            <p:ph idx="1"/>
+          </p:nvPr>
+        </p:nvSpPr>
+        <p:spPr>
+          <a:xfrm>
+            <a:off x="838200" y="1983345"/>
+            <a:ext cx="10515600" cy="4193617"/>
+          </a:xfrm>
+        </p:spPr>
+        <p:txBody>
+          <a:bodyPr/>
+          <a:lstStyle/>
+          <a:p>
+            <a:r>
+              <a:rPr lang="en-US" altLang="ko-KR" dirty="0" err="1" smtClean="0"/>
+              <a:t>LostFocus</a:t>
+            </a:r>
+            <a:endParaRPr lang="en-US" altLang="ko-KR" dirty="0"/>
+          </a:p>
+          <a:p>
+            <a:pPr lvl="1"/>
+            <a:r>
+              <a:rPr lang="en-US" altLang="ko-KR" dirty="0" smtClean="0"/>
+              <a:t>UI </a:t>
+            </a:r>
+            <a:r>
+              <a:rPr lang="ko-KR" altLang="en-US" dirty="0" smtClean="0"/>
+              <a:t>요소가 포커스를 잃었을 때  뷰 모델 또는 </a:t>
+            </a:r>
+            <a:r>
+              <a:rPr lang="ko-KR" altLang="en-US" dirty="0"/>
+              <a:t>모델을</a:t>
+            </a:r>
+            <a:r>
+              <a:rPr lang="ko-KR" altLang="en-US" dirty="0" smtClean="0"/>
+              <a:t> 업데이트</a:t>
+            </a:r>
+            <a:endParaRPr lang="en-US" altLang="ko-KR" dirty="0" smtClean="0"/>
+          </a:p>
+          <a:p>
+            <a:endParaRPr lang="en-US" altLang="ko-KR" dirty="0" smtClean="0"/>
+          </a:p>
+          <a:p>
+            <a:r>
+              <a:rPr lang="en-US" altLang="ko-KR" dirty="0" err="1" smtClean="0"/>
+              <a:t>PropertyChanged</a:t>
+            </a:r>
+            <a:endParaRPr lang="en-US" altLang="ko-KR" dirty="0"/>
+          </a:p>
+          <a:p>
+            <a:pPr lvl="1"/>
+            <a:r>
+              <a:rPr lang="en-US" altLang="ko-KR" dirty="0" smtClean="0"/>
+              <a:t>UI </a:t>
+            </a:r>
+            <a:r>
+              <a:rPr lang="ko-KR" altLang="en-US" dirty="0" smtClean="0"/>
+              <a:t>요소의 바인딩 된 </a:t>
+            </a:r>
+            <a:r>
+              <a:rPr lang="en-US" altLang="ko-KR" dirty="0" err="1" smtClean="0"/>
+              <a:t>Proprerty</a:t>
+            </a:r>
+            <a:r>
+              <a:rPr lang="en-US" altLang="ko-KR" dirty="0" smtClean="0"/>
+              <a:t> </a:t>
+            </a:r>
+            <a:r>
+              <a:rPr lang="ko-KR" altLang="en-US" dirty="0" smtClean="0"/>
+              <a:t>값이 변경 될 때 뷰 모델 또는 모델을 업데이트</a:t>
+            </a:r>
+            <a:endParaRPr lang="en-US" altLang="ko-KR" dirty="0"/>
+          </a:p>
+          <a:p>
+            <a:pPr lvl="1"/>
+            <a:endParaRPr lang="en-US" altLang="ko-KR" dirty="0" smtClean="0"/>
+          </a:p>
+          <a:p>
+            <a:r>
+              <a:rPr lang="en-US" altLang="ko-KR" dirty="0" smtClean="0"/>
+              <a:t>Explicit</a:t>
+            </a:r>
+          </a:p>
+          <a:p>
+            <a:pPr lvl="1"/>
+            <a:r>
+              <a:rPr lang="en-US" altLang="ko-KR" dirty="0" err="1" smtClean="0"/>
+              <a:t>UpdateSource</a:t>
+            </a:r>
+            <a:r>
+              <a:rPr lang="en-US" altLang="ko-KR" dirty="0" smtClean="0"/>
+              <a:t> </a:t>
+            </a:r>
+            <a:r>
+              <a:rPr lang="ko-KR" altLang="en-US" dirty="0" err="1" smtClean="0"/>
+              <a:t>메소드가</a:t>
+            </a:r>
+            <a:r>
+              <a:rPr lang="ko-KR" altLang="en-US" dirty="0" smtClean="0"/>
+              <a:t> 호출 </a:t>
+            </a:r>
+            <a:r>
+              <a:rPr lang="ko-KR" altLang="en-US" dirty="0" err="1" smtClean="0"/>
+              <a:t>될때</a:t>
+            </a:r>
+            <a:r>
+              <a:rPr lang="ko-KR" altLang="en-US" dirty="0" smtClean="0"/>
+              <a:t> 뷰 모델 또는 모델을 업데이트</a:t>
+            </a:r>
+            <a:endParaRPr lang="en-US" altLang="ko-KR" dirty="0"/>
+          </a:p>
+          <a:p>
+            <a:endParaRPr lang="en-US" altLang="ko-KR" dirty="0" smtClean="0"/>
+          </a:p>
+        </p:txBody>
+      </p:sp>
+      <p:sp>
+        <p:nvSpPr>
           <p:cNvPr id="7" name="제목 1"/>
           <p:cNvSpPr txBox="1">
             <a:spLocks/>
@@ -11403,12 +10983,12 @@
           </a:lstStyle>
           <a:p>
             <a:r>
-              <a:rPr lang="en-US" altLang="ko-KR" dirty="0" smtClean="0">
+              <a:rPr lang="en-US" altLang="ko-KR" dirty="0" err="1" smtClean="0">
                 <a:latin typeface="함초롬돋움" panose="020B0604000101010101" pitchFamily="50" charset="-127"/>
                 <a:ea typeface="함초롬돋움" panose="020B0604000101010101" pitchFamily="50" charset="-127"/>
                 <a:cs typeface="함초롬돋움" panose="020B0604000101010101" pitchFamily="50" charset="-127"/>
               </a:rPr>
-              <a:t>Data Binding</a:t>
+              <a:t>UpdateTrigger</a:t>
             </a:r>
             <a:endParaRPr lang="ko-KR" altLang="en-US" dirty="0">
               <a:latin typeface="함초롬돋움" panose="020B0604000101010101" pitchFamily="50" charset="-127"/>
@@ -11418,176 +10998,10 @@
           </a:p>
         </p:txBody>
       </p:sp>
-      <p:sp>
-        <p:nvSpPr>
-          <p:cNvPr id="2" name="내용 개체 틀 1"/>
-          <p:cNvSpPr>
-            <a:spLocks noGrp="1"/>
-          </p:cNvSpPr>
-          <p:nvPr>
-            <p:ph idx="1"/>
-          </p:nvPr>
-        </p:nvSpPr>
-        <p:spPr/>
-        <p:txBody>
-          <a:bodyPr/>
-          <a:lstStyle/>
-          <a:p>
-            <a:r>
-              <a:rPr lang="ko-KR" altLang="en-US" dirty="0">
-                <a:latin typeface="+mn-ea"/>
-                <a:cs typeface="함초롬돋움" panose="020B0604000101010101" pitchFamily="50" charset="-127"/>
-              </a:rPr>
-              <a:t>뷰 </a:t>
-            </a:r>
-            <a:r>
-              <a:rPr lang="ko-KR" altLang="en-US" dirty="0" smtClean="0">
-                <a:latin typeface="+mn-ea"/>
-                <a:cs typeface="함초롬돋움" panose="020B0604000101010101" pitchFamily="50" charset="-127"/>
-              </a:rPr>
-              <a:t>모델에서 </a:t>
-            </a:r>
-            <a:r>
-              <a:rPr lang="en-US" altLang="ko-KR" dirty="0" smtClean="0">
-                <a:latin typeface="+mn-ea"/>
-                <a:cs typeface="함초롬돋움" panose="020B0604000101010101" pitchFamily="50" charset="-127"/>
-              </a:rPr>
-              <a:t>Property</a:t>
-            </a:r>
-            <a:r>
-              <a:rPr lang="ko-KR" altLang="en-US" dirty="0" smtClean="0">
-                <a:latin typeface="+mn-ea"/>
-                <a:cs typeface="함초롬돋움" panose="020B0604000101010101" pitchFamily="50" charset="-127"/>
-              </a:rPr>
-              <a:t>가 </a:t>
-            </a:r>
-            <a:r>
-              <a:rPr lang="ko-KR" altLang="en-US" dirty="0">
-                <a:latin typeface="+mn-ea"/>
-                <a:cs typeface="함초롬돋움" panose="020B0604000101010101" pitchFamily="50" charset="-127"/>
-              </a:rPr>
-              <a:t>변경 되면 </a:t>
-            </a:r>
-            <a:r>
-              <a:rPr lang="en-US" altLang="ko-KR" dirty="0">
-                <a:latin typeface="+mn-ea"/>
-                <a:cs typeface="함초롬돋움" panose="020B0604000101010101" pitchFamily="50" charset="-127"/>
-              </a:rPr>
-              <a:t>UI</a:t>
-            </a:r>
-            <a:r>
-              <a:rPr lang="ko-KR" altLang="en-US" dirty="0">
-                <a:latin typeface="+mn-ea"/>
-                <a:cs typeface="함초롬돋움" panose="020B0604000101010101" pitchFamily="50" charset="-127"/>
-              </a:rPr>
-              <a:t>는 최신 </a:t>
-            </a:r>
-            <a:r>
-              <a:rPr lang="ko-KR" altLang="en-US" dirty="0" smtClean="0">
-                <a:latin typeface="+mn-ea"/>
-                <a:cs typeface="함초롬돋움" panose="020B0604000101010101" pitchFamily="50" charset="-127"/>
-              </a:rPr>
-              <a:t>데이터 상태로 </a:t>
-            </a:r>
-            <a:r>
-              <a:rPr lang="ko-KR" altLang="en-US" dirty="0">
-                <a:latin typeface="+mn-ea"/>
-                <a:cs typeface="함초롬돋움" panose="020B0604000101010101" pitchFamily="50" charset="-127"/>
-              </a:rPr>
-              <a:t>유지해야함</a:t>
-            </a:r>
-            <a:endParaRPr lang="en-US" altLang="ko-KR" dirty="0">
-              <a:latin typeface="+mn-ea"/>
-              <a:cs typeface="함초롬돋움" panose="020B0604000101010101" pitchFamily="50" charset="-127"/>
-            </a:endParaRPr>
-          </a:p>
-          <a:p>
-            <a:pPr marL="0" indent="0">
-              <a:buNone/>
-            </a:pPr>
-            <a:endParaRPr lang="en-US" altLang="ko-KR" dirty="0"/>
-          </a:p>
-        </p:txBody>
-      </p:sp>
-      <p:sp>
-        <p:nvSpPr>
-          <p:cNvPr id="9" name="TextBox 8"/>
-          <p:cNvSpPr txBox="1"/>
-          <p:nvPr/>
-        </p:nvSpPr>
-        <p:spPr>
-          <a:xfrm>
-            <a:off x="3777098" y="3865417"/>
-            <a:ext cx="4637808" cy="1477328"/>
-          </a:xfrm>
-          <a:prstGeom prst="rect">
-            <a:avLst/>
-          </a:prstGeom>
-          <a:noFill/>
-        </p:spPr>
-        <p:txBody>
-          <a:bodyPr wrap="none" rtlCol="0">
-            <a:spAutoFit/>
-          </a:bodyPr>
-          <a:lstStyle/>
-          <a:p>
-            <a:pPr algn="ctr"/>
-            <a:r>
-              <a:rPr lang="ko-KR" altLang="en-US" dirty="0" smtClean="0"/>
-              <a:t>어떻게 </a:t>
-            </a:r>
-            <a:r>
-              <a:rPr lang="en-US" altLang="ko-KR" dirty="0" smtClean="0"/>
-              <a:t>UI</a:t>
-            </a:r>
-            <a:r>
-              <a:rPr lang="ko-KR" altLang="en-US" dirty="0" smtClean="0"/>
-              <a:t>를 최신 데이터 상태로 바꿀까</a:t>
-            </a:r>
-            <a:r>
-              <a:rPr lang="en-US" altLang="ko-KR" dirty="0" smtClean="0"/>
-              <a:t>?</a:t>
-            </a:r>
-            <a:endParaRPr lang="en-US" altLang="ko-KR" dirty="0"/>
-          </a:p>
-          <a:p>
-            <a:pPr algn="ctr"/>
-            <a:endParaRPr lang="en-US" altLang="ko-KR" sz="2400" dirty="0" smtClean="0"/>
-          </a:p>
-          <a:p>
-            <a:pPr algn="ctr"/>
-            <a:r>
-              <a:rPr lang="ko-KR" altLang="en-US" sz="2400" dirty="0" err="1" smtClean="0"/>
-              <a:t>뷰모델에서</a:t>
-            </a:r>
-            <a:r>
-              <a:rPr lang="ko-KR" altLang="en-US" sz="2400" dirty="0" smtClean="0"/>
-              <a:t> 데이터가 변경된</a:t>
-            </a:r>
-            <a:endParaRPr lang="en-US" altLang="ko-KR" sz="2400" dirty="0" smtClean="0"/>
-          </a:p>
-          <a:p>
-            <a:pPr algn="ctr"/>
-            <a:r>
-              <a:rPr lang="ko-KR" altLang="en-US" sz="2400" dirty="0" smtClean="0"/>
-              <a:t>사실을 알려주는 </a:t>
-            </a:r>
-            <a:r>
-              <a:rPr lang="ko-KR" altLang="en-US" sz="2400" dirty="0" err="1" smtClean="0"/>
-              <a:t>인페이스를</a:t>
-            </a:r>
-            <a:r>
-              <a:rPr lang="ko-KR" altLang="en-US" sz="2400" dirty="0" smtClean="0"/>
-              <a:t> 구현</a:t>
-            </a:r>
-            <a:endParaRPr lang="en-US" altLang="ko-KR" sz="2400" dirty="0" err="1" smtClean="0"/>
-          </a:p>
-        </p:txBody>
-      </p:sp>
     </p:spTree>
     <p:extLst>
       <p:ext uri="{BB962C8B-B14F-4D97-AF65-F5344CB8AC3E}">
-        <p14:creationId xmlns:p14="http://schemas.microsoft.com/office/powerpoint/2010/main" val="1436703492"/>
+        <p14:creationId xmlns:p14="http://schemas.microsoft.com/office/powerpoint/2010/main" val="1761287386"/>
       </p:ext>
     </p:extLst>
   </p:cSld>

--- a/PRISM_MVVM_사용.pptx
+++ b/PRISM_MVVM_사용.pptx
@@ -15,25 +15,23 @@
     <p:sldId id="413" r:id="rId9"/>
     <p:sldId id="414" r:id="rId10"/>
     <p:sldId id="364" r:id="rId11"/>
-    <p:sldId id="361" r:id="rId12"/>
-    <p:sldId id="362" r:id="rId13"/>
-    <p:sldId id="363" r:id="rId14"/>
-    <p:sldId id="365" r:id="rId15"/>
-    <p:sldId id="366" r:id="rId16"/>
-    <p:sldId id="367" r:id="rId17"/>
-    <p:sldId id="368" r:id="rId18"/>
-    <p:sldId id="369" r:id="rId19"/>
-    <p:sldId id="370" r:id="rId20"/>
-    <p:sldId id="371" r:id="rId21"/>
-    <p:sldId id="372" r:id="rId22"/>
-    <p:sldId id="373" r:id="rId23"/>
-    <p:sldId id="394" r:id="rId24"/>
-    <p:sldId id="395" r:id="rId25"/>
-    <p:sldId id="396" r:id="rId26"/>
-    <p:sldId id="397" r:id="rId27"/>
-    <p:sldId id="398" r:id="rId28"/>
-    <p:sldId id="399" r:id="rId29"/>
-    <p:sldId id="400" r:id="rId30"/>
+    <p:sldId id="362" r:id="rId12"/>
+    <p:sldId id="363" r:id="rId13"/>
+    <p:sldId id="365" r:id="rId14"/>
+    <p:sldId id="366" r:id="rId15"/>
+    <p:sldId id="367" r:id="rId16"/>
+    <p:sldId id="368" r:id="rId17"/>
+    <p:sldId id="369" r:id="rId18"/>
+    <p:sldId id="371" r:id="rId19"/>
+    <p:sldId id="372" r:id="rId20"/>
+    <p:sldId id="373" r:id="rId21"/>
+    <p:sldId id="394" r:id="rId22"/>
+    <p:sldId id="395" r:id="rId23"/>
+    <p:sldId id="396" r:id="rId24"/>
+    <p:sldId id="397" r:id="rId25"/>
+    <p:sldId id="398" r:id="rId26"/>
+    <p:sldId id="399" r:id="rId27"/>
+    <p:sldId id="400" r:id="rId28"/>
   </p:sldIdLst>
   <p:sldSz cx="12192000" cy="6858000"/>
   <p:notesSz cx="6858000" cy="9144000"/>
@@ -412,7 +410,7 @@
           <a:p>
             <a:fld id="{A5796949-F536-47E5-83D3-359ECBD6D674}" type="datetimeFigureOut">
               <a:rPr lang="ko-KR" altLang="en-US" smtClean="0"/>
-              <a:t>2017-04-02</a:t>
+              <a:t>2017-04-06</a:t>
             </a:fld>
             <a:endParaRPr lang="ko-KR" altLang="en-US"/>
           </a:p>
@@ -608,7 +606,7 @@
           <a:p>
             <a:fld id="{A5796949-F536-47E5-83D3-359ECBD6D674}" type="datetimeFigureOut">
               <a:rPr lang="ko-KR" altLang="en-US" smtClean="0"/>
-              <a:t>2017-04-02</a:t>
+              <a:t>2017-04-06</a:t>
             </a:fld>
             <a:endParaRPr lang="ko-KR" altLang="en-US"/>
           </a:p>
@@ -1004,7 +1002,7 @@
           <a:p>
             <a:fld id="{A5796949-F536-47E5-83D3-359ECBD6D674}" type="datetimeFigureOut">
               <a:rPr lang="ko-KR" altLang="en-US" smtClean="0"/>
-              <a:t>2017-04-02</a:t>
+              <a:t>2017-04-06</a:t>
             </a:fld>
             <a:endParaRPr lang="ko-KR" altLang="en-US"/>
           </a:p>
@@ -1252,7 +1250,7 @@
           <a:p>
             <a:fld id="{A5796949-F536-47E5-83D3-359ECBD6D674}" type="datetimeFigureOut">
               <a:rPr lang="ko-KR" altLang="en-US" smtClean="0"/>
-              <a:t>2017-04-02</a:t>
+              <a:t>2017-04-06</a:t>
             </a:fld>
             <a:endParaRPr lang="ko-KR" altLang="en-US"/>
           </a:p>
@@ -1635,7 +1633,7 @@
           <a:p>
             <a:fld id="{A5796949-F536-47E5-83D3-359ECBD6D674}" type="datetimeFigureOut">
               <a:rPr lang="ko-KR" altLang="en-US" smtClean="0"/>
-              <a:t>2017-04-02</a:t>
+              <a:t>2017-04-06</a:t>
             </a:fld>
             <a:endParaRPr lang="ko-KR" altLang="en-US"/>
           </a:p>
@@ -1769,7 +1767,7 @@
           <a:p>
             <a:fld id="{A5796949-F536-47E5-83D3-359ECBD6D674}" type="datetimeFigureOut">
               <a:rPr lang="ko-KR" altLang="en-US" smtClean="0"/>
-              <a:t>2017-04-02</a:t>
+              <a:t>2017-04-06</a:t>
             </a:fld>
             <a:endParaRPr lang="ko-KR" altLang="en-US"/>
           </a:p>
@@ -2116,7 +2114,7 @@
           <a:p>
             <a:fld id="{A5796949-F536-47E5-83D3-359ECBD6D674}" type="datetimeFigureOut">
               <a:rPr lang="ko-KR" altLang="en-US" smtClean="0"/>
-              <a:t>2017-04-02</a:t>
+              <a:t>2017-04-06</a:t>
             </a:fld>
             <a:endParaRPr lang="ko-KR" altLang="en-US"/>
           </a:p>
@@ -2385,7 +2383,7 @@
           <a:p>
             <a:fld id="{A5796949-F536-47E5-83D3-359ECBD6D674}" type="datetimeFigureOut">
               <a:rPr lang="ko-KR" altLang="en-US" smtClean="0"/>
-              <a:t>2017-04-02</a:t>
+              <a:t>2017-04-06</a:t>
             </a:fld>
             <a:endParaRPr lang="ko-KR" altLang="en-US"/>
           </a:p>
@@ -3278,12 +3276,12 @@
           </a:lstStyle>
           <a:p>
             <a:r>
-              <a:rPr lang="en-US" altLang="ko-KR" dirty="0" smtClean="0">
+              <a:rPr lang="ko-KR" altLang="en-US" dirty="0" smtClean="0">
                 <a:latin typeface="함초롬돋움" panose="020B0604000101010101" pitchFamily="50" charset="-127"/>
                 <a:ea typeface="함초롬돋움" panose="020B0604000101010101" pitchFamily="50" charset="-127"/>
                 <a:cs typeface="함초롬돋움" panose="020B0604000101010101" pitchFamily="50" charset="-127"/>
               </a:rPr>
-              <a:t>Data Binding</a:t>
+              <a:t>변경 사실을 알려주는 인터페이스</a:t>
             </a:r>
             <a:endParaRPr lang="ko-KR" altLang="en-US" dirty="0">
               <a:latin typeface="함초롬돋움" panose="020B0604000101010101" pitchFamily="50" charset="-127"/>
@@ -3309,160 +3307,27 @@
           <a:lstStyle/>
           <a:p>
             <a:r>
-              <a:rPr lang="ko-KR" altLang="en-US" dirty="0">
-                <a:latin typeface="+mn-ea"/>
-                <a:cs typeface="함초롬돋움" panose="020B0604000101010101" pitchFamily="50" charset="-127"/>
-              </a:rPr>
-              <a:t>뷰 </a:t>
-            </a:r>
-            <a:r>
-              <a:rPr lang="ko-KR" altLang="en-US" dirty="0" smtClean="0">
-                <a:latin typeface="+mn-ea"/>
-                <a:cs typeface="함초롬돋움" panose="020B0604000101010101" pitchFamily="50" charset="-127"/>
-              </a:rPr>
-              <a:t>모델에서 </a:t>
-            </a:r>
-            <a:r>
-              <a:rPr lang="en-US" altLang="ko-KR" dirty="0" smtClean="0">
-                <a:latin typeface="+mn-ea"/>
-                <a:cs typeface="함초롬돋움" panose="020B0604000101010101" pitchFamily="50" charset="-127"/>
-              </a:rPr>
-              <a:t>Property</a:t>
-            </a:r>
-            <a:r>
-              <a:rPr lang="ko-KR" altLang="en-US" dirty="0" smtClean="0">
-                <a:latin typeface="+mn-ea"/>
-                <a:cs typeface="함초롬돋움" panose="020B0604000101010101" pitchFamily="50" charset="-127"/>
-              </a:rPr>
-              <a:t>가 </a:t>
-            </a:r>
-            <a:r>
-              <a:rPr lang="ko-KR" altLang="en-US" dirty="0">
-                <a:latin typeface="+mn-ea"/>
-                <a:cs typeface="함초롬돋움" panose="020B0604000101010101" pitchFamily="50" charset="-127"/>
-              </a:rPr>
-              <a:t>변경 되면 </a:t>
-            </a:r>
-            <a:r>
-              <a:rPr lang="en-US" altLang="ko-KR" dirty="0">
-                <a:latin typeface="+mn-ea"/>
-                <a:cs typeface="함초롬돋움" panose="020B0604000101010101" pitchFamily="50" charset="-127"/>
-              </a:rPr>
-              <a:t>UI</a:t>
-            </a:r>
-            <a:r>
-              <a:rPr lang="ko-KR" altLang="en-US" dirty="0">
-                <a:latin typeface="+mn-ea"/>
-                <a:cs typeface="함초롬돋움" panose="020B0604000101010101" pitchFamily="50" charset="-127"/>
-              </a:rPr>
-              <a:t>는 최신 </a:t>
-            </a:r>
-            <a:r>
-              <a:rPr lang="ko-KR" altLang="en-US" dirty="0" smtClean="0">
-                <a:latin typeface="+mn-ea"/>
-                <a:cs typeface="함초롬돋움" panose="020B0604000101010101" pitchFamily="50" charset="-127"/>
-              </a:rPr>
-              <a:t>데이터 상태로 </a:t>
-            </a:r>
-            <a:r>
-              <a:rPr lang="ko-KR" altLang="en-US" dirty="0">
-                <a:latin typeface="+mn-ea"/>
-                <a:cs typeface="함초롬돋움" panose="020B0604000101010101" pitchFamily="50" charset="-127"/>
-              </a:rPr>
-              <a:t>유지해야함</a:t>
-            </a:r>
-            <a:endParaRPr lang="en-US" altLang="ko-KR" dirty="0">
-              <a:latin typeface="+mn-ea"/>
-              <a:cs typeface="함초롬돋움" panose="020B0604000101010101" pitchFamily="50" charset="-127"/>
-            </a:endParaRPr>
-          </a:p>
-          <a:p>
-            <a:pPr marL="0" indent="0">
-              <a:buNone/>
-            </a:pPr>
+              <a:rPr lang="en-US" altLang="ko-KR" dirty="0" err="1" smtClean="0"/>
+              <a:t>INotifyPropertyChanged</a:t>
+            </a:r>
+            <a:endParaRPr lang="en-US" altLang="ko-KR" dirty="0" smtClean="0"/>
+          </a:p>
+          <a:p>
+            <a:endParaRPr lang="en-US" altLang="ko-KR" dirty="0" smtClean="0"/>
+          </a:p>
+          <a:p>
+            <a:r>
+              <a:rPr lang="en-US" altLang="ko-KR" dirty="0" err="1" smtClean="0"/>
+              <a:t>INotifyCollectionChanged</a:t>
+            </a:r>
             <a:endParaRPr lang="en-US" altLang="ko-KR" dirty="0"/>
-          </a:p>
-        </p:txBody>
-      </p:sp>
-      <p:sp>
-        <p:nvSpPr>
-          <p:cNvPr id="9" name="TextBox 8"/>
-          <p:cNvSpPr txBox="1"/>
-          <p:nvPr/>
-        </p:nvSpPr>
-        <p:spPr>
-          <a:xfrm>
-            <a:off x="3777098" y="3865417"/>
-            <a:ext cx="4637808" cy="1477328"/>
-          </a:xfrm>
-          <a:prstGeom prst="rect">
-            <a:avLst/>
-          </a:prstGeom>
-          <a:noFill/>
-        </p:spPr>
-        <p:txBody>
-          <a:bodyPr wrap="none" rtlCol="0">
-            <a:spAutoFit/>
-          </a:bodyPr>
-          <a:lstStyle/>
-          <a:p>
-            <a:pPr algn="ctr"/>
-            <a:r>
-              <a:rPr lang="ko-KR" altLang="en-US" dirty="0" smtClean="0"/>
-              <a:t>어떻게 </a:t>
-            </a:r>
-            <a:r>
-              <a:rPr lang="en-US" altLang="ko-KR" dirty="0" smtClean="0"/>
-              <a:t>UI</a:t>
-            </a:r>
-            <a:r>
-              <a:rPr lang="ko-KR" altLang="en-US" dirty="0" smtClean="0"/>
-              <a:t>를 최신 데이터 상태로 바꿀까</a:t>
-            </a:r>
-            <a:r>
-              <a:rPr lang="en-US" altLang="ko-KR" dirty="0" smtClean="0"/>
-              <a:t>?</a:t>
-            </a:r>
-            <a:endParaRPr lang="en-US" altLang="ko-KR" dirty="0"/>
-          </a:p>
-          <a:p>
-            <a:pPr algn="ctr"/>
-            <a:endParaRPr lang="en-US" altLang="ko-KR" sz="2400" dirty="0" smtClean="0"/>
-          </a:p>
-          <a:p>
-            <a:pPr algn="ctr"/>
-            <a:r>
-              <a:rPr lang="ko-KR" altLang="en-US" sz="2400" dirty="0" err="1" smtClean="0"/>
-              <a:t>뷰모델에서</a:t>
-            </a:r>
-            <a:r>
-              <a:rPr lang="ko-KR" altLang="en-US" sz="2400" dirty="0" smtClean="0"/>
-              <a:t> 데이터가 변경된</a:t>
-            </a:r>
-            <a:endParaRPr lang="en-US" altLang="ko-KR" sz="2400" dirty="0" smtClean="0"/>
-          </a:p>
-          <a:p>
-            <a:pPr algn="ctr"/>
-            <a:r>
-              <a:rPr lang="ko-KR" altLang="en-US" sz="2400" dirty="0" smtClean="0"/>
-              <a:t>사실을 알려주는 </a:t>
-            </a:r>
-            <a:r>
-              <a:rPr lang="ko-KR" altLang="en-US" sz="2400" dirty="0" err="1" smtClean="0"/>
-              <a:t>인페이스를</a:t>
-            </a:r>
-            <a:r>
-              <a:rPr lang="ko-KR" altLang="en-US" sz="2400" dirty="0" smtClean="0"/>
-              <a:t> 구현</a:t>
-            </a:r>
-            <a:endParaRPr lang="en-US" altLang="ko-KR" sz="2400" dirty="0" err="1" smtClean="0"/>
           </a:p>
         </p:txBody>
       </p:sp>
     </p:spTree>
     <p:extLst>
       <p:ext uri="{BB962C8B-B14F-4D97-AF65-F5344CB8AC3E}">
-        <p14:creationId xmlns:p14="http://schemas.microsoft.com/office/powerpoint/2010/main" val="1436703492"/>
+        <p14:creationId xmlns:p14="http://schemas.microsoft.com/office/powerpoint/2010/main" val="3064321036"/>
       </p:ext>
     </p:extLst>
   </p:cSld>
@@ -3538,12 +3403,12 @@
           </a:lstStyle>
           <a:p>
             <a:r>
-              <a:rPr lang="ko-KR" altLang="en-US" dirty="0" smtClean="0">
+              <a:rPr lang="en-US" altLang="ko-KR" dirty="0" err="1" smtClean="0">
                 <a:latin typeface="함초롬돋움" panose="020B0604000101010101" pitchFamily="50" charset="-127"/>
                 <a:ea typeface="함초롬돋움" panose="020B0604000101010101" pitchFamily="50" charset="-127"/>
                 <a:cs typeface="함초롬돋움" panose="020B0604000101010101" pitchFamily="50" charset="-127"/>
               </a:rPr>
-              <a:t>변경 사실을 알려주는 인터페이스</a:t>
+              <a:t>INotifyPropertyChanged</a:t>
             </a:r>
             <a:endParaRPr lang="ko-KR" altLang="en-US" dirty="0">
               <a:latin typeface="함초롬돋움" panose="020B0604000101010101" pitchFamily="50" charset="-127"/>
@@ -3569,27 +3434,67 @@
           <a:lstStyle/>
           <a:p>
             <a:r>
+              <a:rPr lang="ko-KR" altLang="en-US" dirty="0" smtClean="0"/>
+              <a:t>뷰 모델이나 모델의 </a:t>
+            </a:r>
+            <a:r>
+              <a:rPr lang="en-US" altLang="ko-KR" dirty="0" smtClean="0"/>
+              <a:t>Property</a:t>
+            </a:r>
+            <a:r>
+              <a:rPr lang="ko-KR" altLang="en-US" dirty="0" smtClean="0"/>
+              <a:t>가 변경 될 때 컨트롤에 변경 사실을 알림</a:t>
+            </a:r>
+            <a:endParaRPr lang="en-US" altLang="ko-KR" dirty="0" smtClean="0"/>
+          </a:p>
+          <a:p>
+            <a:endParaRPr lang="en-US" altLang="ko-KR" dirty="0"/>
+          </a:p>
+          <a:p>
+            <a:r>
               <a:rPr lang="en-US" altLang="ko-KR" dirty="0" err="1" smtClean="0"/>
-              <a:t>INotifyPropertyChanged</a:t>
-            </a:r>
-            <a:endParaRPr lang="en-US" altLang="ko-KR" dirty="0" smtClean="0"/>
-          </a:p>
-          <a:p>
-            <a:endParaRPr lang="en-US" altLang="ko-KR" dirty="0" smtClean="0"/>
-          </a:p>
-          <a:p>
-            <a:r>
-              <a:rPr lang="en-US" altLang="ko-KR" dirty="0" err="1" smtClean="0"/>
-              <a:t>INotifyCollectionChanged</a:t>
+              <a:t>PropertyChanged</a:t>
+            </a:r>
+            <a:r>
+              <a:rPr lang="en-US" altLang="ko-KR" dirty="0" smtClean="0"/>
+              <a:t> </a:t>
+            </a:r>
+            <a:r>
+              <a:rPr lang="ko-KR" altLang="en-US" dirty="0" smtClean="0"/>
+              <a:t>이벤트를 통해 알림</a:t>
             </a:r>
             <a:endParaRPr lang="en-US" altLang="ko-KR" dirty="0"/>
           </a:p>
         </p:txBody>
       </p:sp>
+      <p:pic>
+        <p:nvPicPr>
+          <p:cNvPr id="3" name="그림 2"/>
+          <p:cNvPicPr>
+            <a:picLocks noChangeAspect="1"/>
+          </p:cNvPicPr>
+          <p:nvPr/>
+        </p:nvPicPr>
+        <p:blipFill>
+          <a:blip r:embed="rId2"/>
+          <a:stretch>
+            <a:fillRect/>
+          </a:stretch>
+        </p:blipFill>
+        <p:spPr>
+          <a:xfrm>
+            <a:off x="3178638" y="4156365"/>
+            <a:ext cx="5834724" cy="2183820"/>
+          </a:xfrm>
+          <a:prstGeom prst="rect">
+            <a:avLst/>
+          </a:prstGeom>
+        </p:spPr>
+      </p:pic>
     </p:spTree>
     <p:extLst>
       <p:ext uri="{BB962C8B-B14F-4D97-AF65-F5344CB8AC3E}">
-        <p14:creationId xmlns:p14="http://schemas.microsoft.com/office/powerpoint/2010/main" val="3064321036"/>
+        <p14:creationId xmlns:p14="http://schemas.microsoft.com/office/powerpoint/2010/main" val="3516418142"/>
       </p:ext>
     </p:extLst>
   </p:cSld>
@@ -3670,62 +3575,29 @@
                 <a:ea typeface="함초롬돋움" panose="020B0604000101010101" pitchFamily="50" charset="-127"/>
                 <a:cs typeface="함초롬돋움" panose="020B0604000101010101" pitchFamily="50" charset="-127"/>
               </a:rPr>
-              <a:t>INotifyPropertyChanged</a:t>
+              <a:t>INotifyPropertyChange</a:t>
+            </a:r>
+            <a:r>
+              <a:rPr lang="en-US" altLang="ko-KR" dirty="0" smtClean="0">
+                <a:latin typeface="함초롬돋움" panose="020B0604000101010101" pitchFamily="50" charset="-127"/>
+                <a:ea typeface="함초롬돋움" panose="020B0604000101010101" pitchFamily="50" charset="-127"/>
+                <a:cs typeface="함초롬돋움" panose="020B0604000101010101" pitchFamily="50" charset="-127"/>
+              </a:rPr>
+              <a:t> </a:t>
+            </a:r>
+            <a:r>
+              <a:rPr lang="ko-KR" altLang="en-US" dirty="0" smtClean="0">
+                <a:latin typeface="함초롬돋움" panose="020B0604000101010101" pitchFamily="50" charset="-127"/>
+                <a:ea typeface="함초롬돋움" panose="020B0604000101010101" pitchFamily="50" charset="-127"/>
+                <a:cs typeface="함초롬돋움" panose="020B0604000101010101" pitchFamily="50" charset="-127"/>
+              </a:rPr>
+              <a:t>구현</a:t>
             </a:r>
             <a:endParaRPr lang="ko-KR" altLang="en-US" dirty="0">
               <a:latin typeface="함초롬돋움" panose="020B0604000101010101" pitchFamily="50" charset="-127"/>
               <a:ea typeface="함초롬돋움" panose="020B0604000101010101" pitchFamily="50" charset="-127"/>
               <a:cs typeface="함초롬돋움" panose="020B0604000101010101" pitchFamily="50" charset="-127"/>
             </a:endParaRPr>
-          </a:p>
-        </p:txBody>
-      </p:sp>
-      <p:sp>
-        <p:nvSpPr>
-          <p:cNvPr id="2" name="내용 개체 틀 1"/>
-          <p:cNvSpPr>
-            <a:spLocks noGrp="1"/>
-          </p:cNvSpPr>
-          <p:nvPr>
-            <p:ph idx="1"/>
-          </p:nvPr>
-        </p:nvSpPr>
-        <p:spPr/>
-        <p:txBody>
-          <a:bodyPr/>
-          <a:lstStyle/>
-          <a:p>
-            <a:r>
-              <a:rPr lang="ko-KR" altLang="en-US" dirty="0" smtClean="0"/>
-              <a:t>뷰 모델이나 모델의 </a:t>
-            </a:r>
-            <a:r>
-              <a:rPr lang="en-US" altLang="ko-KR" dirty="0" smtClean="0"/>
-              <a:t>Property</a:t>
-            </a:r>
-            <a:r>
-              <a:rPr lang="ko-KR" altLang="en-US" dirty="0" smtClean="0"/>
-              <a:t>가 변경 될 때 컨트롤에 변경 사실을 알림</a:t>
-            </a:r>
-            <a:endParaRPr lang="en-US" altLang="ko-KR" dirty="0" smtClean="0"/>
-          </a:p>
-          <a:p>
-            <a:endParaRPr lang="en-US" altLang="ko-KR" dirty="0"/>
-          </a:p>
-          <a:p>
-            <a:r>
-              <a:rPr lang="en-US" altLang="ko-KR" dirty="0" err="1" smtClean="0"/>
-              <a:t>PropertyChanged</a:t>
-            </a:r>
-            <a:r>
-              <a:rPr lang="en-US" altLang="ko-KR" dirty="0" smtClean="0"/>
-              <a:t> </a:t>
-            </a:r>
-            <a:r>
-              <a:rPr lang="ko-KR" altLang="en-US" dirty="0" smtClean="0"/>
-              <a:t>이벤트를 통해 알림</a:t>
-            </a:r>
-            <a:endParaRPr lang="en-US" altLang="ko-KR" dirty="0"/>
           </a:p>
         </p:txBody>
       </p:sp>
@@ -3745,18 +3617,137 @@
         </p:blipFill>
         <p:spPr>
           <a:xfrm>
-            <a:off x="3178638" y="4156365"/>
-            <a:ext cx="5834724" cy="2183820"/>
+            <a:off x="838200" y="1916843"/>
+            <a:ext cx="3565034" cy="4803238"/>
           </a:xfrm>
           <a:prstGeom prst="rect">
             <a:avLst/>
           </a:prstGeom>
+          <a:ln>
+            <a:solidFill>
+              <a:schemeClr val="tx1"/>
+            </a:solidFill>
+          </a:ln>
         </p:spPr>
       </p:pic>
+      <p:sp>
+        <p:nvSpPr>
+          <p:cNvPr id="6" name="TextBox 5"/>
+          <p:cNvSpPr txBox="1"/>
+          <p:nvPr/>
+        </p:nvSpPr>
+        <p:spPr>
+          <a:xfrm>
+            <a:off x="4572001" y="1978429"/>
+            <a:ext cx="6781800" cy="2031325"/>
+          </a:xfrm>
+          <a:prstGeom prst="rect">
+            <a:avLst/>
+          </a:prstGeom>
+          <a:noFill/>
+        </p:spPr>
+        <p:txBody>
+          <a:bodyPr wrap="square" rtlCol="0">
+            <a:spAutoFit/>
+          </a:bodyPr>
+          <a:lstStyle/>
+          <a:p>
+            <a:pPr marL="285750" indent="-285750">
+              <a:buFont typeface="Arial" panose="020B0604020202020204" pitchFamily="34" charset="0"/>
+              <a:buChar char="•"/>
+            </a:pPr>
+            <a:r>
+              <a:rPr lang="en-US" altLang="ko-KR" dirty="0" err="1" smtClean="0"/>
+              <a:t>INotifyPropertyChanged</a:t>
+            </a:r>
+            <a:r>
+              <a:rPr lang="ko-KR" altLang="en-US" dirty="0" smtClean="0"/>
+              <a:t>를</a:t>
+            </a:r>
+            <a:r>
+              <a:rPr lang="en-US" altLang="ko-KR" dirty="0"/>
+              <a:t> </a:t>
+            </a:r>
+            <a:r>
+              <a:rPr lang="ko-KR" altLang="en-US" dirty="0" smtClean="0"/>
+              <a:t>뷰 모델에 구현</a:t>
+            </a:r>
+            <a:endParaRPr lang="en-US" altLang="ko-KR" dirty="0" smtClean="0"/>
+          </a:p>
+          <a:p>
+            <a:pPr marL="285750" indent="-285750">
+              <a:buFont typeface="Arial" panose="020B0604020202020204" pitchFamily="34" charset="0"/>
+              <a:buChar char="•"/>
+            </a:pPr>
+            <a:endParaRPr lang="en-US" altLang="ko-KR" dirty="0"/>
+          </a:p>
+          <a:p>
+            <a:pPr marL="285750" indent="-285750">
+              <a:buFont typeface="Arial" panose="020B0604020202020204" pitchFamily="34" charset="0"/>
+              <a:buChar char="•"/>
+            </a:pPr>
+            <a:r>
+              <a:rPr lang="en-US" altLang="ko-KR" dirty="0" smtClean="0"/>
+              <a:t>Property</a:t>
+            </a:r>
+            <a:r>
+              <a:rPr lang="ko-KR" altLang="en-US" dirty="0" smtClean="0"/>
+              <a:t>에서 변경된 데이터를 </a:t>
+            </a:r>
+            <a:r>
+              <a:rPr lang="en-US" altLang="ko-KR" dirty="0" err="1" smtClean="0"/>
+              <a:t>PropertyChanged</a:t>
+            </a:r>
+            <a:r>
+              <a:rPr lang="en-US" altLang="ko-KR" dirty="0" smtClean="0"/>
+              <a:t> </a:t>
+            </a:r>
+            <a:r>
+              <a:rPr lang="ko-KR" altLang="en-US" dirty="0" smtClean="0"/>
+              <a:t>이벤트 통해 호출</a:t>
+            </a:r>
+            <a:endParaRPr lang="en-US" altLang="ko-KR" dirty="0" smtClean="0"/>
+          </a:p>
+          <a:p>
+            <a:pPr marL="285750" indent="-285750">
+              <a:buFont typeface="Arial" panose="020B0604020202020204" pitchFamily="34" charset="0"/>
+              <a:buChar char="•"/>
+            </a:pPr>
+            <a:endParaRPr lang="en-US" altLang="ko-KR" dirty="0"/>
+          </a:p>
+          <a:p>
+            <a:pPr marL="285750" indent="-285750">
+              <a:buFont typeface="Arial" panose="020B0604020202020204" pitchFamily="34" charset="0"/>
+              <a:buChar char="•"/>
+            </a:pPr>
+            <a:r>
+              <a:rPr lang="ko-KR" altLang="en-US" dirty="0" smtClean="0"/>
+              <a:t>컨트롤의 </a:t>
+            </a:r>
+            <a:r>
+              <a:rPr lang="ko-KR" altLang="en-US" dirty="0"/>
+              <a:t>어떤 </a:t>
+            </a:r>
+            <a:r>
+              <a:rPr lang="ko-KR" altLang="en-US" dirty="0" smtClean="0"/>
+              <a:t>속성값을 변경할지 </a:t>
+            </a:r>
+            <a:r>
+              <a:rPr lang="en-US" altLang="ko-KR" smtClean="0"/>
+              <a:t>PropertyChangedEventArgs</a:t>
+            </a:r>
+            <a:r>
+              <a:rPr lang="ko-KR" altLang="en-US" dirty="0" smtClean="0"/>
+              <a:t>로 결정</a:t>
+            </a:r>
+            <a:endParaRPr lang="en-US" altLang="ko-KR" dirty="0" smtClean="0"/>
+          </a:p>
+        </p:txBody>
+      </p:sp>
     </p:spTree>
     <p:extLst>
       <p:ext uri="{BB962C8B-B14F-4D97-AF65-F5344CB8AC3E}">
-        <p14:creationId xmlns:p14="http://schemas.microsoft.com/office/powerpoint/2010/main" val="3516418142"/>
+        <p14:creationId xmlns:p14="http://schemas.microsoft.com/office/powerpoint/2010/main" val="3520946147"/>
       </p:ext>
     </p:extLst>
   </p:cSld>
@@ -3832,28 +3823,12 @@
           </a:lstStyle>
           <a:p>
             <a:r>
-              <a:rPr lang="en-US" altLang="ko-KR" dirty="0" err="1" smtClean="0">
-                <a:latin typeface="함초롬돋움" panose="020B0604000101010101" pitchFamily="50" charset="-127"/>
-                <a:ea typeface="함초롬돋움" panose="020B0604000101010101" pitchFamily="50" charset="-127"/>
-                <a:cs typeface="함초롬돋움" panose="020B0604000101010101" pitchFamily="50" charset="-127"/>
-              </a:rPr>
-              <a:t>INotifyPropertyChange</a:t>
-            </a:r>
-            <a:r>
-              <a:rPr lang="en-US" altLang="ko-KR" dirty="0" smtClean="0">
-                <a:latin typeface="함초롬돋움" panose="020B0604000101010101" pitchFamily="50" charset="-127"/>
-                <a:ea typeface="함초롬돋움" panose="020B0604000101010101" pitchFamily="50" charset="-127"/>
-                <a:cs typeface="함초롬돋움" panose="020B0604000101010101" pitchFamily="50" charset="-127"/>
-              </a:rPr>
-              <a:t> </a:t>
-            </a:r>
-            <a:r>
               <a:rPr lang="ko-KR" altLang="en-US" dirty="0" smtClean="0">
                 <a:latin typeface="함초롬돋움" panose="020B0604000101010101" pitchFamily="50" charset="-127"/>
                 <a:ea typeface="함초롬돋움" panose="020B0604000101010101" pitchFamily="50" charset="-127"/>
                 <a:cs typeface="함초롬돋움" panose="020B0604000101010101" pitchFamily="50" charset="-127"/>
               </a:rPr>
-              <a:t>구현</a:t>
+              <a:t>귀찮음의 시작</a:t>
             </a:r>
             <a:endParaRPr lang="ko-KR" altLang="en-US" dirty="0">
               <a:latin typeface="함초롬돋움" panose="020B0604000101010101" pitchFamily="50" charset="-127"/>
@@ -3863,45 +3838,126 @@
           </a:p>
         </p:txBody>
       </p:sp>
-      <p:pic>
-        <p:nvPicPr>
-          <p:cNvPr id="3" name="그림 2"/>
-          <p:cNvPicPr>
-            <a:picLocks noChangeAspect="1"/>
-          </p:cNvPicPr>
-          <p:nvPr/>
-        </p:nvPicPr>
-        <p:blipFill>
-          <a:blip r:embed="rId2"/>
-          <a:stretch>
-            <a:fillRect/>
-          </a:stretch>
-        </p:blipFill>
-        <p:spPr>
-          <a:xfrm>
-            <a:off x="838200" y="1916843"/>
-            <a:ext cx="3565034" cy="4803238"/>
-          </a:xfrm>
-          <a:prstGeom prst="rect">
-            <a:avLst/>
-          </a:prstGeom>
-          <a:ln>
-            <a:solidFill>
-              <a:schemeClr val="tx1"/>
-            </a:solidFill>
-          </a:ln>
-        </p:spPr>
-      </p:pic>
       <p:sp>
         <p:nvSpPr>
-          <p:cNvPr id="6" name="TextBox 5"/>
+          <p:cNvPr id="2" name="내용 개체 틀 1"/>
+          <p:cNvSpPr>
+            <a:spLocks noGrp="1"/>
+          </p:cNvSpPr>
+          <p:nvPr>
+            <p:ph idx="1"/>
+          </p:nvPr>
+        </p:nvSpPr>
+        <p:spPr/>
+        <p:txBody>
+          <a:bodyPr/>
+          <a:lstStyle/>
+          <a:p>
+            <a:r>
+              <a:rPr lang="ko-KR" altLang="en-US" dirty="0" smtClean="0">
+                <a:latin typeface="+mn-ea"/>
+                <a:cs typeface="함초롬돋움" panose="020B0604000101010101" pitchFamily="50" charset="-127"/>
+              </a:rPr>
+              <a:t>모든 뷰 모델마다 </a:t>
+            </a:r>
+            <a:r>
+              <a:rPr lang="en-US" altLang="ko-KR" dirty="0" err="1" smtClean="0">
+                <a:latin typeface="+mn-ea"/>
+                <a:cs typeface="함초롬돋움" panose="020B0604000101010101" pitchFamily="50" charset="-127"/>
+              </a:rPr>
+              <a:t>INotifyPropertyChanged</a:t>
+            </a:r>
+            <a:r>
+              <a:rPr lang="en-US" altLang="ko-KR" dirty="0" smtClean="0">
+                <a:latin typeface="+mn-ea"/>
+                <a:cs typeface="함초롬돋움" panose="020B0604000101010101" pitchFamily="50" charset="-127"/>
+              </a:rPr>
+              <a:t> </a:t>
+            </a:r>
+            <a:r>
+              <a:rPr lang="ko-KR" altLang="en-US" dirty="0" smtClean="0">
+                <a:latin typeface="+mn-ea"/>
+                <a:cs typeface="함초롬돋움" panose="020B0604000101010101" pitchFamily="50" charset="-127"/>
+              </a:rPr>
+              <a:t>구현</a:t>
+            </a:r>
+            <a:endParaRPr lang="en-US" altLang="ko-KR" dirty="0" smtClean="0">
+              <a:latin typeface="+mn-ea"/>
+              <a:cs typeface="함초롬돋움" panose="020B0604000101010101" pitchFamily="50" charset="-127"/>
+            </a:endParaRPr>
+          </a:p>
+          <a:p>
+            <a:endParaRPr lang="en-US" altLang="ko-KR" dirty="0" smtClean="0">
+              <a:latin typeface="+mn-ea"/>
+              <a:cs typeface="함초롬돋움" panose="020B0604000101010101" pitchFamily="50" charset="-127"/>
+            </a:endParaRPr>
+          </a:p>
+          <a:p>
+            <a:r>
+              <a:rPr lang="ko-KR" altLang="en-US" dirty="0">
+                <a:latin typeface="+mn-ea"/>
+                <a:cs typeface="함초롬돋움" panose="020B0604000101010101" pitchFamily="50" charset="-127"/>
+              </a:rPr>
+              <a:t>데이터가 변경 되는 </a:t>
+            </a:r>
+            <a:r>
+              <a:rPr lang="en-US" altLang="ko-KR" dirty="0">
+                <a:latin typeface="+mn-ea"/>
+                <a:cs typeface="함초롬돋움" panose="020B0604000101010101" pitchFamily="50" charset="-127"/>
+              </a:rPr>
+              <a:t>Property</a:t>
+            </a:r>
+            <a:r>
+              <a:rPr lang="ko-KR" altLang="en-US" dirty="0">
+                <a:latin typeface="+mn-ea"/>
+                <a:cs typeface="함초롬돋움" panose="020B0604000101010101" pitchFamily="50" charset="-127"/>
+              </a:rPr>
+              <a:t>마다 </a:t>
+            </a:r>
+            <a:r>
+              <a:rPr lang="en-US" altLang="ko-KR" dirty="0" err="1">
+                <a:latin typeface="+mn-ea"/>
+                <a:cs typeface="함초롬돋움" panose="020B0604000101010101" pitchFamily="50" charset="-127"/>
+              </a:rPr>
+              <a:t>PropertyChangeEvnetArg</a:t>
+            </a:r>
+            <a:r>
+              <a:rPr lang="ko-KR" altLang="en-US" dirty="0">
+                <a:latin typeface="+mn-ea"/>
+                <a:cs typeface="함초롬돋움" panose="020B0604000101010101" pitchFamily="50" charset="-127"/>
+              </a:rPr>
+              <a:t>를 </a:t>
+            </a:r>
+            <a:r>
+              <a:rPr lang="ko-KR" altLang="en-US" dirty="0" smtClean="0">
+                <a:latin typeface="+mn-ea"/>
+                <a:cs typeface="함초롬돋움" panose="020B0604000101010101" pitchFamily="50" charset="-127"/>
+              </a:rPr>
+              <a:t>작성</a:t>
+            </a:r>
+            <a:endParaRPr lang="en-US" altLang="ko-KR" dirty="0" smtClean="0">
+              <a:latin typeface="+mn-ea"/>
+              <a:cs typeface="함초롬돋움" panose="020B0604000101010101" pitchFamily="50" charset="-127"/>
+            </a:endParaRPr>
+          </a:p>
+          <a:p>
+            <a:endParaRPr lang="en-US" altLang="ko-KR" dirty="0"/>
+          </a:p>
+          <a:p>
+            <a:endParaRPr lang="en-US" altLang="ko-KR" dirty="0"/>
+          </a:p>
+        </p:txBody>
+      </p:sp>
+      <p:sp>
+        <p:nvSpPr>
+          <p:cNvPr id="9" name="TextBox 8"/>
           <p:cNvSpPr txBox="1"/>
           <p:nvPr/>
         </p:nvSpPr>
         <p:spPr>
           <a:xfrm>
-            <a:off x="4572001" y="1978429"/>
-            <a:ext cx="6781800" cy="2031325"/>
+            <a:off x="3743433" y="4488872"/>
+            <a:ext cx="4705134" cy="2154436"/>
           </a:xfrm>
           <a:prstGeom prst="rect">
             <a:avLst/>
@@ -3909,107 +3965,70 @@
           <a:noFill/>
         </p:spPr>
         <p:txBody>
-          <a:bodyPr wrap="square" rtlCol="0">
+          <a:bodyPr wrap="none" rtlCol="0">
             <a:spAutoFit/>
           </a:bodyPr>
           <a:lstStyle/>
           <a:p>
-            <a:pPr marL="285750" indent="-285750">
-              <a:buFont typeface="Arial" panose="020B0604020202020204" pitchFamily="34" charset="0"/>
-              <a:buChar char="•"/>
-            </a:pPr>
-            <a:r>
-              <a:rPr lang="en-US" altLang="ko-KR" dirty="0" err="1" smtClean="0"/>
+            <a:pPr algn="ctr"/>
+            <a:r>
+              <a:rPr lang="ko-KR" altLang="en-US" dirty="0" smtClean="0"/>
+              <a:t>자동으로 해주는 방법이 없을까</a:t>
+            </a:r>
+            <a:r>
+              <a:rPr lang="en-US" altLang="ko-KR" dirty="0" smtClean="0"/>
+              <a:t>?</a:t>
+            </a:r>
+          </a:p>
+          <a:p>
+            <a:pPr algn="ctr"/>
+            <a:endParaRPr lang="en-US" altLang="ko-KR" dirty="0"/>
+          </a:p>
+          <a:p>
+            <a:pPr algn="ctr"/>
+            <a:r>
+              <a:rPr lang="ko-KR" altLang="en-US" sz="3200" dirty="0" smtClean="0"/>
+              <a:t>있다</a:t>
+            </a:r>
+            <a:r>
+              <a:rPr lang="en-US" altLang="ko-KR" sz="3200" dirty="0" smtClean="0"/>
+              <a:t>!</a:t>
+            </a:r>
+          </a:p>
+          <a:p>
+            <a:pPr algn="ctr"/>
+            <a:endParaRPr lang="en-US" altLang="ko-KR" dirty="0"/>
+          </a:p>
+          <a:p>
+            <a:pPr algn="ctr"/>
+            <a:r>
+              <a:rPr lang="ko-KR" altLang="en-US" sz="2400" dirty="0" smtClean="0"/>
+              <a:t>미리 </a:t>
+            </a:r>
+            <a:r>
+              <a:rPr lang="en-US" altLang="ko-KR" sz="2400" dirty="0" err="1" smtClean="0"/>
               <a:t>INotifyPropertyChanged</a:t>
             </a:r>
             <a:r>
-              <a:rPr lang="ko-KR" altLang="en-US" dirty="0" smtClean="0"/>
-              <a:t>를</a:t>
-            </a:r>
-            <a:r>
-              <a:rPr lang="en-US" altLang="ko-KR" dirty="0"/>
-              <a:t> </a:t>
-            </a:r>
-            <a:r>
-              <a:rPr lang="ko-KR" altLang="en-US" dirty="0" smtClean="0"/>
-              <a:t>뷰 모델에 구현</a:t>
-            </a:r>
-            <a:endParaRPr lang="en-US" altLang="ko-KR" dirty="0" smtClean="0"/>
-          </a:p>
-          <a:p>
-            <a:pPr marL="285750" indent="-285750">
-              <a:buFont typeface="Arial" panose="020B0604020202020204" pitchFamily="34" charset="0"/>
-              <a:buChar char="•"/>
-            </a:pPr>
-            <a:endParaRPr lang="en-US" altLang="ko-KR" dirty="0"/>
-          </a:p>
-          <a:p>
-            <a:pPr marL="285750" indent="-285750">
-              <a:buFont typeface="Arial" panose="020B0604020202020204" pitchFamily="34" charset="0"/>
-              <a:buChar char="•"/>
-            </a:pPr>
-            <a:r>
-              <a:rPr lang="en-US" altLang="ko-KR" dirty="0" smtClean="0"/>
-              <a:t>Property</a:t>
-            </a:r>
-            <a:r>
-              <a:rPr lang="ko-KR" altLang="en-US" dirty="0" smtClean="0"/>
-              <a:t>에서 변경된 데이터를 </a:t>
-            </a:r>
-            <a:r>
-              <a:rPr lang="en-US" altLang="ko-KR" dirty="0" err="1" smtClean="0"/>
-              <a:t>PropertyChanged</a:t>
-            </a:r>
-            <a:r>
-              <a:rPr lang="en-US" altLang="ko-KR" dirty="0" smtClean="0"/>
-              <a:t> </a:t>
-            </a:r>
-            <a:r>
-              <a:rPr lang="ko-KR" altLang="en-US" dirty="0" smtClean="0"/>
-              <a:t>이벤트 통해 호출</a:t>
-            </a:r>
-            <a:endParaRPr lang="en-US" altLang="ko-KR" dirty="0" smtClean="0"/>
-          </a:p>
-          <a:p>
-            <a:pPr marL="285750" indent="-285750">
-              <a:buFont typeface="Arial" panose="020B0604020202020204" pitchFamily="34" charset="0"/>
-              <a:buChar char="•"/>
-            </a:pPr>
-            <a:endParaRPr lang="en-US" altLang="ko-KR" dirty="0"/>
-          </a:p>
-          <a:p>
-            <a:pPr marL="285750" indent="-285750">
-              <a:buFont typeface="Arial" panose="020B0604020202020204" pitchFamily="34" charset="0"/>
-              <a:buChar char="•"/>
-            </a:pPr>
-            <a:r>
-              <a:rPr lang="ko-KR" altLang="en-US" dirty="0" smtClean="0"/>
-              <a:t>컨트롤의 </a:t>
-            </a:r>
-            <a:r>
-              <a:rPr lang="ko-KR" altLang="en-US" dirty="0"/>
-              <a:t>어떤 </a:t>
-            </a:r>
-            <a:r>
-              <a:rPr lang="ko-KR" altLang="en-US" dirty="0" smtClean="0"/>
-              <a:t>속성값을 변경할지 </a:t>
-            </a:r>
-            <a:r>
-              <a:rPr lang="en-US" altLang="ko-KR" smtClean="0"/>
-              <a:t>PropertyChangedEventArgs</a:t>
-            </a:r>
-            <a:r>
-              <a:rPr lang="ko-KR" altLang="en-US" dirty="0" smtClean="0"/>
-              <a:t>로 결정</a:t>
-            </a:r>
-            <a:endParaRPr lang="en-US" altLang="ko-KR" dirty="0" smtClean="0"/>
+              <a:rPr lang="ko-KR" altLang="en-US" sz="2400" dirty="0" smtClean="0"/>
+              <a:t>를 </a:t>
+            </a:r>
+            <a:endParaRPr lang="en-US" altLang="ko-KR" sz="2400" dirty="0" smtClean="0"/>
+          </a:p>
+          <a:p>
+            <a:pPr algn="ctr"/>
+            <a:r>
+              <a:rPr lang="ko-KR" altLang="en-US" sz="2400" dirty="0" smtClean="0"/>
+              <a:t>구현한 클래스를 사용</a:t>
+            </a:r>
+            <a:endParaRPr lang="en-US" altLang="ko-KR" sz="2400" dirty="0" smtClean="0"/>
           </a:p>
         </p:txBody>
       </p:sp>
     </p:spTree>
     <p:extLst>
       <p:ext uri="{BB962C8B-B14F-4D97-AF65-F5344CB8AC3E}">
-        <p14:creationId xmlns:p14="http://schemas.microsoft.com/office/powerpoint/2010/main" val="3520946147"/>
+        <p14:creationId xmlns:p14="http://schemas.microsoft.com/office/powerpoint/2010/main" val="3439375816"/>
       </p:ext>
     </p:extLst>
   </p:cSld>
@@ -4085,287 +4104,6 @@
           </a:lstStyle>
           <a:p>
             <a:r>
-              <a:rPr lang="ko-KR" altLang="en-US" dirty="0" smtClean="0">
-                <a:latin typeface="함초롬돋움" panose="020B0604000101010101" pitchFamily="50" charset="-127"/>
-                <a:ea typeface="함초롬돋움" panose="020B0604000101010101" pitchFamily="50" charset="-127"/>
-                <a:cs typeface="함초롬돋움" panose="020B0604000101010101" pitchFamily="50" charset="-127"/>
-              </a:rPr>
-              <a:t>귀찮음의 시작</a:t>
-            </a:r>
-            <a:endParaRPr lang="ko-KR" altLang="en-US" dirty="0">
-              <a:latin typeface="함초롬돋움" panose="020B0604000101010101" pitchFamily="50" charset="-127"/>
-              <a:ea typeface="함초롬돋움" panose="020B0604000101010101" pitchFamily="50" charset="-127"/>
-              <a:cs typeface="함초롬돋움" panose="020B0604000101010101" pitchFamily="50" charset="-127"/>
-            </a:endParaRPr>
-          </a:p>
-        </p:txBody>
-      </p:sp>
-      <p:sp>
-        <p:nvSpPr>
-          <p:cNvPr id="2" name="내용 개체 틀 1"/>
-          <p:cNvSpPr>
-            <a:spLocks noGrp="1"/>
-          </p:cNvSpPr>
-          <p:nvPr>
-            <p:ph idx="1"/>
-          </p:nvPr>
-        </p:nvSpPr>
-        <p:spPr/>
-        <p:txBody>
-          <a:bodyPr/>
-          <a:lstStyle/>
-          <a:p>
-            <a:r>
-              <a:rPr lang="ko-KR" altLang="en-US" dirty="0" smtClean="0">
-                <a:latin typeface="+mn-ea"/>
-                <a:cs typeface="함초롬돋움" panose="020B0604000101010101" pitchFamily="50" charset="-127"/>
-              </a:rPr>
-              <a:t>모든 뷰 모델마다 </a:t>
-            </a:r>
-            <a:r>
-              <a:rPr lang="en-US" altLang="ko-KR" dirty="0" err="1" smtClean="0">
-                <a:latin typeface="+mn-ea"/>
-                <a:cs typeface="함초롬돋움" panose="020B0604000101010101" pitchFamily="50" charset="-127"/>
-              </a:rPr>
-              <a:t>INotifyPropertyChanged</a:t>
-            </a:r>
-            <a:r>
-              <a:rPr lang="en-US" altLang="ko-KR" dirty="0" smtClean="0">
-                <a:latin typeface="+mn-ea"/>
-                <a:cs typeface="함초롬돋움" panose="020B0604000101010101" pitchFamily="50" charset="-127"/>
-              </a:rPr>
-              <a:t> </a:t>
-            </a:r>
-            <a:r>
-              <a:rPr lang="ko-KR" altLang="en-US" dirty="0" smtClean="0">
-                <a:latin typeface="+mn-ea"/>
-                <a:cs typeface="함초롬돋움" panose="020B0604000101010101" pitchFamily="50" charset="-127"/>
-              </a:rPr>
-              <a:t>구현</a:t>
-            </a:r>
-            <a:endParaRPr lang="en-US" altLang="ko-KR" dirty="0" smtClean="0">
-              <a:latin typeface="+mn-ea"/>
-              <a:cs typeface="함초롬돋움" panose="020B0604000101010101" pitchFamily="50" charset="-127"/>
-            </a:endParaRPr>
-          </a:p>
-          <a:p>
-            <a:endParaRPr lang="en-US" altLang="ko-KR" dirty="0" smtClean="0">
-              <a:latin typeface="+mn-ea"/>
-              <a:cs typeface="함초롬돋움" panose="020B0604000101010101" pitchFamily="50" charset="-127"/>
-            </a:endParaRPr>
-          </a:p>
-          <a:p>
-            <a:r>
-              <a:rPr lang="ko-KR" altLang="en-US" dirty="0">
-                <a:latin typeface="+mn-ea"/>
-                <a:cs typeface="함초롬돋움" panose="020B0604000101010101" pitchFamily="50" charset="-127"/>
-              </a:rPr>
-              <a:t>데이터가 변경 되는 </a:t>
-            </a:r>
-            <a:r>
-              <a:rPr lang="en-US" altLang="ko-KR" dirty="0">
-                <a:latin typeface="+mn-ea"/>
-                <a:cs typeface="함초롬돋움" panose="020B0604000101010101" pitchFamily="50" charset="-127"/>
-              </a:rPr>
-              <a:t>Property</a:t>
-            </a:r>
-            <a:r>
-              <a:rPr lang="ko-KR" altLang="en-US" dirty="0">
-                <a:latin typeface="+mn-ea"/>
-                <a:cs typeface="함초롬돋움" panose="020B0604000101010101" pitchFamily="50" charset="-127"/>
-              </a:rPr>
-              <a:t>마다 </a:t>
-            </a:r>
-            <a:r>
-              <a:rPr lang="en-US" altLang="ko-KR" dirty="0" err="1">
-                <a:latin typeface="+mn-ea"/>
-                <a:cs typeface="함초롬돋움" panose="020B0604000101010101" pitchFamily="50" charset="-127"/>
-              </a:rPr>
-              <a:t>PropertyChangeEvnetArg</a:t>
-            </a:r>
-            <a:r>
-              <a:rPr lang="ko-KR" altLang="en-US" dirty="0">
-                <a:latin typeface="+mn-ea"/>
-                <a:cs typeface="함초롬돋움" panose="020B0604000101010101" pitchFamily="50" charset="-127"/>
-              </a:rPr>
-              <a:t>를 </a:t>
-            </a:r>
-            <a:r>
-              <a:rPr lang="ko-KR" altLang="en-US" dirty="0" smtClean="0">
-                <a:latin typeface="+mn-ea"/>
-                <a:cs typeface="함초롬돋움" panose="020B0604000101010101" pitchFamily="50" charset="-127"/>
-              </a:rPr>
-              <a:t>작성</a:t>
-            </a:r>
-            <a:endParaRPr lang="en-US" altLang="ko-KR" dirty="0" smtClean="0">
-              <a:latin typeface="+mn-ea"/>
-              <a:cs typeface="함초롬돋움" panose="020B0604000101010101" pitchFamily="50" charset="-127"/>
-            </a:endParaRPr>
-          </a:p>
-          <a:p>
-            <a:endParaRPr lang="en-US" altLang="ko-KR" dirty="0"/>
-          </a:p>
-          <a:p>
-            <a:endParaRPr lang="en-US" altLang="ko-KR" dirty="0"/>
-          </a:p>
-        </p:txBody>
-      </p:sp>
-      <p:sp>
-        <p:nvSpPr>
-          <p:cNvPr id="9" name="TextBox 8"/>
-          <p:cNvSpPr txBox="1"/>
-          <p:nvPr/>
-        </p:nvSpPr>
-        <p:spPr>
-          <a:xfrm>
-            <a:off x="3743433" y="4488872"/>
-            <a:ext cx="4705134" cy="2154436"/>
-          </a:xfrm>
-          <a:prstGeom prst="rect">
-            <a:avLst/>
-          </a:prstGeom>
-          <a:noFill/>
-        </p:spPr>
-        <p:txBody>
-          <a:bodyPr wrap="none" rtlCol="0">
-            <a:spAutoFit/>
-          </a:bodyPr>
-          <a:lstStyle/>
-          <a:p>
-            <a:pPr algn="ctr"/>
-            <a:r>
-              <a:rPr lang="ko-KR" altLang="en-US" dirty="0" smtClean="0"/>
-              <a:t>자동으로 해주는 방법이 없을까</a:t>
-            </a:r>
-            <a:r>
-              <a:rPr lang="en-US" altLang="ko-KR" dirty="0" smtClean="0"/>
-              <a:t>?</a:t>
-            </a:r>
-          </a:p>
-          <a:p>
-            <a:pPr algn="ctr"/>
-            <a:endParaRPr lang="en-US" altLang="ko-KR" dirty="0"/>
-          </a:p>
-          <a:p>
-            <a:pPr algn="ctr"/>
-            <a:r>
-              <a:rPr lang="ko-KR" altLang="en-US" sz="3200" dirty="0" smtClean="0"/>
-              <a:t>있다</a:t>
-            </a:r>
-            <a:r>
-              <a:rPr lang="en-US" altLang="ko-KR" sz="3200" dirty="0" smtClean="0"/>
-              <a:t>!</a:t>
-            </a:r>
-          </a:p>
-          <a:p>
-            <a:pPr algn="ctr"/>
-            <a:endParaRPr lang="en-US" altLang="ko-KR" dirty="0"/>
-          </a:p>
-          <a:p>
-            <a:pPr algn="ctr"/>
-            <a:r>
-              <a:rPr lang="ko-KR" altLang="en-US" sz="2400" dirty="0" smtClean="0"/>
-              <a:t>미리 </a:t>
-            </a:r>
-            <a:r>
-              <a:rPr lang="en-US" altLang="ko-KR" sz="2400" dirty="0" err="1" smtClean="0"/>
-              <a:t>INotifyPropertyChanged</a:t>
-            </a:r>
-            <a:r>
-              <a:rPr lang="ko-KR" altLang="en-US" sz="2400" dirty="0" smtClean="0"/>
-              <a:t>를 </a:t>
-            </a:r>
-            <a:endParaRPr lang="en-US" altLang="ko-KR" sz="2400" dirty="0" smtClean="0"/>
-          </a:p>
-          <a:p>
-            <a:pPr algn="ctr"/>
-            <a:r>
-              <a:rPr lang="ko-KR" altLang="en-US" sz="2400" dirty="0" smtClean="0"/>
-              <a:t>구현한 클래스를 사용</a:t>
-            </a:r>
-            <a:endParaRPr lang="en-US" altLang="ko-KR" sz="2400" dirty="0" smtClean="0"/>
-          </a:p>
-        </p:txBody>
-      </p:sp>
-    </p:spTree>
-    <p:extLst>
-      <p:ext uri="{BB962C8B-B14F-4D97-AF65-F5344CB8AC3E}">
-        <p14:creationId xmlns:p14="http://schemas.microsoft.com/office/powerpoint/2010/main" val="3439375816"/>
-      </p:ext>
-    </p:extLst>
-  </p:cSld>
-  <p:clrMapOvr>
-    <a:masterClrMapping/>
-  </p:clrMapOvr>
-  <p:timing>
-    <p:tnLst>
-      <p:par>
-        <p:cTn id="1" dur="indefinite" restart="never" nodeType="tmRoot"/>
-      </p:par>
-    </p:tnLst>
-  </p:timing>
-</p:sld>
-</file>
-
-<file path=ppt/slides/slide16.xml><?xml version="1.0" encoding="utf-8"?>
-<p:sld xmlns:a="http://schemas.openxmlformats.org/drawingml/2006/main" xmlns:r="http://schemas.openxmlformats.org/officeDocument/2006/relationships" xmlns:p="http://schemas.openxmlformats.org/presentationml/2006/main">
-  <p:cSld>
-    <p:spTree>
-      <p:nvGrpSpPr>
-        <p:cNvPr id="1" name=""/>
-        <p:cNvGrpSpPr/>
-        <p:nvPr/>
-      </p:nvGrpSpPr>
-      <p:grpSpPr>
-        <a:xfrm>
-          <a:off x="0" y="0"/>
-          <a:ext cx="0" cy="0"/>
-          <a:chOff x="0" y="0"/>
-          <a:chExt cx="0" cy="0"/>
-        </a:xfrm>
-      </p:grpSpPr>
-      <p:sp>
-        <p:nvSpPr>
-          <p:cNvPr id="7" name="제목 1"/>
-          <p:cNvSpPr txBox="1">
-            <a:spLocks/>
-          </p:cNvSpPr>
-          <p:nvPr/>
-        </p:nvSpPr>
-        <p:spPr>
-          <a:xfrm>
-            <a:off x="838200" y="365125"/>
-            <a:ext cx="10515600" cy="1090189"/>
-          </a:xfrm>
-          <a:prstGeom prst="rect">
-            <a:avLst/>
-          </a:prstGeom>
-        </p:spPr>
-        <p:txBody>
-          <a:bodyPr vert="horz" lIns="91440" tIns="45720" rIns="91440" bIns="45720" rtlCol="0" anchor="ctr">
-            <a:normAutofit/>
-          </a:bodyPr>
-          <a:lstStyle>
-            <a:lvl1pPr algn="l" defTabSz="914400" rtl="0" eaLnBrk="1" latinLnBrk="1" hangingPunct="1">
-              <a:lnSpc>
-                <a:spcPct val="90000"/>
-              </a:lnSpc>
-              <a:spcBef>
-                <a:spcPct val="0"/>
-              </a:spcBef>
-              <a:buNone/>
-              <a:defRPr sz="4800" kern="1200">
-                <a:solidFill>
-                  <a:schemeClr val="accent4"/>
-                </a:solidFill>
-                <a:latin typeface="+mj-lt"/>
-                <a:ea typeface="+mj-ea"/>
-                <a:cs typeface="+mj-cs"/>
-              </a:defRPr>
-            </a:lvl1pPr>
-          </a:lstStyle>
-          <a:p>
-            <a:r>
               <a:rPr lang="en-US" altLang="ko-KR" dirty="0" err="1" smtClean="0">
                 <a:latin typeface="함초롬돋움" panose="020B0604000101010101" pitchFamily="50" charset="-127"/>
                 <a:ea typeface="함초롬돋움" panose="020B0604000101010101" pitchFamily="50" charset="-127"/>
@@ -4413,7 +4151,7 @@
         </p:blipFill>
         <p:spPr>
           <a:xfrm>
-            <a:off x="381000" y="2170390"/>
+            <a:off x="3440395" y="2170390"/>
             <a:ext cx="5715000" cy="3819525"/>
           </a:xfrm>
           <a:prstGeom prst="rect">
@@ -4428,96 +4166,13 @@
       </p:pic>
       <p:sp>
         <p:nvSpPr>
-          <p:cNvPr id="4" name="TextBox 3"/>
-          <p:cNvSpPr txBox="1"/>
-          <p:nvPr/>
-        </p:nvSpPr>
-        <p:spPr>
-          <a:xfrm>
-            <a:off x="6226234" y="2170390"/>
-            <a:ext cx="5503024" cy="1477328"/>
-          </a:xfrm>
-          <a:prstGeom prst="rect">
-            <a:avLst/>
-          </a:prstGeom>
-          <a:noFill/>
-        </p:spPr>
-        <p:txBody>
-          <a:bodyPr wrap="square" rtlCol="0">
-            <a:spAutoFit/>
-          </a:bodyPr>
-          <a:lstStyle/>
-          <a:p>
-            <a:pPr marL="285750" indent="-285750">
-              <a:buFont typeface="Arial" panose="020B0604020202020204" pitchFamily="34" charset="0"/>
-              <a:buChar char="•"/>
-            </a:pPr>
-            <a:r>
-              <a:rPr lang="en-US" altLang="ko-KR" dirty="0" err="1" smtClean="0"/>
-              <a:t>CallerMemberName</a:t>
-            </a:r>
-            <a:r>
-              <a:rPr lang="en-US" altLang="ko-KR" dirty="0" smtClean="0"/>
-              <a:t> </a:t>
-            </a:r>
-            <a:r>
-              <a:rPr lang="ko-KR" altLang="en-US" dirty="0" smtClean="0"/>
-              <a:t>속성을 이용하여 </a:t>
-            </a:r>
-            <a:r>
-              <a:rPr lang="en-US" altLang="ko-KR" dirty="0" smtClean="0"/>
-              <a:t>Property</a:t>
-            </a:r>
-            <a:r>
-              <a:rPr lang="ko-KR" altLang="en-US" dirty="0" smtClean="0"/>
-              <a:t>의 이름을 작성하지 않도록 지정</a:t>
-            </a:r>
-            <a:endParaRPr lang="en-US" altLang="ko-KR" dirty="0" smtClean="0"/>
-          </a:p>
-          <a:p>
-            <a:pPr marL="285750" indent="-285750">
-              <a:buFont typeface="Arial" panose="020B0604020202020204" pitchFamily="34" charset="0"/>
-              <a:buChar char="•"/>
-            </a:pPr>
-            <a:endParaRPr lang="en-US" altLang="ko-KR" dirty="0"/>
-          </a:p>
-          <a:p>
-            <a:pPr marL="285750" indent="-285750">
-              <a:buFont typeface="Arial" panose="020B0604020202020204" pitchFamily="34" charset="0"/>
-              <a:buChar char="•"/>
-            </a:pPr>
-            <a:r>
-              <a:rPr lang="ko-KR" altLang="en-US" dirty="0" smtClean="0"/>
-              <a:t>이 클래스를 상속받은 뷰 모델은 </a:t>
-            </a:r>
-            <a:r>
-              <a:rPr lang="en-US" altLang="ko-KR" dirty="0" err="1" smtClean="0"/>
-              <a:t>SetProperty</a:t>
-            </a:r>
-            <a:r>
-              <a:rPr lang="ko-KR" altLang="en-US" dirty="0" smtClean="0"/>
-              <a:t>로 쉽게 </a:t>
-            </a:r>
-            <a:r>
-              <a:rPr lang="en-US" altLang="ko-KR" dirty="0" smtClean="0"/>
-              <a:t>UI</a:t>
-            </a:r>
-            <a:r>
-              <a:rPr lang="ko-KR" altLang="en-US" dirty="0" smtClean="0"/>
-              <a:t>에 변경된 데이터 갱신 가능</a:t>
-            </a:r>
-          </a:p>
-        </p:txBody>
-      </p:sp>
-      <p:sp>
-        <p:nvSpPr>
           <p:cNvPr id="5" name="TextBox 4"/>
           <p:cNvSpPr txBox="1"/>
           <p:nvPr/>
         </p:nvSpPr>
         <p:spPr>
           <a:xfrm>
-            <a:off x="6971224" y="6101541"/>
+            <a:off x="3716983" y="6101541"/>
             <a:ext cx="4758034" cy="369332"/>
           </a:xfrm>
           <a:prstGeom prst="rect">
@@ -4571,7 +4226,7 @@
 </p:sld>
 </file>
 
-<file path=ppt/slides/slide17.xml><?xml version="1.0" encoding="utf-8"?>
+<file path=ppt/slides/slide16.xml><?xml version="1.0" encoding="utf-8"?>
 <p:sld xmlns:a="http://schemas.openxmlformats.org/drawingml/2006/main" xmlns:r="http://schemas.openxmlformats.org/officeDocument/2006/relationships" xmlns:p="http://schemas.openxmlformats.org/presentationml/2006/main">
   <p:cSld>
     <p:spTree>
@@ -4779,7 +4434,7 @@
 </p:sld>
 </file>
 
-<file path=ppt/slides/slide18.xml><?xml version="1.0" encoding="utf-8"?>
+<file path=ppt/slides/slide17.xml><?xml version="1.0" encoding="utf-8"?>
 <p:sld xmlns:a="http://schemas.openxmlformats.org/drawingml/2006/main" xmlns:r="http://schemas.openxmlformats.org/officeDocument/2006/relationships" xmlns:p="http://schemas.openxmlformats.org/presentationml/2006/main">
   <p:cSld>
     <p:spTree>
@@ -4869,6 +4524,13 @@
           <a:lstStyle/>
           <a:p>
             <a:r>
+              <a:rPr lang="ko-KR" altLang="en-US" dirty="0" smtClean="0">
+                <a:latin typeface="+mn-ea"/>
+                <a:cs typeface="함초롬돋움" panose="020B0604000101010101" pitchFamily="50" charset="-127"/>
+              </a:rPr>
+              <a:t>뷰 모델에 컬렉션의 아이템이 변경 되었을 때 </a:t>
+            </a:r>
+            <a:r>
               <a:rPr lang="en-US" altLang="ko-KR" dirty="0" smtClean="0">
                 <a:latin typeface="+mn-ea"/>
                 <a:cs typeface="함초롬돋움" panose="020B0604000101010101" pitchFamily="50" charset="-127"/>
@@ -4880,28 +4542,7 @@
                 <a:latin typeface="+mn-ea"/>
                 <a:cs typeface="함초롬돋움" panose="020B0604000101010101" pitchFamily="50" charset="-127"/>
               </a:rPr>
-              <a:t>에 뷰 </a:t>
-            </a:r>
-            <a:r>
-              <a:rPr lang="ko-KR" altLang="en-US" dirty="0" smtClean="0">
-                <a:latin typeface="+mn-ea"/>
-                <a:cs typeface="함초롬돋움" panose="020B0604000101010101" pitchFamily="50" charset="-127"/>
-              </a:rPr>
-              <a:t>모델이나 </a:t>
-            </a:r>
-            <a:r>
-              <a:rPr lang="ko-KR" altLang="en-US" dirty="0" smtClean="0">
-                <a:latin typeface="+mn-ea"/>
-                <a:cs typeface="함초롬돋움" panose="020B0604000101010101" pitchFamily="50" charset="-127"/>
-              </a:rPr>
-              <a:t>모델의 </a:t>
-            </a:r>
-            <a:r>
-              <a:rPr lang="ko-KR" altLang="en-US" dirty="0" smtClean="0">
-                <a:latin typeface="+mn-ea"/>
-                <a:cs typeface="함초롬돋움" panose="020B0604000101010101" pitchFamily="50" charset="-127"/>
-              </a:rPr>
-              <a:t>컬렉션 데이터를 바인딩 하기 위한 인터페이스</a:t>
+              <a:t>에 변경된 컬렉션을 알리기 위한 인터페이스</a:t>
             </a:r>
             <a:endParaRPr lang="en-US" altLang="ko-KR" dirty="0" smtClean="0">
               <a:latin typeface="+mn-ea"/>
@@ -4909,39 +4550,56 @@
             </a:endParaRPr>
           </a:p>
           <a:p>
-            <a:endParaRPr lang="en-US" altLang="ko-KR" dirty="0" smtClean="0">
-              <a:latin typeface="+mn-ea"/>
-              <a:cs typeface="함초롬돋움" panose="020B0604000101010101" pitchFamily="50" charset="-127"/>
-            </a:endParaRPr>
-          </a:p>
-          <a:p>
+            <a:pPr marL="0" indent="0">
+              <a:buNone/>
+            </a:pPr>
+            <a:endParaRPr lang="en-US" altLang="ko-KR" dirty="0"/>
+          </a:p>
+          <a:p>
+            <a:r>
+              <a:rPr lang="ko-KR" altLang="en-US" dirty="0" smtClean="0"/>
+              <a:t>이미 </a:t>
+            </a:r>
             <a:r>
               <a:rPr lang="en-US" altLang="ko-KR" dirty="0" err="1" smtClean="0"/>
-              <a:t>CollectionChanged</a:t>
+              <a:t>ObserableCollection</a:t>
             </a:r>
             <a:r>
               <a:rPr lang="en-US" altLang="ko-KR" dirty="0" smtClean="0"/>
-              <a:t> </a:t>
+              <a:t>&lt;T&gt;</a:t>
             </a:r>
             <a:r>
               <a:rPr lang="ko-KR" altLang="en-US" dirty="0" smtClean="0"/>
-              <a:t>이벤트를 호출하여 컬렉션이 추가</a:t>
-            </a:r>
-            <a:r>
-              <a:rPr lang="en-US" altLang="ko-KR" dirty="0" smtClean="0"/>
-              <a:t>, </a:t>
-            </a:r>
-            <a:r>
-              <a:rPr lang="ko-KR" altLang="en-US" dirty="0" smtClean="0"/>
-              <a:t>삭제 등 변경 될 때 뷰의 데이터 변경</a:t>
-            </a:r>
-            <a:endParaRPr lang="en-US" altLang="ko-KR" dirty="0"/>
-          </a:p>
-          <a:p>
+              <a:t>로 구현 되어 있음</a:t>
+            </a:r>
             <a:endParaRPr lang="en-US" altLang="ko-KR" dirty="0"/>
           </a:p>
         </p:txBody>
       </p:sp>
+      <p:pic>
+        <p:nvPicPr>
+          <p:cNvPr id="3" name="그림 2"/>
+          <p:cNvPicPr>
+            <a:picLocks noChangeAspect="1"/>
+          </p:cNvPicPr>
+          <p:nvPr/>
+        </p:nvPicPr>
+        <p:blipFill>
+          <a:blip r:embed="rId2"/>
+          <a:stretch>
+            <a:fillRect/>
+          </a:stretch>
+        </p:blipFill>
+        <p:spPr>
+          <a:xfrm>
+            <a:off x="6368754" y="4253296"/>
+            <a:ext cx="4985046" cy="1923666"/>
+          </a:xfrm>
+          <a:prstGeom prst="rect">
+            <a:avLst/>
+          </a:prstGeom>
+        </p:spPr>
+      </p:pic>
     </p:spTree>
     <p:extLst>
       <p:ext uri="{BB962C8B-B14F-4D97-AF65-F5344CB8AC3E}">
@@ -4962,393 +4620,7 @@
 </p:sld>
 </file>
 
-<file path=ppt/slides/slide19.xml><?xml version="1.0" encoding="utf-8"?>
-<p:sld xmlns:a="http://schemas.openxmlformats.org/drawingml/2006/main" xmlns:r="http://schemas.openxmlformats.org/officeDocument/2006/relationships" xmlns:p="http://schemas.openxmlformats.org/presentationml/2006/main">
-  <p:cSld>
-    <p:spTree>
-      <p:nvGrpSpPr>
-        <p:cNvPr id="1" name=""/>
-        <p:cNvGrpSpPr/>
-        <p:nvPr/>
-      </p:nvGrpSpPr>
-      <p:grpSpPr>
-        <a:xfrm>
-          <a:off x="0" y="0"/>
-          <a:ext cx="0" cy="0"/>
-          <a:chOff x="0" y="0"/>
-          <a:chExt cx="0" cy="0"/>
-        </a:xfrm>
-      </p:grpSpPr>
-      <p:sp>
-        <p:nvSpPr>
-          <p:cNvPr id="7" name="제목 1"/>
-          <p:cNvSpPr txBox="1">
-            <a:spLocks/>
-          </p:cNvSpPr>
-          <p:nvPr/>
-        </p:nvSpPr>
-        <p:spPr>
-          <a:xfrm>
-            <a:off x="838200" y="365125"/>
-            <a:ext cx="10515600" cy="1090189"/>
-          </a:xfrm>
-          <a:prstGeom prst="rect">
-            <a:avLst/>
-          </a:prstGeom>
-        </p:spPr>
-        <p:txBody>
-          <a:bodyPr vert="horz" lIns="91440" tIns="45720" rIns="91440" bIns="45720" rtlCol="0" anchor="ctr">
-            <a:normAutofit/>
-          </a:bodyPr>
-          <a:lstStyle>
-            <a:lvl1pPr algn="l" defTabSz="914400" rtl="0" eaLnBrk="1" latinLnBrk="1" hangingPunct="1">
-              <a:lnSpc>
-                <a:spcPct val="90000"/>
-              </a:lnSpc>
-              <a:spcBef>
-                <a:spcPct val="0"/>
-              </a:spcBef>
-              <a:buNone/>
-              <a:defRPr sz="4800" kern="1200">
-                <a:solidFill>
-                  <a:schemeClr val="accent4"/>
-                </a:solidFill>
-                <a:latin typeface="+mj-lt"/>
-                <a:ea typeface="+mj-ea"/>
-                <a:cs typeface="+mj-cs"/>
-              </a:defRPr>
-            </a:lvl1pPr>
-          </a:lstStyle>
-          <a:p>
-            <a:r>
-              <a:rPr lang="ko-KR" altLang="en-US" dirty="0" smtClean="0">
-                <a:latin typeface="함초롬돋움" panose="020B0604000101010101" pitchFamily="50" charset="-127"/>
-                <a:ea typeface="함초롬돋움" panose="020B0604000101010101" pitchFamily="50" charset="-127"/>
-                <a:cs typeface="함초롬돋움" panose="020B0604000101010101" pitchFamily="50" charset="-127"/>
-              </a:rPr>
-              <a:t>또 귀찮음의 시작</a:t>
-            </a:r>
-            <a:endParaRPr lang="ko-KR" altLang="en-US" dirty="0">
-              <a:latin typeface="함초롬돋움" panose="020B0604000101010101" pitchFamily="50" charset="-127"/>
-              <a:ea typeface="함초롬돋움" panose="020B0604000101010101" pitchFamily="50" charset="-127"/>
-              <a:cs typeface="함초롬돋움" panose="020B0604000101010101" pitchFamily="50" charset="-127"/>
-            </a:endParaRPr>
-          </a:p>
-        </p:txBody>
-      </p:sp>
-      <p:sp>
-        <p:nvSpPr>
-          <p:cNvPr id="2" name="내용 개체 틀 1"/>
-          <p:cNvSpPr>
-            <a:spLocks noGrp="1"/>
-          </p:cNvSpPr>
-          <p:nvPr>
-            <p:ph idx="1"/>
-          </p:nvPr>
-        </p:nvSpPr>
-        <p:spPr/>
-        <p:txBody>
-          <a:bodyPr/>
-          <a:lstStyle/>
-          <a:p>
-            <a:r>
-              <a:rPr lang="ko-KR" altLang="en-US" dirty="0" smtClean="0">
-                <a:latin typeface="+mn-ea"/>
-                <a:cs typeface="함초롬돋움" panose="020B0604000101010101" pitchFamily="50" charset="-127"/>
-              </a:rPr>
-              <a:t>구현하는 것이 번거로움</a:t>
-            </a:r>
-            <a:endParaRPr lang="en-US" altLang="ko-KR" dirty="0" smtClean="0">
-              <a:latin typeface="+mn-ea"/>
-              <a:cs typeface="함초롬돋움" panose="020B0604000101010101" pitchFamily="50" charset="-127"/>
-            </a:endParaRPr>
-          </a:p>
-          <a:p>
-            <a:pPr marL="0" indent="0">
-              <a:buNone/>
-            </a:pPr>
-            <a:endParaRPr lang="en-US" altLang="ko-KR" dirty="0"/>
-          </a:p>
-          <a:p>
-            <a:endParaRPr lang="en-US" altLang="ko-KR" dirty="0"/>
-          </a:p>
-        </p:txBody>
-      </p:sp>
-      <p:sp>
-        <p:nvSpPr>
-          <p:cNvPr id="9" name="TextBox 8"/>
-          <p:cNvSpPr txBox="1"/>
-          <p:nvPr/>
-        </p:nvSpPr>
-        <p:spPr>
-          <a:xfrm>
-            <a:off x="3607181" y="3557846"/>
-            <a:ext cx="4977645" cy="2154436"/>
-          </a:xfrm>
-          <a:prstGeom prst="rect">
-            <a:avLst/>
-          </a:prstGeom>
-          <a:noFill/>
-        </p:spPr>
-        <p:txBody>
-          <a:bodyPr wrap="none" rtlCol="0">
-            <a:spAutoFit/>
-          </a:bodyPr>
-          <a:lstStyle/>
-          <a:p>
-            <a:pPr algn="ctr"/>
-            <a:r>
-              <a:rPr lang="ko-KR" altLang="en-US" dirty="0" smtClean="0"/>
-              <a:t>이것도 자동으로 해주는 방법이 없을까</a:t>
-            </a:r>
-            <a:r>
-              <a:rPr lang="en-US" altLang="ko-KR" dirty="0" smtClean="0"/>
-              <a:t>?</a:t>
-            </a:r>
-          </a:p>
-          <a:p>
-            <a:pPr algn="ctr"/>
-            <a:endParaRPr lang="en-US" altLang="ko-KR" dirty="0"/>
-          </a:p>
-          <a:p>
-            <a:pPr algn="ctr"/>
-            <a:r>
-              <a:rPr lang="ko-KR" altLang="en-US" sz="3200" dirty="0" smtClean="0"/>
-              <a:t>있다</a:t>
-            </a:r>
-            <a:r>
-              <a:rPr lang="en-US" altLang="ko-KR" sz="3200" dirty="0" smtClean="0"/>
-              <a:t>!</a:t>
-            </a:r>
-          </a:p>
-          <a:p>
-            <a:pPr algn="ctr"/>
-            <a:endParaRPr lang="en-US" altLang="ko-KR" dirty="0"/>
-          </a:p>
-          <a:p>
-            <a:pPr algn="ctr"/>
-            <a:r>
-              <a:rPr lang="ko-KR" altLang="en-US" sz="2400" dirty="0" smtClean="0"/>
-              <a:t>미리 구현한 </a:t>
-            </a:r>
-            <a:r>
-              <a:rPr lang="en-US" altLang="ko-KR" sz="2400" dirty="0" err="1" smtClean="0"/>
-              <a:t>ObservableCollection</a:t>
-            </a:r>
-            <a:r>
-              <a:rPr lang="en-US" altLang="ko-KR" sz="2400" dirty="0" smtClean="0"/>
-              <a:t> </a:t>
-            </a:r>
-          </a:p>
-          <a:p>
-            <a:pPr algn="ctr"/>
-            <a:r>
-              <a:rPr lang="ko-KR" altLang="en-US" sz="2400" dirty="0" smtClean="0"/>
-              <a:t>같은 클래스 사용</a:t>
-            </a:r>
-            <a:endParaRPr lang="en-US" altLang="ko-KR" sz="2400" dirty="0" smtClean="0"/>
-          </a:p>
-        </p:txBody>
-      </p:sp>
-    </p:spTree>
-    <p:extLst>
-      <p:ext uri="{BB962C8B-B14F-4D97-AF65-F5344CB8AC3E}">
-        <p14:creationId xmlns:p14="http://schemas.microsoft.com/office/powerpoint/2010/main" val="3670413979"/>
-      </p:ext>
-    </p:extLst>
-  </p:cSld>
-  <p:clrMapOvr>
-    <a:masterClrMapping/>
-  </p:clrMapOvr>
-  <p:timing>
-    <p:tnLst>
-      <p:par>
-        <p:cTn id="1" dur="indefinite" restart="never" nodeType="tmRoot"/>
-      </p:par>
-    </p:tnLst>
-  </p:timing>
-</p:sld>
-</file>
-
-<file path=ppt/slides/slide2.xml><?xml version="1.0" encoding="utf-8"?>
-<p:sld xmlns:a="http://schemas.openxmlformats.org/drawingml/2006/main" xmlns:r="http://schemas.openxmlformats.org/officeDocument/2006/relationships" xmlns:p="http://schemas.openxmlformats.org/presentationml/2006/main">
-  <p:cSld>
-    <p:spTree>
-      <p:nvGrpSpPr>
-        <p:cNvPr id="1" name=""/>
-        <p:cNvGrpSpPr/>
-        <p:nvPr/>
-      </p:nvGrpSpPr>
-      <p:grpSpPr>
-        <a:xfrm>
-          <a:off x="0" y="0"/>
-          <a:ext cx="0" cy="0"/>
-          <a:chOff x="0" y="0"/>
-          <a:chExt cx="0" cy="0"/>
-        </a:xfrm>
-      </p:grpSpPr>
-      <p:sp>
-        <p:nvSpPr>
-          <p:cNvPr id="7" name="제목 1"/>
-          <p:cNvSpPr txBox="1">
-            <a:spLocks/>
-          </p:cNvSpPr>
-          <p:nvPr/>
-        </p:nvSpPr>
-        <p:spPr>
-          <a:xfrm>
-            <a:off x="838200" y="365125"/>
-            <a:ext cx="10515600" cy="1090189"/>
-          </a:xfrm>
-          <a:prstGeom prst="rect">
-            <a:avLst/>
-          </a:prstGeom>
-        </p:spPr>
-        <p:txBody>
-          <a:bodyPr vert="horz" lIns="91440" tIns="45720" rIns="91440" bIns="45720" rtlCol="0" anchor="ctr">
-            <a:normAutofit/>
-          </a:bodyPr>
-          <a:lstStyle>
-            <a:lvl1pPr algn="l" defTabSz="914400" rtl="0" eaLnBrk="1" latinLnBrk="1" hangingPunct="1">
-              <a:lnSpc>
-                <a:spcPct val="90000"/>
-              </a:lnSpc>
-              <a:spcBef>
-                <a:spcPct val="0"/>
-              </a:spcBef>
-              <a:buNone/>
-              <a:defRPr sz="4800" kern="1200">
-                <a:solidFill>
-                  <a:schemeClr val="accent4"/>
-                </a:solidFill>
-                <a:latin typeface="+mj-lt"/>
-                <a:ea typeface="+mj-ea"/>
-                <a:cs typeface="+mj-cs"/>
-              </a:defRPr>
-            </a:lvl1pPr>
-          </a:lstStyle>
-          <a:p>
-            <a:r>
-              <a:rPr lang="en-US" altLang="ko-KR" dirty="0" smtClean="0">
-                <a:latin typeface="함초롬돋움" panose="020B0604000101010101" pitchFamily="50" charset="-127"/>
-                <a:ea typeface="함초롬돋움" panose="020B0604000101010101" pitchFamily="50" charset="-127"/>
-                <a:cs typeface="함초롬돋움" panose="020B0604000101010101" pitchFamily="50" charset="-127"/>
-              </a:rPr>
-              <a:t>Data Binding </a:t>
-            </a:r>
-            <a:r>
-              <a:rPr lang="ko-KR" altLang="en-US" dirty="0" smtClean="0">
-                <a:latin typeface="함초롬돋움" panose="020B0604000101010101" pitchFamily="50" charset="-127"/>
-                <a:ea typeface="함초롬돋움" panose="020B0604000101010101" pitchFamily="50" charset="-127"/>
-                <a:cs typeface="함초롬돋움" panose="020B0604000101010101" pitchFamily="50" charset="-127"/>
-              </a:rPr>
-              <a:t>소개</a:t>
-            </a:r>
-            <a:endParaRPr lang="ko-KR" altLang="en-US" dirty="0">
-              <a:latin typeface="함초롬돋움" panose="020B0604000101010101" pitchFamily="50" charset="-127"/>
-              <a:ea typeface="함초롬돋움" panose="020B0604000101010101" pitchFamily="50" charset="-127"/>
-              <a:cs typeface="함초롬돋움" panose="020B0604000101010101" pitchFamily="50" charset="-127"/>
-            </a:endParaRPr>
-          </a:p>
-        </p:txBody>
-      </p:sp>
-      <p:sp>
-        <p:nvSpPr>
-          <p:cNvPr id="2" name="내용 개체 틀 1"/>
-          <p:cNvSpPr>
-            <a:spLocks noGrp="1"/>
-          </p:cNvSpPr>
-          <p:nvPr>
-            <p:ph idx="1"/>
-          </p:nvPr>
-        </p:nvSpPr>
-        <p:spPr/>
-        <p:txBody>
-          <a:bodyPr/>
-          <a:lstStyle/>
-          <a:p>
-            <a:r>
-              <a:rPr lang="en-US" altLang="ko-KR" dirty="0" smtClean="0">
-                <a:latin typeface="+mn-ea"/>
-                <a:cs typeface="함초롬돋움" panose="020B0604000101010101" pitchFamily="50" charset="-127"/>
-              </a:rPr>
-              <a:t>UI</a:t>
-            </a:r>
-            <a:r>
-              <a:rPr lang="ko-KR" altLang="en-US" dirty="0" smtClean="0">
-                <a:latin typeface="+mn-ea"/>
-                <a:cs typeface="함초롬돋움" panose="020B0604000101010101" pitchFamily="50" charset="-127"/>
-              </a:rPr>
-              <a:t>와 비즈니스 </a:t>
-            </a:r>
-            <a:r>
-              <a:rPr lang="ko-KR" altLang="en-US" dirty="0" err="1" smtClean="0">
-                <a:latin typeface="+mn-ea"/>
-                <a:cs typeface="함초롬돋움" panose="020B0604000101010101" pitchFamily="50" charset="-127"/>
-              </a:rPr>
-              <a:t>로직</a:t>
-            </a:r>
-            <a:r>
-              <a:rPr lang="ko-KR" altLang="en-US" dirty="0" smtClean="0">
-                <a:latin typeface="+mn-ea"/>
-                <a:cs typeface="함초롬돋움" panose="020B0604000101010101" pitchFamily="50" charset="-127"/>
-              </a:rPr>
-              <a:t> 사이 간에 연결을 설정 하는 과정</a:t>
-            </a:r>
-            <a:endParaRPr lang="en-US" altLang="ko-KR" dirty="0">
-              <a:latin typeface="+mn-ea"/>
-              <a:cs typeface="함초롬돋움" panose="020B0604000101010101" pitchFamily="50" charset="-127"/>
-            </a:endParaRPr>
-          </a:p>
-          <a:p>
-            <a:endParaRPr lang="en-US" altLang="ko-KR" dirty="0" smtClean="0">
-              <a:latin typeface="+mn-ea"/>
-              <a:cs typeface="함초롬돋움" panose="020B0604000101010101" pitchFamily="50" charset="-127"/>
-            </a:endParaRPr>
-          </a:p>
-          <a:p>
-            <a:r>
-              <a:rPr lang="en-US" altLang="ko-KR" dirty="0" smtClean="0">
-                <a:latin typeface="+mn-ea"/>
-                <a:cs typeface="함초롬돋움" panose="020B0604000101010101" pitchFamily="50" charset="-127"/>
-              </a:rPr>
-              <a:t>UI</a:t>
-            </a:r>
-            <a:r>
-              <a:rPr lang="ko-KR" altLang="en-US" dirty="0" smtClean="0">
-                <a:latin typeface="+mn-ea"/>
-                <a:cs typeface="함초롬돋움" panose="020B0604000101010101" pitchFamily="50" charset="-127"/>
-              </a:rPr>
-              <a:t>에 데이터 외부 표현이 변경 시 변경 사항을 </a:t>
-            </a:r>
-            <a:endParaRPr lang="en-US" altLang="ko-KR" dirty="0">
-              <a:latin typeface="+mn-ea"/>
-              <a:cs typeface="함초롬돋움" panose="020B0604000101010101" pitchFamily="50" charset="-127"/>
-            </a:endParaRPr>
-          </a:p>
-        </p:txBody>
-      </p:sp>
-    </p:spTree>
-    <p:extLst>
-      <p:ext uri="{BB962C8B-B14F-4D97-AF65-F5344CB8AC3E}">
-        <p14:creationId xmlns:p14="http://schemas.microsoft.com/office/powerpoint/2010/main" val="1048875968"/>
-      </p:ext>
-    </p:extLst>
-  </p:cSld>
-  <p:clrMapOvr>
-    <a:masterClrMapping/>
-  </p:clrMapOvr>
-  <p:timing>
-    <p:tnLst>
-      <p:par>
-        <p:cTn id="1" dur="indefinite" restart="never" nodeType="tmRoot"/>
-      </p:par>
-    </p:tnLst>
-  </p:timing>
-</p:sld>
-</file>
-
-<file path=ppt/slides/slide20.xml><?xml version="1.0" encoding="utf-8"?>
+<file path=ppt/slides/slide18.xml><?xml version="1.0" encoding="utf-8"?>
 <p:sld xmlns:a="http://schemas.openxmlformats.org/drawingml/2006/main" xmlns:r="http://schemas.openxmlformats.org/officeDocument/2006/relationships" xmlns:p="http://schemas.openxmlformats.org/presentationml/2006/main">
   <p:cSld>
     <p:spTree>
@@ -5721,6 +4993,624 @@
 </p:sld>
 </file>
 
+<file path=ppt/slides/slide19.xml><?xml version="1.0" encoding="utf-8"?>
+<p:sld xmlns:a="http://schemas.openxmlformats.org/drawingml/2006/main" xmlns:r="http://schemas.openxmlformats.org/officeDocument/2006/relationships" xmlns:p="http://schemas.openxmlformats.org/presentationml/2006/main">
+  <p:cSld>
+    <p:spTree>
+      <p:nvGrpSpPr>
+        <p:cNvPr id="1" name=""/>
+        <p:cNvGrpSpPr/>
+        <p:nvPr/>
+      </p:nvGrpSpPr>
+      <p:grpSpPr>
+        <a:xfrm>
+          <a:off x="0" y="0"/>
+          <a:ext cx="0" cy="0"/>
+          <a:chOff x="0" y="0"/>
+          <a:chExt cx="0" cy="0"/>
+        </a:xfrm>
+      </p:grpSpPr>
+      <p:sp>
+        <p:nvSpPr>
+          <p:cNvPr id="7" name="제목 1"/>
+          <p:cNvSpPr txBox="1">
+            <a:spLocks/>
+          </p:cNvSpPr>
+          <p:nvPr/>
+        </p:nvSpPr>
+        <p:spPr>
+          <a:xfrm>
+            <a:off x="838200" y="365125"/>
+            <a:ext cx="10515600" cy="1090189"/>
+          </a:xfrm>
+          <a:prstGeom prst="rect">
+            <a:avLst/>
+          </a:prstGeom>
+        </p:spPr>
+        <p:txBody>
+          <a:bodyPr vert="horz" lIns="91440" tIns="45720" rIns="91440" bIns="45720" rtlCol="0" anchor="ctr">
+            <a:normAutofit/>
+          </a:bodyPr>
+          <a:lstStyle>
+            <a:lvl1pPr algn="l" defTabSz="914400" rtl="0" eaLnBrk="1" latinLnBrk="1" hangingPunct="1">
+              <a:lnSpc>
+                <a:spcPct val="90000"/>
+              </a:lnSpc>
+              <a:spcBef>
+                <a:spcPct val="0"/>
+              </a:spcBef>
+              <a:buNone/>
+              <a:defRPr sz="4800" kern="1200">
+                <a:solidFill>
+                  <a:schemeClr val="accent4"/>
+                </a:solidFill>
+                <a:latin typeface="+mj-lt"/>
+                <a:ea typeface="+mj-ea"/>
+                <a:cs typeface="+mj-cs"/>
+              </a:defRPr>
+            </a:lvl1pPr>
+          </a:lstStyle>
+          <a:p>
+            <a:r>
+              <a:rPr lang="en-US" altLang="ko-KR" dirty="0" err="1">
+                <a:latin typeface="함초롬돋움" panose="020B0604000101010101" pitchFamily="50" charset="-127"/>
+                <a:ea typeface="함초롬돋움" panose="020B0604000101010101" pitchFamily="50" charset="-127"/>
+                <a:cs typeface="함초롬돋움" panose="020B0604000101010101" pitchFamily="50" charset="-127"/>
+              </a:rPr>
+              <a:t>ObservableCollection</a:t>
+            </a:r>
+            <a:r>
+              <a:rPr lang="en-US" altLang="ko-KR" dirty="0">
+                <a:latin typeface="함초롬돋움" panose="020B0604000101010101" pitchFamily="50" charset="-127"/>
+                <a:ea typeface="함초롬돋움" panose="020B0604000101010101" pitchFamily="50" charset="-127"/>
+                <a:cs typeface="함초롬돋움" panose="020B0604000101010101" pitchFamily="50" charset="-127"/>
+              </a:rPr>
+              <a:t> </a:t>
+            </a:r>
+            <a:r>
+              <a:rPr lang="ko-KR" altLang="en-US" dirty="0">
+                <a:latin typeface="함초롬돋움" panose="020B0604000101010101" pitchFamily="50" charset="-127"/>
+                <a:ea typeface="함초롬돋움" panose="020B0604000101010101" pitchFamily="50" charset="-127"/>
+                <a:cs typeface="함초롬돋움" panose="020B0604000101010101" pitchFamily="50" charset="-127"/>
+              </a:rPr>
+              <a:t>사용 예제</a:t>
+            </a:r>
+          </a:p>
+        </p:txBody>
+      </p:sp>
+      <p:sp>
+        <p:nvSpPr>
+          <p:cNvPr id="2" name="내용 개체 틀 1"/>
+          <p:cNvSpPr>
+            <a:spLocks noGrp="1"/>
+          </p:cNvSpPr>
+          <p:nvPr>
+            <p:ph idx="1"/>
+          </p:nvPr>
+        </p:nvSpPr>
+        <p:spPr/>
+        <p:txBody>
+          <a:bodyPr/>
+          <a:lstStyle/>
+          <a:p>
+            <a:pPr marL="0" indent="0">
+              <a:buNone/>
+            </a:pPr>
+            <a:endParaRPr lang="en-US" altLang="ko-KR" dirty="0"/>
+          </a:p>
+          <a:p>
+            <a:endParaRPr lang="en-US" altLang="ko-KR" dirty="0"/>
+          </a:p>
+        </p:txBody>
+      </p:sp>
+      <p:pic>
+        <p:nvPicPr>
+          <p:cNvPr id="5" name="그림 4"/>
+          <p:cNvPicPr>
+            <a:picLocks noChangeAspect="1"/>
+          </p:cNvPicPr>
+          <p:nvPr/>
+        </p:nvPicPr>
+        <p:blipFill>
+          <a:blip r:embed="rId2"/>
+          <a:stretch>
+            <a:fillRect/>
+          </a:stretch>
+        </p:blipFill>
+        <p:spPr>
+          <a:xfrm>
+            <a:off x="3867150" y="2173691"/>
+            <a:ext cx="4457700" cy="4448175"/>
+          </a:xfrm>
+          <a:prstGeom prst="rect">
+            <a:avLst/>
+          </a:prstGeom>
+          <a:ln>
+            <a:solidFill>
+              <a:schemeClr val="tx1"/>
+            </a:solidFill>
+          </a:ln>
+        </p:spPr>
+      </p:pic>
+    </p:spTree>
+    <p:extLst>
+      <p:ext uri="{BB962C8B-B14F-4D97-AF65-F5344CB8AC3E}">
+        <p14:creationId xmlns:p14="http://schemas.microsoft.com/office/powerpoint/2010/main" val="2326898205"/>
+      </p:ext>
+    </p:extLst>
+  </p:cSld>
+  <p:clrMapOvr>
+    <a:masterClrMapping/>
+  </p:clrMapOvr>
+  <p:timing>
+    <p:tnLst>
+      <p:par>
+        <p:cTn id="1" dur="indefinite" restart="never" nodeType="tmRoot"/>
+      </p:par>
+    </p:tnLst>
+  </p:timing>
+</p:sld>
+</file>
+
+<file path=ppt/slides/slide2.xml><?xml version="1.0" encoding="utf-8"?>
+<p:sld xmlns:a="http://schemas.openxmlformats.org/drawingml/2006/main" xmlns:r="http://schemas.openxmlformats.org/officeDocument/2006/relationships" xmlns:p="http://schemas.openxmlformats.org/presentationml/2006/main">
+  <p:cSld>
+    <p:spTree>
+      <p:nvGrpSpPr>
+        <p:cNvPr id="1" name=""/>
+        <p:cNvGrpSpPr/>
+        <p:nvPr/>
+      </p:nvGrpSpPr>
+      <p:grpSpPr>
+        <a:xfrm>
+          <a:off x="0" y="0"/>
+          <a:ext cx="0" cy="0"/>
+          <a:chOff x="0" y="0"/>
+          <a:chExt cx="0" cy="0"/>
+        </a:xfrm>
+      </p:grpSpPr>
+      <p:sp>
+        <p:nvSpPr>
+          <p:cNvPr id="7" name="제목 1"/>
+          <p:cNvSpPr txBox="1">
+            <a:spLocks/>
+          </p:cNvSpPr>
+          <p:nvPr/>
+        </p:nvSpPr>
+        <p:spPr>
+          <a:xfrm>
+            <a:off x="838200" y="365125"/>
+            <a:ext cx="10515600" cy="1090189"/>
+          </a:xfrm>
+          <a:prstGeom prst="rect">
+            <a:avLst/>
+          </a:prstGeom>
+        </p:spPr>
+        <p:txBody>
+          <a:bodyPr vert="horz" lIns="91440" tIns="45720" rIns="91440" bIns="45720" rtlCol="0" anchor="ctr">
+            <a:normAutofit/>
+          </a:bodyPr>
+          <a:lstStyle>
+            <a:lvl1pPr algn="l" defTabSz="914400" rtl="0" eaLnBrk="1" latinLnBrk="1" hangingPunct="1">
+              <a:lnSpc>
+                <a:spcPct val="90000"/>
+              </a:lnSpc>
+              <a:spcBef>
+                <a:spcPct val="0"/>
+              </a:spcBef>
+              <a:buNone/>
+              <a:defRPr sz="4800" kern="1200">
+                <a:solidFill>
+                  <a:schemeClr val="accent4"/>
+                </a:solidFill>
+                <a:latin typeface="+mj-lt"/>
+                <a:ea typeface="+mj-ea"/>
+                <a:cs typeface="+mj-cs"/>
+              </a:defRPr>
+            </a:lvl1pPr>
+          </a:lstStyle>
+          <a:p>
+            <a:r>
+              <a:rPr lang="en-US" altLang="ko-KR" dirty="0" smtClean="0">
+                <a:latin typeface="함초롬돋움" panose="020B0604000101010101" pitchFamily="50" charset="-127"/>
+                <a:ea typeface="함초롬돋움" panose="020B0604000101010101" pitchFamily="50" charset="-127"/>
+                <a:cs typeface="함초롬돋움" panose="020B0604000101010101" pitchFamily="50" charset="-127"/>
+              </a:rPr>
+              <a:t>Data Binding </a:t>
+            </a:r>
+            <a:r>
+              <a:rPr lang="ko-KR" altLang="en-US" dirty="0" smtClean="0">
+                <a:latin typeface="함초롬돋움" panose="020B0604000101010101" pitchFamily="50" charset="-127"/>
+                <a:ea typeface="함초롬돋움" panose="020B0604000101010101" pitchFamily="50" charset="-127"/>
+                <a:cs typeface="함초롬돋움" panose="020B0604000101010101" pitchFamily="50" charset="-127"/>
+              </a:rPr>
+              <a:t>소개</a:t>
+            </a:r>
+            <a:endParaRPr lang="ko-KR" altLang="en-US" dirty="0">
+              <a:latin typeface="함초롬돋움" panose="020B0604000101010101" pitchFamily="50" charset="-127"/>
+              <a:ea typeface="함초롬돋움" panose="020B0604000101010101" pitchFamily="50" charset="-127"/>
+              <a:cs typeface="함초롬돋움" panose="020B0604000101010101" pitchFamily="50" charset="-127"/>
+            </a:endParaRPr>
+          </a:p>
+        </p:txBody>
+      </p:sp>
+      <p:sp>
+        <p:nvSpPr>
+          <p:cNvPr id="2" name="내용 개체 틀 1"/>
+          <p:cNvSpPr>
+            <a:spLocks noGrp="1"/>
+          </p:cNvSpPr>
+          <p:nvPr>
+            <p:ph idx="1"/>
+          </p:nvPr>
+        </p:nvSpPr>
+        <p:spPr/>
+        <p:txBody>
+          <a:bodyPr/>
+          <a:lstStyle/>
+          <a:p>
+            <a:r>
+              <a:rPr lang="en-US" altLang="ko-KR" dirty="0" smtClean="0">
+                <a:latin typeface="+mn-ea"/>
+                <a:cs typeface="함초롬돋움" panose="020B0604000101010101" pitchFamily="50" charset="-127"/>
+              </a:rPr>
+              <a:t>UI</a:t>
+            </a:r>
+            <a:r>
+              <a:rPr lang="ko-KR" altLang="en-US" dirty="0" smtClean="0">
+                <a:latin typeface="+mn-ea"/>
+                <a:cs typeface="함초롬돋움" panose="020B0604000101010101" pitchFamily="50" charset="-127"/>
+              </a:rPr>
+              <a:t>와 비즈니스 </a:t>
+            </a:r>
+            <a:r>
+              <a:rPr lang="ko-KR" altLang="en-US" dirty="0" err="1" smtClean="0">
+                <a:latin typeface="+mn-ea"/>
+                <a:cs typeface="함초롬돋움" panose="020B0604000101010101" pitchFamily="50" charset="-127"/>
+              </a:rPr>
+              <a:t>로직</a:t>
+            </a:r>
+            <a:r>
+              <a:rPr lang="ko-KR" altLang="en-US" dirty="0" smtClean="0">
+                <a:latin typeface="+mn-ea"/>
+                <a:cs typeface="함초롬돋움" panose="020B0604000101010101" pitchFamily="50" charset="-127"/>
+              </a:rPr>
+              <a:t> 사이 간에 연결을 설정 하는 과정</a:t>
+            </a:r>
+            <a:endParaRPr lang="en-US" altLang="ko-KR" dirty="0">
+              <a:latin typeface="+mn-ea"/>
+              <a:cs typeface="함초롬돋움" panose="020B0604000101010101" pitchFamily="50" charset="-127"/>
+            </a:endParaRPr>
+          </a:p>
+          <a:p>
+            <a:endParaRPr lang="en-US" altLang="ko-KR" dirty="0" smtClean="0">
+              <a:latin typeface="+mn-ea"/>
+              <a:cs typeface="함초롬돋움" panose="020B0604000101010101" pitchFamily="50" charset="-127"/>
+            </a:endParaRPr>
+          </a:p>
+          <a:p>
+            <a:r>
+              <a:rPr lang="en-US" altLang="ko-KR" dirty="0" smtClean="0">
+                <a:latin typeface="+mn-ea"/>
+                <a:cs typeface="함초롬돋움" panose="020B0604000101010101" pitchFamily="50" charset="-127"/>
+              </a:rPr>
+              <a:t>UI</a:t>
+            </a:r>
+            <a:r>
+              <a:rPr lang="ko-KR" altLang="en-US" dirty="0" smtClean="0">
+                <a:latin typeface="+mn-ea"/>
+                <a:cs typeface="함초롬돋움" panose="020B0604000101010101" pitchFamily="50" charset="-127"/>
+              </a:rPr>
+              <a:t>에 데이터 외부 표현이 변경 시 변경 사항을 </a:t>
+            </a:r>
+            <a:endParaRPr lang="en-US" altLang="ko-KR" dirty="0">
+              <a:latin typeface="+mn-ea"/>
+              <a:cs typeface="함초롬돋움" panose="020B0604000101010101" pitchFamily="50" charset="-127"/>
+            </a:endParaRPr>
+          </a:p>
+        </p:txBody>
+      </p:sp>
+    </p:spTree>
+    <p:extLst>
+      <p:ext uri="{BB962C8B-B14F-4D97-AF65-F5344CB8AC3E}">
+        <p14:creationId xmlns:p14="http://schemas.microsoft.com/office/powerpoint/2010/main" val="1048875968"/>
+      </p:ext>
+    </p:extLst>
+  </p:cSld>
+  <p:clrMapOvr>
+    <a:masterClrMapping/>
+  </p:clrMapOvr>
+  <p:timing>
+    <p:tnLst>
+      <p:par>
+        <p:cTn id="1" dur="indefinite" restart="never" nodeType="tmRoot"/>
+      </p:par>
+    </p:tnLst>
+  </p:timing>
+</p:sld>
+</file>
+
+<file path=ppt/slides/slide20.xml><?xml version="1.0" encoding="utf-8"?>
+<p:sld xmlns:a="http://schemas.openxmlformats.org/drawingml/2006/main" xmlns:r="http://schemas.openxmlformats.org/officeDocument/2006/relationships" xmlns:p="http://schemas.openxmlformats.org/presentationml/2006/main">
+  <p:cSld>
+    <p:spTree>
+      <p:nvGrpSpPr>
+        <p:cNvPr id="1" name=""/>
+        <p:cNvGrpSpPr/>
+        <p:nvPr/>
+      </p:nvGrpSpPr>
+      <p:grpSpPr>
+        <a:xfrm>
+          <a:off x="0" y="0"/>
+          <a:ext cx="0" cy="0"/>
+          <a:chOff x="0" y="0"/>
+          <a:chExt cx="0" cy="0"/>
+        </a:xfrm>
+      </p:grpSpPr>
+      <p:sp>
+        <p:nvSpPr>
+          <p:cNvPr id="7" name="제목 1"/>
+          <p:cNvSpPr txBox="1">
+            <a:spLocks/>
+          </p:cNvSpPr>
+          <p:nvPr/>
+        </p:nvSpPr>
+        <p:spPr>
+          <a:xfrm>
+            <a:off x="838200" y="365125"/>
+            <a:ext cx="10515600" cy="1090189"/>
+          </a:xfrm>
+          <a:prstGeom prst="rect">
+            <a:avLst/>
+          </a:prstGeom>
+        </p:spPr>
+        <p:txBody>
+          <a:bodyPr vert="horz" lIns="91440" tIns="45720" rIns="91440" bIns="45720" rtlCol="0" anchor="ctr">
+            <a:normAutofit/>
+          </a:bodyPr>
+          <a:lstStyle>
+            <a:lvl1pPr algn="l" defTabSz="914400" rtl="0" eaLnBrk="1" latinLnBrk="1" hangingPunct="1">
+              <a:lnSpc>
+                <a:spcPct val="90000"/>
+              </a:lnSpc>
+              <a:spcBef>
+                <a:spcPct val="0"/>
+              </a:spcBef>
+              <a:buNone/>
+              <a:defRPr sz="4800" kern="1200">
+                <a:solidFill>
+                  <a:schemeClr val="accent4"/>
+                </a:solidFill>
+                <a:latin typeface="+mj-lt"/>
+                <a:ea typeface="+mj-ea"/>
+                <a:cs typeface="+mj-cs"/>
+              </a:defRPr>
+            </a:lvl1pPr>
+          </a:lstStyle>
+          <a:p>
+            <a:r>
+              <a:rPr lang="ko-KR" altLang="en-US" dirty="0" smtClean="0">
+                <a:latin typeface="함초롬돋움" panose="020B0604000101010101" pitchFamily="50" charset="-127"/>
+                <a:ea typeface="함초롬돋움" panose="020B0604000101010101" pitchFamily="50" charset="-127"/>
+                <a:cs typeface="함초롬돋움" panose="020B0604000101010101" pitchFamily="50" charset="-127"/>
+              </a:rPr>
+              <a:t>더 나아가기 </a:t>
+            </a:r>
+            <a:endParaRPr lang="ko-KR" altLang="en-US" dirty="0">
+              <a:latin typeface="함초롬돋움" panose="020B0604000101010101" pitchFamily="50" charset="-127"/>
+              <a:ea typeface="함초롬돋움" panose="020B0604000101010101" pitchFamily="50" charset="-127"/>
+              <a:cs typeface="함초롬돋움" panose="020B0604000101010101" pitchFamily="50" charset="-127"/>
+            </a:endParaRPr>
+          </a:p>
+        </p:txBody>
+      </p:sp>
+      <p:sp>
+        <p:nvSpPr>
+          <p:cNvPr id="2" name="내용 개체 틀 1"/>
+          <p:cNvSpPr>
+            <a:spLocks noGrp="1"/>
+          </p:cNvSpPr>
+          <p:nvPr>
+            <p:ph idx="1"/>
+          </p:nvPr>
+        </p:nvSpPr>
+        <p:spPr/>
+        <p:txBody>
+          <a:bodyPr/>
+          <a:lstStyle/>
+          <a:p>
+            <a:r>
+              <a:rPr lang="ko-KR" altLang="en-US" dirty="0" smtClean="0">
+                <a:latin typeface="+mn-ea"/>
+                <a:cs typeface="함초롬돋움" panose="020B0604000101010101" pitchFamily="50" charset="-127"/>
+              </a:rPr>
+              <a:t>해당 프로그램에 컬렉션을 </a:t>
+            </a:r>
+            <a:r>
+              <a:rPr lang="ko-KR" altLang="en-US" dirty="0" err="1" smtClean="0">
+                <a:latin typeface="+mn-ea"/>
+                <a:cs typeface="함초롬돋움" panose="020B0604000101010101" pitchFamily="50" charset="-127"/>
+              </a:rPr>
+              <a:t>필터링</a:t>
+            </a:r>
+            <a:r>
+              <a:rPr lang="en-US" altLang="ko-KR" dirty="0" smtClean="0">
+                <a:latin typeface="+mn-ea"/>
+                <a:cs typeface="함초롬돋움" panose="020B0604000101010101" pitchFamily="50" charset="-127"/>
+              </a:rPr>
+              <a:t>, </a:t>
+            </a:r>
+            <a:r>
+              <a:rPr lang="ko-KR" altLang="en-US" dirty="0" smtClean="0">
+                <a:latin typeface="+mn-ea"/>
+                <a:cs typeface="함초롬돋움" panose="020B0604000101010101" pitchFamily="50" charset="-127"/>
+              </a:rPr>
+              <a:t>정렬</a:t>
+            </a:r>
+            <a:r>
+              <a:rPr lang="en-US" altLang="ko-KR" dirty="0" smtClean="0">
+                <a:latin typeface="+mn-ea"/>
+                <a:cs typeface="함초롬돋움" panose="020B0604000101010101" pitchFamily="50" charset="-127"/>
+              </a:rPr>
+              <a:t>, </a:t>
+            </a:r>
+            <a:r>
+              <a:rPr lang="ko-KR" altLang="en-US" dirty="0" smtClean="0">
+                <a:latin typeface="+mn-ea"/>
+                <a:cs typeface="함초롬돋움" panose="020B0604000101010101" pitchFamily="50" charset="-127"/>
+              </a:rPr>
+              <a:t>그룹화 기능 추가 해야함</a:t>
+            </a:r>
+            <a:endParaRPr lang="en-US" altLang="ko-KR" dirty="0" smtClean="0">
+              <a:latin typeface="+mn-ea"/>
+              <a:cs typeface="함초롬돋움" panose="020B0604000101010101" pitchFamily="50" charset="-127"/>
+            </a:endParaRPr>
+          </a:p>
+          <a:p>
+            <a:endParaRPr lang="en-US" altLang="ko-KR" dirty="0" smtClean="0">
+              <a:latin typeface="+mn-ea"/>
+              <a:cs typeface="함초롬돋움" panose="020B0604000101010101" pitchFamily="50" charset="-127"/>
+            </a:endParaRPr>
+          </a:p>
+          <a:p>
+            <a:r>
+              <a:rPr lang="ko-KR" altLang="en-US" dirty="0" smtClean="0">
+                <a:latin typeface="+mn-ea"/>
+                <a:cs typeface="함초롬돋움" panose="020B0604000101010101" pitchFamily="50" charset="-127"/>
+              </a:rPr>
+              <a:t>단</a:t>
+            </a:r>
+            <a:r>
+              <a:rPr lang="en-US" altLang="ko-KR" dirty="0" smtClean="0">
+                <a:latin typeface="+mn-ea"/>
+                <a:cs typeface="함초롬돋움" panose="020B0604000101010101" pitchFamily="50" charset="-127"/>
+              </a:rPr>
+              <a:t>,</a:t>
+            </a:r>
+            <a:r>
+              <a:rPr lang="ko-KR" altLang="en-US" dirty="0" smtClean="0">
+                <a:latin typeface="+mn-ea"/>
+                <a:cs typeface="함초롬돋움" panose="020B0604000101010101" pitchFamily="50" charset="-127"/>
+              </a:rPr>
+              <a:t> 컬렉션 데이터를 유지해야함</a:t>
+            </a:r>
+            <a:endParaRPr lang="en-US" altLang="ko-KR" dirty="0" smtClean="0">
+              <a:latin typeface="+mn-ea"/>
+              <a:cs typeface="함초롬돋움" panose="020B0604000101010101" pitchFamily="50" charset="-127"/>
+            </a:endParaRPr>
+          </a:p>
+          <a:p>
+            <a:pPr marL="0" indent="0">
+              <a:buNone/>
+            </a:pPr>
+            <a:endParaRPr lang="en-US" altLang="ko-KR" dirty="0"/>
+          </a:p>
+          <a:p>
+            <a:endParaRPr lang="en-US" altLang="ko-KR" dirty="0"/>
+          </a:p>
+        </p:txBody>
+      </p:sp>
+      <p:sp>
+        <p:nvSpPr>
+          <p:cNvPr id="9" name="TextBox 8"/>
+          <p:cNvSpPr txBox="1"/>
+          <p:nvPr/>
+        </p:nvSpPr>
+        <p:spPr>
+          <a:xfrm>
+            <a:off x="4453567" y="4272741"/>
+            <a:ext cx="3284874" cy="2062103"/>
+          </a:xfrm>
+          <a:prstGeom prst="rect">
+            <a:avLst/>
+          </a:prstGeom>
+          <a:noFill/>
+        </p:spPr>
+        <p:txBody>
+          <a:bodyPr wrap="none" rtlCol="0">
+            <a:spAutoFit/>
+          </a:bodyPr>
+          <a:lstStyle/>
+          <a:p>
+            <a:pPr algn="ctr"/>
+            <a:r>
+              <a:rPr lang="ko-KR" altLang="en-US" dirty="0" err="1" smtClean="0"/>
+              <a:t>컬렌션</a:t>
+            </a:r>
+            <a:r>
+              <a:rPr lang="ko-KR" altLang="en-US" dirty="0" smtClean="0"/>
+              <a:t> 데이터를 유지하면서 </a:t>
+            </a:r>
+            <a:endParaRPr lang="en-US" altLang="ko-KR" dirty="0" smtClean="0"/>
+          </a:p>
+          <a:p>
+            <a:pPr algn="ctr"/>
+            <a:r>
+              <a:rPr lang="ko-KR" altLang="en-US" dirty="0" smtClean="0"/>
+              <a:t>기능을 확장 시킬 수는 없을까</a:t>
+            </a:r>
+            <a:r>
+              <a:rPr lang="en-US" altLang="ko-KR" dirty="0" smtClean="0"/>
+              <a:t>?</a:t>
+            </a:r>
+          </a:p>
+          <a:p>
+            <a:pPr algn="ctr"/>
+            <a:endParaRPr lang="en-US" altLang="ko-KR" dirty="0"/>
+          </a:p>
+          <a:p>
+            <a:pPr algn="ctr"/>
+            <a:r>
+              <a:rPr lang="ko-KR" altLang="en-US" sz="3200" dirty="0" smtClean="0"/>
+              <a:t>있다</a:t>
+            </a:r>
+            <a:r>
+              <a:rPr lang="en-US" altLang="ko-KR" sz="3200" dirty="0" smtClean="0"/>
+              <a:t>!</a:t>
+            </a:r>
+          </a:p>
+          <a:p>
+            <a:pPr algn="ctr"/>
+            <a:endParaRPr lang="en-US" altLang="ko-KR" dirty="0"/>
+          </a:p>
+          <a:p>
+            <a:pPr algn="ctr"/>
+            <a:r>
+              <a:rPr lang="en-US" altLang="ko-KR" sz="2400" dirty="0" err="1" smtClean="0"/>
+              <a:t>ICollectionView</a:t>
+            </a:r>
+            <a:r>
+              <a:rPr lang="en-US" altLang="ko-KR" sz="2400" dirty="0" smtClean="0"/>
+              <a:t> </a:t>
+            </a:r>
+            <a:r>
+              <a:rPr lang="ko-KR" altLang="en-US" sz="2400" dirty="0" smtClean="0"/>
+              <a:t>사용</a:t>
+            </a:r>
+            <a:endParaRPr lang="en-US" altLang="ko-KR" sz="2400" dirty="0" smtClean="0"/>
+          </a:p>
+        </p:txBody>
+      </p:sp>
+    </p:spTree>
+    <p:extLst>
+      <p:ext uri="{BB962C8B-B14F-4D97-AF65-F5344CB8AC3E}">
+        <p14:creationId xmlns:p14="http://schemas.microsoft.com/office/powerpoint/2010/main" val="1628700263"/>
+      </p:ext>
+    </p:extLst>
+  </p:cSld>
+  <p:clrMapOvr>
+    <a:masterClrMapping/>
+  </p:clrMapOvr>
+  <p:timing>
+    <p:tnLst>
+      <p:par>
+        <p:cTn id="1" dur="indefinite" restart="never" nodeType="tmRoot"/>
+      </p:par>
+    </p:tnLst>
+  </p:timing>
+</p:sld>
+</file>
+
 <file path=ppt/slides/slide21.xml><?xml version="1.0" encoding="utf-8"?>
 <p:sld xmlns:a="http://schemas.openxmlformats.org/drawingml/2006/main" xmlns:r="http://schemas.openxmlformats.org/officeDocument/2006/relationships" xmlns:p="http://schemas.openxmlformats.org/presentationml/2006/main">
   <p:cSld>
@@ -5780,29 +5670,18 @@
           </a:lstStyle>
           <a:p>
             <a:r>
-              <a:rPr lang="en-US" altLang="ko-KR" dirty="0" err="1">
+              <a:rPr lang="en-US" altLang="ko-KR" dirty="0" err="1" smtClean="0">
                 <a:latin typeface="함초롬돋움" panose="020B0604000101010101" pitchFamily="50" charset="-127"/>
                 <a:ea typeface="함초롬돋움" panose="020B0604000101010101" pitchFamily="50" charset="-127"/>
                 <a:cs typeface="함초롬돋움" panose="020B0604000101010101" pitchFamily="50" charset="-127"/>
               </a:rPr>
-              <a:t>ObservableCollection</a:t>
-            </a:r>
-            <a:r>
-              <a:rPr lang="en-US" altLang="ko-KR" dirty="0">
-                <a:latin typeface="함초롬돋움" panose="020B0604000101010101" pitchFamily="50" charset="-127"/>
-                <a:ea typeface="함초롬돋움" panose="020B0604000101010101" pitchFamily="50" charset="-127"/>
-                <a:cs typeface="함초롬돋움" panose="020B0604000101010101" pitchFamily="50" charset="-127"/>
-              </a:rPr>
-              <a:t> </a:t>
-            </a:r>
-            <a:r>
-              <a:rPr lang="ko-KR" altLang="en-US" dirty="0">
-                <a:latin typeface="함초롬돋움" panose="020B0604000101010101" pitchFamily="50" charset="-127"/>
-                <a:ea typeface="함초롬돋움" panose="020B0604000101010101" pitchFamily="50" charset="-127"/>
-                <a:cs typeface="함초롬돋움" panose="020B0604000101010101" pitchFamily="50" charset="-127"/>
-              </a:rPr>
-              <a:t>사용 예제</a:t>
-            </a:r>
+              <a:t>ICollectionView</a:t>
+            </a:r>
+            <a:endParaRPr lang="ko-KR" altLang="en-US" dirty="0">
+              <a:latin typeface="함초롬돋움" panose="020B0604000101010101" pitchFamily="50" charset="-127"/>
+              <a:ea typeface="함초롬돋움" panose="020B0604000101010101" pitchFamily="50" charset="-127"/>
+              <a:cs typeface="함초롬돋움" panose="020B0604000101010101" pitchFamily="50" charset="-127"/>
+            </a:endParaRPr>
           </a:p>
         </p:txBody>
       </p:sp>
@@ -5821,161 +5700,25 @@
           <a:bodyPr/>
           <a:lstStyle/>
           <a:p>
-            <a:pPr marL="0" indent="0">
-              <a:buNone/>
-            </a:pPr>
-            <a:endParaRPr lang="en-US" altLang="ko-KR" dirty="0"/>
-          </a:p>
-          <a:p>
-            <a:endParaRPr lang="en-US" altLang="ko-KR" dirty="0"/>
-          </a:p>
-        </p:txBody>
-      </p:sp>
-      <p:pic>
-        <p:nvPicPr>
-          <p:cNvPr id="5" name="그림 4"/>
-          <p:cNvPicPr>
-            <a:picLocks noChangeAspect="1"/>
-          </p:cNvPicPr>
-          <p:nvPr/>
-        </p:nvPicPr>
-        <p:blipFill>
-          <a:blip r:embed="rId2"/>
-          <a:stretch>
-            <a:fillRect/>
-          </a:stretch>
-        </p:blipFill>
-        <p:spPr>
-          <a:xfrm>
-            <a:off x="3867150" y="2173691"/>
-            <a:ext cx="4457700" cy="4448175"/>
-          </a:xfrm>
-          <a:prstGeom prst="rect">
-            <a:avLst/>
-          </a:prstGeom>
-          <a:ln>
-            <a:solidFill>
-              <a:schemeClr val="tx1"/>
-            </a:solidFill>
-          </a:ln>
-        </p:spPr>
-      </p:pic>
-    </p:spTree>
-    <p:extLst>
-      <p:ext uri="{BB962C8B-B14F-4D97-AF65-F5344CB8AC3E}">
-        <p14:creationId xmlns:p14="http://schemas.microsoft.com/office/powerpoint/2010/main" val="2326898205"/>
-      </p:ext>
-    </p:extLst>
-  </p:cSld>
-  <p:clrMapOvr>
-    <a:masterClrMapping/>
-  </p:clrMapOvr>
-  <p:timing>
-    <p:tnLst>
-      <p:par>
-        <p:cTn id="1" dur="indefinite" restart="never" nodeType="tmRoot"/>
-      </p:par>
-    </p:tnLst>
-  </p:timing>
-</p:sld>
-</file>
-
-<file path=ppt/slides/slide22.xml><?xml version="1.0" encoding="utf-8"?>
-<p:sld xmlns:a="http://schemas.openxmlformats.org/drawingml/2006/main" xmlns:r="http://schemas.openxmlformats.org/officeDocument/2006/relationships" xmlns:p="http://schemas.openxmlformats.org/presentationml/2006/main">
-  <p:cSld>
-    <p:spTree>
-      <p:nvGrpSpPr>
-        <p:cNvPr id="1" name=""/>
-        <p:cNvGrpSpPr/>
-        <p:nvPr/>
-      </p:nvGrpSpPr>
-      <p:grpSpPr>
-        <a:xfrm>
-          <a:off x="0" y="0"/>
-          <a:ext cx="0" cy="0"/>
-          <a:chOff x="0" y="0"/>
-          <a:chExt cx="0" cy="0"/>
-        </a:xfrm>
-      </p:grpSpPr>
-      <p:sp>
-        <p:nvSpPr>
-          <p:cNvPr id="7" name="제목 1"/>
-          <p:cNvSpPr txBox="1">
-            <a:spLocks/>
-          </p:cNvSpPr>
-          <p:nvPr/>
-        </p:nvSpPr>
-        <p:spPr>
-          <a:xfrm>
-            <a:off x="838200" y="365125"/>
-            <a:ext cx="10515600" cy="1090189"/>
-          </a:xfrm>
-          <a:prstGeom prst="rect">
-            <a:avLst/>
-          </a:prstGeom>
-        </p:spPr>
-        <p:txBody>
-          <a:bodyPr vert="horz" lIns="91440" tIns="45720" rIns="91440" bIns="45720" rtlCol="0" anchor="ctr">
-            <a:normAutofit/>
-          </a:bodyPr>
-          <a:lstStyle>
-            <a:lvl1pPr algn="l" defTabSz="914400" rtl="0" eaLnBrk="1" latinLnBrk="1" hangingPunct="1">
-              <a:lnSpc>
-                <a:spcPct val="90000"/>
-              </a:lnSpc>
-              <a:spcBef>
-                <a:spcPct val="0"/>
-              </a:spcBef>
-              <a:buNone/>
-              <a:defRPr sz="4800" kern="1200">
-                <a:solidFill>
-                  <a:schemeClr val="accent4"/>
-                </a:solidFill>
-                <a:latin typeface="+mj-lt"/>
-                <a:ea typeface="+mj-ea"/>
-                <a:cs typeface="+mj-cs"/>
-              </a:defRPr>
-            </a:lvl1pPr>
-          </a:lstStyle>
-          <a:p>
-            <a:r>
-              <a:rPr lang="ko-KR" altLang="en-US" dirty="0" smtClean="0">
-                <a:latin typeface="함초롬돋움" panose="020B0604000101010101" pitchFamily="50" charset="-127"/>
-                <a:ea typeface="함초롬돋움" panose="020B0604000101010101" pitchFamily="50" charset="-127"/>
-                <a:cs typeface="함초롬돋움" panose="020B0604000101010101" pitchFamily="50" charset="-127"/>
-              </a:rPr>
-              <a:t>더 나아가기 </a:t>
-            </a:r>
-            <a:endParaRPr lang="ko-KR" altLang="en-US" dirty="0">
-              <a:latin typeface="함초롬돋움" panose="020B0604000101010101" pitchFamily="50" charset="-127"/>
-              <a:ea typeface="함초롬돋움" panose="020B0604000101010101" pitchFamily="50" charset="-127"/>
-              <a:cs typeface="함초롬돋움" panose="020B0604000101010101" pitchFamily="50" charset="-127"/>
-            </a:endParaRPr>
-          </a:p>
-        </p:txBody>
-      </p:sp>
-      <p:sp>
-        <p:nvSpPr>
-          <p:cNvPr id="2" name="내용 개체 틀 1"/>
-          <p:cNvSpPr>
-            <a:spLocks noGrp="1"/>
-          </p:cNvSpPr>
-          <p:nvPr>
-            <p:ph idx="1"/>
-          </p:nvPr>
-        </p:nvSpPr>
-        <p:spPr/>
-        <p:txBody>
-          <a:bodyPr/>
-          <a:lstStyle/>
-          <a:p>
             <a:r>
               <a:rPr lang="ko-KR" altLang="en-US" dirty="0" smtClean="0">
                 <a:latin typeface="+mn-ea"/>
                 <a:cs typeface="함초롬돋움" panose="020B0604000101010101" pitchFamily="50" charset="-127"/>
               </a:rPr>
-              <a:t>해당 프로그램에 컬렉션을 </a:t>
-            </a:r>
+              <a:t>컨트롤에 바인딩 된 컬렉션을 유지</a:t>
+            </a:r>
+            <a:endParaRPr lang="en-US" altLang="ko-KR" dirty="0" smtClean="0">
+              <a:latin typeface="+mn-ea"/>
+              <a:cs typeface="함초롬돋움" panose="020B0604000101010101" pitchFamily="50" charset="-127"/>
+            </a:endParaRPr>
+          </a:p>
+          <a:p>
+            <a:endParaRPr lang="en-US" altLang="ko-KR" dirty="0">
+              <a:latin typeface="+mn-ea"/>
+              <a:cs typeface="함초롬돋움" panose="020B0604000101010101" pitchFamily="50" charset="-127"/>
+            </a:endParaRPr>
+          </a:p>
+          <a:p>
             <a:r>
               <a:rPr lang="ko-KR" altLang="en-US" dirty="0" err="1" smtClean="0">
                 <a:latin typeface="+mn-ea"/>
@@ -6009,299 +5752,6 @@
                 <a:latin typeface="+mn-ea"/>
                 <a:cs typeface="함초롬돋움" panose="020B0604000101010101" pitchFamily="50" charset="-127"/>
               </a:rPr>
-              <a:t>그룹화 기능 추가 해야함</a:t>
-            </a:r>
-            <a:endParaRPr lang="en-US" altLang="ko-KR" dirty="0" smtClean="0">
-              <a:latin typeface="+mn-ea"/>
-              <a:cs typeface="함초롬돋움" panose="020B0604000101010101" pitchFamily="50" charset="-127"/>
-            </a:endParaRPr>
-          </a:p>
-          <a:p>
-            <a:endParaRPr lang="en-US" altLang="ko-KR" dirty="0" smtClean="0">
-              <a:latin typeface="+mn-ea"/>
-              <a:cs typeface="함초롬돋움" panose="020B0604000101010101" pitchFamily="50" charset="-127"/>
-            </a:endParaRPr>
-          </a:p>
-          <a:p>
-            <a:r>
-              <a:rPr lang="ko-KR" altLang="en-US" dirty="0" smtClean="0">
-                <a:latin typeface="+mn-ea"/>
-                <a:cs typeface="함초롬돋움" panose="020B0604000101010101" pitchFamily="50" charset="-127"/>
-              </a:rPr>
-              <a:t>단</a:t>
-            </a:r>
-            <a:r>
-              <a:rPr lang="en-US" altLang="ko-KR" dirty="0" smtClean="0">
-                <a:latin typeface="+mn-ea"/>
-                <a:cs typeface="함초롬돋움" panose="020B0604000101010101" pitchFamily="50" charset="-127"/>
-              </a:rPr>
-              <a:t>,</a:t>
-            </a:r>
-            <a:r>
-              <a:rPr lang="ko-KR" altLang="en-US" dirty="0" smtClean="0">
-                <a:latin typeface="+mn-ea"/>
-                <a:cs typeface="함초롬돋움" panose="020B0604000101010101" pitchFamily="50" charset="-127"/>
-              </a:rPr>
-              <a:t> 컬렉션 데이터를 유지해야함</a:t>
-            </a:r>
-            <a:endParaRPr lang="en-US" altLang="ko-KR" dirty="0" smtClean="0">
-              <a:latin typeface="+mn-ea"/>
-              <a:cs typeface="함초롬돋움" panose="020B0604000101010101" pitchFamily="50" charset="-127"/>
-            </a:endParaRPr>
-          </a:p>
-          <a:p>
-            <a:pPr marL="0" indent="0">
-              <a:buNone/>
-            </a:pPr>
-            <a:endParaRPr lang="en-US" altLang="ko-KR" dirty="0"/>
-          </a:p>
-          <a:p>
-            <a:endParaRPr lang="en-US" altLang="ko-KR" dirty="0"/>
-          </a:p>
-        </p:txBody>
-      </p:sp>
-      <p:sp>
-        <p:nvSpPr>
-          <p:cNvPr id="9" name="TextBox 8"/>
-          <p:cNvSpPr txBox="1"/>
-          <p:nvPr/>
-        </p:nvSpPr>
-        <p:spPr>
-          <a:xfrm>
-            <a:off x="4453567" y="4272741"/>
-            <a:ext cx="3284874" cy="2062103"/>
-          </a:xfrm>
-          <a:prstGeom prst="rect">
-            <a:avLst/>
-          </a:prstGeom>
-          <a:noFill/>
-        </p:spPr>
-        <p:txBody>
-          <a:bodyPr wrap="none" rtlCol="0">
-            <a:spAutoFit/>
-          </a:bodyPr>
-          <a:lstStyle/>
-          <a:p>
-            <a:pPr algn="ctr"/>
-            <a:r>
-              <a:rPr lang="ko-KR" altLang="en-US" dirty="0" err="1" smtClean="0"/>
-              <a:t>컬렌션</a:t>
-            </a:r>
-            <a:r>
-              <a:rPr lang="ko-KR" altLang="en-US" dirty="0" smtClean="0"/>
-              <a:t> 데이터를 유지하면서 </a:t>
-            </a:r>
-            <a:endParaRPr lang="en-US" altLang="ko-KR" dirty="0" smtClean="0"/>
-          </a:p>
-          <a:p>
-            <a:pPr algn="ctr"/>
-            <a:r>
-              <a:rPr lang="ko-KR" altLang="en-US" dirty="0" smtClean="0"/>
-              <a:t>기능을 확장 시킬 수는 없을까</a:t>
-            </a:r>
-            <a:r>
-              <a:rPr lang="en-US" altLang="ko-KR" dirty="0" smtClean="0"/>
-              <a:t>?</a:t>
-            </a:r>
-          </a:p>
-          <a:p>
-            <a:pPr algn="ctr"/>
-            <a:endParaRPr lang="en-US" altLang="ko-KR" dirty="0"/>
-          </a:p>
-          <a:p>
-            <a:pPr algn="ctr"/>
-            <a:r>
-              <a:rPr lang="ko-KR" altLang="en-US" sz="3200" dirty="0" smtClean="0"/>
-              <a:t>있다</a:t>
-            </a:r>
-            <a:r>
-              <a:rPr lang="en-US" altLang="ko-KR" sz="3200" dirty="0" smtClean="0"/>
-              <a:t>!</a:t>
-            </a:r>
-          </a:p>
-          <a:p>
-            <a:pPr algn="ctr"/>
-            <a:endParaRPr lang="en-US" altLang="ko-KR" dirty="0"/>
-          </a:p>
-          <a:p>
-            <a:pPr algn="ctr"/>
-            <a:r>
-              <a:rPr lang="en-US" altLang="ko-KR" sz="2400" dirty="0" err="1" smtClean="0"/>
-              <a:t>ICollectionView</a:t>
-            </a:r>
-            <a:r>
-              <a:rPr lang="en-US" altLang="ko-KR" sz="2400" dirty="0" smtClean="0"/>
-              <a:t> </a:t>
-            </a:r>
-            <a:r>
-              <a:rPr lang="ko-KR" altLang="en-US" sz="2400" dirty="0" smtClean="0"/>
-              <a:t>사용</a:t>
-            </a:r>
-            <a:endParaRPr lang="en-US" altLang="ko-KR" sz="2400" dirty="0" smtClean="0"/>
-          </a:p>
-        </p:txBody>
-      </p:sp>
-    </p:spTree>
-    <p:extLst>
-      <p:ext uri="{BB962C8B-B14F-4D97-AF65-F5344CB8AC3E}">
-        <p14:creationId xmlns:p14="http://schemas.microsoft.com/office/powerpoint/2010/main" val="1628700263"/>
-      </p:ext>
-    </p:extLst>
-  </p:cSld>
-  <p:clrMapOvr>
-    <a:masterClrMapping/>
-  </p:clrMapOvr>
-  <p:timing>
-    <p:tnLst>
-      <p:par>
-        <p:cTn id="1" dur="indefinite" restart="never" nodeType="tmRoot"/>
-      </p:par>
-    </p:tnLst>
-  </p:timing>
-</p:sld>
-</file>
-
-<file path=ppt/slides/slide23.xml><?xml version="1.0" encoding="utf-8"?>
-<p:sld xmlns:a="http://schemas.openxmlformats.org/drawingml/2006/main" xmlns:r="http://schemas.openxmlformats.org/officeDocument/2006/relationships" xmlns:p="http://schemas.openxmlformats.org/presentationml/2006/main">
-  <p:cSld>
-    <p:spTree>
-      <p:nvGrpSpPr>
-        <p:cNvPr id="1" name=""/>
-        <p:cNvGrpSpPr/>
-        <p:nvPr/>
-      </p:nvGrpSpPr>
-      <p:grpSpPr>
-        <a:xfrm>
-          <a:off x="0" y="0"/>
-          <a:ext cx="0" cy="0"/>
-          <a:chOff x="0" y="0"/>
-          <a:chExt cx="0" cy="0"/>
-        </a:xfrm>
-      </p:grpSpPr>
-      <p:sp>
-        <p:nvSpPr>
-          <p:cNvPr id="7" name="제목 1"/>
-          <p:cNvSpPr txBox="1">
-            <a:spLocks/>
-          </p:cNvSpPr>
-          <p:nvPr/>
-        </p:nvSpPr>
-        <p:spPr>
-          <a:xfrm>
-            <a:off x="838200" y="365125"/>
-            <a:ext cx="10515600" cy="1090189"/>
-          </a:xfrm>
-          <a:prstGeom prst="rect">
-            <a:avLst/>
-          </a:prstGeom>
-        </p:spPr>
-        <p:txBody>
-          <a:bodyPr vert="horz" lIns="91440" tIns="45720" rIns="91440" bIns="45720" rtlCol="0" anchor="ctr">
-            <a:normAutofit/>
-          </a:bodyPr>
-          <a:lstStyle>
-            <a:lvl1pPr algn="l" defTabSz="914400" rtl="0" eaLnBrk="1" latinLnBrk="1" hangingPunct="1">
-              <a:lnSpc>
-                <a:spcPct val="90000"/>
-              </a:lnSpc>
-              <a:spcBef>
-                <a:spcPct val="0"/>
-              </a:spcBef>
-              <a:buNone/>
-              <a:defRPr sz="4800" kern="1200">
-                <a:solidFill>
-                  <a:schemeClr val="accent4"/>
-                </a:solidFill>
-                <a:latin typeface="+mj-lt"/>
-                <a:ea typeface="+mj-ea"/>
-                <a:cs typeface="+mj-cs"/>
-              </a:defRPr>
-            </a:lvl1pPr>
-          </a:lstStyle>
-          <a:p>
-            <a:r>
-              <a:rPr lang="en-US" altLang="ko-KR" dirty="0" err="1" smtClean="0">
-                <a:latin typeface="함초롬돋움" panose="020B0604000101010101" pitchFamily="50" charset="-127"/>
-                <a:ea typeface="함초롬돋움" panose="020B0604000101010101" pitchFamily="50" charset="-127"/>
-                <a:cs typeface="함초롬돋움" panose="020B0604000101010101" pitchFamily="50" charset="-127"/>
-              </a:rPr>
-              <a:t>ICollectionView</a:t>
-            </a:r>
-            <a:endParaRPr lang="ko-KR" altLang="en-US" dirty="0">
-              <a:latin typeface="함초롬돋움" panose="020B0604000101010101" pitchFamily="50" charset="-127"/>
-              <a:ea typeface="함초롬돋움" panose="020B0604000101010101" pitchFamily="50" charset="-127"/>
-              <a:cs typeface="함초롬돋움" panose="020B0604000101010101" pitchFamily="50" charset="-127"/>
-            </a:endParaRPr>
-          </a:p>
-        </p:txBody>
-      </p:sp>
-      <p:sp>
-        <p:nvSpPr>
-          <p:cNvPr id="2" name="내용 개체 틀 1"/>
-          <p:cNvSpPr>
-            <a:spLocks noGrp="1"/>
-          </p:cNvSpPr>
-          <p:nvPr>
-            <p:ph idx="1"/>
-          </p:nvPr>
-        </p:nvSpPr>
-        <p:spPr/>
-        <p:txBody>
-          <a:bodyPr/>
-          <a:lstStyle/>
-          <a:p>
-            <a:r>
-              <a:rPr lang="ko-KR" altLang="en-US" dirty="0" smtClean="0">
-                <a:latin typeface="+mn-ea"/>
-                <a:cs typeface="함초롬돋움" panose="020B0604000101010101" pitchFamily="50" charset="-127"/>
-              </a:rPr>
-              <a:t>컨트롤에 바인딩 된 컬렉션을 유지</a:t>
-            </a:r>
-            <a:endParaRPr lang="en-US" altLang="ko-KR" dirty="0" smtClean="0">
-              <a:latin typeface="+mn-ea"/>
-              <a:cs typeface="함초롬돋움" panose="020B0604000101010101" pitchFamily="50" charset="-127"/>
-            </a:endParaRPr>
-          </a:p>
-          <a:p>
-            <a:endParaRPr lang="en-US" altLang="ko-KR" dirty="0">
-              <a:latin typeface="+mn-ea"/>
-              <a:cs typeface="함초롬돋움" panose="020B0604000101010101" pitchFamily="50" charset="-127"/>
-            </a:endParaRPr>
-          </a:p>
-          <a:p>
-            <a:r>
-              <a:rPr lang="ko-KR" altLang="en-US" dirty="0" err="1" smtClean="0">
-                <a:latin typeface="+mn-ea"/>
-                <a:cs typeface="함초롬돋움" panose="020B0604000101010101" pitchFamily="50" charset="-127"/>
-              </a:rPr>
-              <a:t>필터링</a:t>
-            </a:r>
-            <a:r>
-              <a:rPr lang="en-US" altLang="ko-KR" dirty="0" smtClean="0">
-                <a:latin typeface="+mn-ea"/>
-                <a:cs typeface="함초롬돋움" panose="020B0604000101010101" pitchFamily="50" charset="-127"/>
-              </a:rPr>
-              <a:t>, </a:t>
-            </a:r>
-            <a:r>
-              <a:rPr lang="ko-KR" altLang="en-US" dirty="0" smtClean="0">
-                <a:latin typeface="+mn-ea"/>
-                <a:cs typeface="함초롬돋움" panose="020B0604000101010101" pitchFamily="50" charset="-127"/>
-              </a:rPr>
-              <a:t>정렬</a:t>
-            </a:r>
-            <a:r>
-              <a:rPr lang="en-US" altLang="ko-KR" dirty="0" smtClean="0">
-                <a:latin typeface="+mn-ea"/>
-                <a:cs typeface="함초롬돋움" panose="020B0604000101010101" pitchFamily="50" charset="-127"/>
-              </a:rPr>
-              <a:t>, </a:t>
-            </a:r>
-            <a:r>
-              <a:rPr lang="ko-KR" altLang="en-US" dirty="0" smtClean="0">
-                <a:latin typeface="+mn-ea"/>
-                <a:cs typeface="함초롬돋움" panose="020B0604000101010101" pitchFamily="50" charset="-127"/>
-              </a:rPr>
               <a:t>그룹화 기능을 제공</a:t>
             </a:r>
             <a:endParaRPr lang="en-US" altLang="ko-KR" dirty="0" smtClean="0">
@@ -6330,6 +5780,10 @@
               </a:rPr>
               <a:t>Property</a:t>
             </a:r>
+            <a:endParaRPr lang="en-US" altLang="ko-KR" dirty="0" smtClean="0">
+              <a:latin typeface="+mn-ea"/>
+              <a:cs typeface="함초롬돋움" panose="020B0604000101010101" pitchFamily="50" charset="-127"/>
+            </a:endParaRPr>
           </a:p>
           <a:p>
             <a:pPr lvl="1"/>
@@ -6400,7 +5854,7 @@
 </p:sld>
 </file>
 
-<file path=ppt/slides/slide24.xml><?xml version="1.0" encoding="utf-8"?>
+<file path=ppt/slides/slide22.xml><?xml version="1.0" encoding="utf-8"?>
 <p:sld xmlns:a="http://schemas.openxmlformats.org/drawingml/2006/main" xmlns:r="http://schemas.openxmlformats.org/officeDocument/2006/relationships" xmlns:p="http://schemas.openxmlformats.org/presentationml/2006/main">
   <p:cSld>
     <p:spTree>
@@ -6655,6 +6109,332 @@
 </p:sld>
 </file>
 
+<file path=ppt/slides/slide23.xml><?xml version="1.0" encoding="utf-8"?>
+<p:sld xmlns:a="http://schemas.openxmlformats.org/drawingml/2006/main" xmlns:r="http://schemas.openxmlformats.org/officeDocument/2006/relationships" xmlns:p="http://schemas.openxmlformats.org/presentationml/2006/main">
+  <p:cSld>
+    <p:spTree>
+      <p:nvGrpSpPr>
+        <p:cNvPr id="1" name=""/>
+        <p:cNvGrpSpPr/>
+        <p:nvPr/>
+      </p:nvGrpSpPr>
+      <p:grpSpPr>
+        <a:xfrm>
+          <a:off x="0" y="0"/>
+          <a:ext cx="0" cy="0"/>
+          <a:chOff x="0" y="0"/>
+          <a:chExt cx="0" cy="0"/>
+        </a:xfrm>
+      </p:grpSpPr>
+      <p:sp>
+        <p:nvSpPr>
+          <p:cNvPr id="7" name="제목 1"/>
+          <p:cNvSpPr txBox="1">
+            <a:spLocks/>
+          </p:cNvSpPr>
+          <p:nvPr/>
+        </p:nvSpPr>
+        <p:spPr>
+          <a:xfrm>
+            <a:off x="838200" y="365125"/>
+            <a:ext cx="10515600" cy="1090189"/>
+          </a:xfrm>
+          <a:prstGeom prst="rect">
+            <a:avLst/>
+          </a:prstGeom>
+        </p:spPr>
+        <p:txBody>
+          <a:bodyPr vert="horz" lIns="91440" tIns="45720" rIns="91440" bIns="45720" rtlCol="0" anchor="ctr">
+            <a:normAutofit/>
+          </a:bodyPr>
+          <a:lstStyle>
+            <a:lvl1pPr algn="l" defTabSz="914400" rtl="0" eaLnBrk="1" latinLnBrk="1" hangingPunct="1">
+              <a:lnSpc>
+                <a:spcPct val="90000"/>
+              </a:lnSpc>
+              <a:spcBef>
+                <a:spcPct val="0"/>
+              </a:spcBef>
+              <a:buNone/>
+              <a:defRPr sz="4800" kern="1200">
+                <a:solidFill>
+                  <a:schemeClr val="accent4"/>
+                </a:solidFill>
+                <a:latin typeface="+mj-lt"/>
+                <a:ea typeface="+mj-ea"/>
+                <a:cs typeface="+mj-cs"/>
+              </a:defRPr>
+            </a:lvl1pPr>
+          </a:lstStyle>
+          <a:p>
+            <a:r>
+              <a:rPr lang="en-US" altLang="ko-KR" dirty="0" err="1" smtClean="0">
+                <a:latin typeface="함초롬돋움" panose="020B0604000101010101" pitchFamily="50" charset="-127"/>
+                <a:ea typeface="함초롬돋움" panose="020B0604000101010101" pitchFamily="50" charset="-127"/>
+                <a:cs typeface="함초롬돋움" panose="020B0604000101010101" pitchFamily="50" charset="-127"/>
+              </a:rPr>
+              <a:t>ICollectionView</a:t>
+            </a:r>
+            <a:r>
+              <a:rPr lang="en-US" altLang="ko-KR" dirty="0" smtClean="0">
+                <a:latin typeface="함초롬돋움" panose="020B0604000101010101" pitchFamily="50" charset="-127"/>
+                <a:ea typeface="함초롬돋움" panose="020B0604000101010101" pitchFamily="50" charset="-127"/>
+                <a:cs typeface="함초롬돋움" panose="020B0604000101010101" pitchFamily="50" charset="-127"/>
+              </a:rPr>
+              <a:t> </a:t>
+            </a:r>
+            <a:r>
+              <a:rPr lang="ko-KR" altLang="en-US" dirty="0" smtClean="0">
+                <a:latin typeface="함초롬돋움" panose="020B0604000101010101" pitchFamily="50" charset="-127"/>
+                <a:ea typeface="함초롬돋움" panose="020B0604000101010101" pitchFamily="50" charset="-127"/>
+                <a:cs typeface="함초롬돋움" panose="020B0604000101010101" pitchFamily="50" charset="-127"/>
+              </a:rPr>
+              <a:t>적용 하기</a:t>
+            </a:r>
+            <a:endParaRPr lang="ko-KR" altLang="en-US" dirty="0">
+              <a:latin typeface="함초롬돋움" panose="020B0604000101010101" pitchFamily="50" charset="-127"/>
+              <a:ea typeface="함초롬돋움" panose="020B0604000101010101" pitchFamily="50" charset="-127"/>
+              <a:cs typeface="함초롬돋움" panose="020B0604000101010101" pitchFamily="50" charset="-127"/>
+            </a:endParaRPr>
+          </a:p>
+        </p:txBody>
+      </p:sp>
+      <p:grpSp>
+        <p:nvGrpSpPr>
+          <p:cNvPr id="2" name="그룹 1"/>
+          <p:cNvGrpSpPr/>
+          <p:nvPr/>
+        </p:nvGrpSpPr>
+        <p:grpSpPr>
+          <a:xfrm>
+            <a:off x="3246408" y="2723375"/>
+            <a:ext cx="5699184" cy="3256676"/>
+            <a:chOff x="952096" y="2723375"/>
+            <a:chExt cx="5699184" cy="3256676"/>
+          </a:xfrm>
+        </p:grpSpPr>
+        <p:pic>
+          <p:nvPicPr>
+            <p:cNvPr id="4" name="그림 3"/>
+            <p:cNvPicPr>
+              <a:picLocks noChangeAspect="1"/>
+            </p:cNvPicPr>
+            <p:nvPr/>
+          </p:nvPicPr>
+          <p:blipFill>
+            <a:blip r:embed="rId2"/>
+            <a:stretch>
+              <a:fillRect/>
+            </a:stretch>
+          </p:blipFill>
+          <p:spPr>
+            <a:xfrm>
+              <a:off x="952096" y="2723375"/>
+              <a:ext cx="5699184" cy="3256676"/>
+            </a:xfrm>
+            <a:prstGeom prst="rect">
+              <a:avLst/>
+            </a:prstGeom>
+            <a:ln>
+              <a:solidFill>
+                <a:schemeClr val="tx1"/>
+              </a:solidFill>
+            </a:ln>
+          </p:spPr>
+        </p:pic>
+        <p:sp>
+          <p:nvSpPr>
+            <p:cNvPr id="5" name="직사각형 4"/>
+            <p:cNvSpPr/>
+            <p:nvPr/>
+          </p:nvSpPr>
+          <p:spPr>
+            <a:xfrm>
+              <a:off x="1146058" y="4648069"/>
+              <a:ext cx="4426606" cy="191350"/>
+            </a:xfrm>
+            <a:prstGeom prst="rect">
+              <a:avLst/>
+            </a:prstGeom>
+            <a:noFill/>
+            <a:ln>
+              <a:solidFill>
+                <a:srgbClr val="FF0000"/>
+              </a:solidFill>
+            </a:ln>
+          </p:spPr>
+          <p:style>
+            <a:lnRef idx="2">
+              <a:schemeClr val="accent1">
+                <a:shade val="50000"/>
+              </a:schemeClr>
+            </a:lnRef>
+            <a:fillRef idx="1">
+              <a:schemeClr val="accent1"/>
+            </a:fillRef>
+            <a:effectRef idx="0">
+              <a:schemeClr val="accent1"/>
+            </a:effectRef>
+            <a:fontRef idx="minor">
+              <a:schemeClr val="lt1"/>
+            </a:fontRef>
+          </p:style>
+          <p:txBody>
+            <a:bodyPr rtlCol="0" anchor="ctr"/>
+            <a:lstStyle/>
+            <a:p>
+              <a:pPr algn="ctr"/>
+              <a:endParaRPr lang="ko-KR" altLang="en-US"/>
+            </a:p>
+          </p:txBody>
+        </p:sp>
+      </p:grpSp>
+    </p:spTree>
+    <p:extLst>
+      <p:ext uri="{BB962C8B-B14F-4D97-AF65-F5344CB8AC3E}">
+        <p14:creationId xmlns:p14="http://schemas.microsoft.com/office/powerpoint/2010/main" val="1411524878"/>
+      </p:ext>
+    </p:extLst>
+  </p:cSld>
+  <p:clrMapOvr>
+    <a:masterClrMapping/>
+  </p:clrMapOvr>
+  <p:timing>
+    <p:tnLst>
+      <p:par>
+        <p:cTn id="1" dur="indefinite" restart="never" nodeType="tmRoot"/>
+      </p:par>
+    </p:tnLst>
+  </p:timing>
+</p:sld>
+</file>
+
+<file path=ppt/slides/slide24.xml><?xml version="1.0" encoding="utf-8"?>
+<p:sld xmlns:a="http://schemas.openxmlformats.org/drawingml/2006/main" xmlns:r="http://schemas.openxmlformats.org/officeDocument/2006/relationships" xmlns:p="http://schemas.openxmlformats.org/presentationml/2006/main">
+  <p:cSld>
+    <p:spTree>
+      <p:nvGrpSpPr>
+        <p:cNvPr id="1" name=""/>
+        <p:cNvGrpSpPr/>
+        <p:nvPr/>
+      </p:nvGrpSpPr>
+      <p:grpSpPr>
+        <a:xfrm>
+          <a:off x="0" y="0"/>
+          <a:ext cx="0" cy="0"/>
+          <a:chOff x="0" y="0"/>
+          <a:chExt cx="0" cy="0"/>
+        </a:xfrm>
+      </p:grpSpPr>
+      <p:sp>
+        <p:nvSpPr>
+          <p:cNvPr id="7" name="제목 1"/>
+          <p:cNvSpPr txBox="1">
+            <a:spLocks/>
+          </p:cNvSpPr>
+          <p:nvPr/>
+        </p:nvSpPr>
+        <p:spPr>
+          <a:xfrm>
+            <a:off x="838200" y="365125"/>
+            <a:ext cx="10515600" cy="1090189"/>
+          </a:xfrm>
+          <a:prstGeom prst="rect">
+            <a:avLst/>
+          </a:prstGeom>
+        </p:spPr>
+        <p:txBody>
+          <a:bodyPr vert="horz" lIns="91440" tIns="45720" rIns="91440" bIns="45720" rtlCol="0" anchor="ctr">
+            <a:normAutofit/>
+          </a:bodyPr>
+          <a:lstStyle>
+            <a:lvl1pPr algn="l" defTabSz="914400" rtl="0" eaLnBrk="1" latinLnBrk="1" hangingPunct="1">
+              <a:lnSpc>
+                <a:spcPct val="90000"/>
+              </a:lnSpc>
+              <a:spcBef>
+                <a:spcPct val="0"/>
+              </a:spcBef>
+              <a:buNone/>
+              <a:defRPr sz="4800" kern="1200">
+                <a:solidFill>
+                  <a:schemeClr val="accent4"/>
+                </a:solidFill>
+                <a:latin typeface="+mj-lt"/>
+                <a:ea typeface="+mj-ea"/>
+                <a:cs typeface="+mj-cs"/>
+              </a:defRPr>
+            </a:lvl1pPr>
+          </a:lstStyle>
+          <a:p>
+            <a:r>
+              <a:rPr lang="ko-KR" altLang="en-US" dirty="0" err="1" smtClean="0">
+                <a:latin typeface="함초롬돋움" panose="020B0604000101010101" pitchFamily="50" charset="-127"/>
+                <a:ea typeface="함초롬돋움" panose="020B0604000101010101" pitchFamily="50" charset="-127"/>
+                <a:cs typeface="함초롬돋움" panose="020B0604000101010101" pitchFamily="50" charset="-127"/>
+              </a:rPr>
+              <a:t>필터링</a:t>
+            </a:r>
+            <a:r>
+              <a:rPr lang="ko-KR" altLang="en-US" dirty="0" smtClean="0">
+                <a:latin typeface="함초롬돋움" panose="020B0604000101010101" pitchFamily="50" charset="-127"/>
+                <a:ea typeface="함초롬돋움" panose="020B0604000101010101" pitchFamily="50" charset="-127"/>
+                <a:cs typeface="함초롬돋움" panose="020B0604000101010101" pitchFamily="50" charset="-127"/>
+              </a:rPr>
+              <a:t> 기능 추가하기</a:t>
+            </a:r>
+            <a:endParaRPr lang="ko-KR" altLang="en-US" dirty="0">
+              <a:latin typeface="함초롬돋움" panose="020B0604000101010101" pitchFamily="50" charset="-127"/>
+              <a:ea typeface="함초롬돋움" panose="020B0604000101010101" pitchFamily="50" charset="-127"/>
+              <a:cs typeface="함초롬돋움" panose="020B0604000101010101" pitchFamily="50" charset="-127"/>
+            </a:endParaRPr>
+          </a:p>
+        </p:txBody>
+      </p:sp>
+      <p:pic>
+        <p:nvPicPr>
+          <p:cNvPr id="9" name="그림 8"/>
+          <p:cNvPicPr>
+            <a:picLocks noChangeAspect="1"/>
+          </p:cNvPicPr>
+          <p:nvPr/>
+        </p:nvPicPr>
+        <p:blipFill>
+          <a:blip r:embed="rId2"/>
+          <a:stretch>
+            <a:fillRect/>
+          </a:stretch>
+        </p:blipFill>
+        <p:spPr>
+          <a:xfrm>
+            <a:off x="3713852" y="2170390"/>
+            <a:ext cx="3867150" cy="3819525"/>
+          </a:xfrm>
+          <a:prstGeom prst="rect">
+            <a:avLst/>
+          </a:prstGeom>
+        </p:spPr>
+      </p:pic>
+    </p:spTree>
+    <p:extLst>
+      <p:ext uri="{BB962C8B-B14F-4D97-AF65-F5344CB8AC3E}">
+        <p14:creationId xmlns:p14="http://schemas.microsoft.com/office/powerpoint/2010/main" val="2928370856"/>
+      </p:ext>
+    </p:extLst>
+  </p:cSld>
+  <p:clrMapOvr>
+    <a:masterClrMapping/>
+  </p:clrMapOvr>
+  <p:timing>
+    <p:tnLst>
+      <p:par>
+        <p:cTn id="1" dur="indefinite" restart="never" nodeType="tmRoot"/>
+      </p:par>
+    </p:tnLst>
+  </p:timing>
+</p:sld>
+</file>
+
 <file path=ppt/slides/slide25.xml><?xml version="1.0" encoding="utf-8"?>
 <p:sld xmlns:a="http://schemas.openxmlformats.org/drawingml/2006/main" xmlns:r="http://schemas.openxmlformats.org/officeDocument/2006/relationships" xmlns:p="http://schemas.openxmlformats.org/presentationml/2006/main">
   <p:cSld>
@@ -6714,12 +6494,12 @@
           </a:lstStyle>
           <a:p>
             <a:r>
-              <a:rPr lang="en-US" altLang="ko-KR" dirty="0" err="1" smtClean="0">
+              <a:rPr lang="ko-KR" altLang="en-US" dirty="0" smtClean="0">
                 <a:latin typeface="함초롬돋움" panose="020B0604000101010101" pitchFamily="50" charset="-127"/>
                 <a:ea typeface="함초롬돋움" panose="020B0604000101010101" pitchFamily="50" charset="-127"/>
                 <a:cs typeface="함초롬돋움" panose="020B0604000101010101" pitchFamily="50" charset="-127"/>
               </a:rPr>
-              <a:t>ICollectionView</a:t>
+              <a:t>정렬 기능 추가하기</a:t>
             </a:r>
             <a:r>
               <a:rPr lang="en-US" altLang="ko-KR" dirty="0" smtClean="0">
@@ -6727,15 +6507,7 @@
                 <a:ea typeface="함초롬돋움" panose="020B0604000101010101" pitchFamily="50" charset="-127"/>
                 <a:cs typeface="함초롬돋움" panose="020B0604000101010101" pitchFamily="50" charset="-127"/>
               </a:rPr>
-              <a:t> </a:t>
-            </a:r>
-            <a:r>
-              <a:rPr lang="ko-KR" altLang="en-US" dirty="0" smtClean="0">
-                <a:latin typeface="함초롬돋움" panose="020B0604000101010101" pitchFamily="50" charset="-127"/>
-                <a:ea typeface="함초롬돋움" panose="020B0604000101010101" pitchFamily="50" charset="-127"/>
-                <a:cs typeface="함초롬돋움" panose="020B0604000101010101" pitchFamily="50" charset="-127"/>
-              </a:rPr>
-              <a:t>적용 하기</a:t>
+              <a:t>(1)</a:t>
             </a:r>
             <a:endParaRPr lang="ko-KR" altLang="en-US" dirty="0">
               <a:latin typeface="함초롬돋움" panose="020B0604000101010101" pitchFamily="50" charset="-127"/>
@@ -6747,7 +6519,7 @@
       </p:sp>
       <p:pic>
         <p:nvPicPr>
-          <p:cNvPr id="4" name="그림 3"/>
+          <p:cNvPr id="5" name="그림 4"/>
           <p:cNvPicPr>
             <a:picLocks noChangeAspect="1"/>
           </p:cNvPicPr>
@@ -6761,69 +6533,18 @@
         </p:blipFill>
         <p:spPr>
           <a:xfrm>
-            <a:off x="952096" y="2723375"/>
-            <a:ext cx="5699184" cy="3256676"/>
+            <a:off x="4167187" y="1948492"/>
+            <a:ext cx="3857625" cy="4686300"/>
           </a:xfrm>
           <a:prstGeom prst="rect">
             <a:avLst/>
           </a:prstGeom>
-          <a:ln>
-            <a:solidFill>
-              <a:schemeClr val="tx1"/>
-            </a:solidFill>
-          </a:ln>
         </p:spPr>
       </p:pic>
-      <p:sp>
-        <p:nvSpPr>
-          <p:cNvPr id="5" name="직사각형 4"/>
-          <p:cNvSpPr/>
-          <p:nvPr/>
-        </p:nvSpPr>
-        <p:spPr>
-          <a:xfrm>
-            <a:off x="1146058" y="4648069"/>
-            <a:ext cx="4426606" cy="191350"/>
-          </a:xfrm>
-          <a:prstGeom prst="rect">
-            <a:avLst/>
-          </a:prstGeom>
-          <a:noFill/>
-          <a:ln>
-            <a:solidFill>
-              <a:srgbClr val="FF0000"/>
-            </a:solidFill>
-          </a:ln>
-        </p:spPr>
-        <p:style>
-          <a:lnRef idx="2">
-            <a:schemeClr val="accent1">
-              <a:shade val="50000"/>
-            </a:schemeClr>
-          </a:lnRef>
-          <a:fillRef idx="1">
-            <a:schemeClr val="accent1"/>
-          </a:fillRef>
-          <a:effectRef idx="0">
-            <a:schemeClr val="accent1"/>
-          </a:effectRef>
-          <a:fontRef idx="minor">
-            <a:schemeClr val="lt1"/>
-          </a:fontRef>
-        </p:style>
-        <p:txBody>
-          <a:bodyPr rtlCol="0" anchor="ctr"/>
-          <a:lstStyle/>
-          <a:p>
-            <a:pPr algn="ctr"/>
-            <a:endParaRPr lang="ko-KR" altLang="en-US"/>
-          </a:p>
-        </p:txBody>
-      </p:sp>
     </p:spTree>
     <p:extLst>
       <p:ext uri="{BB962C8B-B14F-4D97-AF65-F5344CB8AC3E}">
-        <p14:creationId xmlns:p14="http://schemas.microsoft.com/office/powerpoint/2010/main" val="1411524878"/>
+        <p14:creationId xmlns:p14="http://schemas.microsoft.com/office/powerpoint/2010/main" val="1518592787"/>
       </p:ext>
     </p:extLst>
   </p:cSld>
@@ -6899,258 +6620,6 @@
           </a:lstStyle>
           <a:p>
             <a:r>
-              <a:rPr lang="ko-KR" altLang="en-US" dirty="0" err="1" smtClean="0">
-                <a:latin typeface="함초롬돋움" panose="020B0604000101010101" pitchFamily="50" charset="-127"/>
-                <a:ea typeface="함초롬돋움" panose="020B0604000101010101" pitchFamily="50" charset="-127"/>
-                <a:cs typeface="함초롬돋움" panose="020B0604000101010101" pitchFamily="50" charset="-127"/>
-              </a:rPr>
-              <a:t>필터링</a:t>
-            </a:r>
-            <a:r>
-              <a:rPr lang="ko-KR" altLang="en-US" dirty="0" smtClean="0">
-                <a:latin typeface="함초롬돋움" panose="020B0604000101010101" pitchFamily="50" charset="-127"/>
-                <a:ea typeface="함초롬돋움" panose="020B0604000101010101" pitchFamily="50" charset="-127"/>
-                <a:cs typeface="함초롬돋움" panose="020B0604000101010101" pitchFamily="50" charset="-127"/>
-              </a:rPr>
-              <a:t> 기능 추가하기</a:t>
-            </a:r>
-            <a:endParaRPr lang="ko-KR" altLang="en-US" dirty="0">
-              <a:latin typeface="함초롬돋움" panose="020B0604000101010101" pitchFamily="50" charset="-127"/>
-              <a:ea typeface="함초롬돋움" panose="020B0604000101010101" pitchFamily="50" charset="-127"/>
-              <a:cs typeface="함초롬돋움" panose="020B0604000101010101" pitchFamily="50" charset="-127"/>
-            </a:endParaRPr>
-          </a:p>
-        </p:txBody>
-      </p:sp>
-      <p:pic>
-        <p:nvPicPr>
-          <p:cNvPr id="9" name="그림 8"/>
-          <p:cNvPicPr>
-            <a:picLocks noChangeAspect="1"/>
-          </p:cNvPicPr>
-          <p:nvPr/>
-        </p:nvPicPr>
-        <p:blipFill>
-          <a:blip r:embed="rId2"/>
-          <a:stretch>
-            <a:fillRect/>
-          </a:stretch>
-        </p:blipFill>
-        <p:spPr>
-          <a:xfrm>
-            <a:off x="3713852" y="2170390"/>
-            <a:ext cx="3867150" cy="3819525"/>
-          </a:xfrm>
-          <a:prstGeom prst="rect">
-            <a:avLst/>
-          </a:prstGeom>
-        </p:spPr>
-      </p:pic>
-    </p:spTree>
-    <p:extLst>
-      <p:ext uri="{BB962C8B-B14F-4D97-AF65-F5344CB8AC3E}">
-        <p14:creationId xmlns:p14="http://schemas.microsoft.com/office/powerpoint/2010/main" val="2928370856"/>
-      </p:ext>
-    </p:extLst>
-  </p:cSld>
-  <p:clrMapOvr>
-    <a:masterClrMapping/>
-  </p:clrMapOvr>
-  <p:timing>
-    <p:tnLst>
-      <p:par>
-        <p:cTn id="1" dur="indefinite" restart="never" nodeType="tmRoot"/>
-      </p:par>
-    </p:tnLst>
-  </p:timing>
-</p:sld>
-</file>
-
-<file path=ppt/slides/slide27.xml><?xml version="1.0" encoding="utf-8"?>
-<p:sld xmlns:a="http://schemas.openxmlformats.org/drawingml/2006/main" xmlns:r="http://schemas.openxmlformats.org/officeDocument/2006/relationships" xmlns:p="http://schemas.openxmlformats.org/presentationml/2006/main">
-  <p:cSld>
-    <p:spTree>
-      <p:nvGrpSpPr>
-        <p:cNvPr id="1" name=""/>
-        <p:cNvGrpSpPr/>
-        <p:nvPr/>
-      </p:nvGrpSpPr>
-      <p:grpSpPr>
-        <a:xfrm>
-          <a:off x="0" y="0"/>
-          <a:ext cx="0" cy="0"/>
-          <a:chOff x="0" y="0"/>
-          <a:chExt cx="0" cy="0"/>
-        </a:xfrm>
-      </p:grpSpPr>
-      <p:sp>
-        <p:nvSpPr>
-          <p:cNvPr id="7" name="제목 1"/>
-          <p:cNvSpPr txBox="1">
-            <a:spLocks/>
-          </p:cNvSpPr>
-          <p:nvPr/>
-        </p:nvSpPr>
-        <p:spPr>
-          <a:xfrm>
-            <a:off x="838200" y="365125"/>
-            <a:ext cx="10515600" cy="1090189"/>
-          </a:xfrm>
-          <a:prstGeom prst="rect">
-            <a:avLst/>
-          </a:prstGeom>
-        </p:spPr>
-        <p:txBody>
-          <a:bodyPr vert="horz" lIns="91440" tIns="45720" rIns="91440" bIns="45720" rtlCol="0" anchor="ctr">
-            <a:normAutofit/>
-          </a:bodyPr>
-          <a:lstStyle>
-            <a:lvl1pPr algn="l" defTabSz="914400" rtl="0" eaLnBrk="1" latinLnBrk="1" hangingPunct="1">
-              <a:lnSpc>
-                <a:spcPct val="90000"/>
-              </a:lnSpc>
-              <a:spcBef>
-                <a:spcPct val="0"/>
-              </a:spcBef>
-              <a:buNone/>
-              <a:defRPr sz="4800" kern="1200">
-                <a:solidFill>
-                  <a:schemeClr val="accent4"/>
-                </a:solidFill>
-                <a:latin typeface="+mj-lt"/>
-                <a:ea typeface="+mj-ea"/>
-                <a:cs typeface="+mj-cs"/>
-              </a:defRPr>
-            </a:lvl1pPr>
-          </a:lstStyle>
-          <a:p>
-            <a:r>
-              <a:rPr lang="ko-KR" altLang="en-US" dirty="0" smtClean="0">
-                <a:latin typeface="함초롬돋움" panose="020B0604000101010101" pitchFamily="50" charset="-127"/>
-                <a:ea typeface="함초롬돋움" panose="020B0604000101010101" pitchFamily="50" charset="-127"/>
-                <a:cs typeface="함초롬돋움" panose="020B0604000101010101" pitchFamily="50" charset="-127"/>
-              </a:rPr>
-              <a:t>정렬 기능 추가하기</a:t>
-            </a:r>
-            <a:r>
-              <a:rPr lang="en-US" altLang="ko-KR" dirty="0" smtClean="0">
-                <a:latin typeface="함초롬돋움" panose="020B0604000101010101" pitchFamily="50" charset="-127"/>
-                <a:ea typeface="함초롬돋움" panose="020B0604000101010101" pitchFamily="50" charset="-127"/>
-                <a:cs typeface="함초롬돋움" panose="020B0604000101010101" pitchFamily="50" charset="-127"/>
-              </a:rPr>
-              <a:t>(1)</a:t>
-            </a:r>
-            <a:endParaRPr lang="ko-KR" altLang="en-US" dirty="0">
-              <a:latin typeface="함초롬돋움" panose="020B0604000101010101" pitchFamily="50" charset="-127"/>
-              <a:ea typeface="함초롬돋움" panose="020B0604000101010101" pitchFamily="50" charset="-127"/>
-              <a:cs typeface="함초롬돋움" panose="020B0604000101010101" pitchFamily="50" charset="-127"/>
-            </a:endParaRPr>
-          </a:p>
-        </p:txBody>
-      </p:sp>
-      <p:pic>
-        <p:nvPicPr>
-          <p:cNvPr id="5" name="그림 4"/>
-          <p:cNvPicPr>
-            <a:picLocks noChangeAspect="1"/>
-          </p:cNvPicPr>
-          <p:nvPr/>
-        </p:nvPicPr>
-        <p:blipFill>
-          <a:blip r:embed="rId2"/>
-          <a:stretch>
-            <a:fillRect/>
-          </a:stretch>
-        </p:blipFill>
-        <p:spPr>
-          <a:xfrm>
-            <a:off x="4167187" y="1948492"/>
-            <a:ext cx="3857625" cy="4686300"/>
-          </a:xfrm>
-          <a:prstGeom prst="rect">
-            <a:avLst/>
-          </a:prstGeom>
-        </p:spPr>
-      </p:pic>
-    </p:spTree>
-    <p:extLst>
-      <p:ext uri="{BB962C8B-B14F-4D97-AF65-F5344CB8AC3E}">
-        <p14:creationId xmlns:p14="http://schemas.microsoft.com/office/powerpoint/2010/main" val="1518592787"/>
-      </p:ext>
-    </p:extLst>
-  </p:cSld>
-  <p:clrMapOvr>
-    <a:masterClrMapping/>
-  </p:clrMapOvr>
-  <p:timing>
-    <p:tnLst>
-      <p:par>
-        <p:cTn id="1" dur="indefinite" restart="never" nodeType="tmRoot"/>
-      </p:par>
-    </p:tnLst>
-  </p:timing>
-</p:sld>
-</file>
-
-<file path=ppt/slides/slide28.xml><?xml version="1.0" encoding="utf-8"?>
-<p:sld xmlns:a="http://schemas.openxmlformats.org/drawingml/2006/main" xmlns:r="http://schemas.openxmlformats.org/officeDocument/2006/relationships" xmlns:p="http://schemas.openxmlformats.org/presentationml/2006/main">
-  <p:cSld>
-    <p:spTree>
-      <p:nvGrpSpPr>
-        <p:cNvPr id="1" name=""/>
-        <p:cNvGrpSpPr/>
-        <p:nvPr/>
-      </p:nvGrpSpPr>
-      <p:grpSpPr>
-        <a:xfrm>
-          <a:off x="0" y="0"/>
-          <a:ext cx="0" cy="0"/>
-          <a:chOff x="0" y="0"/>
-          <a:chExt cx="0" cy="0"/>
-        </a:xfrm>
-      </p:grpSpPr>
-      <p:sp>
-        <p:nvSpPr>
-          <p:cNvPr id="7" name="제목 1"/>
-          <p:cNvSpPr txBox="1">
-            <a:spLocks/>
-          </p:cNvSpPr>
-          <p:nvPr/>
-        </p:nvSpPr>
-        <p:spPr>
-          <a:xfrm>
-            <a:off x="838200" y="365125"/>
-            <a:ext cx="10515600" cy="1090189"/>
-          </a:xfrm>
-          <a:prstGeom prst="rect">
-            <a:avLst/>
-          </a:prstGeom>
-        </p:spPr>
-        <p:txBody>
-          <a:bodyPr vert="horz" lIns="91440" tIns="45720" rIns="91440" bIns="45720" rtlCol="0" anchor="ctr">
-            <a:normAutofit/>
-          </a:bodyPr>
-          <a:lstStyle>
-            <a:lvl1pPr algn="l" defTabSz="914400" rtl="0" eaLnBrk="1" latinLnBrk="1" hangingPunct="1">
-              <a:lnSpc>
-                <a:spcPct val="90000"/>
-              </a:lnSpc>
-              <a:spcBef>
-                <a:spcPct val="0"/>
-              </a:spcBef>
-              <a:buNone/>
-              <a:defRPr sz="4800" kern="1200">
-                <a:solidFill>
-                  <a:schemeClr val="accent4"/>
-                </a:solidFill>
-                <a:latin typeface="+mj-lt"/>
-                <a:ea typeface="+mj-ea"/>
-                <a:cs typeface="+mj-cs"/>
-              </a:defRPr>
-            </a:lvl1pPr>
-          </a:lstStyle>
-          <a:p>
-            <a:r>
               <a:rPr lang="ko-KR" altLang="en-US" dirty="0" smtClean="0">
                 <a:latin typeface="함초롬돋움" panose="020B0604000101010101" pitchFamily="50" charset="-127"/>
                 <a:ea typeface="함초롬돋움" panose="020B0604000101010101" pitchFamily="50" charset="-127"/>
@@ -7190,7 +6659,7 @@
         </p:blipFill>
         <p:spPr>
           <a:xfrm>
-            <a:off x="3314086" y="2251496"/>
+            <a:off x="720515" y="2251496"/>
             <a:ext cx="5563828" cy="4373590"/>
           </a:xfrm>
           <a:prstGeom prst="rect">
@@ -7198,6 +6667,231 @@
           </a:prstGeom>
         </p:spPr>
       </p:pic>
+      <p:sp>
+        <p:nvSpPr>
+          <p:cNvPr id="8" name="TextBox 7"/>
+          <p:cNvSpPr txBox="1"/>
+          <p:nvPr/>
+        </p:nvSpPr>
+        <p:spPr>
+          <a:xfrm>
+            <a:off x="6957753" y="2451549"/>
+            <a:ext cx="4904509" cy="1508105"/>
+          </a:xfrm>
+          <a:prstGeom prst="rect">
+            <a:avLst/>
+          </a:prstGeom>
+          <a:noFill/>
+        </p:spPr>
+        <p:txBody>
+          <a:bodyPr wrap="square" rtlCol="0">
+            <a:spAutoFit/>
+          </a:bodyPr>
+          <a:lstStyle/>
+          <a:p>
+            <a:pPr marL="285750" indent="-285750">
+              <a:buFont typeface="Arial" panose="020B0604020202020204" pitchFamily="34" charset="0"/>
+              <a:buChar char="•"/>
+            </a:pPr>
+            <a:r>
+              <a:rPr lang="en-US" altLang="ko-KR" dirty="0" err="1" smtClean="0"/>
+              <a:t>ListSortDirection</a:t>
+            </a:r>
+            <a:r>
+              <a:rPr lang="en-US" altLang="ko-KR" dirty="0" smtClean="0"/>
+              <a:t> : </a:t>
+            </a:r>
+            <a:r>
+              <a:rPr lang="ko-KR" altLang="en-US" dirty="0" smtClean="0"/>
+              <a:t>정렬 </a:t>
+            </a:r>
+            <a:r>
+              <a:rPr lang="ko-KR" altLang="en-US" dirty="0"/>
+              <a:t>시 방향 </a:t>
+            </a:r>
+            <a:r>
+              <a:rPr lang="ko-KR" altLang="en-US" dirty="0" smtClean="0"/>
+              <a:t>지정</a:t>
+            </a:r>
+            <a:endParaRPr lang="en-US" altLang="ko-KR" dirty="0"/>
+          </a:p>
+          <a:p>
+            <a:pPr marL="742950" lvl="1" indent="-285750">
+              <a:buFont typeface="Arial" panose="020B0604020202020204" pitchFamily="34" charset="0"/>
+              <a:buChar char="•"/>
+            </a:pPr>
+            <a:r>
+              <a:rPr lang="en-US" altLang="ko-KR" sz="1400" dirty="0" smtClean="0"/>
+              <a:t>Ascending : </a:t>
+            </a:r>
+            <a:r>
+              <a:rPr lang="ko-KR" altLang="en-US" sz="1400" dirty="0" smtClean="0"/>
+              <a:t>오름 차순</a:t>
+            </a:r>
+            <a:endParaRPr lang="en-US" altLang="ko-KR" sz="1400" dirty="0" smtClean="0"/>
+          </a:p>
+          <a:p>
+            <a:pPr marL="742950" lvl="1" indent="-285750">
+              <a:buFont typeface="Arial" panose="020B0604020202020204" pitchFamily="34" charset="0"/>
+              <a:buChar char="•"/>
+            </a:pPr>
+            <a:r>
+              <a:rPr lang="en-US" altLang="ko-KR" sz="1400" dirty="0" smtClean="0"/>
+              <a:t>Descending : </a:t>
+            </a:r>
+            <a:r>
+              <a:rPr lang="ko-KR" altLang="en-US" sz="1400" dirty="0" smtClean="0"/>
+              <a:t>내림 차순</a:t>
+            </a:r>
+            <a:endParaRPr lang="en-US" altLang="ko-KR" sz="1400" dirty="0" smtClean="0"/>
+          </a:p>
+          <a:p>
+            <a:pPr marL="742950" lvl="1" indent="-285750">
+              <a:buFont typeface="Arial" panose="020B0604020202020204" pitchFamily="34" charset="0"/>
+              <a:buChar char="•"/>
+            </a:pPr>
+            <a:endParaRPr lang="en-US" altLang="ko-KR" sz="1400" dirty="0"/>
+          </a:p>
+          <a:p>
+            <a:pPr marL="285750" indent="-285750">
+              <a:buFont typeface="Arial" panose="020B0604020202020204" pitchFamily="34" charset="0"/>
+              <a:buChar char="•"/>
+            </a:pPr>
+            <a:r>
+              <a:rPr lang="en-US" altLang="ko-KR" dirty="0" err="1" smtClean="0"/>
+              <a:t>SortDescription</a:t>
+            </a:r>
+            <a:endParaRPr lang="en-US" altLang="ko-KR" dirty="0" smtClean="0"/>
+          </a:p>
+          <a:p>
+            <a:pPr marL="742950" lvl="1" indent="-285750">
+              <a:buFont typeface="Arial" panose="020B0604020202020204" pitchFamily="34" charset="0"/>
+              <a:buChar char="•"/>
+            </a:pPr>
+            <a:r>
+              <a:rPr lang="ko-KR" altLang="en-US" sz="1400" dirty="0" smtClean="0"/>
+              <a:t>정렬 방향과 정렬 대상이 되는 </a:t>
+            </a:r>
+            <a:r>
+              <a:rPr lang="en-US" altLang="ko-KR" sz="1400" dirty="0" smtClean="0"/>
+              <a:t>Property </a:t>
+            </a:r>
+            <a:r>
+              <a:rPr lang="ko-KR" altLang="en-US" sz="1400" dirty="0" smtClean="0"/>
+              <a:t>이름 지정</a:t>
+            </a:r>
+            <a:endParaRPr lang="ko-KR" altLang="en-US" sz="1400" dirty="0"/>
+          </a:p>
+        </p:txBody>
+      </p:sp>
+      <p:cxnSp>
+        <p:nvCxnSpPr>
+          <p:cNvPr id="10" name="직선 화살표 연결선 9"/>
+          <p:cNvCxnSpPr/>
+          <p:nvPr/>
+        </p:nvCxnSpPr>
+        <p:spPr>
+          <a:xfrm flipH="1">
+            <a:off x="3990109" y="2635135"/>
+            <a:ext cx="3000895" cy="1978429"/>
+          </a:xfrm>
+          <a:prstGeom prst="straightConnector1">
+            <a:avLst/>
+          </a:prstGeom>
+          <a:ln>
+            <a:solidFill>
+              <a:srgbClr val="FF0000"/>
+            </a:solidFill>
+            <a:tailEnd type="triangle"/>
+          </a:ln>
+        </p:spPr>
+        <p:style>
+          <a:lnRef idx="1">
+            <a:schemeClr val="accent1"/>
+          </a:lnRef>
+          <a:fillRef idx="0">
+            <a:schemeClr val="accent1"/>
+          </a:fillRef>
+          <a:effectRef idx="0">
+            <a:schemeClr val="accent1"/>
+          </a:effectRef>
+          <a:fontRef idx="minor">
+            <a:schemeClr val="tx1"/>
+          </a:fontRef>
+        </p:style>
+      </p:cxnSp>
+      <p:cxnSp>
+        <p:nvCxnSpPr>
+          <p:cNvPr id="12" name="직선 화살표 연결선 11"/>
+          <p:cNvCxnSpPr/>
+          <p:nvPr/>
+        </p:nvCxnSpPr>
+        <p:spPr>
+          <a:xfrm flipH="1">
+            <a:off x="4264429" y="3557847"/>
+            <a:ext cx="2784764" cy="2194560"/>
+          </a:xfrm>
+          <a:prstGeom prst="straightConnector1">
+            <a:avLst/>
+          </a:prstGeom>
+          <a:ln>
+            <a:solidFill>
+              <a:srgbClr val="FF0000"/>
+            </a:solidFill>
+            <a:tailEnd type="triangle"/>
+          </a:ln>
+        </p:spPr>
+        <p:style>
+          <a:lnRef idx="1">
+            <a:schemeClr val="accent1"/>
+          </a:lnRef>
+          <a:fillRef idx="0">
+            <a:schemeClr val="accent1"/>
+          </a:fillRef>
+          <a:effectRef idx="0">
+            <a:schemeClr val="accent1"/>
+          </a:effectRef>
+          <a:fontRef idx="minor">
+            <a:schemeClr val="tx1"/>
+          </a:fontRef>
+        </p:style>
+      </p:cxnSp>
+      <p:cxnSp>
+        <p:nvCxnSpPr>
+          <p:cNvPr id="13" name="직선 화살표 연결선 12"/>
+          <p:cNvCxnSpPr/>
+          <p:nvPr/>
+        </p:nvCxnSpPr>
+        <p:spPr>
+          <a:xfrm flipH="1">
+            <a:off x="4264429" y="3557847"/>
+            <a:ext cx="2784764" cy="2536636"/>
+          </a:xfrm>
+          <a:prstGeom prst="straightConnector1">
+            <a:avLst/>
+          </a:prstGeom>
+          <a:ln>
+            <a:solidFill>
+              <a:srgbClr val="FF0000"/>
+            </a:solidFill>
+            <a:tailEnd type="triangle"/>
+          </a:ln>
+        </p:spPr>
+        <p:style>
+          <a:lnRef idx="1">
+            <a:schemeClr val="accent1"/>
+          </a:lnRef>
+          <a:fillRef idx="0">
+            <a:schemeClr val="accent1"/>
+          </a:fillRef>
+          <a:effectRef idx="0">
+            <a:schemeClr val="accent1"/>
+          </a:effectRef>
+          <a:fontRef idx="minor">
+            <a:schemeClr val="tx1"/>
+          </a:fontRef>
+        </p:style>
+      </p:cxnSp>
     </p:spTree>
     <p:extLst>
       <p:ext uri="{BB962C8B-B14F-4D97-AF65-F5344CB8AC3E}">
@@ -7218,7 +6912,7 @@
 </p:sld>
 </file>
 
-<file path=ppt/slides/slide29.xml><?xml version="1.0" encoding="utf-8"?>
+<file path=ppt/slides/slide27.xml><?xml version="1.0" encoding="utf-8"?>
 <p:sld xmlns:a="http://schemas.openxmlformats.org/drawingml/2006/main" xmlns:r="http://schemas.openxmlformats.org/officeDocument/2006/relationships" xmlns:p="http://schemas.openxmlformats.org/presentationml/2006/main">
   <p:cSld>
     <p:spTree>
@@ -10885,40 +10579,36 @@
               <a:t>요소의 바인딩 된 </a:t>
             </a:r>
             <a:r>
+              <a:rPr lang="en-US" altLang="ko-KR" dirty="0" smtClean="0"/>
+              <a:t>Property </a:t>
+            </a:r>
+            <a:r>
+              <a:rPr lang="ko-KR" altLang="en-US" dirty="0" smtClean="0"/>
+              <a:t>값이 변경 될 때 뷰 모델 또는 모델을 업데이트</a:t>
+            </a:r>
+            <a:endParaRPr lang="en-US" altLang="ko-KR" dirty="0"/>
+          </a:p>
+          <a:p>
+            <a:pPr lvl="1"/>
+            <a:endParaRPr lang="en-US" altLang="ko-KR" dirty="0" smtClean="0"/>
+          </a:p>
+          <a:p>
+            <a:r>
+              <a:rPr lang="en-US" altLang="ko-KR" dirty="0" smtClean="0"/>
+              <a:t>Explicit</a:t>
+            </a:r>
+          </a:p>
+          <a:p>
+            <a:pPr lvl="1"/>
+            <a:r>
               <a:rPr lang="en-US" altLang="ko-KR" dirty="0" err="1" smtClean="0"/>
-              <a:t>Proprerty</a:t>
+              <a:t>UpdateSource</a:t>
             </a:r>
             <a:r>
               <a:rPr lang="en-US" altLang="ko-KR" dirty="0" smtClean="0"/>
               <a:t> </a:t>
             </a:r>
             <a:r>
-              <a:rPr lang="ko-KR" altLang="en-US" dirty="0" smtClean="0"/>
-              <a:t>값이 변경 될 때 뷰 모델 또는 모델을 업데이트</a:t>
-            </a:r>
-            <a:endParaRPr lang="en-US" altLang="ko-KR" dirty="0"/>
-          </a:p>
-          <a:p>
-            <a:pPr lvl="1"/>
-            <a:endParaRPr lang="en-US" altLang="ko-KR" dirty="0" smtClean="0"/>
-          </a:p>
-          <a:p>
-            <a:r>
-              <a:rPr lang="en-US" altLang="ko-KR" dirty="0" smtClean="0"/>
-              <a:t>Explicit</a:t>
-            </a:r>
-          </a:p>
-          <a:p>
-            <a:pPr lvl="1"/>
-            <a:r>
-              <a:rPr lang="en-US" altLang="ko-KR" dirty="0" err="1" smtClean="0"/>
-              <a:t>UpdateSource</a:t>
-            </a:r>
-            <a:r>
-              <a:rPr lang="en-US" altLang="ko-KR" dirty="0" smtClean="0"/>
-              <a:t> </a:t>
-            </a:r>
-            <a:r>
               <a:rPr lang="ko-KR" altLang="en-US" dirty="0" err="1" smtClean="0"/>
               <a:t>메소드가</a:t>
             </a:r>
@@ -10927,12 +10617,12 @@
               <a:t> 호출 </a:t>
             </a:r>
             <a:r>
-              <a:rPr lang="ko-KR" altLang="en-US" dirty="0" err="1" smtClean="0"/>
-              <a:t>될때</a:t>
-            </a:r>
-            <a:r>
               <a:rPr lang="ko-KR" altLang="en-US" dirty="0" smtClean="0"/>
-              <a:t> 뷰 모델 또는 모델을 업데이트</a:t>
+              <a:t>될 때 </a:t>
+            </a:r>
+            <a:r>
+              <a:rPr lang="ko-KR" altLang="en-US" dirty="0" smtClean="0"/>
+              <a:t>뷰 모델 또는 모델을 업데이트</a:t>
             </a:r>
             <a:endParaRPr lang="en-US" altLang="ko-KR" dirty="0"/>
           </a:p>

--- a/PRISM_MVVM_사용.pptx
+++ b/PRISM_MVVM_사용.pptx
@@ -16,22 +16,21 @@
     <p:sldId id="414" r:id="rId10"/>
     <p:sldId id="364" r:id="rId11"/>
     <p:sldId id="362" r:id="rId12"/>
-    <p:sldId id="363" r:id="rId13"/>
+    <p:sldId id="415" r:id="rId13"/>
     <p:sldId id="365" r:id="rId14"/>
-    <p:sldId id="366" r:id="rId15"/>
-    <p:sldId id="367" r:id="rId16"/>
-    <p:sldId id="368" r:id="rId17"/>
-    <p:sldId id="369" r:id="rId18"/>
-    <p:sldId id="371" r:id="rId19"/>
-    <p:sldId id="372" r:id="rId20"/>
-    <p:sldId id="373" r:id="rId21"/>
-    <p:sldId id="394" r:id="rId22"/>
-    <p:sldId id="395" r:id="rId23"/>
-    <p:sldId id="396" r:id="rId24"/>
-    <p:sldId id="397" r:id="rId25"/>
-    <p:sldId id="398" r:id="rId26"/>
-    <p:sldId id="399" r:id="rId27"/>
-    <p:sldId id="400" r:id="rId28"/>
+    <p:sldId id="367" r:id="rId15"/>
+    <p:sldId id="368" r:id="rId16"/>
+    <p:sldId id="369" r:id="rId17"/>
+    <p:sldId id="371" r:id="rId18"/>
+    <p:sldId id="372" r:id="rId19"/>
+    <p:sldId id="373" r:id="rId20"/>
+    <p:sldId id="394" r:id="rId21"/>
+    <p:sldId id="395" r:id="rId22"/>
+    <p:sldId id="396" r:id="rId23"/>
+    <p:sldId id="397" r:id="rId24"/>
+    <p:sldId id="398" r:id="rId25"/>
+    <p:sldId id="399" r:id="rId26"/>
+    <p:sldId id="400" r:id="rId27"/>
   </p:sldIdLst>
   <p:sldSz cx="12192000" cy="6858000"/>
   <p:notesSz cx="6858000" cy="9144000"/>
@@ -3494,7 +3493,7 @@
     </p:spTree>
     <p:extLst>
       <p:ext uri="{BB962C8B-B14F-4D97-AF65-F5344CB8AC3E}">
-        <p14:creationId xmlns:p14="http://schemas.microsoft.com/office/powerpoint/2010/main" val="3516418142"/>
+        <p14:creationId xmlns:p14="http://schemas.microsoft.com/office/powerpoint/2010/main" val="2187190167"/>
       </p:ext>
     </p:extLst>
   </p:cSld>
@@ -3575,23 +3574,7 @@
                 <a:ea typeface="함초롬돋움" panose="020B0604000101010101" pitchFamily="50" charset="-127"/>
                 <a:cs typeface="함초롬돋움" panose="020B0604000101010101" pitchFamily="50" charset="-127"/>
               </a:rPr>
-              <a:t>INotifyPropertyChange</a:t>
-            </a:r>
-            <a:r>
-              <a:rPr lang="en-US" altLang="ko-KR" dirty="0" smtClean="0">
-                <a:latin typeface="함초롬돋움" panose="020B0604000101010101" pitchFamily="50" charset="-127"/>
-                <a:ea typeface="함초롬돋움" panose="020B0604000101010101" pitchFamily="50" charset="-127"/>
-                <a:cs typeface="함초롬돋움" panose="020B0604000101010101" pitchFamily="50" charset="-127"/>
-              </a:rPr>
-              <a:t> </a:t>
-            </a:r>
-            <a:r>
-              <a:rPr lang="ko-KR" altLang="en-US" dirty="0" smtClean="0">
-                <a:latin typeface="함초롬돋움" panose="020B0604000101010101" pitchFamily="50" charset="-127"/>
-                <a:ea typeface="함초롬돋움" panose="020B0604000101010101" pitchFamily="50" charset="-127"/>
-                <a:cs typeface="함초롬돋움" panose="020B0604000101010101" pitchFamily="50" charset="-127"/>
-              </a:rPr>
-              <a:t>구현</a:t>
+              <a:t>INotifyPropertyChanged</a:t>
             </a:r>
             <a:endParaRPr lang="ko-KR" altLang="en-US" dirty="0">
               <a:latin typeface="함초롬돋움" panose="020B0604000101010101" pitchFamily="50" charset="-127"/>
@@ -3638,8 +3621,8 @@
         </p:nvSpPr>
         <p:spPr>
           <a:xfrm>
-            <a:off x="4572001" y="1978429"/>
-            <a:ext cx="6781800" cy="2031325"/>
+            <a:off x="4572000" y="1978429"/>
+            <a:ext cx="7498079" cy="1754326"/>
           </a:xfrm>
           <a:prstGeom prst="rect">
             <a:avLst/>
@@ -3657,90 +3640,163 @@
               <a:buChar char="•"/>
             </a:pPr>
             <a:r>
-              <a:rPr lang="en-US" altLang="ko-KR" dirty="0" err="1" smtClean="0"/>
-              <a:t>INotifyPropertyChanged</a:t>
-            </a:r>
-            <a:r>
               <a:rPr lang="ko-KR" altLang="en-US" dirty="0" smtClean="0"/>
-              <a:t>를</a:t>
+              <a:t>뷰 모델이나 모델의 </a:t>
+            </a:r>
+            <a:r>
+              <a:rPr lang="en-US" altLang="ko-KR" dirty="0" smtClean="0"/>
+              <a:t>Property</a:t>
+            </a:r>
+            <a:r>
+              <a:rPr lang="ko-KR" altLang="en-US" dirty="0" smtClean="0"/>
+              <a:t>가 변경 되었을 때 </a:t>
+            </a:r>
+            <a:r>
+              <a:rPr lang="en-US" altLang="ko-KR" dirty="0" err="1"/>
+              <a:t>PropertyChanged</a:t>
             </a:r>
             <a:r>
               <a:rPr lang="en-US" altLang="ko-KR" dirty="0"/>
               <a:t> </a:t>
             </a:r>
             <a:r>
+              <a:rPr lang="ko-KR" altLang="en-US" dirty="0"/>
+              <a:t>이벤트 통해 </a:t>
+            </a:r>
+            <a:r>
               <a:rPr lang="ko-KR" altLang="en-US" dirty="0" smtClean="0"/>
-              <a:t>뷰 모델에 구현</a:t>
+              <a:t>데이터 바인딩 된 </a:t>
+            </a:r>
+            <a:r>
+              <a:rPr lang="en-US" altLang="ko-KR" dirty="0" smtClean="0"/>
+              <a:t>UI</a:t>
+            </a:r>
+            <a:r>
+              <a:rPr lang="ko-KR" altLang="en-US" dirty="0"/>
+              <a:t>에</a:t>
+            </a:r>
+            <a:r>
+              <a:rPr lang="ko-KR" altLang="en-US" dirty="0" smtClean="0"/>
+              <a:t> 변경 됬음을 알림</a:t>
             </a:r>
             <a:endParaRPr lang="en-US" altLang="ko-KR" dirty="0" smtClean="0"/>
+          </a:p>
+          <a:p>
+            <a:endParaRPr lang="en-US" altLang="ko-KR" dirty="0"/>
           </a:p>
           <a:p>
             <a:pPr marL="285750" indent="-285750">
               <a:buFont typeface="Arial" panose="020B0604020202020204" pitchFamily="34" charset="0"/>
               <a:buChar char="•"/>
             </a:pPr>
-            <a:endParaRPr lang="en-US" altLang="ko-KR" dirty="0"/>
-          </a:p>
-          <a:p>
-            <a:pPr marL="285750" indent="-285750">
+            <a:r>
+              <a:rPr lang="ko-KR" altLang="en-US" dirty="0" smtClean="0">
+                <a:latin typeface="+mn-ea"/>
+                <a:cs typeface="함초롬돋움" panose="020B0604000101010101" pitchFamily="50" charset="-127"/>
+              </a:rPr>
+              <a:t>단점</a:t>
+            </a:r>
+            <a:endParaRPr lang="en-US" altLang="ko-KR" dirty="0" smtClean="0">
+              <a:latin typeface="+mn-ea"/>
+              <a:cs typeface="함초롬돋움" panose="020B0604000101010101" pitchFamily="50" charset="-127"/>
+            </a:endParaRPr>
+          </a:p>
+          <a:p>
+            <a:pPr marL="742950" lvl="1" indent="-285750">
               <a:buFont typeface="Arial" panose="020B0604020202020204" pitchFamily="34" charset="0"/>
               <a:buChar char="•"/>
             </a:pPr>
             <a:r>
-              <a:rPr lang="en-US" altLang="ko-KR" dirty="0" smtClean="0"/>
-              <a:t>Property</a:t>
-            </a:r>
-            <a:r>
-              <a:rPr lang="ko-KR" altLang="en-US" dirty="0" smtClean="0"/>
-              <a:t>에서 변경된 데이터를 </a:t>
-            </a:r>
-            <a:r>
-              <a:rPr lang="en-US" altLang="ko-KR" dirty="0" err="1" smtClean="0"/>
-              <a:t>PropertyChanged</a:t>
-            </a:r>
-            <a:r>
-              <a:rPr lang="en-US" altLang="ko-KR" dirty="0" smtClean="0"/>
+              <a:rPr lang="ko-KR" altLang="en-US" dirty="0" smtClean="0">
+                <a:latin typeface="+mn-ea"/>
+                <a:cs typeface="함초롬돋움" panose="020B0604000101010101" pitchFamily="50" charset="-127"/>
+              </a:rPr>
+              <a:t>모든 뷰 모델마다 </a:t>
+            </a:r>
+            <a:r>
+              <a:rPr lang="en-US" altLang="ko-KR" dirty="0" err="1" smtClean="0">
+                <a:latin typeface="+mn-ea"/>
+                <a:cs typeface="함초롬돋움" panose="020B0604000101010101" pitchFamily="50" charset="-127"/>
+              </a:rPr>
+              <a:t>INotifyPropertyChanged</a:t>
+            </a:r>
+            <a:r>
+              <a:rPr lang="en-US" altLang="ko-KR" dirty="0" smtClean="0">
+                <a:latin typeface="+mn-ea"/>
+                <a:cs typeface="함초롬돋움" panose="020B0604000101010101" pitchFamily="50" charset="-127"/>
+              </a:rPr>
               <a:t> </a:t>
             </a:r>
             <a:r>
-              <a:rPr lang="ko-KR" altLang="en-US" dirty="0" smtClean="0"/>
-              <a:t>이벤트 통해 호출</a:t>
-            </a:r>
-            <a:endParaRPr lang="en-US" altLang="ko-KR" dirty="0" smtClean="0"/>
-          </a:p>
-          <a:p>
-            <a:pPr marL="285750" indent="-285750">
+              <a:rPr lang="ko-KR" altLang="en-US" dirty="0" smtClean="0">
+                <a:latin typeface="+mn-ea"/>
+                <a:cs typeface="함초롬돋움" panose="020B0604000101010101" pitchFamily="50" charset="-127"/>
+              </a:rPr>
+              <a:t>구현</a:t>
+            </a:r>
+            <a:endParaRPr lang="en-US" altLang="ko-KR" dirty="0" smtClean="0">
+              <a:latin typeface="+mn-ea"/>
+              <a:cs typeface="함초롬돋움" panose="020B0604000101010101" pitchFamily="50" charset="-127"/>
+            </a:endParaRPr>
+          </a:p>
+          <a:p>
+            <a:pPr marL="742950" lvl="1" indent="-285750">
               <a:buFont typeface="Arial" panose="020B0604020202020204" pitchFamily="34" charset="0"/>
               <a:buChar char="•"/>
             </a:pPr>
-            <a:endParaRPr lang="en-US" altLang="ko-KR" dirty="0"/>
-          </a:p>
-          <a:p>
-            <a:pPr marL="285750" indent="-285750">
-              <a:buFont typeface="Arial" panose="020B0604020202020204" pitchFamily="34" charset="0"/>
-              <a:buChar char="•"/>
-            </a:pPr>
-            <a:r>
-              <a:rPr lang="ko-KR" altLang="en-US" dirty="0" smtClean="0"/>
-              <a:t>컨트롤의 </a:t>
-            </a:r>
-            <a:r>
-              <a:rPr lang="ko-KR" altLang="en-US" dirty="0"/>
-              <a:t>어떤 </a:t>
-            </a:r>
-            <a:r>
-              <a:rPr lang="ko-KR" altLang="en-US" dirty="0" smtClean="0"/>
-              <a:t>속성값을 변경할지 </a:t>
-            </a:r>
-            <a:r>
-              <a:rPr lang="en-US" altLang="ko-KR" smtClean="0"/>
-              <a:t>PropertyChangedEventArgs</a:t>
-            </a:r>
-            <a:r>
-              <a:rPr lang="ko-KR" altLang="en-US" dirty="0" smtClean="0"/>
-              <a:t>로 결정</a:t>
-            </a:r>
-            <a:endParaRPr lang="en-US" altLang="ko-KR" dirty="0" smtClean="0"/>
+            <a:r>
+              <a:rPr lang="en-US" altLang="ko-KR" spc="-150" dirty="0" smtClean="0">
+                <a:latin typeface="+mn-ea"/>
+                <a:cs typeface="함초롬돋움" panose="020B0604000101010101" pitchFamily="50" charset="-127"/>
+              </a:rPr>
+              <a:t>View</a:t>
+            </a:r>
+            <a:r>
+              <a:rPr lang="ko-KR" altLang="en-US" spc="-150" dirty="0" smtClean="0">
+                <a:latin typeface="+mn-ea"/>
+                <a:cs typeface="함초롬돋움" panose="020B0604000101010101" pitchFamily="50" charset="-127"/>
+              </a:rPr>
+              <a:t>와 데이터 바인딩 된 </a:t>
+            </a:r>
+            <a:r>
+              <a:rPr lang="en-US" altLang="ko-KR" spc="-150" dirty="0">
+                <a:latin typeface="+mn-ea"/>
+                <a:cs typeface="함초롬돋움" panose="020B0604000101010101" pitchFamily="50" charset="-127"/>
+              </a:rPr>
+              <a:t>Property</a:t>
+            </a:r>
+            <a:r>
+              <a:rPr lang="ko-KR" altLang="en-US" spc="-150" dirty="0">
+                <a:latin typeface="+mn-ea"/>
+                <a:cs typeface="함초롬돋움" panose="020B0604000101010101" pitchFamily="50" charset="-127"/>
+              </a:rPr>
+              <a:t>마다 </a:t>
+            </a:r>
+            <a:r>
+              <a:rPr lang="en-US" altLang="ko-KR" spc="-150" dirty="0" err="1">
+                <a:latin typeface="+mn-ea"/>
+                <a:cs typeface="함초롬돋움" panose="020B0604000101010101" pitchFamily="50" charset="-127"/>
+              </a:rPr>
+              <a:t>PropertyChangeEvnetArg</a:t>
+            </a:r>
+            <a:r>
+              <a:rPr lang="ko-KR" altLang="en-US" spc="-150" dirty="0">
+                <a:latin typeface="+mn-ea"/>
+                <a:cs typeface="함초롬돋움" panose="020B0604000101010101" pitchFamily="50" charset="-127"/>
+              </a:rPr>
+              <a:t>를 </a:t>
+            </a:r>
+            <a:r>
+              <a:rPr lang="ko-KR" altLang="en-US" spc="-150" dirty="0" smtClean="0">
+                <a:latin typeface="+mn-ea"/>
+                <a:cs typeface="함초롬돋움" panose="020B0604000101010101" pitchFamily="50" charset="-127"/>
+              </a:rPr>
+              <a:t>작성</a:t>
+            </a:r>
+            <a:endParaRPr lang="en-US" altLang="ko-KR" spc="-150" dirty="0">
+              <a:latin typeface="+mn-ea"/>
+              <a:cs typeface="함초롬돋움" panose="020B0604000101010101" pitchFamily="50" charset="-127"/>
+            </a:endParaRPr>
           </a:p>
         </p:txBody>
       </p:sp>
@@ -3823,12 +3879,28 @@
           </a:lstStyle>
           <a:p>
             <a:r>
+              <a:rPr lang="en-US" altLang="ko-KR" dirty="0" err="1" smtClean="0">
+                <a:latin typeface="함초롬돋움" panose="020B0604000101010101" pitchFamily="50" charset="-127"/>
+                <a:ea typeface="함초롬돋움" panose="020B0604000101010101" pitchFamily="50" charset="-127"/>
+                <a:cs typeface="함초롬돋움" panose="020B0604000101010101" pitchFamily="50" charset="-127"/>
+              </a:rPr>
+              <a:t>BindableBase</a:t>
+            </a:r>
+            <a:r>
+              <a:rPr lang="en-US" altLang="ko-KR" dirty="0" smtClean="0">
+                <a:latin typeface="함초롬돋움" panose="020B0604000101010101" pitchFamily="50" charset="-127"/>
+                <a:ea typeface="함초롬돋움" panose="020B0604000101010101" pitchFamily="50" charset="-127"/>
+                <a:cs typeface="함초롬돋움" panose="020B0604000101010101" pitchFamily="50" charset="-127"/>
+              </a:rPr>
+              <a:t> </a:t>
+            </a:r>
+            <a:r>
               <a:rPr lang="ko-KR" altLang="en-US" dirty="0" smtClean="0">
                 <a:latin typeface="함초롬돋움" panose="020B0604000101010101" pitchFamily="50" charset="-127"/>
                 <a:ea typeface="함초롬돋움" panose="020B0604000101010101" pitchFamily="50" charset="-127"/>
                 <a:cs typeface="함초롬돋움" panose="020B0604000101010101" pitchFamily="50" charset="-127"/>
               </a:rPr>
-              <a:t>귀찮음의 시작</a:t>
+              <a:t>구현</a:t>
             </a:r>
             <a:endParaRPr lang="ko-KR" altLang="en-US" dirty="0">
               <a:latin typeface="함초롬돋움" panose="020B0604000101010101" pitchFamily="50" charset="-127"/>
@@ -3838,126 +3910,45 @@
           </a:p>
         </p:txBody>
       </p:sp>
-      <p:sp>
-        <p:nvSpPr>
-          <p:cNvPr id="2" name="내용 개체 틀 1"/>
-          <p:cNvSpPr>
-            <a:spLocks noGrp="1"/>
-          </p:cNvSpPr>
-          <p:nvPr>
-            <p:ph idx="1"/>
-          </p:nvPr>
-        </p:nvSpPr>
-        <p:spPr/>
-        <p:txBody>
-          <a:bodyPr/>
-          <a:lstStyle/>
-          <a:p>
-            <a:r>
-              <a:rPr lang="ko-KR" altLang="en-US" dirty="0" smtClean="0">
-                <a:latin typeface="+mn-ea"/>
-                <a:cs typeface="함초롬돋움" panose="020B0604000101010101" pitchFamily="50" charset="-127"/>
-              </a:rPr>
-              <a:t>모든 뷰 모델마다 </a:t>
-            </a:r>
-            <a:r>
-              <a:rPr lang="en-US" altLang="ko-KR" dirty="0" err="1" smtClean="0">
-                <a:latin typeface="+mn-ea"/>
-                <a:cs typeface="함초롬돋움" panose="020B0604000101010101" pitchFamily="50" charset="-127"/>
-              </a:rPr>
-              <a:t>INotifyPropertyChanged</a:t>
-            </a:r>
-            <a:r>
-              <a:rPr lang="en-US" altLang="ko-KR" dirty="0" smtClean="0">
-                <a:latin typeface="+mn-ea"/>
-                <a:cs typeface="함초롬돋움" panose="020B0604000101010101" pitchFamily="50" charset="-127"/>
-              </a:rPr>
-              <a:t> </a:t>
-            </a:r>
-            <a:r>
-              <a:rPr lang="ko-KR" altLang="en-US" dirty="0" smtClean="0">
-                <a:latin typeface="+mn-ea"/>
-                <a:cs typeface="함초롬돋움" panose="020B0604000101010101" pitchFamily="50" charset="-127"/>
-              </a:rPr>
-              <a:t>구현</a:t>
-            </a:r>
-            <a:endParaRPr lang="en-US" altLang="ko-KR" dirty="0" smtClean="0">
-              <a:latin typeface="+mn-ea"/>
-              <a:cs typeface="함초롬돋움" panose="020B0604000101010101" pitchFamily="50" charset="-127"/>
-            </a:endParaRPr>
-          </a:p>
-          <a:p>
-            <a:endParaRPr lang="en-US" altLang="ko-KR" dirty="0" smtClean="0">
-              <a:latin typeface="+mn-ea"/>
-              <a:cs typeface="함초롬돋움" panose="020B0604000101010101" pitchFamily="50" charset="-127"/>
-            </a:endParaRPr>
-          </a:p>
-          <a:p>
-            <a:r>
-              <a:rPr lang="ko-KR" altLang="en-US" dirty="0">
-                <a:latin typeface="+mn-ea"/>
-                <a:cs typeface="함초롬돋움" panose="020B0604000101010101" pitchFamily="50" charset="-127"/>
-              </a:rPr>
-              <a:t>데이터가 변경 되는 </a:t>
-            </a:r>
-            <a:r>
-              <a:rPr lang="en-US" altLang="ko-KR" dirty="0">
-                <a:latin typeface="+mn-ea"/>
-                <a:cs typeface="함초롬돋움" panose="020B0604000101010101" pitchFamily="50" charset="-127"/>
-              </a:rPr>
-              <a:t>Property</a:t>
-            </a:r>
-            <a:r>
-              <a:rPr lang="ko-KR" altLang="en-US" dirty="0">
-                <a:latin typeface="+mn-ea"/>
-                <a:cs typeface="함초롬돋움" panose="020B0604000101010101" pitchFamily="50" charset="-127"/>
-              </a:rPr>
-              <a:t>마다 </a:t>
-            </a:r>
-            <a:r>
-              <a:rPr lang="en-US" altLang="ko-KR" dirty="0" err="1">
-                <a:latin typeface="+mn-ea"/>
-                <a:cs typeface="함초롬돋움" panose="020B0604000101010101" pitchFamily="50" charset="-127"/>
-              </a:rPr>
-              <a:t>PropertyChangeEvnetArg</a:t>
-            </a:r>
-            <a:r>
-              <a:rPr lang="ko-KR" altLang="en-US" dirty="0">
-                <a:latin typeface="+mn-ea"/>
-                <a:cs typeface="함초롬돋움" panose="020B0604000101010101" pitchFamily="50" charset="-127"/>
-              </a:rPr>
-              <a:t>를 </a:t>
-            </a:r>
-            <a:r>
-              <a:rPr lang="ko-KR" altLang="en-US" dirty="0" smtClean="0">
-                <a:latin typeface="+mn-ea"/>
-                <a:cs typeface="함초롬돋움" panose="020B0604000101010101" pitchFamily="50" charset="-127"/>
-              </a:rPr>
-              <a:t>작성</a:t>
-            </a:r>
-            <a:endParaRPr lang="en-US" altLang="ko-KR" dirty="0" smtClean="0">
-              <a:latin typeface="+mn-ea"/>
-              <a:cs typeface="함초롬돋움" panose="020B0604000101010101" pitchFamily="50" charset="-127"/>
-            </a:endParaRPr>
-          </a:p>
-          <a:p>
-            <a:endParaRPr lang="en-US" altLang="ko-KR" dirty="0"/>
-          </a:p>
-          <a:p>
-            <a:endParaRPr lang="en-US" altLang="ko-KR" dirty="0"/>
-          </a:p>
-        </p:txBody>
-      </p:sp>
-      <p:sp>
-        <p:nvSpPr>
-          <p:cNvPr id="9" name="TextBox 8"/>
+      <p:pic>
+        <p:nvPicPr>
+          <p:cNvPr id="3" name="그림 2"/>
+          <p:cNvPicPr>
+            <a:picLocks noChangeAspect="1"/>
+          </p:cNvPicPr>
+          <p:nvPr/>
+        </p:nvPicPr>
+        <p:blipFill>
+          <a:blip r:embed="rId2"/>
+          <a:stretch>
+            <a:fillRect/>
+          </a:stretch>
+        </p:blipFill>
+        <p:spPr>
+          <a:xfrm>
+            <a:off x="3440395" y="2170390"/>
+            <a:ext cx="5715000" cy="3819525"/>
+          </a:xfrm>
+          <a:prstGeom prst="rect">
+            <a:avLst/>
+          </a:prstGeom>
+          <a:ln>
+            <a:solidFill>
+              <a:schemeClr val="tx1"/>
+            </a:solidFill>
+          </a:ln>
+        </p:spPr>
+      </p:pic>
+      <p:sp>
+        <p:nvSpPr>
+          <p:cNvPr id="5" name="TextBox 4"/>
           <p:cNvSpPr txBox="1"/>
           <p:nvPr/>
         </p:nvSpPr>
         <p:spPr>
           <a:xfrm>
-            <a:off x="3743433" y="4488872"/>
-            <a:ext cx="4705134" cy="2154436"/>
+            <a:off x="3716983" y="6101541"/>
+            <a:ext cx="4758034" cy="369332"/>
           </a:xfrm>
           <a:prstGeom prst="rect">
             <a:avLst/>
@@ -3970,65 +3961,30 @@
           </a:bodyPr>
           <a:lstStyle/>
           <a:p>
-            <a:pPr algn="ctr"/>
+            <a:r>
+              <a:rPr lang="en-US" altLang="ko-KR" dirty="0" smtClean="0"/>
+              <a:t>※ Prism</a:t>
+            </a:r>
             <a:r>
               <a:rPr lang="ko-KR" altLang="en-US" dirty="0" smtClean="0"/>
-              <a:t>자동으로 해주는 방법이 없을까</a:t>
-            </a:r>
-            <a:r>
-              <a:rPr lang="en-US" altLang="ko-KR" dirty="0" smtClean="0"/>
-              <a:t>?</a:t>
-            </a:r>
-          </a:p>
-          <a:p>
-            <a:pPr algn="ctr"/>
-            <a:endParaRPr lang="en-US" altLang="ko-KR" dirty="0"/>
-          </a:p>
-          <a:p>
-            <a:pPr algn="ctr"/>
-            <a:r>
-              <a:rPr lang="ko-KR" altLang="en-US" sz="3200" dirty="0" smtClean="0"/>
-              <a:t>있다</a:t>
-            </a:r>
-            <a:r>
-              <a:rPr lang="en-US" altLang="ko-KR" sz="3200" dirty="0" smtClean="0"/>
-              <a:t>!</a:t>
-            </a:r>
-          </a:p>
-          <a:p>
-            <a:pPr algn="ctr"/>
-            <a:endParaRPr lang="en-US" altLang="ko-KR" dirty="0"/>
-          </a:p>
-          <a:p>
-            <a:pPr algn="ctr"/>
-            <a:r>
-              <a:rPr lang="ko-KR" altLang="en-US" sz="2400" dirty="0" smtClean="0"/>
-              <a:t>미리 </a:t>
-            </a:r>
-            <a:r>
-              <a:rPr lang="en-US" altLang="ko-KR" sz="2400" dirty="0" err="1" smtClean="0"/>
-              <a:t>INotifyPropertyChanged</a:t>
-            </a:r>
-            <a:r>
-              <a:rPr lang="ko-KR" altLang="en-US" sz="2400" dirty="0" smtClean="0"/>
-              <a:t>를 </a:t>
-            </a:r>
-            <a:endParaRPr lang="en-US" altLang="ko-KR" sz="2400" dirty="0" smtClean="0"/>
-          </a:p>
-          <a:p>
-            <a:pPr algn="ctr"/>
-            <a:r>
-              <a:rPr lang="ko-KR" altLang="en-US" sz="2400" dirty="0" smtClean="0"/>
-              <a:t>구현한 클래스를 사용</a:t>
-            </a:r>
-            <a:endParaRPr lang="en-US" altLang="ko-KR" sz="2400" dirty="0" smtClean="0"/>
+              <a:t>은 </a:t>
+            </a:r>
+            <a:r>
+              <a:rPr lang="en-US" altLang="ko-KR" dirty="0" err="1" smtClean="0"/>
+              <a:t>BindableBase</a:t>
+            </a:r>
+            <a:r>
+              <a:rPr lang="ko-KR" altLang="en-US" dirty="0" smtClean="0"/>
+              <a:t>를 기본적으로 제공</a:t>
+            </a:r>
+            <a:endParaRPr lang="ko-KR" altLang="en-US" dirty="0"/>
           </a:p>
         </p:txBody>
       </p:sp>
     </p:spTree>
     <p:extLst>
       <p:ext uri="{BB962C8B-B14F-4D97-AF65-F5344CB8AC3E}">
-        <p14:creationId xmlns:p14="http://schemas.microsoft.com/office/powerpoint/2010/main" val="3439375816"/>
+        <p14:creationId xmlns:p14="http://schemas.microsoft.com/office/powerpoint/2010/main" val="1932258470"/>
       </p:ext>
     </p:extLst>
   </p:cSld>
@@ -4111,211 +4067,6 @@
               </a:rPr>
               <a:t>BindableBase</a:t>
             </a:r>
-            <a:r>
-              <a:rPr lang="en-US" altLang="ko-KR" dirty="0" smtClean="0">
-                <a:latin typeface="함초롬돋움" panose="020B0604000101010101" pitchFamily="50" charset="-127"/>
-                <a:ea typeface="함초롬돋움" panose="020B0604000101010101" pitchFamily="50" charset="-127"/>
-                <a:cs typeface="함초롬돋움" panose="020B0604000101010101" pitchFamily="50" charset="-127"/>
-              </a:rPr>
-              <a:t> </a:t>
-            </a:r>
-            <a:r>
-              <a:rPr lang="ko-KR" altLang="en-US" dirty="0" smtClean="0">
-                <a:latin typeface="함초롬돋움" panose="020B0604000101010101" pitchFamily="50" charset="-127"/>
-                <a:ea typeface="함초롬돋움" panose="020B0604000101010101" pitchFamily="50" charset="-127"/>
-                <a:cs typeface="함초롬돋움" panose="020B0604000101010101" pitchFamily="50" charset="-127"/>
-              </a:rPr>
-              <a:t>구현</a:t>
-            </a:r>
-            <a:endParaRPr lang="ko-KR" altLang="en-US" dirty="0">
-              <a:latin typeface="함초롬돋움" panose="020B0604000101010101" pitchFamily="50" charset="-127"/>
-              <a:ea typeface="함초롬돋움" panose="020B0604000101010101" pitchFamily="50" charset="-127"/>
-              <a:cs typeface="함초롬돋움" panose="020B0604000101010101" pitchFamily="50" charset="-127"/>
-            </a:endParaRPr>
-          </a:p>
-        </p:txBody>
-      </p:sp>
-      <p:pic>
-        <p:nvPicPr>
-          <p:cNvPr id="3" name="그림 2"/>
-          <p:cNvPicPr>
-            <a:picLocks noChangeAspect="1"/>
-          </p:cNvPicPr>
-          <p:nvPr/>
-        </p:nvPicPr>
-        <p:blipFill>
-          <a:blip r:embed="rId2"/>
-          <a:stretch>
-            <a:fillRect/>
-          </a:stretch>
-        </p:blipFill>
-        <p:spPr>
-          <a:xfrm>
-            <a:off x="3440395" y="2170390"/>
-            <a:ext cx="5715000" cy="3819525"/>
-          </a:xfrm>
-          <a:prstGeom prst="rect">
-            <a:avLst/>
-          </a:prstGeom>
-          <a:ln>
-            <a:solidFill>
-              <a:schemeClr val="tx1"/>
-            </a:solidFill>
-          </a:ln>
-        </p:spPr>
-      </p:pic>
-      <p:sp>
-        <p:nvSpPr>
-          <p:cNvPr id="5" name="TextBox 4"/>
-          <p:cNvSpPr txBox="1"/>
-          <p:nvPr/>
-        </p:nvSpPr>
-        <p:spPr>
-          <a:xfrm>
-            <a:off x="3716983" y="6101541"/>
-            <a:ext cx="4758034" cy="369332"/>
-          </a:xfrm>
-          <a:prstGeom prst="rect">
-            <a:avLst/>
-          </a:prstGeom>
-          <a:noFill/>
-        </p:spPr>
-        <p:txBody>
-          <a:bodyPr wrap="none" rtlCol="0">
-            <a:spAutoFit/>
-          </a:bodyPr>
-          <a:lstStyle/>
-          <a:p>
-            <a:r>
-              <a:rPr lang="en-US" altLang="ko-KR" dirty="0" smtClean="0"/>
-              <a:t>※ Prism</a:t>
-            </a:r>
-            <a:r>
-              <a:rPr lang="ko-KR" altLang="en-US" dirty="0" smtClean="0"/>
-              <a:t>은 </a:t>
-            </a:r>
-            <a:r>
-              <a:rPr lang="en-US" altLang="ko-KR" dirty="0" err="1" smtClean="0"/>
-              <a:t>BindableBase</a:t>
-            </a:r>
-            <a:r>
-              <a:rPr lang="ko-KR" altLang="en-US" dirty="0" smtClean="0"/>
-              <a:t>를 기본적으로 제공</a:t>
-            </a:r>
-            <a:endParaRPr lang="ko-KR" altLang="en-US" dirty="0"/>
-          </a:p>
-        </p:txBody>
-      </p:sp>
-    </p:spTree>
-    <p:extLst>
-      <p:ext uri="{BB962C8B-B14F-4D97-AF65-F5344CB8AC3E}">
-        <p14:creationId xmlns:p14="http://schemas.microsoft.com/office/powerpoint/2010/main" val="1932258470"/>
-      </p:ext>
-    </p:extLst>
-  </p:cSld>
-  <p:clrMapOvr>
-    <a:masterClrMapping/>
-  </p:clrMapOvr>
-  <p:timing>
-    <p:tnLst>
-      <p:par>
-        <p:cTn id="1" dur="indefinite" restart="never" nodeType="tmRoot"/>
-      </p:par>
-    </p:tnLst>
-  </p:timing>
-</p:sld>
-</file>
-
-<file path=ppt/slides/slide16.xml><?xml version="1.0" encoding="utf-8"?>
-<p:sld xmlns:a="http://schemas.openxmlformats.org/drawingml/2006/main" xmlns:r="http://schemas.openxmlformats.org/officeDocument/2006/relationships" xmlns:p="http://schemas.openxmlformats.org/presentationml/2006/main">
-  <p:cSld>
-    <p:spTree>
-      <p:nvGrpSpPr>
-        <p:cNvPr id="1" name=""/>
-        <p:cNvGrpSpPr/>
-        <p:nvPr/>
-      </p:nvGrpSpPr>
-      <p:grpSpPr>
-        <a:xfrm>
-          <a:off x="0" y="0"/>
-          <a:ext cx="0" cy="0"/>
-          <a:chOff x="0" y="0"/>
-          <a:chExt cx="0" cy="0"/>
-        </a:xfrm>
-      </p:grpSpPr>
-      <p:sp>
-        <p:nvSpPr>
-          <p:cNvPr id="7" name="제목 1"/>
-          <p:cNvSpPr txBox="1">
-            <a:spLocks/>
-          </p:cNvSpPr>
-          <p:nvPr/>
-        </p:nvSpPr>
-        <p:spPr>
-          <a:xfrm>
-            <a:off x="838200" y="365125"/>
-            <a:ext cx="10515600" cy="1090189"/>
-          </a:xfrm>
-          <a:prstGeom prst="rect">
-            <a:avLst/>
-          </a:prstGeom>
-        </p:spPr>
-        <p:txBody>
-          <a:bodyPr vert="horz" lIns="91440" tIns="45720" rIns="91440" bIns="45720" rtlCol="0" anchor="ctr">
-            <a:normAutofit/>
-          </a:bodyPr>
-          <a:lstStyle>
-            <a:lvl1pPr algn="l" defTabSz="914400" rtl="0" eaLnBrk="1" latinLnBrk="1" hangingPunct="1">
-              <a:lnSpc>
-                <a:spcPct val="90000"/>
-              </a:lnSpc>
-              <a:spcBef>
-                <a:spcPct val="0"/>
-              </a:spcBef>
-              <a:buNone/>
-              <a:defRPr sz="4800" kern="1200">
-                <a:solidFill>
-                  <a:schemeClr val="accent4"/>
-                </a:solidFill>
-                <a:latin typeface="+mj-lt"/>
-                <a:ea typeface="+mj-ea"/>
-                <a:cs typeface="+mj-cs"/>
-              </a:defRPr>
-            </a:lvl1pPr>
-          </a:lstStyle>
-          <a:p>
-            <a:r>
-              <a:rPr lang="en-US" altLang="ko-KR" dirty="0" err="1" smtClean="0">
-                <a:latin typeface="함초롬돋움" panose="020B0604000101010101" pitchFamily="50" charset="-127"/>
-                <a:ea typeface="함초롬돋움" panose="020B0604000101010101" pitchFamily="50" charset="-127"/>
-                <a:cs typeface="함초롬돋움" panose="020B0604000101010101" pitchFamily="50" charset="-127"/>
-              </a:rPr>
-              <a:t>BindableBase</a:t>
-            </a:r>
-            <a:r>
-              <a:rPr lang="ko-KR" altLang="en-US" dirty="0" smtClean="0">
-                <a:latin typeface="함초롬돋움" panose="020B0604000101010101" pitchFamily="50" charset="-127"/>
-                <a:ea typeface="함초롬돋움" panose="020B0604000101010101" pitchFamily="50" charset="-127"/>
-                <a:cs typeface="함초롬돋움" panose="020B0604000101010101" pitchFamily="50" charset="-127"/>
-              </a:rPr>
-              <a:t>를</a:t>
-            </a:r>
-            <a:r>
-              <a:rPr lang="en-US" altLang="ko-KR" dirty="0" smtClean="0">
-                <a:latin typeface="함초롬돋움" panose="020B0604000101010101" pitchFamily="50" charset="-127"/>
-                <a:ea typeface="함초롬돋움" panose="020B0604000101010101" pitchFamily="50" charset="-127"/>
-                <a:cs typeface="함초롬돋움" panose="020B0604000101010101" pitchFamily="50" charset="-127"/>
-              </a:rPr>
-              <a:t> </a:t>
-            </a:r>
-            <a:r>
-              <a:rPr lang="ko-KR" altLang="en-US" dirty="0" smtClean="0">
-                <a:latin typeface="함초롬돋움" panose="020B0604000101010101" pitchFamily="50" charset="-127"/>
-                <a:ea typeface="함초롬돋움" panose="020B0604000101010101" pitchFamily="50" charset="-127"/>
-                <a:cs typeface="함초롬돋움" panose="020B0604000101010101" pitchFamily="50" charset="-127"/>
-              </a:rPr>
-              <a:t>사용한 뷰 모델</a:t>
-            </a:r>
             <a:endParaRPr lang="ko-KR" altLang="en-US" dirty="0">
               <a:latin typeface="함초롬돋움" panose="020B0604000101010101" pitchFamily="50" charset="-127"/>
               <a:ea typeface="함초롬돋움" panose="020B0604000101010101" pitchFamily="50" charset="-127"/>
@@ -4332,7 +4083,7 @@
         </p:nvGrpSpPr>
         <p:grpSpPr>
           <a:xfrm>
-            <a:off x="3779520" y="2144861"/>
+            <a:off x="6720840" y="2144861"/>
             <a:ext cx="4632960" cy="4380452"/>
             <a:chOff x="3779520" y="2144861"/>
             <a:chExt cx="4632960" cy="4380452"/>
@@ -4414,10 +4165,424 @@
           </p:txBody>
         </p:sp>
       </p:grpSp>
+      <p:pic>
+        <p:nvPicPr>
+          <p:cNvPr id="6" name="그림 5"/>
+          <p:cNvPicPr>
+            <a:picLocks noChangeAspect="1"/>
+          </p:cNvPicPr>
+          <p:nvPr/>
+        </p:nvPicPr>
+        <p:blipFill>
+          <a:blip r:embed="rId3"/>
+          <a:stretch>
+            <a:fillRect/>
+          </a:stretch>
+        </p:blipFill>
+        <p:spPr>
+          <a:xfrm>
+            <a:off x="1329518" y="2144861"/>
+            <a:ext cx="3267420" cy="4402258"/>
+          </a:xfrm>
+          <a:prstGeom prst="rect">
+            <a:avLst/>
+          </a:prstGeom>
+          <a:ln>
+            <a:solidFill>
+              <a:schemeClr val="tx1"/>
+            </a:solidFill>
+          </a:ln>
+        </p:spPr>
+      </p:pic>
+      <p:sp>
+        <p:nvSpPr>
+          <p:cNvPr id="3" name="TextBox 2"/>
+          <p:cNvSpPr txBox="1"/>
+          <p:nvPr/>
+        </p:nvSpPr>
+        <p:spPr>
+          <a:xfrm>
+            <a:off x="1329518" y="1775529"/>
+            <a:ext cx="3956532" cy="369332"/>
+          </a:xfrm>
+          <a:prstGeom prst="rect">
+            <a:avLst/>
+          </a:prstGeom>
+          <a:noFill/>
+        </p:spPr>
+        <p:txBody>
+          <a:bodyPr wrap="none" rtlCol="0">
+            <a:spAutoFit/>
+          </a:bodyPr>
+          <a:lstStyle/>
+          <a:p>
+            <a:r>
+              <a:rPr lang="en-US" altLang="ko-KR" dirty="0" err="1" smtClean="0"/>
+              <a:t>BindableBase</a:t>
+            </a:r>
+            <a:r>
+              <a:rPr lang="en-US" altLang="ko-KR" dirty="0" smtClean="0"/>
+              <a:t> </a:t>
+            </a:r>
+            <a:r>
+              <a:rPr lang="ko-KR" altLang="en-US" dirty="0" smtClean="0"/>
+              <a:t>적용 </a:t>
+            </a:r>
+            <a:r>
+              <a:rPr lang="ko-KR" altLang="en-US" dirty="0" smtClean="0"/>
+              <a:t>하지 않은 </a:t>
+            </a:r>
+            <a:r>
+              <a:rPr lang="ko-KR" altLang="en-US" dirty="0" err="1" smtClean="0"/>
+              <a:t>뷰모델</a:t>
+            </a:r>
+            <a:endParaRPr lang="ko-KR" altLang="en-US" dirty="0"/>
+          </a:p>
+        </p:txBody>
+      </p:sp>
+      <p:sp>
+        <p:nvSpPr>
+          <p:cNvPr id="8" name="TextBox 7"/>
+          <p:cNvSpPr txBox="1"/>
+          <p:nvPr/>
+        </p:nvSpPr>
+        <p:spPr>
+          <a:xfrm>
+            <a:off x="6720840" y="1775529"/>
+            <a:ext cx="3145413" cy="369332"/>
+          </a:xfrm>
+          <a:prstGeom prst="rect">
+            <a:avLst/>
+          </a:prstGeom>
+          <a:noFill/>
+        </p:spPr>
+        <p:txBody>
+          <a:bodyPr wrap="none" rtlCol="0">
+            <a:spAutoFit/>
+          </a:bodyPr>
+          <a:lstStyle/>
+          <a:p>
+            <a:r>
+              <a:rPr lang="en-US" altLang="ko-KR" dirty="0" err="1" smtClean="0"/>
+              <a:t>BindableBase</a:t>
+            </a:r>
+            <a:r>
+              <a:rPr lang="en-US" altLang="ko-KR" dirty="0" smtClean="0"/>
+              <a:t> </a:t>
+            </a:r>
+            <a:r>
+              <a:rPr lang="ko-KR" altLang="en-US" dirty="0" smtClean="0"/>
+              <a:t>적용한 </a:t>
+            </a:r>
+            <a:r>
+              <a:rPr lang="ko-KR" altLang="en-US" dirty="0" err="1" smtClean="0"/>
+              <a:t>뷰모델</a:t>
+            </a:r>
+            <a:endParaRPr lang="ko-KR" altLang="en-US" dirty="0"/>
+          </a:p>
+        </p:txBody>
+      </p:sp>
+      <p:sp>
+        <p:nvSpPr>
+          <p:cNvPr id="10" name="직사각형 9"/>
+          <p:cNvSpPr/>
+          <p:nvPr/>
+        </p:nvSpPr>
+        <p:spPr>
+          <a:xfrm>
+            <a:off x="1579417" y="4081549"/>
+            <a:ext cx="2992582" cy="1379913"/>
+          </a:xfrm>
+          <a:prstGeom prst="rect">
+            <a:avLst/>
+          </a:prstGeom>
+          <a:noFill/>
+          <a:ln>
+            <a:solidFill>
+              <a:srgbClr val="FF0000"/>
+            </a:solidFill>
+          </a:ln>
+        </p:spPr>
+        <p:style>
+          <a:lnRef idx="2">
+            <a:schemeClr val="accent1">
+              <a:shade val="50000"/>
+            </a:schemeClr>
+          </a:lnRef>
+          <a:fillRef idx="1">
+            <a:schemeClr val="accent1"/>
+          </a:fillRef>
+          <a:effectRef idx="0">
+            <a:schemeClr val="accent1"/>
+          </a:effectRef>
+          <a:fontRef idx="minor">
+            <a:schemeClr val="lt1"/>
+          </a:fontRef>
+        </p:style>
+        <p:txBody>
+          <a:bodyPr rtlCol="0" anchor="ctr"/>
+          <a:lstStyle/>
+          <a:p>
+            <a:pPr algn="ctr"/>
+            <a:endParaRPr lang="ko-KR" altLang="en-US"/>
+          </a:p>
+        </p:txBody>
+      </p:sp>
+      <p:cxnSp>
+        <p:nvCxnSpPr>
+          <p:cNvPr id="14" name="직선 화살표 연결선 13"/>
+          <p:cNvCxnSpPr/>
+          <p:nvPr/>
+        </p:nvCxnSpPr>
+        <p:spPr>
+          <a:xfrm flipH="1">
+            <a:off x="4621874" y="4825538"/>
+            <a:ext cx="2400992" cy="0"/>
+          </a:xfrm>
+          <a:prstGeom prst="straightConnector1">
+            <a:avLst/>
+          </a:prstGeom>
+          <a:ln>
+            <a:solidFill>
+              <a:srgbClr val="FF0000"/>
+            </a:solidFill>
+            <a:headEnd type="triangle"/>
+            <a:tailEnd type="none"/>
+          </a:ln>
+        </p:spPr>
+        <p:style>
+          <a:lnRef idx="1">
+            <a:schemeClr val="accent1"/>
+          </a:lnRef>
+          <a:fillRef idx="0">
+            <a:schemeClr val="accent1"/>
+          </a:fillRef>
+          <a:effectRef idx="0">
+            <a:schemeClr val="accent1"/>
+          </a:effectRef>
+          <a:fontRef idx="minor">
+            <a:schemeClr val="tx1"/>
+          </a:fontRef>
+        </p:style>
+      </p:cxnSp>
     </p:spTree>
     <p:extLst>
       <p:ext uri="{BB962C8B-B14F-4D97-AF65-F5344CB8AC3E}">
         <p14:creationId xmlns:p14="http://schemas.microsoft.com/office/powerpoint/2010/main" val="1486528863"/>
+      </p:ext>
+    </p:extLst>
+  </p:cSld>
+  <p:clrMapOvr>
+    <a:masterClrMapping/>
+  </p:clrMapOvr>
+  <p:timing>
+    <p:tnLst>
+      <p:par>
+        <p:cTn id="1" dur="indefinite" restart="never" nodeType="tmRoot"/>
+      </p:par>
+    </p:tnLst>
+  </p:timing>
+</p:sld>
+</file>
+
+<file path=ppt/slides/slide16.xml><?xml version="1.0" encoding="utf-8"?>
+<p:sld xmlns:a="http://schemas.openxmlformats.org/drawingml/2006/main" xmlns:r="http://schemas.openxmlformats.org/officeDocument/2006/relationships" xmlns:p="http://schemas.openxmlformats.org/presentationml/2006/main">
+  <p:cSld>
+    <p:spTree>
+      <p:nvGrpSpPr>
+        <p:cNvPr id="1" name=""/>
+        <p:cNvGrpSpPr/>
+        <p:nvPr/>
+      </p:nvGrpSpPr>
+      <p:grpSpPr>
+        <a:xfrm>
+          <a:off x="0" y="0"/>
+          <a:ext cx="0" cy="0"/>
+          <a:chOff x="0" y="0"/>
+          <a:chExt cx="0" cy="0"/>
+        </a:xfrm>
+      </p:grpSpPr>
+      <p:sp>
+        <p:nvSpPr>
+          <p:cNvPr id="7" name="제목 1"/>
+          <p:cNvSpPr txBox="1">
+            <a:spLocks/>
+          </p:cNvSpPr>
+          <p:nvPr/>
+        </p:nvSpPr>
+        <p:spPr>
+          <a:xfrm>
+            <a:off x="838200" y="365125"/>
+            <a:ext cx="10515600" cy="1090189"/>
+          </a:xfrm>
+          <a:prstGeom prst="rect">
+            <a:avLst/>
+          </a:prstGeom>
+        </p:spPr>
+        <p:txBody>
+          <a:bodyPr vert="horz" lIns="91440" tIns="45720" rIns="91440" bIns="45720" rtlCol="0" anchor="ctr">
+            <a:normAutofit/>
+          </a:bodyPr>
+          <a:lstStyle>
+            <a:lvl1pPr algn="l" defTabSz="914400" rtl="0" eaLnBrk="1" latinLnBrk="1" hangingPunct="1">
+              <a:lnSpc>
+                <a:spcPct val="90000"/>
+              </a:lnSpc>
+              <a:spcBef>
+                <a:spcPct val="0"/>
+              </a:spcBef>
+              <a:buNone/>
+              <a:defRPr sz="4800" kern="1200">
+                <a:solidFill>
+                  <a:schemeClr val="accent4"/>
+                </a:solidFill>
+                <a:latin typeface="+mj-lt"/>
+                <a:ea typeface="+mj-ea"/>
+                <a:cs typeface="+mj-cs"/>
+              </a:defRPr>
+            </a:lvl1pPr>
+          </a:lstStyle>
+          <a:p>
+            <a:r>
+              <a:rPr lang="en-US" altLang="ko-KR" dirty="0" err="1" smtClean="0">
+                <a:latin typeface="함초롬돋움" panose="020B0604000101010101" pitchFamily="50" charset="-127"/>
+                <a:ea typeface="함초롬돋움" panose="020B0604000101010101" pitchFamily="50" charset="-127"/>
+                <a:cs typeface="함초롬돋움" panose="020B0604000101010101" pitchFamily="50" charset="-127"/>
+              </a:rPr>
+              <a:t>INotifyCollectionChanged</a:t>
+            </a:r>
+            <a:endParaRPr lang="ko-KR" altLang="en-US" dirty="0">
+              <a:latin typeface="함초롬돋움" panose="020B0604000101010101" pitchFamily="50" charset="-127"/>
+              <a:ea typeface="함초롬돋움" panose="020B0604000101010101" pitchFamily="50" charset="-127"/>
+              <a:cs typeface="함초롬돋움" panose="020B0604000101010101" pitchFamily="50" charset="-127"/>
+            </a:endParaRPr>
+          </a:p>
+        </p:txBody>
+      </p:sp>
+      <p:sp>
+        <p:nvSpPr>
+          <p:cNvPr id="2" name="내용 개체 틀 1"/>
+          <p:cNvSpPr>
+            <a:spLocks noGrp="1"/>
+          </p:cNvSpPr>
+          <p:nvPr>
+            <p:ph idx="1"/>
+          </p:nvPr>
+        </p:nvSpPr>
+        <p:spPr/>
+        <p:txBody>
+          <a:bodyPr/>
+          <a:lstStyle/>
+          <a:p>
+            <a:r>
+              <a:rPr lang="ko-KR" altLang="en-US" dirty="0" smtClean="0">
+                <a:latin typeface="+mn-ea"/>
+                <a:cs typeface="함초롬돋움" panose="020B0604000101010101" pitchFamily="50" charset="-127"/>
+              </a:rPr>
+              <a:t>뷰 모델에 컬렉션의 아이템이 변경 되었을 때 </a:t>
+            </a:r>
+            <a:r>
+              <a:rPr lang="en-US" altLang="ko-KR" dirty="0" smtClean="0">
+                <a:latin typeface="+mn-ea"/>
+                <a:cs typeface="함초롬돋움" panose="020B0604000101010101" pitchFamily="50" charset="-127"/>
+              </a:rPr>
+              <a:t>UI</a:t>
+            </a:r>
+            <a:r>
+              <a:rPr lang="ko-KR" altLang="en-US" dirty="0" smtClean="0">
+                <a:latin typeface="+mn-ea"/>
+                <a:cs typeface="함초롬돋움" panose="020B0604000101010101" pitchFamily="50" charset="-127"/>
+              </a:rPr>
+              <a:t>에 변경된 컬렉션을 알리기 위한 인터페이스</a:t>
+            </a:r>
+            <a:endParaRPr lang="en-US" altLang="ko-KR" dirty="0" smtClean="0">
+              <a:latin typeface="+mn-ea"/>
+              <a:cs typeface="함초롬돋움" panose="020B0604000101010101" pitchFamily="50" charset="-127"/>
+            </a:endParaRPr>
+          </a:p>
+          <a:p>
+            <a:pPr marL="0" indent="0">
+              <a:buNone/>
+            </a:pPr>
+            <a:endParaRPr lang="en-US" altLang="ko-KR" dirty="0"/>
+          </a:p>
+          <a:p>
+            <a:r>
+              <a:rPr lang="ko-KR" altLang="en-US" dirty="0" smtClean="0"/>
+              <a:t>이미 </a:t>
+            </a:r>
+            <a:r>
+              <a:rPr lang="en-US" altLang="ko-KR" dirty="0" err="1" smtClean="0"/>
+              <a:t>ObsevableCollection</a:t>
+            </a:r>
+            <a:r>
+              <a:rPr lang="en-US" altLang="ko-KR" dirty="0" smtClean="0"/>
+              <a:t>&lt;T&gt;</a:t>
+            </a:r>
+            <a:r>
+              <a:rPr lang="ko-KR" altLang="en-US" dirty="0" smtClean="0"/>
+              <a:t>로 구현 되어 </a:t>
+            </a:r>
+            <a:r>
+              <a:rPr lang="ko-KR" altLang="en-US" dirty="0" smtClean="0"/>
+              <a:t>있음</a:t>
+            </a:r>
+            <a:endParaRPr lang="en-US" altLang="ko-KR" dirty="0" smtClean="0"/>
+          </a:p>
+        </p:txBody>
+      </p:sp>
+      <p:pic>
+        <p:nvPicPr>
+          <p:cNvPr id="3" name="그림 2"/>
+          <p:cNvPicPr>
+            <a:picLocks noChangeAspect="1"/>
+          </p:cNvPicPr>
+          <p:nvPr/>
+        </p:nvPicPr>
+        <p:blipFill>
+          <a:blip r:embed="rId2"/>
+          <a:stretch>
+            <a:fillRect/>
+          </a:stretch>
+        </p:blipFill>
+        <p:spPr>
+          <a:xfrm>
+            <a:off x="987644" y="4451230"/>
+            <a:ext cx="4985046" cy="1923666"/>
+          </a:xfrm>
+          <a:prstGeom prst="rect">
+            <a:avLst/>
+          </a:prstGeom>
+        </p:spPr>
+      </p:pic>
+      <p:pic>
+        <p:nvPicPr>
+          <p:cNvPr id="4" name="그림 3"/>
+          <p:cNvPicPr>
+            <a:picLocks noChangeAspect="1"/>
+          </p:cNvPicPr>
+          <p:nvPr/>
+        </p:nvPicPr>
+        <p:blipFill>
+          <a:blip r:embed="rId3"/>
+          <a:stretch>
+            <a:fillRect/>
+          </a:stretch>
+        </p:blipFill>
+        <p:spPr>
+          <a:xfrm>
+            <a:off x="6389713" y="4080153"/>
+            <a:ext cx="5381110" cy="2492676"/>
+          </a:xfrm>
+          <a:prstGeom prst="rect">
+            <a:avLst/>
+          </a:prstGeom>
+        </p:spPr>
+      </p:pic>
+    </p:spTree>
+    <p:extLst>
+      <p:ext uri="{BB962C8B-B14F-4D97-AF65-F5344CB8AC3E}">
+        <p14:creationId xmlns:p14="http://schemas.microsoft.com/office/powerpoint/2010/main" val="3431166726"/>
       </p:ext>
     </p:extLst>
   </p:cSld>
@@ -4498,7 +4663,23 @@
                 <a:ea typeface="함초롬돋움" panose="020B0604000101010101" pitchFamily="50" charset="-127"/>
                 <a:cs typeface="함초롬돋움" panose="020B0604000101010101" pitchFamily="50" charset="-127"/>
               </a:rPr>
-              <a:t>INotifyCollectionChanged</a:t>
+              <a:t>ObservableCollection</a:t>
+            </a:r>
+            <a:r>
+              <a:rPr lang="en-US" altLang="ko-KR" dirty="0" smtClean="0">
+                <a:latin typeface="함초롬돋움" panose="020B0604000101010101" pitchFamily="50" charset="-127"/>
+                <a:ea typeface="함초롬돋움" panose="020B0604000101010101" pitchFamily="50" charset="-127"/>
+                <a:cs typeface="함초롬돋움" panose="020B0604000101010101" pitchFamily="50" charset="-127"/>
+              </a:rPr>
+              <a:t> </a:t>
+            </a:r>
+            <a:r>
+              <a:rPr lang="ko-KR" altLang="en-US" dirty="0" smtClean="0">
+                <a:latin typeface="함초롬돋움" panose="020B0604000101010101" pitchFamily="50" charset="-127"/>
+                <a:ea typeface="함초롬돋움" panose="020B0604000101010101" pitchFamily="50" charset="-127"/>
+                <a:cs typeface="함초롬돋움" panose="020B0604000101010101" pitchFamily="50" charset="-127"/>
+              </a:rPr>
+              <a:t>사용 예제</a:t>
             </a:r>
             <a:endParaRPr lang="ko-KR" altLang="en-US" dirty="0">
               <a:latin typeface="함초롬돋움" panose="020B0604000101010101" pitchFamily="50" charset="-127"/>
@@ -4524,213 +4705,13 @@
           <a:lstStyle/>
           <a:p>
             <a:r>
-              <a:rPr lang="ko-KR" altLang="en-US" dirty="0" smtClean="0">
-                <a:latin typeface="+mn-ea"/>
-                <a:cs typeface="함초롬돋움" panose="020B0604000101010101" pitchFamily="50" charset="-127"/>
-              </a:rPr>
-              <a:t>뷰 모델에 컬렉션의 아이템이 변경 되었을 때 </a:t>
-            </a:r>
-            <a:r>
-              <a:rPr lang="en-US" altLang="ko-KR" dirty="0" smtClean="0">
-                <a:latin typeface="+mn-ea"/>
-                <a:cs typeface="함초롬돋움" panose="020B0604000101010101" pitchFamily="50" charset="-127"/>
-              </a:rPr>
-              <a:t>UI</a:t>
-            </a:r>
-            <a:r>
-              <a:rPr lang="ko-KR" altLang="en-US" dirty="0" smtClean="0">
-                <a:latin typeface="+mn-ea"/>
-                <a:cs typeface="함초롬돋움" panose="020B0604000101010101" pitchFamily="50" charset="-127"/>
-              </a:rPr>
-              <a:t>에 변경된 컬렉션을 알리기 위한 인터페이스</a:t>
-            </a:r>
-            <a:endParaRPr lang="en-US" altLang="ko-KR" dirty="0" smtClean="0">
-              <a:latin typeface="+mn-ea"/>
-              <a:cs typeface="함초롬돋움" panose="020B0604000101010101" pitchFamily="50" charset="-127"/>
-            </a:endParaRPr>
-          </a:p>
-          <a:p>
-            <a:pPr marL="0" indent="0">
-              <a:buNone/>
-            </a:pPr>
-            <a:endParaRPr lang="en-US" altLang="ko-KR" dirty="0"/>
-          </a:p>
-          <a:p>
+              <a:rPr lang="en-US" altLang="ko-KR" dirty="0" smtClean="0"/>
+              <a:t>XAML </a:t>
+            </a:r>
             <a:r>
               <a:rPr lang="ko-KR" altLang="en-US" dirty="0" smtClean="0"/>
-              <a:t>이미 </a:t>
-            </a:r>
-            <a:r>
-              <a:rPr lang="en-US" altLang="ko-KR" dirty="0" err="1" smtClean="0"/>
-              <a:t>ObserableCollection</a:t>
-            </a:r>
-            <a:r>
-              <a:rPr lang="en-US" altLang="ko-KR" dirty="0" smtClean="0"/>
-              <a:t>&lt;T&gt;</a:t>
-            </a:r>
-            <a:r>
-              <a:rPr lang="ko-KR" altLang="en-US" dirty="0" smtClean="0"/>
-              <a:t>로 구현 되어 있음</a:t>
-            </a:r>
-            <a:endParaRPr lang="en-US" altLang="ko-KR" dirty="0"/>
-          </a:p>
-        </p:txBody>
-      </p:sp>
-      <p:pic>
-        <p:nvPicPr>
-          <p:cNvPr id="3" name="그림 2"/>
-          <p:cNvPicPr>
-            <a:picLocks noChangeAspect="1"/>
-          </p:cNvPicPr>
-          <p:nvPr/>
-        </p:nvPicPr>
-        <p:blipFill>
-          <a:blip r:embed="rId2"/>
-          <a:stretch>
-            <a:fillRect/>
-          </a:stretch>
-        </p:blipFill>
-        <p:spPr>
-          <a:xfrm>
-            <a:off x="6368754" y="4253296"/>
-            <a:ext cx="4985046" cy="1923666"/>
-          </a:xfrm>
-          <a:prstGeom prst="rect">
-            <a:avLst/>
-          </a:prstGeom>
-        </p:spPr>
-      </p:pic>
-    </p:spTree>
-    <p:extLst>
-      <p:ext uri="{BB962C8B-B14F-4D97-AF65-F5344CB8AC3E}">
-        <p14:creationId xmlns:p14="http://schemas.microsoft.com/office/powerpoint/2010/main" val="3431166726"/>
-      </p:ext>
-    </p:extLst>
-  </p:cSld>
-  <p:clrMapOvr>
-    <a:masterClrMapping/>
-  </p:clrMapOvr>
-  <p:timing>
-    <p:tnLst>
-      <p:par>
-        <p:cTn id="1" dur="indefinite" restart="never" nodeType="tmRoot"/>
-      </p:par>
-    </p:tnLst>
-  </p:timing>
-</p:sld>
-</file>
-
-<file path=ppt/slides/slide18.xml><?xml version="1.0" encoding="utf-8"?>
-<p:sld xmlns:a="http://schemas.openxmlformats.org/drawingml/2006/main" xmlns:r="http://schemas.openxmlformats.org/officeDocument/2006/relationships" xmlns:p="http://schemas.openxmlformats.org/presentationml/2006/main">
-  <p:cSld>
-    <p:spTree>
-      <p:nvGrpSpPr>
-        <p:cNvPr id="1" name=""/>
-        <p:cNvGrpSpPr/>
-        <p:nvPr/>
-      </p:nvGrpSpPr>
-      <p:grpSpPr>
-        <a:xfrm>
-          <a:off x="0" y="0"/>
-          <a:ext cx="0" cy="0"/>
-          <a:chOff x="0" y="0"/>
-          <a:chExt cx="0" cy="0"/>
-        </a:xfrm>
-      </p:grpSpPr>
-      <p:sp>
-        <p:nvSpPr>
-          <p:cNvPr id="7" name="제목 1"/>
-          <p:cNvSpPr txBox="1">
-            <a:spLocks/>
-          </p:cNvSpPr>
-          <p:nvPr/>
-        </p:nvSpPr>
-        <p:spPr>
-          <a:xfrm>
-            <a:off x="838200" y="365125"/>
-            <a:ext cx="10515600" cy="1090189"/>
-          </a:xfrm>
-          <a:prstGeom prst="rect">
-            <a:avLst/>
-          </a:prstGeom>
-        </p:spPr>
-        <p:txBody>
-          <a:bodyPr vert="horz" lIns="91440" tIns="45720" rIns="91440" bIns="45720" rtlCol="0" anchor="ctr">
-            <a:normAutofit/>
-          </a:bodyPr>
-          <a:lstStyle>
-            <a:lvl1pPr algn="l" defTabSz="914400" rtl="0" eaLnBrk="1" latinLnBrk="1" hangingPunct="1">
-              <a:lnSpc>
-                <a:spcPct val="90000"/>
-              </a:lnSpc>
-              <a:spcBef>
-                <a:spcPct val="0"/>
-              </a:spcBef>
-              <a:buNone/>
-              <a:defRPr sz="4800" kern="1200">
-                <a:solidFill>
-                  <a:schemeClr val="accent4"/>
-                </a:solidFill>
-                <a:latin typeface="+mj-lt"/>
-                <a:ea typeface="+mj-ea"/>
-                <a:cs typeface="+mj-cs"/>
-              </a:defRPr>
-            </a:lvl1pPr>
-          </a:lstStyle>
-          <a:p>
-            <a:r>
-              <a:rPr lang="en-US" altLang="ko-KR" dirty="0" err="1" smtClean="0">
-                <a:latin typeface="함초롬돋움" panose="020B0604000101010101" pitchFamily="50" charset="-127"/>
-                <a:ea typeface="함초롬돋움" panose="020B0604000101010101" pitchFamily="50" charset="-127"/>
-                <a:cs typeface="함초롬돋움" panose="020B0604000101010101" pitchFamily="50" charset="-127"/>
-              </a:rPr>
-              <a:t>ObservableCollection</a:t>
-            </a:r>
-            <a:r>
-              <a:rPr lang="en-US" altLang="ko-KR" dirty="0" smtClean="0">
-                <a:latin typeface="함초롬돋움" panose="020B0604000101010101" pitchFamily="50" charset="-127"/>
-                <a:ea typeface="함초롬돋움" panose="020B0604000101010101" pitchFamily="50" charset="-127"/>
-                <a:cs typeface="함초롬돋움" panose="020B0604000101010101" pitchFamily="50" charset="-127"/>
-              </a:rPr>
-              <a:t> </a:t>
-            </a:r>
-            <a:r>
-              <a:rPr lang="ko-KR" altLang="en-US" dirty="0" smtClean="0">
-                <a:latin typeface="함초롬돋움" panose="020B0604000101010101" pitchFamily="50" charset="-127"/>
-                <a:ea typeface="함초롬돋움" panose="020B0604000101010101" pitchFamily="50" charset="-127"/>
-                <a:cs typeface="함초롬돋움" panose="020B0604000101010101" pitchFamily="50" charset="-127"/>
-              </a:rPr>
-              <a:t>사용 예제</a:t>
-            </a:r>
-            <a:endParaRPr lang="ko-KR" altLang="en-US" dirty="0">
-              <a:latin typeface="함초롬돋움" panose="020B0604000101010101" pitchFamily="50" charset="-127"/>
-              <a:ea typeface="함초롬돋움" panose="020B0604000101010101" pitchFamily="50" charset="-127"/>
-              <a:cs typeface="함초롬돋움" panose="020B0604000101010101" pitchFamily="50" charset="-127"/>
-            </a:endParaRPr>
-          </a:p>
-        </p:txBody>
-      </p:sp>
-      <p:sp>
-        <p:nvSpPr>
-          <p:cNvPr id="2" name="내용 개체 틀 1"/>
-          <p:cNvSpPr>
-            <a:spLocks noGrp="1"/>
-          </p:cNvSpPr>
-          <p:nvPr>
-            <p:ph idx="1"/>
-          </p:nvPr>
-        </p:nvSpPr>
-        <p:spPr/>
-        <p:txBody>
-          <a:bodyPr/>
-          <a:lstStyle/>
-          <a:p>
-            <a:pPr marL="0" indent="0">
-              <a:buNone/>
-            </a:pPr>
-            <a:endParaRPr lang="en-US" altLang="ko-KR" dirty="0"/>
-          </a:p>
-          <a:p>
+              <a:t>코드</a:t>
+            </a:r>
             <a:endParaRPr lang="en-US" altLang="ko-KR" dirty="0"/>
           </a:p>
         </p:txBody>
@@ -4993,7 +4974,7 @@
 </p:sld>
 </file>
 
-<file path=ppt/slides/slide19.xml><?xml version="1.0" encoding="utf-8"?>
+<file path=ppt/slides/slide18.xml><?xml version="1.0" encoding="utf-8"?>
 <p:sld xmlns:a="http://schemas.openxmlformats.org/drawingml/2006/main" xmlns:r="http://schemas.openxmlformats.org/officeDocument/2006/relationships" xmlns:p="http://schemas.openxmlformats.org/presentationml/2006/main">
   <p:cSld>
     <p:spTree>
@@ -5119,7 +5100,7 @@
         </p:blipFill>
         <p:spPr>
           <a:xfrm>
-            <a:off x="3867150" y="2173691"/>
+            <a:off x="3991841" y="2323320"/>
             <a:ext cx="4457700" cy="4448175"/>
           </a:xfrm>
           <a:prstGeom prst="rect">
@@ -5132,10 +5113,333 @@
           </a:ln>
         </p:spPr>
       </p:pic>
+      <p:sp>
+        <p:nvSpPr>
+          <p:cNvPr id="3" name="TextBox 2"/>
+          <p:cNvSpPr txBox="1"/>
+          <p:nvPr/>
+        </p:nvSpPr>
+        <p:spPr>
+          <a:xfrm>
+            <a:off x="3991841" y="1874639"/>
+            <a:ext cx="2146742" cy="369332"/>
+          </a:xfrm>
+          <a:prstGeom prst="rect">
+            <a:avLst/>
+          </a:prstGeom>
+          <a:noFill/>
+        </p:spPr>
+        <p:txBody>
+          <a:bodyPr wrap="none" rtlCol="0">
+            <a:spAutoFit/>
+          </a:bodyPr>
+          <a:lstStyle/>
+          <a:p>
+            <a:pPr marL="285750" indent="-285750">
+              <a:buFont typeface="Arial" panose="020B0604020202020204" pitchFamily="34" charset="0"/>
+              <a:buChar char="•"/>
+            </a:pPr>
+            <a:r>
+              <a:rPr lang="en-US" altLang="ko-KR" err="1" smtClean="0"/>
+              <a:t>ViewModel</a:t>
+            </a:r>
+            <a:r>
+              <a:rPr lang="en-US" altLang="ko-KR" dirty="0" smtClean="0"/>
+              <a:t> </a:t>
+            </a:r>
+            <a:r>
+              <a:rPr lang="ko-KR" altLang="en-US" dirty="0" smtClean="0"/>
+              <a:t>코드</a:t>
+            </a:r>
+            <a:endParaRPr lang="ko-KR" altLang="en-US" dirty="0"/>
+          </a:p>
+        </p:txBody>
+      </p:sp>
     </p:spTree>
     <p:extLst>
       <p:ext uri="{BB962C8B-B14F-4D97-AF65-F5344CB8AC3E}">
         <p14:creationId xmlns:p14="http://schemas.microsoft.com/office/powerpoint/2010/main" val="2326898205"/>
+      </p:ext>
+    </p:extLst>
+  </p:cSld>
+  <p:clrMapOvr>
+    <a:masterClrMapping/>
+  </p:clrMapOvr>
+  <p:timing>
+    <p:tnLst>
+      <p:par>
+        <p:cTn id="1" dur="indefinite" restart="never" nodeType="tmRoot"/>
+      </p:par>
+    </p:tnLst>
+  </p:timing>
+</p:sld>
+</file>
+
+<file path=ppt/slides/slide19.xml><?xml version="1.0" encoding="utf-8"?>
+<p:sld xmlns:a="http://schemas.openxmlformats.org/drawingml/2006/main" xmlns:r="http://schemas.openxmlformats.org/officeDocument/2006/relationships" xmlns:p="http://schemas.openxmlformats.org/presentationml/2006/main">
+  <p:cSld>
+    <p:spTree>
+      <p:nvGrpSpPr>
+        <p:cNvPr id="1" name=""/>
+        <p:cNvGrpSpPr/>
+        <p:nvPr/>
+      </p:nvGrpSpPr>
+      <p:grpSpPr>
+        <a:xfrm>
+          <a:off x="0" y="0"/>
+          <a:ext cx="0" cy="0"/>
+          <a:chOff x="0" y="0"/>
+          <a:chExt cx="0" cy="0"/>
+        </a:xfrm>
+      </p:grpSpPr>
+      <p:sp>
+        <p:nvSpPr>
+          <p:cNvPr id="7" name="제목 1"/>
+          <p:cNvSpPr txBox="1">
+            <a:spLocks/>
+          </p:cNvSpPr>
+          <p:nvPr/>
+        </p:nvSpPr>
+        <p:spPr>
+          <a:xfrm>
+            <a:off x="838200" y="365125"/>
+            <a:ext cx="10515600" cy="1090189"/>
+          </a:xfrm>
+          <a:prstGeom prst="rect">
+            <a:avLst/>
+          </a:prstGeom>
+        </p:spPr>
+        <p:txBody>
+          <a:bodyPr vert="horz" lIns="91440" tIns="45720" rIns="91440" bIns="45720" rtlCol="0" anchor="ctr">
+            <a:normAutofit/>
+          </a:bodyPr>
+          <a:lstStyle>
+            <a:lvl1pPr algn="l" defTabSz="914400" rtl="0" eaLnBrk="1" latinLnBrk="1" hangingPunct="1">
+              <a:lnSpc>
+                <a:spcPct val="90000"/>
+              </a:lnSpc>
+              <a:spcBef>
+                <a:spcPct val="0"/>
+              </a:spcBef>
+              <a:buNone/>
+              <a:defRPr sz="4800" kern="1200">
+                <a:solidFill>
+                  <a:schemeClr val="accent4"/>
+                </a:solidFill>
+                <a:latin typeface="+mj-lt"/>
+                <a:ea typeface="+mj-ea"/>
+                <a:cs typeface="+mj-cs"/>
+              </a:defRPr>
+            </a:lvl1pPr>
+          </a:lstStyle>
+          <a:p>
+            <a:r>
+              <a:rPr lang="ko-KR" altLang="en-US" dirty="0" smtClean="0">
+                <a:latin typeface="함초롬돋움" panose="020B0604000101010101" pitchFamily="50" charset="-127"/>
+                <a:ea typeface="함초롬돋움" panose="020B0604000101010101" pitchFamily="50" charset="-127"/>
+                <a:cs typeface="함초롬돋움" panose="020B0604000101010101" pitchFamily="50" charset="-127"/>
+              </a:rPr>
+              <a:t>더 나아가기 </a:t>
+            </a:r>
+            <a:endParaRPr lang="ko-KR" altLang="en-US" dirty="0">
+              <a:latin typeface="함초롬돋움" panose="020B0604000101010101" pitchFamily="50" charset="-127"/>
+              <a:ea typeface="함초롬돋움" panose="020B0604000101010101" pitchFamily="50" charset="-127"/>
+              <a:cs typeface="함초롬돋움" panose="020B0604000101010101" pitchFamily="50" charset="-127"/>
+            </a:endParaRPr>
+          </a:p>
+        </p:txBody>
+      </p:sp>
+      <p:sp>
+        <p:nvSpPr>
+          <p:cNvPr id="2" name="내용 개체 틀 1"/>
+          <p:cNvSpPr>
+            <a:spLocks noGrp="1"/>
+          </p:cNvSpPr>
+          <p:nvPr>
+            <p:ph idx="1"/>
+          </p:nvPr>
+        </p:nvSpPr>
+        <p:spPr/>
+        <p:txBody>
+          <a:bodyPr/>
+          <a:lstStyle/>
+          <a:p>
+            <a:r>
+              <a:rPr lang="ko-KR" altLang="en-US" dirty="0" smtClean="0">
+                <a:latin typeface="+mn-ea"/>
+                <a:cs typeface="함초롬돋움" panose="020B0604000101010101" pitchFamily="50" charset="-127"/>
+              </a:rPr>
+              <a:t>해당 프로그램에 컬렉션을 </a:t>
+            </a:r>
+            <a:r>
+              <a:rPr lang="ko-KR" altLang="en-US" dirty="0" err="1" smtClean="0">
+                <a:latin typeface="+mn-ea"/>
+                <a:cs typeface="함초롬돋움" panose="020B0604000101010101" pitchFamily="50" charset="-127"/>
+              </a:rPr>
+              <a:t>필터링</a:t>
+            </a:r>
+            <a:r>
+              <a:rPr lang="en-US" altLang="ko-KR" dirty="0" smtClean="0">
+                <a:latin typeface="+mn-ea"/>
+                <a:cs typeface="함초롬돋움" panose="020B0604000101010101" pitchFamily="50" charset="-127"/>
+              </a:rPr>
+              <a:t>, </a:t>
+            </a:r>
+            <a:r>
+              <a:rPr lang="ko-KR" altLang="en-US" dirty="0" smtClean="0">
+                <a:latin typeface="+mn-ea"/>
+                <a:cs typeface="함초롬돋움" panose="020B0604000101010101" pitchFamily="50" charset="-127"/>
+              </a:rPr>
+              <a:t>정렬</a:t>
+            </a:r>
+            <a:r>
+              <a:rPr lang="en-US" altLang="ko-KR" dirty="0" smtClean="0">
+                <a:latin typeface="+mn-ea"/>
+                <a:cs typeface="함초롬돋움" panose="020B0604000101010101" pitchFamily="50" charset="-127"/>
+              </a:rPr>
+              <a:t>, </a:t>
+            </a:r>
+            <a:r>
+              <a:rPr lang="ko-KR" altLang="en-US" dirty="0" smtClean="0">
+                <a:latin typeface="+mn-ea"/>
+                <a:cs typeface="함초롬돋움" panose="020B0604000101010101" pitchFamily="50" charset="-127"/>
+              </a:rPr>
+              <a:t>그룹화 기능 추가 해야함</a:t>
+            </a:r>
+            <a:endParaRPr lang="en-US" altLang="ko-KR" dirty="0" smtClean="0">
+              <a:latin typeface="+mn-ea"/>
+              <a:cs typeface="함초롬돋움" panose="020B0604000101010101" pitchFamily="50" charset="-127"/>
+            </a:endParaRPr>
+          </a:p>
+          <a:p>
+            <a:endParaRPr lang="en-US" altLang="ko-KR" dirty="0" smtClean="0">
+              <a:latin typeface="+mn-ea"/>
+              <a:cs typeface="함초롬돋움" panose="020B0604000101010101" pitchFamily="50" charset="-127"/>
+            </a:endParaRPr>
+          </a:p>
+          <a:p>
+            <a:r>
+              <a:rPr lang="ko-KR" altLang="en-US" dirty="0" smtClean="0">
+                <a:latin typeface="+mn-ea"/>
+                <a:cs typeface="함초롬돋움" panose="020B0604000101010101" pitchFamily="50" charset="-127"/>
+              </a:rPr>
+              <a:t>단</a:t>
+            </a:r>
+            <a:r>
+              <a:rPr lang="en-US" altLang="ko-KR" dirty="0" smtClean="0">
+                <a:latin typeface="+mn-ea"/>
+                <a:cs typeface="함초롬돋움" panose="020B0604000101010101" pitchFamily="50" charset="-127"/>
+              </a:rPr>
+              <a:t>,</a:t>
+            </a:r>
+            <a:r>
+              <a:rPr lang="ko-KR" altLang="en-US" dirty="0" smtClean="0">
+                <a:latin typeface="+mn-ea"/>
+                <a:cs typeface="함초롬돋움" panose="020B0604000101010101" pitchFamily="50" charset="-127"/>
+              </a:rPr>
+              <a:t> 컬렉션 데이터를 유지해야함</a:t>
+            </a:r>
+            <a:endParaRPr lang="en-US" altLang="ko-KR" dirty="0" smtClean="0">
+              <a:latin typeface="+mn-ea"/>
+              <a:cs typeface="함초롬돋움" panose="020B0604000101010101" pitchFamily="50" charset="-127"/>
+            </a:endParaRPr>
+          </a:p>
+          <a:p>
+            <a:pPr marL="0" indent="0">
+              <a:buNone/>
+            </a:pPr>
+            <a:endParaRPr lang="en-US" altLang="ko-KR" dirty="0"/>
+          </a:p>
+          <a:p>
+            <a:endParaRPr lang="en-US" altLang="ko-KR" dirty="0"/>
+          </a:p>
+        </p:txBody>
+      </p:sp>
+      <p:sp>
+        <p:nvSpPr>
+          <p:cNvPr id="9" name="TextBox 8"/>
+          <p:cNvSpPr txBox="1"/>
+          <p:nvPr/>
+        </p:nvSpPr>
+        <p:spPr>
+          <a:xfrm>
+            <a:off x="4286054" y="4272741"/>
+            <a:ext cx="3619901" cy="2308324"/>
+          </a:xfrm>
+          <a:prstGeom prst="rect">
+            <a:avLst/>
+          </a:prstGeom>
+          <a:noFill/>
+        </p:spPr>
+        <p:txBody>
+          <a:bodyPr wrap="none" rtlCol="0">
+            <a:spAutoFit/>
+          </a:bodyPr>
+          <a:lstStyle/>
+          <a:p>
+            <a:pPr algn="ctr"/>
+            <a:r>
+              <a:rPr lang="ko-KR" altLang="en-US" sz="2000" dirty="0" err="1" smtClean="0"/>
+              <a:t>컬렌션</a:t>
+            </a:r>
+            <a:r>
+              <a:rPr lang="ko-KR" altLang="en-US" sz="2000" dirty="0" smtClean="0"/>
+              <a:t> 데이터를 유지하면서 </a:t>
+            </a:r>
+            <a:endParaRPr lang="en-US" altLang="ko-KR" sz="2000" dirty="0" smtClean="0"/>
+          </a:p>
+          <a:p>
+            <a:pPr algn="ctr"/>
+            <a:r>
+              <a:rPr lang="ko-KR" altLang="en-US" sz="2000" dirty="0" smtClean="0"/>
+              <a:t>기능을 확장 시킬 수는 없을까</a:t>
+            </a:r>
+            <a:r>
+              <a:rPr lang="en-US" altLang="ko-KR" sz="2000" dirty="0" smtClean="0"/>
+              <a:t>?</a:t>
+            </a:r>
+          </a:p>
+          <a:p>
+            <a:pPr algn="ctr"/>
+            <a:endParaRPr lang="en-US" altLang="ko-KR" sz="2000" dirty="0"/>
+          </a:p>
+          <a:p>
+            <a:pPr algn="ctr"/>
+            <a:r>
+              <a:rPr lang="ko-KR" altLang="en-US" sz="3600" dirty="0" smtClean="0"/>
+              <a:t>있다</a:t>
+            </a:r>
+            <a:r>
+              <a:rPr lang="en-US" altLang="ko-KR" sz="3600" dirty="0" smtClean="0"/>
+              <a:t>!</a:t>
+            </a:r>
+          </a:p>
+          <a:p>
+            <a:pPr algn="ctr"/>
+            <a:endParaRPr lang="en-US" altLang="ko-KR" sz="2000" dirty="0"/>
+          </a:p>
+          <a:p>
+            <a:pPr algn="ctr"/>
+            <a:r>
+              <a:rPr lang="en-US" altLang="ko-KR" sz="2800" dirty="0" err="1" smtClean="0"/>
+              <a:t>ICollectionView</a:t>
+            </a:r>
+            <a:r>
+              <a:rPr lang="en-US" altLang="ko-KR" sz="2800" dirty="0" smtClean="0"/>
+              <a:t> </a:t>
+            </a:r>
+            <a:r>
+              <a:rPr lang="ko-KR" altLang="en-US" sz="2800" dirty="0" smtClean="0"/>
+              <a:t>사용</a:t>
+            </a:r>
+            <a:endParaRPr lang="en-US" altLang="ko-KR" sz="2800" dirty="0" smtClean="0"/>
+          </a:p>
+        </p:txBody>
+      </p:sp>
+    </p:spTree>
+    <p:extLst>
+      <p:ext uri="{BB962C8B-B14F-4D97-AF65-F5344CB8AC3E}">
+        <p14:creationId xmlns:p14="http://schemas.microsoft.com/office/powerpoint/2010/main" val="1628700263"/>
       </p:ext>
     </p:extLst>
   </p:cSld>
@@ -5261,47 +5565,68 @@
                 <a:latin typeface="+mn-ea"/>
                 <a:cs typeface="함초롬돋움" panose="020B0604000101010101" pitchFamily="50" charset="-127"/>
               </a:rPr>
-              <a:t>와 비즈니스 </a:t>
-            </a:r>
-            <a:r>
-              <a:rPr lang="ko-KR" altLang="en-US" dirty="0" err="1" smtClean="0">
+              <a:t>이나 뷰 모델 혹은 모델에서 데이터 표현이 변경이 됬을 때 변경 사항을 </a:t>
+            </a:r>
+            <a:r>
+              <a:rPr lang="en-US" altLang="ko-KR" dirty="0">
                 <a:latin typeface="+mn-ea"/>
                 <a:cs typeface="함초롬돋움" panose="020B0604000101010101" pitchFamily="50" charset="-127"/>
               </a:rPr>
-              <a:t>로직</a:t>
+              <a:t>UI</a:t>
+            </a:r>
+            <a:r>
+              <a:rPr lang="ko-KR" altLang="en-US" dirty="0">
+                <a:latin typeface="+mn-ea"/>
+                <a:cs typeface="함초롬돋움" panose="020B0604000101010101" pitchFamily="50" charset="-127"/>
+              </a:rPr>
+              <a:t>이나 뷰 모델 혹은 </a:t>
             </a:r>
             <a:r>
               <a:rPr lang="ko-KR" altLang="en-US" dirty="0" smtClean="0">
                 <a:latin typeface="+mn-ea"/>
                 <a:cs typeface="함초롬돋움" panose="020B0604000101010101" pitchFamily="50" charset="-127"/>
               </a:rPr>
-              <a:t> 사이 간에 연결을 설정 하는 과정</a:t>
-            </a:r>
+              <a:t>모델에 변경 사항을 반영</a:t>
+            </a:r>
+            <a:endParaRPr lang="en-US" altLang="ko-KR" dirty="0" smtClean="0">
+              <a:latin typeface="+mn-ea"/>
+              <a:cs typeface="함초롬돋움" panose="020B0604000101010101" pitchFamily="50" charset="-127"/>
+            </a:endParaRPr>
+          </a:p>
+          <a:p>
             <a:endParaRPr lang="en-US" altLang="ko-KR" dirty="0">
               <a:latin typeface="+mn-ea"/>
               <a:cs typeface="함초롬돋움" panose="020B0604000101010101" pitchFamily="50" charset="-127"/>
             </a:endParaRPr>
           </a:p>
           <a:p>
-            <a:endParaRPr lang="en-US" altLang="ko-KR" dirty="0" smtClean="0">
-              <a:latin typeface="+mn-ea"/>
-              <a:cs typeface="함초롬돋움" panose="020B0604000101010101" pitchFamily="50" charset="-127"/>
-            </a:endParaRPr>
-          </a:p>
-          <a:p>
             <a:r>
               <a:rPr lang="en-US" altLang="ko-KR" dirty="0" smtClean="0">
                 <a:latin typeface="+mn-ea"/>
                 <a:cs typeface="함초롬돋움" panose="020B0604000101010101" pitchFamily="50" charset="-127"/>
               </a:rPr>
-              <a:t>UI</a:t>
+              <a:t>4</a:t>
             </a:r>
             <a:r>
               <a:rPr lang="ko-KR" altLang="en-US" dirty="0" smtClean="0">
                 <a:latin typeface="+mn-ea"/>
                 <a:cs typeface="함초롬돋움" panose="020B0604000101010101" pitchFamily="50" charset="-127"/>
               </a:rPr>
-              <a:t>에 데이터 외부 표현이 변경 시 변경 사항을 </a:t>
+              <a:t>가지 방식의 </a:t>
+            </a:r>
+            <a:r>
+              <a:rPr lang="en-US" altLang="ko-KR" dirty="0" smtClean="0">
+                <a:latin typeface="+mn-ea"/>
+                <a:cs typeface="함초롬돋움" panose="020B0604000101010101" pitchFamily="50" charset="-127"/>
+              </a:rPr>
+              <a:t>Data Binding</a:t>
+            </a:r>
+            <a:r>
+              <a:rPr lang="ko-KR" altLang="en-US" dirty="0" smtClean="0">
+                <a:latin typeface="+mn-ea"/>
+                <a:cs typeface="함초롬돋움" panose="020B0604000101010101" pitchFamily="50" charset="-127"/>
+              </a:rPr>
+              <a:t>을 제공</a:t>
             </a:r>
             <a:endParaRPr lang="en-US" altLang="ko-KR" dirty="0">
               <a:latin typeface="+mn-ea"/>
@@ -5389,12 +5714,12 @@
           </a:lstStyle>
           <a:p>
             <a:r>
-              <a:rPr lang="ko-KR" altLang="en-US" dirty="0" smtClean="0">
+              <a:rPr lang="en-US" altLang="ko-KR" dirty="0" err="1" smtClean="0">
                 <a:latin typeface="함초롬돋움" panose="020B0604000101010101" pitchFamily="50" charset="-127"/>
                 <a:ea typeface="함초롬돋움" panose="020B0604000101010101" pitchFamily="50" charset="-127"/>
                 <a:cs typeface="함초롬돋움" panose="020B0604000101010101" pitchFamily="50" charset="-127"/>
               </a:rPr>
-              <a:t>더 나아가기 </a:t>
+              <a:t>ICollectionView</a:t>
             </a:r>
             <a:endParaRPr lang="ko-KR" altLang="en-US" dirty="0">
               <a:latin typeface="함초롬돋움" panose="020B0604000101010101" pitchFamily="50" charset="-127"/>
@@ -5424,8 +5749,20 @@
                 <a:latin typeface="+mn-ea"/>
                 <a:cs typeface="함초롬돋움" panose="020B0604000101010101" pitchFamily="50" charset="-127"/>
               </a:rPr>
-              <a:t>해당 프로그램에 컬렉션을 </a:t>
-            </a:r>
+              <a:t>컨트롤에 바인딩 된 컬렉션을 유지</a:t>
+            </a:r>
+            <a:endParaRPr lang="en-US" altLang="ko-KR" dirty="0" smtClean="0">
+              <a:latin typeface="+mn-ea"/>
+              <a:cs typeface="함초롬돋움" panose="020B0604000101010101" pitchFamily="50" charset="-127"/>
+            </a:endParaRPr>
+          </a:p>
+          <a:p>
+            <a:endParaRPr lang="en-US" altLang="ko-KR" dirty="0">
+              <a:latin typeface="+mn-ea"/>
+              <a:cs typeface="함초롬돋움" panose="020B0604000101010101" pitchFamily="50" charset="-127"/>
+            </a:endParaRPr>
+          </a:p>
+          <a:p>
             <a:r>
               <a:rPr lang="ko-KR" altLang="en-US" dirty="0" err="1" smtClean="0">
                 <a:latin typeface="+mn-ea"/>
@@ -5459,7 +5796,7 @@
                 <a:latin typeface="+mn-ea"/>
                 <a:cs typeface="함초롬돋움" panose="020B0604000101010101" pitchFamily="50" charset="-127"/>
               </a:rPr>
-              <a:t>그룹화 기능 추가 해야함</a:t>
+              <a:t>그룹화 기능을 제공</a:t>
             </a:r>
             <a:endParaRPr lang="en-US" altLang="ko-KR" dirty="0" smtClean="0">
               <a:latin typeface="+mn-ea"/>
@@ -5478,123 +5815,69 @@
                 <a:latin typeface="+mn-ea"/>
                 <a:cs typeface="함초롬돋움" panose="020B0604000101010101" pitchFamily="50" charset="-127"/>
               </a:rPr>
-              <a:t>단</a:t>
+              <a:t>각 기능 별 </a:t>
             </a:r>
             <a:r>
               <a:rPr lang="en-US" altLang="ko-KR" dirty="0" smtClean="0">
                 <a:latin typeface="+mn-ea"/>
                 <a:cs typeface="함초롬돋움" panose="020B0604000101010101" pitchFamily="50" charset="-127"/>
               </a:rPr>
-              <a:t>,</a:t>
-            </a:r>
-            <a:r>
-              <a:rPr lang="ko-KR" altLang="en-US" dirty="0" smtClean="0">
-                <a:latin typeface="+mn-ea"/>
-                <a:cs typeface="함초롬돋움" panose="020B0604000101010101" pitchFamily="50" charset="-127"/>
-              </a:rPr>
-              <a:t> 컬렉션 데이터를 유지해야함</a:t>
-            </a:r>
-            <a:endParaRPr lang="en-US" altLang="ko-KR" dirty="0" smtClean="0">
-              <a:latin typeface="+mn-ea"/>
-              <a:cs typeface="함초롬돋움" panose="020B0604000101010101" pitchFamily="50" charset="-127"/>
-            </a:endParaRPr>
-          </a:p>
-          <a:p>
-            <a:pPr marL="0" indent="0">
-              <a:buNone/>
-            </a:pPr>
+              <a:t>Property</a:t>
+            </a:r>
+          </a:p>
+          <a:p>
+            <a:pPr lvl="1"/>
+            <a:r>
+              <a:rPr lang="en-US" altLang="ko-KR" dirty="0" smtClean="0"/>
+              <a:t>Filter : </a:t>
+            </a:r>
+            <a:r>
+              <a:rPr lang="ko-KR" altLang="en-US" dirty="0" err="1" smtClean="0"/>
+              <a:t>필터링</a:t>
+            </a:r>
+            <a:endParaRPr lang="en-US" altLang="ko-KR" dirty="0" smtClean="0"/>
+          </a:p>
+          <a:p>
+            <a:pPr lvl="1"/>
+            <a:r>
+              <a:rPr lang="en-US" altLang="ko-KR" dirty="0" err="1" smtClean="0"/>
+              <a:t>SortDescriptions</a:t>
+            </a:r>
+            <a:r>
+              <a:rPr lang="en-US" altLang="ko-KR" dirty="0" smtClean="0"/>
+              <a:t> : </a:t>
+            </a:r>
+            <a:r>
+              <a:rPr lang="ko-KR" altLang="en-US" dirty="0" smtClean="0"/>
+              <a:t>정렬</a:t>
+            </a:r>
+            <a:endParaRPr lang="en-US" altLang="ko-KR" dirty="0" smtClean="0"/>
+          </a:p>
+          <a:p>
+            <a:pPr lvl="1"/>
+            <a:r>
+              <a:rPr lang="en-US" altLang="ko-KR" dirty="0" err="1" smtClean="0"/>
+              <a:t>GroupDescriptions</a:t>
+            </a:r>
+            <a:r>
+              <a:rPr lang="en-US" altLang="ko-KR" dirty="0" smtClean="0"/>
+              <a:t> : </a:t>
+            </a:r>
+            <a:r>
+              <a:rPr lang="ko-KR" altLang="en-US" dirty="0" smtClean="0"/>
+              <a:t>그룹화</a:t>
+            </a:r>
             <a:endParaRPr lang="en-US" altLang="ko-KR" dirty="0"/>
           </a:p>
           <a:p>
             <a:endParaRPr lang="en-US" altLang="ko-KR" dirty="0"/>
-          </a:p>
-        </p:txBody>
-      </p:sp>
-      <p:sp>
-        <p:nvSpPr>
-          <p:cNvPr id="9" name="TextBox 8"/>
-          <p:cNvSpPr txBox="1"/>
-          <p:nvPr/>
-        </p:nvSpPr>
-        <p:spPr>
-          <a:xfrm>
-            <a:off x="4453567" y="4272741"/>
-            <a:ext cx="3284874" cy="2062103"/>
-          </a:xfrm>
-          <a:prstGeom prst="rect">
-            <a:avLst/>
-          </a:prstGeom>
-          <a:noFill/>
-        </p:spPr>
-        <p:txBody>
-          <a:bodyPr wrap="none" rtlCol="0">
-            <a:spAutoFit/>
-          </a:bodyPr>
-          <a:lstStyle/>
-          <a:p>
-            <a:pPr algn="ctr"/>
-            <a:r>
-              <a:rPr lang="ko-KR" altLang="en-US" dirty="0" err="1" smtClean="0"/>
-              <a:t>컬렌션</a:t>
-            </a:r>
-            <a:r>
-              <a:rPr lang="ko-KR" altLang="en-US" dirty="0" smtClean="0"/>
-              <a:t> 데이터를 유지하면서 </a:t>
-            </a:r>
-            <a:endParaRPr lang="en-US" altLang="ko-KR" dirty="0" smtClean="0"/>
-          </a:p>
-          <a:p>
-            <a:pPr algn="ctr"/>
-            <a:r>
-              <a:rPr lang="ko-KR" altLang="en-US" dirty="0" smtClean="0"/>
-              <a:t>기능을 확장 시킬 수는 없을까</a:t>
-            </a:r>
-            <a:r>
-              <a:rPr lang="en-US" altLang="ko-KR" dirty="0" smtClean="0"/>
-              <a:t>?</a:t>
-            </a:r>
-          </a:p>
-          <a:p>
-            <a:pPr algn="ctr"/>
-            <a:endParaRPr lang="en-US" altLang="ko-KR" dirty="0"/>
-          </a:p>
-          <a:p>
-            <a:pPr algn="ctr"/>
-            <a:r>
-              <a:rPr lang="ko-KR" altLang="en-US" sz="3200" dirty="0" smtClean="0"/>
-              <a:t>있다</a:t>
-            </a:r>
-            <a:r>
-              <a:rPr lang="en-US" altLang="ko-KR" sz="3200" dirty="0" smtClean="0"/>
-              <a:t>!</a:t>
-            </a:r>
-          </a:p>
-          <a:p>
-            <a:pPr algn="ctr"/>
-            <a:endParaRPr lang="en-US" altLang="ko-KR" dirty="0"/>
-          </a:p>
-          <a:p>
-            <a:pPr algn="ctr"/>
-            <a:r>
-              <a:rPr lang="en-US" altLang="ko-KR" sz="2400" dirty="0" err="1" smtClean="0"/>
-              <a:t>ICollectionView</a:t>
-            </a:r>
-            <a:r>
-              <a:rPr lang="en-US" altLang="ko-KR" sz="2400" dirty="0" smtClean="0"/>
-              <a:t> </a:t>
-            </a:r>
-            <a:r>
-              <a:rPr lang="ko-KR" altLang="en-US" sz="2400" dirty="0" smtClean="0"/>
-              <a:t>사용</a:t>
-            </a:r>
-            <a:endParaRPr lang="en-US" altLang="ko-KR" sz="2400" dirty="0" smtClean="0"/>
           </a:p>
         </p:txBody>
       </p:sp>
     </p:spTree>
     <p:extLst>
       <p:ext uri="{BB962C8B-B14F-4D97-AF65-F5344CB8AC3E}">
-        <p14:creationId xmlns:p14="http://schemas.microsoft.com/office/powerpoint/2010/main" val="1628700263"/>
+        <p14:creationId xmlns:p14="http://schemas.microsoft.com/office/powerpoint/2010/main" val="842053623"/>
       </p:ext>
     </p:extLst>
   </p:cSld>
@@ -5677,6 +5960,30 @@
               </a:rPr>
               <a:t>ICollectionView</a:t>
             </a:r>
+            <a:r>
+              <a:rPr lang="en-US" altLang="ko-KR" dirty="0" smtClean="0">
+                <a:latin typeface="함초롬돋움" panose="020B0604000101010101" pitchFamily="50" charset="-127"/>
+                <a:ea typeface="함초롬돋움" panose="020B0604000101010101" pitchFamily="50" charset="-127"/>
+                <a:cs typeface="함초롬돋움" panose="020B0604000101010101" pitchFamily="50" charset="-127"/>
+              </a:rPr>
+              <a:t> </a:t>
+            </a:r>
+            <a:r>
+              <a:rPr lang="ko-KR" altLang="en-US" dirty="0" smtClean="0">
+                <a:latin typeface="함초롬돋움" panose="020B0604000101010101" pitchFamily="50" charset="-127"/>
+                <a:ea typeface="함초롬돋움" panose="020B0604000101010101" pitchFamily="50" charset="-127"/>
+                <a:cs typeface="함초롬돋움" panose="020B0604000101010101" pitchFamily="50" charset="-127"/>
+              </a:rPr>
+              <a:t>적용 </a:t>
+            </a:r>
+            <a:r>
+              <a:rPr lang="ko-KR" altLang="en-US" dirty="0" smtClean="0">
+                <a:latin typeface="함초롬돋움" panose="020B0604000101010101" pitchFamily="50" charset="-127"/>
+                <a:ea typeface="함초롬돋움" panose="020B0604000101010101" pitchFamily="50" charset="-127"/>
+                <a:cs typeface="함초롬돋움" panose="020B0604000101010101" pitchFamily="50" charset="-127"/>
+              </a:rPr>
+              <a:t>하기</a:t>
+            </a:r>
             <a:endParaRPr lang="ko-KR" altLang="en-US" dirty="0">
               <a:latin typeface="함초롬돋움" panose="020B0604000101010101" pitchFamily="50" charset="-127"/>
               <a:ea typeface="함초롬돋움" panose="020B0604000101010101" pitchFamily="50" charset="-127"/>
@@ -5685,159 +5992,185 @@
           </a:p>
         </p:txBody>
       </p:sp>
-      <p:sp>
-        <p:nvSpPr>
-          <p:cNvPr id="2" name="내용 개체 틀 1"/>
-          <p:cNvSpPr>
-            <a:spLocks noGrp="1"/>
-          </p:cNvSpPr>
-          <p:nvPr>
-            <p:ph idx="1"/>
-          </p:nvPr>
-        </p:nvSpPr>
-        <p:spPr/>
-        <p:txBody>
-          <a:bodyPr/>
+      <p:pic>
+        <p:nvPicPr>
+          <p:cNvPr id="3" name="그림 2"/>
+          <p:cNvPicPr>
+            <a:picLocks noChangeAspect="1"/>
+          </p:cNvPicPr>
+          <p:nvPr/>
+        </p:nvPicPr>
+        <p:blipFill>
+          <a:blip r:embed="rId2"/>
+          <a:stretch>
+            <a:fillRect/>
+          </a:stretch>
+        </p:blipFill>
+        <p:spPr>
+          <a:xfrm>
+            <a:off x="595919" y="2421937"/>
+            <a:ext cx="5962650" cy="3981450"/>
+          </a:xfrm>
+          <a:prstGeom prst="rect">
+            <a:avLst/>
+          </a:prstGeom>
+          <a:ln>
+            <a:solidFill>
+              <a:schemeClr val="tx1"/>
+            </a:solidFill>
+          </a:ln>
+        </p:spPr>
+      </p:pic>
+      <p:pic>
+        <p:nvPicPr>
+          <p:cNvPr id="4" name="그림 3"/>
+          <p:cNvPicPr>
+            <a:picLocks noChangeAspect="1"/>
+          </p:cNvPicPr>
+          <p:nvPr/>
+        </p:nvPicPr>
+        <p:blipFill>
+          <a:blip r:embed="rId3"/>
+          <a:stretch>
+            <a:fillRect/>
+          </a:stretch>
+        </p:blipFill>
+        <p:spPr>
+          <a:xfrm>
+            <a:off x="7677150" y="2089428"/>
+            <a:ext cx="3676650" cy="4438650"/>
+          </a:xfrm>
+          <a:prstGeom prst="rect">
+            <a:avLst/>
+          </a:prstGeom>
+        </p:spPr>
+      </p:pic>
+      <p:sp>
+        <p:nvSpPr>
+          <p:cNvPr id="5" name="직사각형 4"/>
+          <p:cNvSpPr/>
+          <p:nvPr/>
+        </p:nvSpPr>
+        <p:spPr>
+          <a:xfrm>
+            <a:off x="7805651" y="3241963"/>
+            <a:ext cx="3483033" cy="1753985"/>
+          </a:xfrm>
+          <a:prstGeom prst="rect">
+            <a:avLst/>
+          </a:prstGeom>
+          <a:noFill/>
+          <a:ln>
+            <a:solidFill>
+              <a:srgbClr val="FF0000"/>
+            </a:solidFill>
+          </a:ln>
+        </p:spPr>
+        <p:style>
+          <a:lnRef idx="2">
+            <a:schemeClr val="accent1">
+              <a:shade val="50000"/>
+            </a:schemeClr>
+          </a:lnRef>
+          <a:fillRef idx="1">
+            <a:schemeClr val="accent1"/>
+          </a:fillRef>
+          <a:effectRef idx="0">
+            <a:schemeClr val="accent1"/>
+          </a:effectRef>
+          <a:fontRef idx="minor">
+            <a:schemeClr val="lt1"/>
+          </a:fontRef>
+        </p:style>
+        <p:txBody>
+          <a:bodyPr rtlCol="0" anchor="ctr"/>
           <a:lstStyle/>
           <a:p>
-            <a:r>
-              <a:rPr lang="ko-KR" altLang="en-US" dirty="0" smtClean="0">
-                <a:latin typeface="+mn-ea"/>
-                <a:cs typeface="함초롬돋움" panose="020B0604000101010101" pitchFamily="50" charset="-127"/>
-              </a:rPr>
-              <a:t>컨트롤에 바인딩 된 컬렉션을 유지</a:t>
-            </a:r>
-            <a:endParaRPr lang="en-US" altLang="ko-KR" dirty="0" smtClean="0">
-              <a:latin typeface="+mn-ea"/>
-              <a:cs typeface="함초롬돋움" panose="020B0604000101010101" pitchFamily="50" charset="-127"/>
-            </a:endParaRPr>
-          </a:p>
-          <a:p>
-            <a:endParaRPr lang="en-US" altLang="ko-KR" dirty="0">
-              <a:latin typeface="+mn-ea"/>
-              <a:cs typeface="함초롬돋움" panose="020B0604000101010101" pitchFamily="50" charset="-127"/>
-            </a:endParaRPr>
-          </a:p>
-          <a:p>
-            <a:r>
-              <a:rPr lang="ko-KR" altLang="en-US" dirty="0" err="1" smtClean="0">
-                <a:latin typeface="+mn-ea"/>
-                <a:cs typeface="함초롬돋움" panose="020B0604000101010101" pitchFamily="50" charset="-127"/>
-              </a:rPr>
-              <a:t>필터링</a:t>
-            </a:r>
-            <a:r>
-              <a:rPr lang="en-US" altLang="ko-KR" dirty="0" smtClean="0">
-                <a:latin typeface="+mn-ea"/>
-                <a:cs typeface="함초롬돋움" panose="020B0604000101010101" pitchFamily="50" charset="-127"/>
-              </a:rPr>
-              <a:t>, </a:t>
-            </a:r>
-            <a:r>
-              <a:rPr lang="ko-KR" altLang="en-US" dirty="0" smtClean="0">
-                <a:latin typeface="+mn-ea"/>
-                <a:cs typeface="함초롬돋움" panose="020B0604000101010101" pitchFamily="50" charset="-127"/>
-              </a:rPr>
-              <a:t>정렬</a:t>
-            </a:r>
-            <a:r>
-              <a:rPr lang="en-US" altLang="ko-KR" dirty="0" smtClean="0">
-                <a:latin typeface="+mn-ea"/>
-                <a:cs typeface="함초롬돋움" panose="020B0604000101010101" pitchFamily="50" charset="-127"/>
-              </a:rPr>
-              <a:t>, </a:t>
-            </a:r>
-            <a:r>
-              <a:rPr lang="ko-KR" altLang="en-US" dirty="0" smtClean="0">
-                <a:latin typeface="+mn-ea"/>
-                <a:cs typeface="함초롬돋움" panose="020B0604000101010101" pitchFamily="50" charset="-127"/>
-              </a:rPr>
-              <a:t>그룹화 기능을 제공</a:t>
-            </a:r>
-            <a:endParaRPr lang="en-US" altLang="ko-KR" dirty="0" smtClean="0">
-              <a:latin typeface="+mn-ea"/>
-              <a:cs typeface="함초롬돋움" panose="020B0604000101010101" pitchFamily="50" charset="-127"/>
-            </a:endParaRPr>
-          </a:p>
-          <a:p>
-            <a:endParaRPr lang="en-US" altLang="ko-KR" dirty="0" smtClean="0">
-              <a:latin typeface="+mn-ea"/>
-              <a:cs typeface="함초롬돋움" panose="020B0604000101010101" pitchFamily="50" charset="-127"/>
-            </a:endParaRPr>
-          </a:p>
-          <a:p>
-            <a:r>
-              <a:rPr lang="ko-KR" altLang="en-US" dirty="0" smtClean="0">
-                <a:latin typeface="+mn-ea"/>
-                <a:cs typeface="함초롬돋움" panose="020B0604000101010101" pitchFamily="50" charset="-127"/>
-              </a:rPr>
-              <a:t>각 기능 별 </a:t>
-            </a:r>
-            <a:r>
-              <a:rPr lang="en-US" altLang="ko-KR" dirty="0" smtClean="0">
-                <a:latin typeface="+mn-ea"/>
-                <a:cs typeface="함초롬돋움" panose="020B0604000101010101" pitchFamily="50" charset="-127"/>
-              </a:rPr>
-              <a:t>Property</a:t>
-            </a:r>
-            <a:endParaRPr lang="en-US" altLang="ko-KR" dirty="0" smtClean="0">
-              <a:latin typeface="+mn-ea"/>
-              <a:cs typeface="함초롬돋움" panose="020B0604000101010101" pitchFamily="50" charset="-127"/>
-            </a:endParaRPr>
-          </a:p>
-          <a:p>
-            <a:pPr lvl="1"/>
-            <a:r>
-              <a:rPr lang="en-US" altLang="ko-KR" dirty="0" smtClean="0"/>
-              <a:t>Filter : </a:t>
-            </a:r>
-            <a:r>
-              <a:rPr lang="ko-KR" altLang="en-US" dirty="0" err="1" smtClean="0"/>
-              <a:t>필터링</a:t>
-            </a:r>
-            <a:endParaRPr lang="en-US" altLang="ko-KR" dirty="0" smtClean="0"/>
-          </a:p>
-          <a:p>
-            <a:pPr lvl="1"/>
-            <a:r>
-              <a:rPr lang="en-US" altLang="ko-KR" dirty="0" err="1" smtClean="0"/>
-              <a:t>SortDescriptions</a:t>
-            </a:r>
-            <a:r>
-              <a:rPr lang="en-US" altLang="ko-KR" dirty="0" smtClean="0"/>
-              <a:t> : </a:t>
+            <a:pPr algn="ctr"/>
+            <a:endParaRPr lang="ko-KR" altLang="en-US"/>
+          </a:p>
+        </p:txBody>
+      </p:sp>
+      <p:cxnSp>
+        <p:nvCxnSpPr>
+          <p:cNvPr id="8" name="직선 화살표 연결선 7"/>
+          <p:cNvCxnSpPr>
+            <a:stCxn id="4" idx="1"/>
+          </p:cNvCxnSpPr>
+          <p:nvPr/>
+        </p:nvCxnSpPr>
+        <p:spPr>
+          <a:xfrm flipH="1" flipV="1">
+            <a:off x="6641869" y="4305993"/>
+            <a:ext cx="1035281" cy="2760"/>
+          </a:xfrm>
+          <a:prstGeom prst="straightConnector1">
+            <a:avLst/>
+          </a:prstGeom>
+          <a:ln>
+            <a:solidFill>
+              <a:srgbClr val="FF0000"/>
+            </a:solidFill>
+            <a:tailEnd type="triangle"/>
+          </a:ln>
+        </p:spPr>
+        <p:style>
+          <a:lnRef idx="1">
+            <a:schemeClr val="accent1"/>
+          </a:lnRef>
+          <a:fillRef idx="0">
+            <a:schemeClr val="accent1"/>
+          </a:fillRef>
+          <a:effectRef idx="0">
+            <a:schemeClr val="accent1"/>
+          </a:effectRef>
+          <a:fontRef idx="minor">
+            <a:schemeClr val="tx1"/>
+          </a:fontRef>
+        </p:style>
+      </p:cxnSp>
+      <p:sp>
+        <p:nvSpPr>
+          <p:cNvPr id="2" name="TextBox 1"/>
+          <p:cNvSpPr txBox="1"/>
+          <p:nvPr/>
+        </p:nvSpPr>
+        <p:spPr>
+          <a:xfrm>
+            <a:off x="595919" y="1904762"/>
+            <a:ext cx="1606530" cy="369332"/>
+          </a:xfrm>
+          <a:prstGeom prst="rect">
+            <a:avLst/>
+          </a:prstGeom>
+          <a:noFill/>
+        </p:spPr>
+        <p:txBody>
+          <a:bodyPr wrap="none" rtlCol="0">
+            <a:spAutoFit/>
+          </a:bodyPr>
+          <a:lstStyle/>
+          <a:p>
+            <a:pPr marL="285750" indent="-285750">
+              <a:buFont typeface="Arial" panose="020B0604020202020204" pitchFamily="34" charset="0"/>
+              <a:buChar char="•"/>
+            </a:pPr>
+            <a:r>
+              <a:rPr lang="en-US" altLang="ko-KR" smtClean="0"/>
+              <a:t>XAML </a:t>
             </a:r>
             <a:r>
               <a:rPr lang="ko-KR" altLang="en-US" dirty="0" smtClean="0"/>
-              <a:t>정렬</a:t>
-            </a:r>
-            <a:endParaRPr lang="en-US" altLang="ko-KR" dirty="0" smtClean="0"/>
-          </a:p>
-          <a:p>
-            <a:pPr lvl="1"/>
-            <a:r>
-              <a:rPr lang="en-US" altLang="ko-KR" dirty="0" err="1" smtClean="0"/>
-              <a:t>GroupDescriptions</a:t>
-            </a:r>
-            <a:r>
-              <a:rPr lang="en-US" altLang="ko-KR" dirty="0" smtClean="0"/>
-              <a:t> : </a:t>
-            </a:r>
-            <a:r>
-              <a:rPr lang="ko-KR" altLang="en-US" dirty="0" smtClean="0"/>
-              <a:t>그룹화</a:t>
-            </a:r>
-            <a:endParaRPr lang="en-US" altLang="ko-KR" dirty="0"/>
-          </a:p>
-          <a:p>
-            <a:endParaRPr lang="en-US" altLang="ko-KR" dirty="0"/>
+              <a:t>코드</a:t>
+            </a:r>
+            <a:endParaRPr lang="ko-KR" altLang="en-US" dirty="0"/>
           </a:p>
         </p:txBody>
       </p:sp>
     </p:spTree>
     <p:extLst>
       <p:ext uri="{BB962C8B-B14F-4D97-AF65-F5344CB8AC3E}">
-        <p14:creationId xmlns:p14="http://schemas.microsoft.com/office/powerpoint/2010/main" val="842053623"/>
+        <p14:creationId xmlns:p14="http://schemas.microsoft.com/office/powerpoint/2010/main" val="3360302231"/>
       </p:ext>
     </p:extLst>
   </p:cSld>
@@ -5936,261 +6269,6 @@
               </a:rPr>
               <a:t>적용 하기</a:t>
             </a:r>
-            <a:r>
-              <a:rPr lang="en-US" altLang="ko-KR" dirty="0" smtClean="0">
-                <a:latin typeface="함초롬돋움" panose="020B0604000101010101" pitchFamily="50" charset="-127"/>
-                <a:ea typeface="함초롬돋움" panose="020B0604000101010101" pitchFamily="50" charset="-127"/>
-                <a:cs typeface="함초롬돋움" panose="020B0604000101010101" pitchFamily="50" charset="-127"/>
-              </a:rPr>
-              <a:t>(XAML)</a:t>
-            </a:r>
-            <a:endParaRPr lang="ko-KR" altLang="en-US" dirty="0">
-              <a:latin typeface="함초롬돋움" panose="020B0604000101010101" pitchFamily="50" charset="-127"/>
-              <a:ea typeface="함초롬돋움" panose="020B0604000101010101" pitchFamily="50" charset="-127"/>
-              <a:cs typeface="함초롬돋움" panose="020B0604000101010101" pitchFamily="50" charset="-127"/>
-            </a:endParaRPr>
-          </a:p>
-        </p:txBody>
-      </p:sp>
-      <p:pic>
-        <p:nvPicPr>
-          <p:cNvPr id="3" name="그림 2"/>
-          <p:cNvPicPr>
-            <a:picLocks noChangeAspect="1"/>
-          </p:cNvPicPr>
-          <p:nvPr/>
-        </p:nvPicPr>
-        <p:blipFill>
-          <a:blip r:embed="rId2"/>
-          <a:stretch>
-            <a:fillRect/>
-          </a:stretch>
-        </p:blipFill>
-        <p:spPr>
-          <a:xfrm>
-            <a:off x="595919" y="2089428"/>
-            <a:ext cx="5962650" cy="3981450"/>
-          </a:xfrm>
-          <a:prstGeom prst="rect">
-            <a:avLst/>
-          </a:prstGeom>
-          <a:ln>
-            <a:solidFill>
-              <a:schemeClr val="tx1"/>
-            </a:solidFill>
-          </a:ln>
-        </p:spPr>
-      </p:pic>
-      <p:pic>
-        <p:nvPicPr>
-          <p:cNvPr id="4" name="그림 3"/>
-          <p:cNvPicPr>
-            <a:picLocks noChangeAspect="1"/>
-          </p:cNvPicPr>
-          <p:nvPr/>
-        </p:nvPicPr>
-        <p:blipFill>
-          <a:blip r:embed="rId3"/>
-          <a:stretch>
-            <a:fillRect/>
-          </a:stretch>
-        </p:blipFill>
-        <p:spPr>
-          <a:xfrm>
-            <a:off x="7677150" y="2089428"/>
-            <a:ext cx="3676650" cy="4438650"/>
-          </a:xfrm>
-          <a:prstGeom prst="rect">
-            <a:avLst/>
-          </a:prstGeom>
-        </p:spPr>
-      </p:pic>
-      <p:sp>
-        <p:nvSpPr>
-          <p:cNvPr id="5" name="직사각형 4"/>
-          <p:cNvSpPr/>
-          <p:nvPr/>
-        </p:nvSpPr>
-        <p:spPr>
-          <a:xfrm>
-            <a:off x="7805651" y="3241963"/>
-            <a:ext cx="3483033" cy="1753985"/>
-          </a:xfrm>
-          <a:prstGeom prst="rect">
-            <a:avLst/>
-          </a:prstGeom>
-          <a:noFill/>
-          <a:ln>
-            <a:solidFill>
-              <a:srgbClr val="FF0000"/>
-            </a:solidFill>
-          </a:ln>
-        </p:spPr>
-        <p:style>
-          <a:lnRef idx="2">
-            <a:schemeClr val="accent1">
-              <a:shade val="50000"/>
-            </a:schemeClr>
-          </a:lnRef>
-          <a:fillRef idx="1">
-            <a:schemeClr val="accent1"/>
-          </a:fillRef>
-          <a:effectRef idx="0">
-            <a:schemeClr val="accent1"/>
-          </a:effectRef>
-          <a:fontRef idx="minor">
-            <a:schemeClr val="lt1"/>
-          </a:fontRef>
-        </p:style>
-        <p:txBody>
-          <a:bodyPr rtlCol="0" anchor="ctr"/>
-          <a:lstStyle/>
-          <a:p>
-            <a:pPr algn="ctr"/>
-            <a:endParaRPr lang="ko-KR" altLang="en-US"/>
-          </a:p>
-        </p:txBody>
-      </p:sp>
-      <p:cxnSp>
-        <p:nvCxnSpPr>
-          <p:cNvPr id="8" name="직선 화살표 연결선 7"/>
-          <p:cNvCxnSpPr>
-            <a:stCxn id="4" idx="1"/>
-          </p:cNvCxnSpPr>
-          <p:nvPr/>
-        </p:nvCxnSpPr>
-        <p:spPr>
-          <a:xfrm flipH="1" flipV="1">
-            <a:off x="6641869" y="4305993"/>
-            <a:ext cx="1035281" cy="2760"/>
-          </a:xfrm>
-          <a:prstGeom prst="straightConnector1">
-            <a:avLst/>
-          </a:prstGeom>
-          <a:ln>
-            <a:solidFill>
-              <a:srgbClr val="FF0000"/>
-            </a:solidFill>
-            <a:tailEnd type="triangle"/>
-          </a:ln>
-        </p:spPr>
-        <p:style>
-          <a:lnRef idx="1">
-            <a:schemeClr val="accent1"/>
-          </a:lnRef>
-          <a:fillRef idx="0">
-            <a:schemeClr val="accent1"/>
-          </a:fillRef>
-          <a:effectRef idx="0">
-            <a:schemeClr val="accent1"/>
-          </a:effectRef>
-          <a:fontRef idx="minor">
-            <a:schemeClr val="tx1"/>
-          </a:fontRef>
-        </p:style>
-      </p:cxnSp>
-    </p:spTree>
-    <p:extLst>
-      <p:ext uri="{BB962C8B-B14F-4D97-AF65-F5344CB8AC3E}">
-        <p14:creationId xmlns:p14="http://schemas.microsoft.com/office/powerpoint/2010/main" val="3360302231"/>
-      </p:ext>
-    </p:extLst>
-  </p:cSld>
-  <p:clrMapOvr>
-    <a:masterClrMapping/>
-  </p:clrMapOvr>
-  <p:timing>
-    <p:tnLst>
-      <p:par>
-        <p:cTn id="1" dur="indefinite" restart="never" nodeType="tmRoot"/>
-      </p:par>
-    </p:tnLst>
-  </p:timing>
-</p:sld>
-</file>
-
-<file path=ppt/slides/slide23.xml><?xml version="1.0" encoding="utf-8"?>
-<p:sld xmlns:a="http://schemas.openxmlformats.org/drawingml/2006/main" xmlns:r="http://schemas.openxmlformats.org/officeDocument/2006/relationships" xmlns:p="http://schemas.openxmlformats.org/presentationml/2006/main">
-  <p:cSld>
-    <p:spTree>
-      <p:nvGrpSpPr>
-        <p:cNvPr id="1" name=""/>
-        <p:cNvGrpSpPr/>
-        <p:nvPr/>
-      </p:nvGrpSpPr>
-      <p:grpSpPr>
-        <a:xfrm>
-          <a:off x="0" y="0"/>
-          <a:ext cx="0" cy="0"/>
-          <a:chOff x="0" y="0"/>
-          <a:chExt cx="0" cy="0"/>
-        </a:xfrm>
-      </p:grpSpPr>
-      <p:sp>
-        <p:nvSpPr>
-          <p:cNvPr id="7" name="제목 1"/>
-          <p:cNvSpPr txBox="1">
-            <a:spLocks/>
-          </p:cNvSpPr>
-          <p:nvPr/>
-        </p:nvSpPr>
-        <p:spPr>
-          <a:xfrm>
-            <a:off x="838200" y="365125"/>
-            <a:ext cx="10515600" cy="1090189"/>
-          </a:xfrm>
-          <a:prstGeom prst="rect">
-            <a:avLst/>
-          </a:prstGeom>
-        </p:spPr>
-        <p:txBody>
-          <a:bodyPr vert="horz" lIns="91440" tIns="45720" rIns="91440" bIns="45720" rtlCol="0" anchor="ctr">
-            <a:normAutofit/>
-          </a:bodyPr>
-          <a:lstStyle>
-            <a:lvl1pPr algn="l" defTabSz="914400" rtl="0" eaLnBrk="1" latinLnBrk="1" hangingPunct="1">
-              <a:lnSpc>
-                <a:spcPct val="90000"/>
-              </a:lnSpc>
-              <a:spcBef>
-                <a:spcPct val="0"/>
-              </a:spcBef>
-              <a:buNone/>
-              <a:defRPr sz="4800" kern="1200">
-                <a:solidFill>
-                  <a:schemeClr val="accent4"/>
-                </a:solidFill>
-                <a:latin typeface="+mj-lt"/>
-                <a:ea typeface="+mj-ea"/>
-                <a:cs typeface="+mj-cs"/>
-              </a:defRPr>
-            </a:lvl1pPr>
-          </a:lstStyle>
-          <a:p>
-            <a:r>
-              <a:rPr lang="en-US" altLang="ko-KR" dirty="0" err="1" smtClean="0">
-                <a:latin typeface="함초롬돋움" panose="020B0604000101010101" pitchFamily="50" charset="-127"/>
-                <a:ea typeface="함초롬돋움" panose="020B0604000101010101" pitchFamily="50" charset="-127"/>
-                <a:cs typeface="함초롬돋움" panose="020B0604000101010101" pitchFamily="50" charset="-127"/>
-              </a:rPr>
-              <a:t>ICollectionView</a:t>
-            </a:r>
-            <a:r>
-              <a:rPr lang="en-US" altLang="ko-KR" dirty="0" smtClean="0">
-                <a:latin typeface="함초롬돋움" panose="020B0604000101010101" pitchFamily="50" charset="-127"/>
-                <a:ea typeface="함초롬돋움" panose="020B0604000101010101" pitchFamily="50" charset="-127"/>
-                <a:cs typeface="함초롬돋움" panose="020B0604000101010101" pitchFamily="50" charset="-127"/>
-              </a:rPr>
-              <a:t> </a:t>
-            </a:r>
-            <a:r>
-              <a:rPr lang="ko-KR" altLang="en-US" dirty="0" smtClean="0">
-                <a:latin typeface="함초롬돋움" panose="020B0604000101010101" pitchFamily="50" charset="-127"/>
-                <a:ea typeface="함초롬돋움" panose="020B0604000101010101" pitchFamily="50" charset="-127"/>
-                <a:cs typeface="함초롬돋움" panose="020B0604000101010101" pitchFamily="50" charset="-127"/>
-              </a:rPr>
-              <a:t>적용 하기</a:t>
-            </a:r>
             <a:endParaRPr lang="ko-KR" altLang="en-US" dirty="0">
               <a:latin typeface="함초롬돋움" panose="020B0604000101010101" pitchFamily="50" charset="-127"/>
               <a:ea typeface="함초롬돋움" panose="020B0604000101010101" pitchFamily="50" charset="-127"/>
@@ -6207,7 +6285,7 @@
         </p:nvGrpSpPr>
         <p:grpSpPr>
           <a:xfrm>
-            <a:off x="3246408" y="2723375"/>
+            <a:off x="3246408" y="2723374"/>
             <a:ext cx="5699184" cy="3256676"/>
             <a:chOff x="952096" y="2723375"/>
             <a:chExt cx="5699184" cy="3256676"/>
@@ -6289,10 +6367,220 @@
           </p:txBody>
         </p:sp>
       </p:grpSp>
+      <p:sp>
+        <p:nvSpPr>
+          <p:cNvPr id="3" name="TextBox 2"/>
+          <p:cNvSpPr txBox="1"/>
+          <p:nvPr/>
+        </p:nvSpPr>
+        <p:spPr>
+          <a:xfrm>
+            <a:off x="8198743" y="4589854"/>
+            <a:ext cx="2440092" cy="523220"/>
+          </a:xfrm>
+          <a:prstGeom prst="rect">
+            <a:avLst/>
+          </a:prstGeom>
+          <a:noFill/>
+        </p:spPr>
+        <p:txBody>
+          <a:bodyPr wrap="none" rtlCol="0">
+            <a:spAutoFit/>
+          </a:bodyPr>
+          <a:lstStyle/>
+          <a:p>
+            <a:r>
+              <a:rPr lang="en-US" altLang="ko-KR" sz="1400" dirty="0" err="1" smtClean="0"/>
+              <a:t>myData</a:t>
+            </a:r>
+            <a:r>
+              <a:rPr lang="ko-KR" altLang="en-US" sz="1400" dirty="0" smtClean="0"/>
+              <a:t> 컬렉션이 바인딩 된</a:t>
+            </a:r>
+            <a:r>
+              <a:rPr lang="en-US" altLang="ko-KR" sz="1400" dirty="0" smtClean="0"/>
+              <a:t> </a:t>
+            </a:r>
+          </a:p>
+          <a:p>
+            <a:r>
+              <a:rPr lang="en-US" altLang="ko-KR" sz="1400" dirty="0" smtClean="0"/>
+              <a:t>UI</a:t>
+            </a:r>
+            <a:r>
+              <a:rPr lang="ko-KR" altLang="en-US" sz="1400" dirty="0" smtClean="0"/>
+              <a:t>를 가져옴</a:t>
+            </a:r>
+            <a:endParaRPr lang="ko-KR" altLang="en-US" sz="1400" dirty="0"/>
+          </a:p>
+        </p:txBody>
+      </p:sp>
+      <p:cxnSp>
+        <p:nvCxnSpPr>
+          <p:cNvPr id="8" name="직선 화살표 연결선 7"/>
+          <p:cNvCxnSpPr/>
+          <p:nvPr/>
+        </p:nvCxnSpPr>
+        <p:spPr>
+          <a:xfrm flipH="1">
+            <a:off x="7916853" y="4743743"/>
+            <a:ext cx="279497" cy="0"/>
+          </a:xfrm>
+          <a:prstGeom prst="straightConnector1">
+            <a:avLst/>
+          </a:prstGeom>
+          <a:ln>
+            <a:solidFill>
+              <a:srgbClr val="FF0000"/>
+            </a:solidFill>
+            <a:tailEnd type="triangle"/>
+          </a:ln>
+        </p:spPr>
+        <p:style>
+          <a:lnRef idx="1">
+            <a:schemeClr val="accent1"/>
+          </a:lnRef>
+          <a:fillRef idx="0">
+            <a:schemeClr val="accent1"/>
+          </a:fillRef>
+          <a:effectRef idx="0">
+            <a:schemeClr val="accent1"/>
+          </a:effectRef>
+          <a:fontRef idx="minor">
+            <a:schemeClr val="tx1"/>
+          </a:fontRef>
+        </p:style>
+      </p:cxnSp>
     </p:spTree>
     <p:extLst>
       <p:ext uri="{BB962C8B-B14F-4D97-AF65-F5344CB8AC3E}">
         <p14:creationId xmlns:p14="http://schemas.microsoft.com/office/powerpoint/2010/main" val="1411524878"/>
+      </p:ext>
+    </p:extLst>
+  </p:cSld>
+  <p:clrMapOvr>
+    <a:masterClrMapping/>
+  </p:clrMapOvr>
+  <p:timing>
+    <p:tnLst>
+      <p:par>
+        <p:cTn id="1" dur="indefinite" restart="never" nodeType="tmRoot"/>
+      </p:par>
+    </p:tnLst>
+  </p:timing>
+</p:sld>
+</file>
+
+<file path=ppt/slides/slide23.xml><?xml version="1.0" encoding="utf-8"?>
+<p:sld xmlns:a="http://schemas.openxmlformats.org/drawingml/2006/main" xmlns:r="http://schemas.openxmlformats.org/officeDocument/2006/relationships" xmlns:p="http://schemas.openxmlformats.org/presentationml/2006/main">
+  <p:cSld>
+    <p:spTree>
+      <p:nvGrpSpPr>
+        <p:cNvPr id="1" name=""/>
+        <p:cNvGrpSpPr/>
+        <p:nvPr/>
+      </p:nvGrpSpPr>
+      <p:grpSpPr>
+        <a:xfrm>
+          <a:off x="0" y="0"/>
+          <a:ext cx="0" cy="0"/>
+          <a:chOff x="0" y="0"/>
+          <a:chExt cx="0" cy="0"/>
+        </a:xfrm>
+      </p:grpSpPr>
+      <p:sp>
+        <p:nvSpPr>
+          <p:cNvPr id="7" name="제목 1"/>
+          <p:cNvSpPr txBox="1">
+            <a:spLocks/>
+          </p:cNvSpPr>
+          <p:nvPr/>
+        </p:nvSpPr>
+        <p:spPr>
+          <a:xfrm>
+            <a:off x="838200" y="365125"/>
+            <a:ext cx="10515600" cy="1090189"/>
+          </a:xfrm>
+          <a:prstGeom prst="rect">
+            <a:avLst/>
+          </a:prstGeom>
+        </p:spPr>
+        <p:txBody>
+          <a:bodyPr vert="horz" lIns="91440" tIns="45720" rIns="91440" bIns="45720" rtlCol="0" anchor="ctr">
+            <a:normAutofit/>
+          </a:bodyPr>
+          <a:lstStyle>
+            <a:lvl1pPr algn="l" defTabSz="914400" rtl="0" eaLnBrk="1" latinLnBrk="1" hangingPunct="1">
+              <a:lnSpc>
+                <a:spcPct val="90000"/>
+              </a:lnSpc>
+              <a:spcBef>
+                <a:spcPct val="0"/>
+              </a:spcBef>
+              <a:buNone/>
+              <a:defRPr sz="4800" kern="1200">
+                <a:solidFill>
+                  <a:schemeClr val="accent4"/>
+                </a:solidFill>
+                <a:latin typeface="+mj-lt"/>
+                <a:ea typeface="+mj-ea"/>
+                <a:cs typeface="+mj-cs"/>
+              </a:defRPr>
+            </a:lvl1pPr>
+          </a:lstStyle>
+          <a:p>
+            <a:r>
+              <a:rPr lang="ko-KR" altLang="en-US" dirty="0" err="1" smtClean="0">
+                <a:latin typeface="함초롬돋움" panose="020B0604000101010101" pitchFamily="50" charset="-127"/>
+                <a:ea typeface="함초롬돋움" panose="020B0604000101010101" pitchFamily="50" charset="-127"/>
+                <a:cs typeface="함초롬돋움" panose="020B0604000101010101" pitchFamily="50" charset="-127"/>
+              </a:rPr>
+              <a:t>필터링</a:t>
+            </a:r>
+            <a:r>
+              <a:rPr lang="ko-KR" altLang="en-US" dirty="0" smtClean="0">
+                <a:latin typeface="함초롬돋움" panose="020B0604000101010101" pitchFamily="50" charset="-127"/>
+                <a:ea typeface="함초롬돋움" panose="020B0604000101010101" pitchFamily="50" charset="-127"/>
+                <a:cs typeface="함초롬돋움" panose="020B0604000101010101" pitchFamily="50" charset="-127"/>
+              </a:rPr>
+              <a:t> 기능 추가하기</a:t>
+            </a:r>
+            <a:endParaRPr lang="ko-KR" altLang="en-US" dirty="0">
+              <a:latin typeface="함초롬돋움" panose="020B0604000101010101" pitchFamily="50" charset="-127"/>
+              <a:ea typeface="함초롬돋움" panose="020B0604000101010101" pitchFamily="50" charset="-127"/>
+              <a:cs typeface="함초롬돋움" panose="020B0604000101010101" pitchFamily="50" charset="-127"/>
+            </a:endParaRPr>
+          </a:p>
+        </p:txBody>
+      </p:sp>
+      <p:pic>
+        <p:nvPicPr>
+          <p:cNvPr id="9" name="그림 8"/>
+          <p:cNvPicPr>
+            <a:picLocks noChangeAspect="1"/>
+          </p:cNvPicPr>
+          <p:nvPr/>
+        </p:nvPicPr>
+        <p:blipFill>
+          <a:blip r:embed="rId2"/>
+          <a:stretch>
+            <a:fillRect/>
+          </a:stretch>
+        </p:blipFill>
+        <p:spPr>
+          <a:xfrm>
+            <a:off x="4162425" y="2170390"/>
+            <a:ext cx="3867150" cy="3819525"/>
+          </a:xfrm>
+          <a:prstGeom prst="rect">
+            <a:avLst/>
+          </a:prstGeom>
+        </p:spPr>
+      </p:pic>
+    </p:spTree>
+    <p:extLst>
+      <p:ext uri="{BB962C8B-B14F-4D97-AF65-F5344CB8AC3E}">
+        <p14:creationId xmlns:p14="http://schemas.microsoft.com/office/powerpoint/2010/main" val="2928370856"/>
       </p:ext>
     </p:extLst>
   </p:cSld>
@@ -6368,132 +6656,6 @@
           </a:lstStyle>
           <a:p>
             <a:r>
-              <a:rPr lang="ko-KR" altLang="en-US" dirty="0" err="1" smtClean="0">
-                <a:latin typeface="함초롬돋움" panose="020B0604000101010101" pitchFamily="50" charset="-127"/>
-                <a:ea typeface="함초롬돋움" panose="020B0604000101010101" pitchFamily="50" charset="-127"/>
-                <a:cs typeface="함초롬돋움" panose="020B0604000101010101" pitchFamily="50" charset="-127"/>
-              </a:rPr>
-              <a:t>필터링</a:t>
-            </a:r>
-            <a:r>
-              <a:rPr lang="ko-KR" altLang="en-US" dirty="0" smtClean="0">
-                <a:latin typeface="함초롬돋움" panose="020B0604000101010101" pitchFamily="50" charset="-127"/>
-                <a:ea typeface="함초롬돋움" panose="020B0604000101010101" pitchFamily="50" charset="-127"/>
-                <a:cs typeface="함초롬돋움" panose="020B0604000101010101" pitchFamily="50" charset="-127"/>
-              </a:rPr>
-              <a:t> 기능 추가하기</a:t>
-            </a:r>
-            <a:endParaRPr lang="ko-KR" altLang="en-US" dirty="0">
-              <a:latin typeface="함초롬돋움" panose="020B0604000101010101" pitchFamily="50" charset="-127"/>
-              <a:ea typeface="함초롬돋움" panose="020B0604000101010101" pitchFamily="50" charset="-127"/>
-              <a:cs typeface="함초롬돋움" panose="020B0604000101010101" pitchFamily="50" charset="-127"/>
-            </a:endParaRPr>
-          </a:p>
-        </p:txBody>
-      </p:sp>
-      <p:pic>
-        <p:nvPicPr>
-          <p:cNvPr id="9" name="그림 8"/>
-          <p:cNvPicPr>
-            <a:picLocks noChangeAspect="1"/>
-          </p:cNvPicPr>
-          <p:nvPr/>
-        </p:nvPicPr>
-        <p:blipFill>
-          <a:blip r:embed="rId2"/>
-          <a:stretch>
-            <a:fillRect/>
-          </a:stretch>
-        </p:blipFill>
-        <p:spPr>
-          <a:xfrm>
-            <a:off x="3713852" y="2170390"/>
-            <a:ext cx="3867150" cy="3819525"/>
-          </a:xfrm>
-          <a:prstGeom prst="rect">
-            <a:avLst/>
-          </a:prstGeom>
-        </p:spPr>
-      </p:pic>
-    </p:spTree>
-    <p:extLst>
-      <p:ext uri="{BB962C8B-B14F-4D97-AF65-F5344CB8AC3E}">
-        <p14:creationId xmlns:p14="http://schemas.microsoft.com/office/powerpoint/2010/main" val="2928370856"/>
-      </p:ext>
-    </p:extLst>
-  </p:cSld>
-  <p:clrMapOvr>
-    <a:masterClrMapping/>
-  </p:clrMapOvr>
-  <p:timing>
-    <p:tnLst>
-      <p:par>
-        <p:cTn id="1" dur="indefinite" restart="never" nodeType="tmRoot"/>
-      </p:par>
-    </p:tnLst>
-  </p:timing>
-</p:sld>
-</file>
-
-<file path=ppt/slides/slide25.xml><?xml version="1.0" encoding="utf-8"?>
-<p:sld xmlns:a="http://schemas.openxmlformats.org/drawingml/2006/main" xmlns:r="http://schemas.openxmlformats.org/officeDocument/2006/relationships" xmlns:p="http://schemas.openxmlformats.org/presentationml/2006/main">
-  <p:cSld>
-    <p:spTree>
-      <p:nvGrpSpPr>
-        <p:cNvPr id="1" name=""/>
-        <p:cNvGrpSpPr/>
-        <p:nvPr/>
-      </p:nvGrpSpPr>
-      <p:grpSpPr>
-        <a:xfrm>
-          <a:off x="0" y="0"/>
-          <a:ext cx="0" cy="0"/>
-          <a:chOff x="0" y="0"/>
-          <a:chExt cx="0" cy="0"/>
-        </a:xfrm>
-      </p:grpSpPr>
-      <p:sp>
-        <p:nvSpPr>
-          <p:cNvPr id="7" name="제목 1"/>
-          <p:cNvSpPr txBox="1">
-            <a:spLocks/>
-          </p:cNvSpPr>
-          <p:nvPr/>
-        </p:nvSpPr>
-        <p:spPr>
-          <a:xfrm>
-            <a:off x="838200" y="365125"/>
-            <a:ext cx="10515600" cy="1090189"/>
-          </a:xfrm>
-          <a:prstGeom prst="rect">
-            <a:avLst/>
-          </a:prstGeom>
-        </p:spPr>
-        <p:txBody>
-          <a:bodyPr vert="horz" lIns="91440" tIns="45720" rIns="91440" bIns="45720" rtlCol="0" anchor="ctr">
-            <a:normAutofit/>
-          </a:bodyPr>
-          <a:lstStyle>
-            <a:lvl1pPr algn="l" defTabSz="914400" rtl="0" eaLnBrk="1" latinLnBrk="1" hangingPunct="1">
-              <a:lnSpc>
-                <a:spcPct val="90000"/>
-              </a:lnSpc>
-              <a:spcBef>
-                <a:spcPct val="0"/>
-              </a:spcBef>
-              <a:buNone/>
-              <a:defRPr sz="4800" kern="1200">
-                <a:solidFill>
-                  <a:schemeClr val="accent4"/>
-                </a:solidFill>
-                <a:latin typeface="+mj-lt"/>
-                <a:ea typeface="+mj-ea"/>
-                <a:cs typeface="+mj-cs"/>
-              </a:defRPr>
-            </a:lvl1pPr>
-          </a:lstStyle>
-          <a:p>
-            <a:r>
               <a:rPr lang="ko-KR" altLang="en-US" dirty="0" smtClean="0">
                 <a:latin typeface="함초롬돋움" panose="020B0604000101010101" pitchFamily="50" charset="-127"/>
                 <a:ea typeface="함초롬돋움" panose="020B0604000101010101" pitchFamily="50" charset="-127"/>
@@ -6561,7 +6723,7 @@
 </p:sld>
 </file>
 
-<file path=ppt/slides/slide26.xml><?xml version="1.0" encoding="utf-8"?>
+<file path=ppt/slides/slide25.xml><?xml version="1.0" encoding="utf-8"?>
 <p:sld xmlns:a="http://schemas.openxmlformats.org/drawingml/2006/main" xmlns:r="http://schemas.openxmlformats.org/officeDocument/2006/relationships" xmlns:p="http://schemas.openxmlformats.org/presentationml/2006/main">
   <p:cSld>
     <p:spTree>
@@ -6912,7 +7074,7 @@
 </p:sld>
 </file>
 
-<file path=ppt/slides/slide27.xml><?xml version="1.0" encoding="utf-8"?>
+<file path=ppt/slides/slide26.xml><?xml version="1.0" encoding="utf-8"?>
 <p:sld xmlns:a="http://schemas.openxmlformats.org/drawingml/2006/main" xmlns:r="http://schemas.openxmlformats.org/officeDocument/2006/relationships" xmlns:p="http://schemas.openxmlformats.org/presentationml/2006/main">
   <p:cSld>
     <p:spTree>
@@ -10559,6 +10721,7 @@
             <a:endParaRPr lang="en-US" altLang="ko-KR" dirty="0" smtClean="0"/>
           </a:p>
           <a:p>
+            <a:pPr lvl="1"/>
             <a:endParaRPr lang="en-US" altLang="ko-KR" dirty="0" smtClean="0"/>
           </a:p>
           <a:p>
@@ -10586,7 +10749,7 @@
               <a:rPr lang="ko-KR" altLang="en-US" dirty="0" smtClean="0"/>
               <a:t>값이 변경 될 때 뷰 모델 또는 모델을 업데이트</a:t>
             </a:r>
-            <a:endParaRPr lang="en-US" altLang="ko-KR" dirty="0"/>
+            <a:endParaRPr lang="en-US" altLang="ko-KR" dirty="0" smtClean="0"/>
           </a:p>
           <a:p>
             <a:pPr lvl="1"/>
@@ -10614,15 +10777,7 @@
             </a:r>
             <a:r>
               <a:rPr lang="ko-KR" altLang="en-US" dirty="0" smtClean="0"/>
-              <a:t> 호출 </a:t>
-            </a:r>
-            <a:r>
-              <a:rPr lang="ko-KR" altLang="en-US" dirty="0" smtClean="0"/>
-              <a:t>될 때 </a:t>
-            </a:r>
-            <a:r>
-              <a:rPr lang="ko-KR" altLang="en-US" dirty="0" smtClean="0"/>
-              <a:t>뷰 모델 또는 모델을 업데이트</a:t>
+              <a:t> 호출 될 때 뷰 모델 또는 모델을 업데이트</a:t>
             </a:r>
             <a:endParaRPr lang="en-US" altLang="ko-KR" dirty="0"/>
           </a:p>
@@ -10679,6 +10834,22 @@
                 <a:cs typeface="함초롬돋움" panose="020B0604000101010101" pitchFamily="50" charset="-127"/>
               </a:rPr>
               <a:t>UpdateTrigger</a:t>
+            </a:r>
+            <a:r>
+              <a:rPr lang="en-US" altLang="ko-KR" dirty="0" smtClean="0">
+                <a:latin typeface="함초롬돋움" panose="020B0604000101010101" pitchFamily="50" charset="-127"/>
+                <a:ea typeface="함초롬돋움" panose="020B0604000101010101" pitchFamily="50" charset="-127"/>
+                <a:cs typeface="함초롬돋움" panose="020B0604000101010101" pitchFamily="50" charset="-127"/>
+              </a:rPr>
+              <a:t> </a:t>
+            </a:r>
+            <a:r>
+              <a:rPr lang="ko-KR" altLang="en-US" dirty="0" smtClean="0">
+                <a:latin typeface="함초롬돋움" panose="020B0604000101010101" pitchFamily="50" charset="-127"/>
+                <a:ea typeface="함초롬돋움" panose="020B0604000101010101" pitchFamily="50" charset="-127"/>
+                <a:cs typeface="함초롬돋움" panose="020B0604000101010101" pitchFamily="50" charset="-127"/>
+              </a:rPr>
+              <a:t>종류</a:t>
             </a:r>
             <a:endParaRPr lang="ko-KR" altLang="en-US" dirty="0">
               <a:latin typeface="함초롬돋움" panose="020B0604000101010101" pitchFamily="50" charset="-127"/>

--- a/PRISM_MVVM_사용.pptx
+++ b/PRISM_MVVM_사용.pptx
@@ -409,7 +409,7 @@
           <a:p>
             <a:fld id="{A5796949-F536-47E5-83D3-359ECBD6D674}" type="datetimeFigureOut">
               <a:rPr lang="ko-KR" altLang="en-US" smtClean="0"/>
-              <a:t>2017-04-06</a:t>
+              <a:t>2017-04-07</a:t>
             </a:fld>
             <a:endParaRPr lang="ko-KR" altLang="en-US"/>
           </a:p>
@@ -605,7 +605,7 @@
           <a:p>
             <a:fld id="{A5796949-F536-47E5-83D3-359ECBD6D674}" type="datetimeFigureOut">
               <a:rPr lang="ko-KR" altLang="en-US" smtClean="0"/>
-              <a:t>2017-04-06</a:t>
+              <a:t>2017-04-07</a:t>
             </a:fld>
             <a:endParaRPr lang="ko-KR" altLang="en-US"/>
           </a:p>
@@ -1001,7 +1001,7 @@
           <a:p>
             <a:fld id="{A5796949-F536-47E5-83D3-359ECBD6D674}" type="datetimeFigureOut">
               <a:rPr lang="ko-KR" altLang="en-US" smtClean="0"/>
-              <a:t>2017-04-06</a:t>
+              <a:t>2017-04-07</a:t>
             </a:fld>
             <a:endParaRPr lang="ko-KR" altLang="en-US"/>
           </a:p>
@@ -1249,7 +1249,7 @@
           <a:p>
             <a:fld id="{A5796949-F536-47E5-83D3-359ECBD6D674}" type="datetimeFigureOut">
               <a:rPr lang="ko-KR" altLang="en-US" smtClean="0"/>
-              <a:t>2017-04-06</a:t>
+              <a:t>2017-04-07</a:t>
             </a:fld>
             <a:endParaRPr lang="ko-KR" altLang="en-US"/>
           </a:p>
@@ -1632,7 +1632,7 @@
           <a:p>
             <a:fld id="{A5796949-F536-47E5-83D3-359ECBD6D674}" type="datetimeFigureOut">
               <a:rPr lang="ko-KR" altLang="en-US" smtClean="0"/>
-              <a:t>2017-04-06</a:t>
+              <a:t>2017-04-07</a:t>
             </a:fld>
             <a:endParaRPr lang="ko-KR" altLang="en-US"/>
           </a:p>
@@ -1766,7 +1766,7 @@
           <a:p>
             <a:fld id="{A5796949-F536-47E5-83D3-359ECBD6D674}" type="datetimeFigureOut">
               <a:rPr lang="ko-KR" altLang="en-US" smtClean="0"/>
-              <a:t>2017-04-06</a:t>
+              <a:t>2017-04-07</a:t>
             </a:fld>
             <a:endParaRPr lang="ko-KR" altLang="en-US"/>
           </a:p>
@@ -2113,7 +2113,7 @@
           <a:p>
             <a:fld id="{A5796949-F536-47E5-83D3-359ECBD6D674}" type="datetimeFigureOut">
               <a:rPr lang="ko-KR" altLang="en-US" smtClean="0"/>
-              <a:t>2017-04-06</a:t>
+              <a:t>2017-04-07</a:t>
             </a:fld>
             <a:endParaRPr lang="ko-KR" altLang="en-US"/>
           </a:p>
@@ -2382,7 +2382,7 @@
           <a:p>
             <a:fld id="{A5796949-F536-47E5-83D3-359ECBD6D674}" type="datetimeFigureOut">
               <a:rPr lang="ko-KR" altLang="en-US" smtClean="0"/>
-              <a:t>2017-04-06</a:t>
+              <a:t>2017-04-07</a:t>
             </a:fld>
             <a:endParaRPr lang="ko-KR" altLang="en-US"/>
           </a:p>
@@ -4226,11 +4226,7 @@
             </a:r>
             <a:r>
               <a:rPr lang="ko-KR" altLang="en-US" dirty="0" smtClean="0"/>
-              <a:t>적용 </a:t>
-            </a:r>
-            <a:r>
-              <a:rPr lang="ko-KR" altLang="en-US" dirty="0" smtClean="0"/>
-              <a:t>하지 않은 </a:t>
+              <a:t>적용 하지 않은 </a:t>
             </a:r>
             <a:r>
               <a:rPr lang="ko-KR" altLang="en-US" dirty="0" err="1" smtClean="0"/>
@@ -4521,11 +4517,7 @@
             </a:r>
             <a:r>
               <a:rPr lang="ko-KR" altLang="en-US" dirty="0" smtClean="0"/>
-              <a:t>로 구현 되어 </a:t>
-            </a:r>
-            <a:r>
-              <a:rPr lang="ko-KR" altLang="en-US" dirty="0" smtClean="0"/>
-              <a:t>있음</a:t>
+              <a:t>로 구현 되어 있음</a:t>
             </a:r>
             <a:endParaRPr lang="en-US" altLang="ko-KR" dirty="0" smtClean="0"/>
           </a:p>
@@ -5974,15 +5966,7 @@
                 <a:ea typeface="함초롬돋움" panose="020B0604000101010101" pitchFamily="50" charset="-127"/>
                 <a:cs typeface="함초롬돋움" panose="020B0604000101010101" pitchFamily="50" charset="-127"/>
               </a:rPr>
-              <a:t>적용 </a:t>
-            </a:r>
-            <a:r>
-              <a:rPr lang="ko-KR" altLang="en-US" dirty="0" smtClean="0">
-                <a:latin typeface="함초롬돋움" panose="020B0604000101010101" pitchFamily="50" charset="-127"/>
-                <a:ea typeface="함초롬돋움" panose="020B0604000101010101" pitchFamily="50" charset="-127"/>
-                <a:cs typeface="함초롬돋움" panose="020B0604000101010101" pitchFamily="50" charset="-127"/>
-              </a:rPr>
-              <a:t>하기</a:t>
+              <a:t>적용 하기</a:t>
             </a:r>
             <a:endParaRPr lang="ko-KR" altLang="en-US" dirty="0">
               <a:latin typeface="함초롬돋움" panose="020B0604000101010101" pitchFamily="50" charset="-127"/>
@@ -6395,7 +6379,15 @@
             </a:r>
             <a:r>
               <a:rPr lang="ko-KR" altLang="en-US" sz="1400" dirty="0" smtClean="0"/>
-              <a:t> 컬렉션이 바인딩 된</a:t>
+              <a:t> </a:t>
+            </a:r>
+            <a:r>
+              <a:rPr lang="ko-KR" altLang="en-US" sz="1400" dirty="0" smtClean="0"/>
+              <a:t>컬렉션에 </a:t>
+            </a:r>
+            <a:r>
+              <a:rPr lang="ko-KR" altLang="en-US" sz="1400" dirty="0" smtClean="0"/>
+              <a:t>바인딩 된</a:t>
             </a:r>
             <a:r>
               <a:rPr lang="en-US" altLang="ko-KR" sz="1400" dirty="0" smtClean="0"/>
